--- a/static/slides/vnopenai-vn-accent.pptx
+++ b/static/slides/vnopenai-vn-accent.pptx
@@ -36,21 +36,21 @@
       <p:boldItalic r:id="rId22"/>
     </p:embeddedFont>
     <p:embeddedFont>
-      <p:font typeface="Lato" panose="020B0604020202020204" charset="0"/>
+      <p:font typeface="Montserrat" panose="020B0604020202020204" charset="0"/>
       <p:regular r:id="rId23"/>
       <p:bold r:id="rId24"/>
       <p:italic r:id="rId25"/>
       <p:boldItalic r:id="rId26"/>
     </p:embeddedFont>
     <p:embeddedFont>
-      <p:font typeface="Montserrat Medium" panose="020B0604020202020204" charset="0"/>
+      <p:font typeface="Lato" panose="020B0604020202020204" charset="0"/>
       <p:regular r:id="rId27"/>
       <p:bold r:id="rId28"/>
       <p:italic r:id="rId29"/>
       <p:boldItalic r:id="rId30"/>
     </p:embeddedFont>
     <p:embeddedFont>
-      <p:font typeface="Montserrat" panose="020B0604020202020204" charset="0"/>
+      <p:font typeface="Montserrat Medium" panose="020B0604020202020204" charset="0"/>
       <p:regular r:id="rId31"/>
       <p:bold r:id="rId32"/>
       <p:italic r:id="rId33"/>
@@ -13807,8 +13807,8 @@
           <a:p>
             <a:pPr algn="ctr"/>
             <a:r>
-              <a:rPr lang="en-US" sz="1600" smtClean="0"/>
-              <a:t>3699831 </a:t>
+              <a:rPr lang="en-US" sz="1600"/>
+              <a:t>4547694 </a:t>
             </a:r>
             <a:r>
               <a:rPr lang="en-US" sz="1600"/>
@@ -13909,8 +13909,12 @@
           <a:p>
             <a:pPr algn="ctr"/>
             <a:r>
+              <a:rPr lang="en-US" sz="1600" smtClean="0"/>
+              <a:t>10000 </a:t>
+            </a:r>
+            <a:r>
               <a:rPr lang="en-US" sz="1600"/>
-              <a:t>411093 sentences</a:t>
+              <a:t>sentences</a:t>
             </a:r>
           </a:p>
         </p:txBody>
@@ -13959,7 +13963,11 @@
             <a:pPr algn="ctr"/>
             <a:r>
               <a:rPr lang="en-US" sz="1600"/>
-              <a:t>456770 sentences</a:t>
+              <a:t>10000 </a:t>
+            </a:r>
+            <a:r>
+              <a:rPr lang="en-US" sz="1600"/>
+              <a:t>sentences</a:t>
             </a:r>
           </a:p>
         </p:txBody>
@@ -18379,9 +18387,6 @@
               </a:rPr>
               <a:t>datasets.</a:t>
             </a:r>
-            <a:endParaRPr lang="en-US" sz="1600" smtClean="0">
-              <a:latin typeface="Montserrat" panose="020B0604020202020204" charset="0"/>
-            </a:endParaRPr>
           </a:p>
           <a:p>
             <a:pPr marL="91440">
@@ -18435,13 +18440,7 @@
               <a:rPr lang="en-US" sz="1600" smtClean="0">
                 <a:latin typeface="Montserrat" panose="020B0604020202020204" charset="0"/>
               </a:rPr>
-              <a:t>Implement and training </a:t>
-            </a:r>
-            <a:r>
-              <a:rPr lang="en-US" sz="1600" smtClean="0">
-                <a:latin typeface="Montserrat" panose="020B0604020202020204" charset="0"/>
-              </a:rPr>
-              <a:t>models.</a:t>
+              <a:t>Implement and training models.</a:t>
             </a:r>
           </a:p>
           <a:p>
@@ -18454,13 +18453,7 @@
               <a:rPr lang="en-US" sz="1600" b="1" smtClean="0">
                 <a:latin typeface="Montserrat" panose="020B0604020202020204" charset="0"/>
               </a:rPr>
-              <a:t>Stage </a:t>
-            </a:r>
-            <a:r>
-              <a:rPr lang="en-US" sz="1600" b="1" smtClean="0">
-                <a:latin typeface="Montserrat" panose="020B0604020202020204" charset="0"/>
-              </a:rPr>
-              <a:t>3: 21/01/2021 – 25/01/2021</a:t>
+              <a:t>Stage 3: 21/01/2021 – 25/01/2021</a:t>
             </a:r>
           </a:p>
           <a:p>
@@ -18490,23 +18483,8 @@
               <a:rPr lang="en-US" sz="1600" smtClean="0">
                 <a:latin typeface="Montserrat" panose="020B0604020202020204" charset="0"/>
               </a:rPr>
-              <a:t>Refine </a:t>
+              <a:t>Refine and deploy models, write report.</a:t>
             </a:r>
-            <a:r>
-              <a:rPr lang="en-US" sz="1600" smtClean="0">
-                <a:latin typeface="Montserrat" panose="020B0604020202020204" charset="0"/>
-              </a:rPr>
-              <a:t>and deploy models, write </a:t>
-            </a:r>
-            <a:r>
-              <a:rPr lang="en-US" sz="1600" smtClean="0">
-                <a:latin typeface="Montserrat" panose="020B0604020202020204" charset="0"/>
-              </a:rPr>
-              <a:t>report.</a:t>
-            </a:r>
-            <a:endParaRPr lang="en-US" sz="1600" smtClean="0">
-              <a:latin typeface="Montserrat" panose="020B0604020202020204" charset="0"/>
-            </a:endParaRPr>
           </a:p>
           <a:p>
             <a:pPr marL="91440"/>
@@ -20080,7 +20058,7 @@
         </p:blipFill>
         <p:spPr>
           <a:xfrm>
-            <a:off x="3636532" y="1400892"/>
+            <a:off x="1807732" y="1208042"/>
             <a:ext cx="2022765" cy="817419"/>
           </a:xfrm>
           <a:prstGeom prst="rect">

--- a/static/slides/vnopenai-vn-accent.pptx
+++ b/static/slides/vnopenai-vn-accent.pptx
@@ -5,7 +5,7 @@
     <p:sldMasterId id="2147483691" r:id="rId1"/>
   </p:sldMasterIdLst>
   <p:notesMasterIdLst>
-    <p:notesMasterId r:id="rId18"/>
+    <p:notesMasterId r:id="rId17"/>
   </p:notesMasterIdLst>
   <p:sldIdLst>
     <p:sldId id="256" r:id="rId2"/>
@@ -22,39 +22,38 @@
     <p:sldId id="294" r:id="rId13"/>
     <p:sldId id="304" r:id="rId14"/>
     <p:sldId id="295" r:id="rId15"/>
-    <p:sldId id="299" r:id="rId16"/>
-    <p:sldId id="290" r:id="rId17"/>
+    <p:sldId id="290" r:id="rId16"/>
   </p:sldIdLst>
   <p:sldSz cx="9144000" cy="5143500" type="screen16x9"/>
   <p:notesSz cx="9144000" cy="6858000"/>
   <p:embeddedFontLst>
     <p:embeddedFont>
-      <p:font typeface="Nunito" panose="020B0604020202020204" charset="0"/>
-      <p:regular r:id="rId19"/>
-      <p:bold r:id="rId20"/>
-      <p:italic r:id="rId21"/>
-      <p:boldItalic r:id="rId22"/>
+      <p:font typeface="Lato" panose="020B0604020202020204" charset="0"/>
+      <p:regular r:id="rId18"/>
+      <p:bold r:id="rId19"/>
+      <p:italic r:id="rId20"/>
+      <p:boldItalic r:id="rId21"/>
     </p:embeddedFont>
     <p:embeddedFont>
       <p:font typeface="Montserrat" panose="020B0604020202020204" charset="0"/>
-      <p:regular r:id="rId23"/>
-      <p:bold r:id="rId24"/>
-      <p:italic r:id="rId25"/>
-      <p:boldItalic r:id="rId26"/>
-    </p:embeddedFont>
-    <p:embeddedFont>
-      <p:font typeface="Lato" panose="020B0604020202020204" charset="0"/>
-      <p:regular r:id="rId27"/>
-      <p:bold r:id="rId28"/>
-      <p:italic r:id="rId29"/>
-      <p:boldItalic r:id="rId30"/>
+      <p:regular r:id="rId22"/>
+      <p:bold r:id="rId23"/>
+      <p:italic r:id="rId24"/>
+      <p:boldItalic r:id="rId25"/>
     </p:embeddedFont>
     <p:embeddedFont>
       <p:font typeface="Montserrat Medium" panose="020B0604020202020204" charset="0"/>
-      <p:regular r:id="rId31"/>
-      <p:bold r:id="rId32"/>
-      <p:italic r:id="rId33"/>
-      <p:boldItalic r:id="rId34"/>
+      <p:regular r:id="rId26"/>
+      <p:bold r:id="rId27"/>
+      <p:italic r:id="rId28"/>
+      <p:boldItalic r:id="rId29"/>
+    </p:embeddedFont>
+    <p:embeddedFont>
+      <p:font typeface="Nunito" panose="020B0604020202020204" charset="0"/>
+      <p:regular r:id="rId30"/>
+      <p:bold r:id="rId31"/>
+      <p:italic r:id="rId32"/>
+      <p:boldItalic r:id="rId33"/>
     </p:embeddedFont>
   </p:embeddedFontLst>
   <p:defaultTextStyle>
@@ -1392,115 +1391,6 @@
   <p:cSld>
     <p:spTree>
       <p:nvGrpSpPr>
-        <p:cNvPr id="1" name="Shape 560"/>
-        <p:cNvGrpSpPr/>
-        <p:nvPr/>
-      </p:nvGrpSpPr>
-      <p:grpSpPr>
-        <a:xfrm>
-          <a:off x="0" y="0"/>
-          <a:ext cx="0" cy="0"/>
-          <a:chOff x="0" y="0"/>
-          <a:chExt cx="0" cy="0"/>
-        </a:xfrm>
-      </p:grpSpPr>
-      <p:sp>
-        <p:nvSpPr>
-          <p:cNvPr id="561" name="Google Shape;561;ga4d9eac47b_1_10842:notes"/>
-          <p:cNvSpPr>
-            <a:spLocks noGrp="1" noRot="1" noChangeAspect="1"/>
-          </p:cNvSpPr>
-          <p:nvPr>
-            <p:ph type="sldImg" idx="2"/>
-          </p:nvPr>
-        </p:nvSpPr>
-        <p:spPr>
-          <a:xfrm>
-            <a:off x="2286000" y="514350"/>
-            <a:ext cx="4572000" cy="2571750"/>
-          </a:xfrm>
-          <a:custGeom>
-            <a:avLst/>
-            <a:gdLst/>
-            <a:ahLst/>
-            <a:cxnLst/>
-            <a:rect l="l" t="t" r="r" b="b"/>
-            <a:pathLst>
-              <a:path w="120000" h="120000" extrusionOk="0">
-                <a:moveTo>
-                  <a:pt x="0" y="0"/>
-                </a:moveTo>
-                <a:lnTo>
-                  <a:pt x="120000" y="0"/>
-                </a:lnTo>
-                <a:lnTo>
-                  <a:pt x="120000" y="120000"/>
-                </a:lnTo>
-                <a:lnTo>
-                  <a:pt x="0" y="120000"/>
-                </a:lnTo>
-                <a:close/>
-              </a:path>
-            </a:pathLst>
-          </a:custGeom>
-        </p:spPr>
-      </p:sp>
-      <p:sp>
-        <p:nvSpPr>
-          <p:cNvPr id="562" name="Google Shape;562;ga4d9eac47b_1_10842:notes"/>
-          <p:cNvSpPr txBox="1">
-            <a:spLocks noGrp="1"/>
-          </p:cNvSpPr>
-          <p:nvPr>
-            <p:ph type="body" idx="1"/>
-          </p:nvPr>
-        </p:nvSpPr>
-        <p:spPr>
-          <a:xfrm>
-            <a:off x="914400" y="3257550"/>
-            <a:ext cx="7315200" cy="3086100"/>
-          </a:xfrm>
-          <a:prstGeom prst="rect">
-            <a:avLst/>
-          </a:prstGeom>
-        </p:spPr>
-        <p:txBody>
-          <a:bodyPr spcFirstLastPara="1" wrap="square" lIns="91425" tIns="91425" rIns="91425" bIns="91425" anchor="t" anchorCtr="0">
-            <a:noAutofit/>
-          </a:bodyPr>
-          <a:lstStyle/>
-          <a:p>
-            <a:pPr marL="0" lvl="0" indent="0" algn="l" rtl="0">
-              <a:spcBef>
-                <a:spcPts val="0"/>
-              </a:spcBef>
-              <a:spcAft>
-                <a:spcPts val="0"/>
-              </a:spcAft>
-              <a:buNone/>
-            </a:pPr>
-            <a:endParaRPr/>
-          </a:p>
-        </p:txBody>
-      </p:sp>
-    </p:spTree>
-    <p:extLst>
-      <p:ext uri="{BB962C8B-B14F-4D97-AF65-F5344CB8AC3E}">
-        <p14:creationId xmlns:p14="http://schemas.microsoft.com/office/powerpoint/2010/main" val="3567117414"/>
-      </p:ext>
-    </p:extLst>
-  </p:cSld>
-  <p:clrMapOvr>
-    <a:masterClrMapping/>
-  </p:clrMapOvr>
-</p:notes>
-</file>
-
-<file path=ppt/notesSlides/notesSlide16.xml><?xml version="1.0" encoding="utf-8"?>
-<p:notes xmlns:a="http://schemas.openxmlformats.org/drawingml/2006/main" xmlns:r="http://schemas.openxmlformats.org/officeDocument/2006/relationships" xmlns:p="http://schemas.openxmlformats.org/presentationml/2006/main" showMasterSp="0" showMasterPhAnim="0">
-  <p:cSld>
-    <p:spTree>
-      <p:nvGrpSpPr>
         <p:cNvPr id="1" name="Shape 2780"/>
         <p:cNvGrpSpPr/>
         <p:nvPr/>
@@ -11217,7 +11107,7 @@
                 <a:hlinkClick r:id="rId2">
                   <a:extLst>
                     <a:ext uri="{A12FA001-AC4F-418D-AE19-62706E023703}">
-                      <ahyp:hlinkClr xmlns="" xmlns:mc="http://schemas.openxmlformats.org/markup-compatibility/2006" xmlns:mv="urn:schemas-microsoft-com:mac:vml" xmlns:c="http://schemas.openxmlformats.org/drawingml/2006/chart" xmlns:dgm="http://schemas.openxmlformats.org/drawingml/2006/diagram" xmlns:o="urn:schemas-microsoft-com:office:office" xmlns:v="urn:schemas-microsoft-com:vml" xmlns:pvml="urn:schemas-microsoft-com:office:powerpoint" xmlns:com="http://schemas.openxmlformats.org/drawingml/2006/compatibility" xmlns:p14="http://schemas.microsoft.com/office/powerpoint/2010/main" xmlns:p15="http://schemas.microsoft.com/office/powerpoint/2012/main" xmlns:ahyp="http://schemas.microsoft.com/office/drawing/2018/hyperlinkcolor" val="tx"/>
+                      <ahyp:hlinkClr xmlns:ahyp="http://schemas.microsoft.com/office/drawing/2018/hyperlinkcolor" xmlns:p15="http://schemas.microsoft.com/office/powerpoint/2012/main" xmlns:p14="http://schemas.microsoft.com/office/powerpoint/2010/main" xmlns:com="http://schemas.openxmlformats.org/drawingml/2006/compatibility" xmlns:pvml="urn:schemas-microsoft-com:office:powerpoint" xmlns:v="urn:schemas-microsoft-com:vml" xmlns:o="urn:schemas-microsoft-com:office:office" xmlns:dgm="http://schemas.openxmlformats.org/drawingml/2006/diagram" xmlns:c="http://schemas.openxmlformats.org/drawingml/2006/chart" xmlns:mv="urn:schemas-microsoft-com:mac:vml" xmlns:mc="http://schemas.openxmlformats.org/markup-compatibility/2006" xmlns="" val="tx"/>
                     </a:ext>
                   </a:extLst>
                 </a:hlinkClick>
@@ -11251,7 +11141,7 @@
                 <a:hlinkClick r:id="rId3">
                   <a:extLst>
                     <a:ext uri="{A12FA001-AC4F-418D-AE19-62706E023703}">
-                      <ahyp:hlinkClr xmlns="" xmlns:mc="http://schemas.openxmlformats.org/markup-compatibility/2006" xmlns:mv="urn:schemas-microsoft-com:mac:vml" xmlns:c="http://schemas.openxmlformats.org/drawingml/2006/chart" xmlns:dgm="http://schemas.openxmlformats.org/drawingml/2006/diagram" xmlns:o="urn:schemas-microsoft-com:office:office" xmlns:v="urn:schemas-microsoft-com:vml" xmlns:pvml="urn:schemas-microsoft-com:office:powerpoint" xmlns:com="http://schemas.openxmlformats.org/drawingml/2006/compatibility" xmlns:p14="http://schemas.microsoft.com/office/powerpoint/2010/main" xmlns:p15="http://schemas.microsoft.com/office/powerpoint/2012/main" xmlns:ahyp="http://schemas.microsoft.com/office/drawing/2018/hyperlinkcolor" val="tx"/>
+                      <ahyp:hlinkClr xmlns:ahyp="http://schemas.microsoft.com/office/drawing/2018/hyperlinkcolor" xmlns:p15="http://schemas.microsoft.com/office/powerpoint/2012/main" xmlns:p14="http://schemas.microsoft.com/office/powerpoint/2010/main" xmlns:com="http://schemas.openxmlformats.org/drawingml/2006/compatibility" xmlns:pvml="urn:schemas-microsoft-com:office:powerpoint" xmlns:v="urn:schemas-microsoft-com:vml" xmlns:o="urn:schemas-microsoft-com:office:office" xmlns:dgm="http://schemas.openxmlformats.org/drawingml/2006/diagram" xmlns:c="http://schemas.openxmlformats.org/drawingml/2006/chart" xmlns:mv="urn:schemas-microsoft-com:mac:vml" xmlns:mc="http://schemas.openxmlformats.org/markup-compatibility/2006" xmlns="" val="tx"/>
                     </a:ext>
                   </a:extLst>
                 </a:hlinkClick>
@@ -11285,7 +11175,7 @@
                 <a:hlinkClick r:id="rId4">
                   <a:extLst>
                     <a:ext uri="{A12FA001-AC4F-418D-AE19-62706E023703}">
-                      <ahyp:hlinkClr xmlns="" xmlns:mc="http://schemas.openxmlformats.org/markup-compatibility/2006" xmlns:mv="urn:schemas-microsoft-com:mac:vml" xmlns:c="http://schemas.openxmlformats.org/drawingml/2006/chart" xmlns:dgm="http://schemas.openxmlformats.org/drawingml/2006/diagram" xmlns:o="urn:schemas-microsoft-com:office:office" xmlns:v="urn:schemas-microsoft-com:vml" xmlns:pvml="urn:schemas-microsoft-com:office:powerpoint" xmlns:com="http://schemas.openxmlformats.org/drawingml/2006/compatibility" xmlns:p14="http://schemas.microsoft.com/office/powerpoint/2010/main" xmlns:p15="http://schemas.microsoft.com/office/powerpoint/2012/main" xmlns:ahyp="http://schemas.microsoft.com/office/drawing/2018/hyperlinkcolor" val="tx"/>
+                      <ahyp:hlinkClr xmlns:ahyp="http://schemas.microsoft.com/office/drawing/2018/hyperlinkcolor" xmlns:p15="http://schemas.microsoft.com/office/powerpoint/2012/main" xmlns:p14="http://schemas.microsoft.com/office/powerpoint/2010/main" xmlns:com="http://schemas.openxmlformats.org/drawingml/2006/compatibility" xmlns:pvml="urn:schemas-microsoft-com:office:powerpoint" xmlns:v="urn:schemas-microsoft-com:vml" xmlns:o="urn:schemas-microsoft-com:office:office" xmlns:dgm="http://schemas.openxmlformats.org/drawingml/2006/diagram" xmlns:c="http://schemas.openxmlformats.org/drawingml/2006/chart" xmlns:mv="urn:schemas-microsoft-com:mac:vml" xmlns:mc="http://schemas.openxmlformats.org/markup-compatibility/2006" xmlns="" val="tx"/>
                     </a:ext>
                   </a:extLst>
                 </a:hlinkClick>
@@ -13807,8 +13697,8 @@
           <a:p>
             <a:pPr algn="ctr"/>
             <a:r>
-              <a:rPr lang="en-US" sz="1600"/>
-              <a:t>4547694 </a:t>
+              <a:rPr lang="en-US" sz="1600" smtClean="0"/>
+              <a:t>4750883 </a:t>
             </a:r>
             <a:r>
               <a:rPr lang="en-US" sz="1600"/>
@@ -13963,11 +13853,7 @@
             <a:pPr algn="ctr"/>
             <a:r>
               <a:rPr lang="en-US" sz="1600"/>
-              <a:t>10000 </a:t>
-            </a:r>
-            <a:r>
-              <a:rPr lang="en-US" sz="1600"/>
-              <a:t>sentences</a:t>
+              <a:t>10000 sentences</a:t>
             </a:r>
           </a:p>
         </p:txBody>
@@ -18220,305 +18106,6 @@
   <p:cSld>
     <p:spTree>
       <p:nvGrpSpPr>
-        <p:cNvPr id="1" name="Shape 563"/>
-        <p:cNvGrpSpPr/>
-        <p:nvPr/>
-      </p:nvGrpSpPr>
-      <p:grpSpPr>
-        <a:xfrm>
-          <a:off x="0" y="0"/>
-          <a:ext cx="0" cy="0"/>
-          <a:chOff x="0" y="0"/>
-          <a:chExt cx="0" cy="0"/>
-        </a:xfrm>
-      </p:grpSpPr>
-      <p:sp>
-        <p:nvSpPr>
-          <p:cNvPr id="120" name="Oval 119"/>
-          <p:cNvSpPr/>
-          <p:nvPr/>
-        </p:nvSpPr>
-        <p:spPr>
-          <a:xfrm>
-            <a:off x="532224" y="346870"/>
-            <a:ext cx="701040" cy="670560"/>
-          </a:xfrm>
-          <a:prstGeom prst="ellipse">
-            <a:avLst/>
-          </a:prstGeom>
-        </p:spPr>
-        <p:style>
-          <a:lnRef idx="3">
-            <a:schemeClr val="lt1"/>
-          </a:lnRef>
-          <a:fillRef idx="1">
-            <a:schemeClr val="accent4"/>
-          </a:fillRef>
-          <a:effectRef idx="1">
-            <a:schemeClr val="accent4"/>
-          </a:effectRef>
-          <a:fontRef idx="minor">
-            <a:schemeClr val="lt1"/>
-          </a:fontRef>
-        </p:style>
-        <p:txBody>
-          <a:bodyPr rtlCol="0" anchor="ctr"/>
-          <a:lstStyle/>
-          <a:p>
-            <a:pPr algn="ctr"/>
-            <a:r>
-              <a:rPr lang="en-US" sz="2400" smtClean="0"/>
-              <a:t>*</a:t>
-            </a:r>
-            <a:endParaRPr lang="en-US" sz="2400"/>
-          </a:p>
-        </p:txBody>
-      </p:sp>
-      <p:sp>
-        <p:nvSpPr>
-          <p:cNvPr id="121" name="Rectangle 120"/>
-          <p:cNvSpPr/>
-          <p:nvPr/>
-        </p:nvSpPr>
-        <p:spPr>
-          <a:xfrm>
-            <a:off x="1355971" y="389762"/>
-            <a:ext cx="5877949" cy="523220"/>
-          </a:xfrm>
-          <a:prstGeom prst="rect">
-            <a:avLst/>
-          </a:prstGeom>
-        </p:spPr>
-        <p:txBody>
-          <a:bodyPr wrap="square">
-            <a:spAutoFit/>
-          </a:bodyPr>
-          <a:lstStyle/>
-          <a:p>
-            <a:r>
-              <a:rPr lang="en" sz="2800" b="1" smtClean="0">
-                <a:latin typeface="Montserrat" panose="020B0604020202020204" charset="0"/>
-              </a:rPr>
-              <a:t>Plan and work assignment</a:t>
-            </a:r>
-            <a:endParaRPr lang="en-US" sz="2800" b="1">
-              <a:latin typeface="Montserrat" panose="020B0604020202020204" charset="0"/>
-            </a:endParaRPr>
-          </a:p>
-        </p:txBody>
-      </p:sp>
-      <p:sp>
-        <p:nvSpPr>
-          <p:cNvPr id="2" name="Rectangle 1"/>
-          <p:cNvSpPr/>
-          <p:nvPr/>
-        </p:nvSpPr>
-        <p:spPr>
-          <a:xfrm>
-            <a:off x="1355971" y="1415861"/>
-            <a:ext cx="7523869" cy="2523768"/>
-          </a:xfrm>
-          <a:prstGeom prst="rect">
-            <a:avLst/>
-          </a:prstGeom>
-        </p:spPr>
-        <p:txBody>
-          <a:bodyPr wrap="square">
-            <a:spAutoFit/>
-          </a:bodyPr>
-          <a:lstStyle/>
-          <a:p>
-            <a:pPr marL="91440">
-              <a:spcBef>
-                <a:spcPts val="600"/>
-              </a:spcBef>
-            </a:pPr>
-            <a:r>
-              <a:rPr lang="en-US" sz="1600" b="1">
-                <a:latin typeface="Montserrat" panose="020B0604020202020204" charset="0"/>
-              </a:rPr>
-              <a:t>Stage 1: </a:t>
-            </a:r>
-            <a:r>
-              <a:rPr lang="en-US" sz="1600" b="1" smtClean="0">
-                <a:latin typeface="Montserrat" panose="020B0604020202020204" charset="0"/>
-              </a:rPr>
-              <a:t>24/12 </a:t>
-            </a:r>
-            <a:r>
-              <a:rPr lang="en-US" sz="1600" b="1">
-                <a:latin typeface="Montserrat" panose="020B0604020202020204" charset="0"/>
-              </a:rPr>
-              <a:t>– </a:t>
-            </a:r>
-            <a:r>
-              <a:rPr lang="en-US" sz="1600" b="1" smtClean="0">
-                <a:latin typeface="Montserrat" panose="020B0604020202020204" charset="0"/>
-              </a:rPr>
-              <a:t>30/12/2020</a:t>
-            </a:r>
-            <a:endParaRPr lang="en-US" sz="1600" b="1">
-              <a:latin typeface="Montserrat" panose="020B0604020202020204" charset="0"/>
-            </a:endParaRPr>
-          </a:p>
-          <a:p>
-            <a:pPr marL="91440" indent="-342900">
-              <a:spcBef>
-                <a:spcPts val="600"/>
-              </a:spcBef>
-              <a:buFont typeface="Arial" panose="020B0604020202020204" pitchFamily="34" charset="0"/>
-              <a:buChar char="•"/>
-            </a:pPr>
-            <a:r>
-              <a:rPr lang="en-US" sz="1600" smtClean="0">
-                <a:latin typeface="Montserrat" panose="020B0604020202020204" charset="0"/>
-              </a:rPr>
-              <a:t>Define </a:t>
-            </a:r>
-            <a:r>
-              <a:rPr lang="en-US" sz="1600">
-                <a:latin typeface="Montserrat" panose="020B0604020202020204" charset="0"/>
-              </a:rPr>
-              <a:t>problems and </a:t>
-            </a:r>
-            <a:r>
-              <a:rPr lang="en-US" sz="1600" smtClean="0">
-                <a:latin typeface="Montserrat" panose="020B0604020202020204" charset="0"/>
-              </a:rPr>
-              <a:t>datasets.</a:t>
-            </a:r>
-          </a:p>
-          <a:p>
-            <a:pPr marL="91440">
-              <a:spcBef>
-                <a:spcPts val="600"/>
-              </a:spcBef>
-            </a:pPr>
-            <a:r>
-              <a:rPr lang="en-US" sz="1600" b="1" smtClean="0">
-                <a:latin typeface="Montserrat" panose="020B0604020202020204" charset="0"/>
-              </a:rPr>
-              <a:t>Stage </a:t>
-            </a:r>
-            <a:r>
-              <a:rPr lang="en-US" sz="1600" b="1">
-                <a:latin typeface="Montserrat" panose="020B0604020202020204" charset="0"/>
-              </a:rPr>
-              <a:t>2: </a:t>
-            </a:r>
-            <a:r>
-              <a:rPr lang="en-US" sz="1600" b="1" smtClean="0">
-                <a:latin typeface="Montserrat" panose="020B0604020202020204" charset="0"/>
-              </a:rPr>
-              <a:t>01/01/2021 </a:t>
-            </a:r>
-            <a:r>
-              <a:rPr lang="en-US" sz="1600" b="1">
-                <a:latin typeface="Montserrat" panose="020B0604020202020204" charset="0"/>
-              </a:rPr>
-              <a:t>– </a:t>
-            </a:r>
-            <a:r>
-              <a:rPr lang="en-US" sz="1600" b="1" smtClean="0">
-                <a:latin typeface="Montserrat" panose="020B0604020202020204" charset="0"/>
-              </a:rPr>
-              <a:t>20/01/2021</a:t>
-            </a:r>
-            <a:endParaRPr lang="en-US" sz="1600" b="1">
-              <a:latin typeface="Montserrat" panose="020B0604020202020204" charset="0"/>
-            </a:endParaRPr>
-          </a:p>
-          <a:p>
-            <a:pPr marL="91440" indent="-342900">
-              <a:spcBef>
-                <a:spcPts val="600"/>
-              </a:spcBef>
-              <a:buFont typeface="Arial" panose="020B0604020202020204" pitchFamily="34" charset="0"/>
-              <a:buChar char="•"/>
-            </a:pPr>
-            <a:r>
-              <a:rPr lang="en-US" sz="1600" smtClean="0">
-                <a:latin typeface="Montserrat" panose="020B0604020202020204" charset="0"/>
-              </a:rPr>
-              <a:t>Implement and training models.</a:t>
-            </a:r>
-          </a:p>
-          <a:p>
-            <a:pPr>
-              <a:spcBef>
-                <a:spcPts val="600"/>
-              </a:spcBef>
-            </a:pPr>
-            <a:r>
-              <a:rPr lang="en-US" sz="1600" b="1" smtClean="0">
-                <a:latin typeface="Montserrat" panose="020B0604020202020204" charset="0"/>
-              </a:rPr>
-              <a:t>Stage 3: 21/01/2021 – 25/01/2021</a:t>
-            </a:r>
-          </a:p>
-          <a:p>
-            <a:pPr marL="91440" indent="-342900">
-              <a:spcBef>
-                <a:spcPts val="600"/>
-              </a:spcBef>
-              <a:buFont typeface="Arial" panose="020B0604020202020204" pitchFamily="34" charset="0"/>
-              <a:buChar char="•"/>
-            </a:pPr>
-            <a:r>
-              <a:rPr lang="en-US" sz="1600" smtClean="0">
-                <a:latin typeface="Montserrat" panose="020B0604020202020204" charset="0"/>
-              </a:rPr>
-              <a:t>WebUI</a:t>
-            </a:r>
-          </a:p>
-          <a:p>
-            <a:pPr marL="91440" indent="-342900">
-              <a:spcBef>
-                <a:spcPts val="600"/>
-              </a:spcBef>
-              <a:buFont typeface="Arial" panose="020B0604020202020204" pitchFamily="34" charset="0"/>
-              <a:buChar char="•"/>
-            </a:pPr>
-            <a:r>
-              <a:rPr lang="en-US" sz="1600" smtClean="0">
-                <a:latin typeface="Montserrat" panose="020B0604020202020204" charset="0"/>
-              </a:rPr>
-              <a:t>Refine and deploy models, write report.</a:t>
-            </a:r>
-          </a:p>
-          <a:p>
-            <a:pPr marL="91440"/>
-            <a:endParaRPr lang="en-US" sz="1600" b="1">
-              <a:latin typeface="Montserrat" panose="020B0604020202020204" charset="0"/>
-            </a:endParaRPr>
-          </a:p>
-        </p:txBody>
-      </p:sp>
-    </p:spTree>
-    <p:extLst>
-      <p:ext uri="{BB962C8B-B14F-4D97-AF65-F5344CB8AC3E}">
-        <p14:creationId xmlns:p14="http://schemas.microsoft.com/office/powerpoint/2010/main" val="2985993635"/>
-      </p:ext>
-    </p:extLst>
-  </p:cSld>
-  <p:clrMapOvr>
-    <a:masterClrMapping/>
-  </p:clrMapOvr>
-  <p:timing>
-    <p:tnLst>
-      <p:par>
-        <p:cTn id="1" dur="indefinite" restart="never" nodeType="tmRoot"/>
-      </p:par>
-    </p:tnLst>
-  </p:timing>
-</p:sld>
-</file>
-
-<file path=ppt/slides/slide16.xml><?xml version="1.0" encoding="utf-8"?>
-<p:sld xmlns:a="http://schemas.openxmlformats.org/drawingml/2006/main" xmlns:r="http://schemas.openxmlformats.org/officeDocument/2006/relationships" xmlns:p="http://schemas.openxmlformats.org/presentationml/2006/main">
-  <p:cSld>
-    <p:spTree>
-      <p:nvGrpSpPr>
         <p:cNvPr id="1" name="Shape 2783"/>
         <p:cNvGrpSpPr/>
         <p:nvPr/>
@@ -21305,7 +20892,11 @@
             <a:pPr algn="ctr"/>
             <a:r>
               <a:rPr lang="en-US" sz="1600" b="1" smtClean="0"/>
-              <a:t>4118950 sentences</a:t>
+              <a:t>4315334 </a:t>
+            </a:r>
+            <a:r>
+              <a:rPr lang="en-US" sz="1600" b="1" smtClean="0"/>
+              <a:t>sentences</a:t>
             </a:r>
             <a:endParaRPr lang="en-US" sz="1600" b="1"/>
           </a:p>
@@ -21619,12 +21210,12 @@
           <a:p>
             <a:pPr algn="ctr"/>
             <a:r>
-              <a:rPr lang="en-US" sz="1600" b="1"/>
-              <a:t>448744</a:t>
+              <a:rPr lang="en-US" sz="1600" b="1" smtClean="0"/>
+              <a:t>455549 </a:t>
             </a:r>
             <a:r>
               <a:rPr lang="en-US" sz="1600" b="1" smtClean="0"/>
-              <a:t> sentences</a:t>
+              <a:t>sentences</a:t>
             </a:r>
             <a:endParaRPr lang="en-US" sz="1600" b="1"/>
           </a:p>

--- a/static/slides/vnopenai-vn-accent.pptx
+++ b/static/slides/vnopenai-vn-accent.pptx
@@ -5,7 +5,7 @@
     <p:sldMasterId id="2147483691" r:id="rId1"/>
   </p:sldMasterIdLst>
   <p:notesMasterIdLst>
-    <p:notesMasterId r:id="rId17"/>
+    <p:notesMasterId r:id="rId22"/>
   </p:notesMasterIdLst>
   <p:sldIdLst>
     <p:sldId id="256" r:id="rId2"/>
@@ -21,39 +21,48 @@
     <p:sldId id="302" r:id="rId12"/>
     <p:sldId id="294" r:id="rId13"/>
     <p:sldId id="304" r:id="rId14"/>
-    <p:sldId id="295" r:id="rId15"/>
-    <p:sldId id="290" r:id="rId16"/>
+    <p:sldId id="306" r:id="rId15"/>
+    <p:sldId id="307" r:id="rId16"/>
+    <p:sldId id="309" r:id="rId17"/>
+    <p:sldId id="310" r:id="rId18"/>
+    <p:sldId id="311" r:id="rId19"/>
+    <p:sldId id="295" r:id="rId20"/>
+    <p:sldId id="290" r:id="rId21"/>
   </p:sldIdLst>
   <p:sldSz cx="9144000" cy="5143500" type="screen16x9"/>
   <p:notesSz cx="9144000" cy="6858000"/>
   <p:embeddedFontLst>
     <p:embeddedFont>
-      <p:font typeface="Lato" panose="020B0604020202020204" charset="0"/>
-      <p:regular r:id="rId18"/>
-      <p:bold r:id="rId19"/>
-      <p:italic r:id="rId20"/>
-      <p:boldItalic r:id="rId21"/>
+      <p:font typeface="Montserrat Medium" panose="020B0604020202020204" charset="0"/>
+      <p:regular r:id="rId23"/>
+      <p:bold r:id="rId24"/>
+      <p:italic r:id="rId25"/>
+      <p:boldItalic r:id="rId26"/>
+    </p:embeddedFont>
+    <p:embeddedFont>
+      <p:font typeface="Nunito" panose="020B0604020202020204" charset="0"/>
+      <p:regular r:id="rId27"/>
+      <p:bold r:id="rId28"/>
+      <p:italic r:id="rId29"/>
+      <p:boldItalic r:id="rId30"/>
     </p:embeddedFont>
     <p:embeddedFont>
       <p:font typeface="Montserrat" panose="020B0604020202020204" charset="0"/>
-      <p:regular r:id="rId22"/>
-      <p:bold r:id="rId23"/>
-      <p:italic r:id="rId24"/>
-      <p:boldItalic r:id="rId25"/>
+      <p:regular r:id="rId31"/>
+      <p:bold r:id="rId32"/>
+      <p:italic r:id="rId33"/>
+      <p:boldItalic r:id="rId34"/>
     </p:embeddedFont>
     <p:embeddedFont>
-      <p:font typeface="Montserrat Medium" panose="020B0604020202020204" charset="0"/>
-      <p:regular r:id="rId26"/>
-      <p:bold r:id="rId27"/>
-      <p:italic r:id="rId28"/>
-      <p:boldItalic r:id="rId29"/>
+      <p:font typeface="Lato" panose="020B0604020202020204" charset="0"/>
+      <p:regular r:id="rId35"/>
+      <p:bold r:id="rId36"/>
+      <p:italic r:id="rId37"/>
+      <p:boldItalic r:id="rId38"/>
     </p:embeddedFont>
     <p:embeddedFont>
-      <p:font typeface="Nunito" panose="020B0604020202020204" charset="0"/>
-      <p:regular r:id="rId30"/>
-      <p:bold r:id="rId31"/>
-      <p:italic r:id="rId32"/>
-      <p:boldItalic r:id="rId33"/>
+      <p:font typeface="Cambria Math" panose="02040503050406030204" pitchFamily="18" charset="0"/>
+      <p:regular r:id="rId39"/>
     </p:embeddedFont>
   </p:embeddedFontLst>
   <p:defaultTextStyle>
@@ -1282,6 +1291,551 @@
   <p:cSld>
     <p:spTree>
       <p:nvGrpSpPr>
+        <p:cNvPr id="1" name="Shape 560"/>
+        <p:cNvGrpSpPr/>
+        <p:nvPr/>
+      </p:nvGrpSpPr>
+      <p:grpSpPr>
+        <a:xfrm>
+          <a:off x="0" y="0"/>
+          <a:ext cx="0" cy="0"/>
+          <a:chOff x="0" y="0"/>
+          <a:chExt cx="0" cy="0"/>
+        </a:xfrm>
+      </p:grpSpPr>
+      <p:sp>
+        <p:nvSpPr>
+          <p:cNvPr id="561" name="Google Shape;561;ga4d9eac47b_1_10842:notes"/>
+          <p:cNvSpPr>
+            <a:spLocks noGrp="1" noRot="1" noChangeAspect="1"/>
+          </p:cNvSpPr>
+          <p:nvPr>
+            <p:ph type="sldImg" idx="2"/>
+          </p:nvPr>
+        </p:nvSpPr>
+        <p:spPr>
+          <a:xfrm>
+            <a:off x="2286000" y="514350"/>
+            <a:ext cx="4572000" cy="2571750"/>
+          </a:xfrm>
+          <a:custGeom>
+            <a:avLst/>
+            <a:gdLst/>
+            <a:ahLst/>
+            <a:cxnLst/>
+            <a:rect l="l" t="t" r="r" b="b"/>
+            <a:pathLst>
+              <a:path w="120000" h="120000" extrusionOk="0">
+                <a:moveTo>
+                  <a:pt x="0" y="0"/>
+                </a:moveTo>
+                <a:lnTo>
+                  <a:pt x="120000" y="0"/>
+                </a:lnTo>
+                <a:lnTo>
+                  <a:pt x="120000" y="120000"/>
+                </a:lnTo>
+                <a:lnTo>
+                  <a:pt x="0" y="120000"/>
+                </a:lnTo>
+                <a:close/>
+              </a:path>
+            </a:pathLst>
+          </a:custGeom>
+        </p:spPr>
+      </p:sp>
+      <p:sp>
+        <p:nvSpPr>
+          <p:cNvPr id="562" name="Google Shape;562;ga4d9eac47b_1_10842:notes"/>
+          <p:cNvSpPr txBox="1">
+            <a:spLocks noGrp="1"/>
+          </p:cNvSpPr>
+          <p:nvPr>
+            <p:ph type="body" idx="1"/>
+          </p:nvPr>
+        </p:nvSpPr>
+        <p:spPr>
+          <a:xfrm>
+            <a:off x="914400" y="3257550"/>
+            <a:ext cx="7315200" cy="3086100"/>
+          </a:xfrm>
+          <a:prstGeom prst="rect">
+            <a:avLst/>
+          </a:prstGeom>
+        </p:spPr>
+        <p:txBody>
+          <a:bodyPr spcFirstLastPara="1" wrap="square" lIns="91425" tIns="91425" rIns="91425" bIns="91425" anchor="t" anchorCtr="0">
+            <a:noAutofit/>
+          </a:bodyPr>
+          <a:lstStyle/>
+          <a:p>
+            <a:pPr marL="0" lvl="0" indent="0" algn="l" rtl="0">
+              <a:spcBef>
+                <a:spcPts val="0"/>
+              </a:spcBef>
+              <a:spcAft>
+                <a:spcPts val="0"/>
+              </a:spcAft>
+              <a:buNone/>
+            </a:pPr>
+            <a:endParaRPr/>
+          </a:p>
+        </p:txBody>
+      </p:sp>
+    </p:spTree>
+    <p:extLst>
+      <p:ext uri="{BB962C8B-B14F-4D97-AF65-F5344CB8AC3E}">
+        <p14:creationId xmlns:p14="http://schemas.microsoft.com/office/powerpoint/2010/main" val="2549358903"/>
+      </p:ext>
+    </p:extLst>
+  </p:cSld>
+  <p:clrMapOvr>
+    <a:masterClrMapping/>
+  </p:clrMapOvr>
+</p:notes>
+</file>
+
+<file path=ppt/notesSlides/notesSlide15.xml><?xml version="1.0" encoding="utf-8"?>
+<p:notes xmlns:a="http://schemas.openxmlformats.org/drawingml/2006/main" xmlns:r="http://schemas.openxmlformats.org/officeDocument/2006/relationships" xmlns:p="http://schemas.openxmlformats.org/presentationml/2006/main" showMasterSp="0" showMasterPhAnim="0">
+  <p:cSld>
+    <p:spTree>
+      <p:nvGrpSpPr>
+        <p:cNvPr id="1" name="Shape 560"/>
+        <p:cNvGrpSpPr/>
+        <p:nvPr/>
+      </p:nvGrpSpPr>
+      <p:grpSpPr>
+        <a:xfrm>
+          <a:off x="0" y="0"/>
+          <a:ext cx="0" cy="0"/>
+          <a:chOff x="0" y="0"/>
+          <a:chExt cx="0" cy="0"/>
+        </a:xfrm>
+      </p:grpSpPr>
+      <p:sp>
+        <p:nvSpPr>
+          <p:cNvPr id="561" name="Google Shape;561;ga4d9eac47b_1_10842:notes"/>
+          <p:cNvSpPr>
+            <a:spLocks noGrp="1" noRot="1" noChangeAspect="1"/>
+          </p:cNvSpPr>
+          <p:nvPr>
+            <p:ph type="sldImg" idx="2"/>
+          </p:nvPr>
+        </p:nvSpPr>
+        <p:spPr>
+          <a:xfrm>
+            <a:off x="2286000" y="514350"/>
+            <a:ext cx="4572000" cy="2571750"/>
+          </a:xfrm>
+          <a:custGeom>
+            <a:avLst/>
+            <a:gdLst/>
+            <a:ahLst/>
+            <a:cxnLst/>
+            <a:rect l="l" t="t" r="r" b="b"/>
+            <a:pathLst>
+              <a:path w="120000" h="120000" extrusionOk="0">
+                <a:moveTo>
+                  <a:pt x="0" y="0"/>
+                </a:moveTo>
+                <a:lnTo>
+                  <a:pt x="120000" y="0"/>
+                </a:lnTo>
+                <a:lnTo>
+                  <a:pt x="120000" y="120000"/>
+                </a:lnTo>
+                <a:lnTo>
+                  <a:pt x="0" y="120000"/>
+                </a:lnTo>
+                <a:close/>
+              </a:path>
+            </a:pathLst>
+          </a:custGeom>
+        </p:spPr>
+      </p:sp>
+      <p:sp>
+        <p:nvSpPr>
+          <p:cNvPr id="562" name="Google Shape;562;ga4d9eac47b_1_10842:notes"/>
+          <p:cNvSpPr txBox="1">
+            <a:spLocks noGrp="1"/>
+          </p:cNvSpPr>
+          <p:nvPr>
+            <p:ph type="body" idx="1"/>
+          </p:nvPr>
+        </p:nvSpPr>
+        <p:spPr>
+          <a:xfrm>
+            <a:off x="914400" y="3257550"/>
+            <a:ext cx="7315200" cy="3086100"/>
+          </a:xfrm>
+          <a:prstGeom prst="rect">
+            <a:avLst/>
+          </a:prstGeom>
+        </p:spPr>
+        <p:txBody>
+          <a:bodyPr spcFirstLastPara="1" wrap="square" lIns="91425" tIns="91425" rIns="91425" bIns="91425" anchor="t" anchorCtr="0">
+            <a:noAutofit/>
+          </a:bodyPr>
+          <a:lstStyle/>
+          <a:p>
+            <a:pPr marL="0" lvl="0" indent="0" algn="l" rtl="0">
+              <a:spcBef>
+                <a:spcPts val="0"/>
+              </a:spcBef>
+              <a:spcAft>
+                <a:spcPts val="0"/>
+              </a:spcAft>
+              <a:buNone/>
+            </a:pPr>
+            <a:endParaRPr/>
+          </a:p>
+        </p:txBody>
+      </p:sp>
+    </p:spTree>
+    <p:extLst>
+      <p:ext uri="{BB962C8B-B14F-4D97-AF65-F5344CB8AC3E}">
+        <p14:creationId xmlns:p14="http://schemas.microsoft.com/office/powerpoint/2010/main" val="1087918087"/>
+      </p:ext>
+    </p:extLst>
+  </p:cSld>
+  <p:clrMapOvr>
+    <a:masterClrMapping/>
+  </p:clrMapOvr>
+</p:notes>
+</file>
+
+<file path=ppt/notesSlides/notesSlide16.xml><?xml version="1.0" encoding="utf-8"?>
+<p:notes xmlns:a="http://schemas.openxmlformats.org/drawingml/2006/main" xmlns:r="http://schemas.openxmlformats.org/officeDocument/2006/relationships" xmlns:p="http://schemas.openxmlformats.org/presentationml/2006/main" showMasterSp="0" showMasterPhAnim="0">
+  <p:cSld>
+    <p:spTree>
+      <p:nvGrpSpPr>
+        <p:cNvPr id="1" name="Shape 560"/>
+        <p:cNvGrpSpPr/>
+        <p:nvPr/>
+      </p:nvGrpSpPr>
+      <p:grpSpPr>
+        <a:xfrm>
+          <a:off x="0" y="0"/>
+          <a:ext cx="0" cy="0"/>
+          <a:chOff x="0" y="0"/>
+          <a:chExt cx="0" cy="0"/>
+        </a:xfrm>
+      </p:grpSpPr>
+      <p:sp>
+        <p:nvSpPr>
+          <p:cNvPr id="561" name="Google Shape;561;ga4d9eac47b_1_10842:notes"/>
+          <p:cNvSpPr>
+            <a:spLocks noGrp="1" noRot="1" noChangeAspect="1"/>
+          </p:cNvSpPr>
+          <p:nvPr>
+            <p:ph type="sldImg" idx="2"/>
+          </p:nvPr>
+        </p:nvSpPr>
+        <p:spPr>
+          <a:xfrm>
+            <a:off x="2286000" y="514350"/>
+            <a:ext cx="4572000" cy="2571750"/>
+          </a:xfrm>
+          <a:custGeom>
+            <a:avLst/>
+            <a:gdLst/>
+            <a:ahLst/>
+            <a:cxnLst/>
+            <a:rect l="l" t="t" r="r" b="b"/>
+            <a:pathLst>
+              <a:path w="120000" h="120000" extrusionOk="0">
+                <a:moveTo>
+                  <a:pt x="0" y="0"/>
+                </a:moveTo>
+                <a:lnTo>
+                  <a:pt x="120000" y="0"/>
+                </a:lnTo>
+                <a:lnTo>
+                  <a:pt x="120000" y="120000"/>
+                </a:lnTo>
+                <a:lnTo>
+                  <a:pt x="0" y="120000"/>
+                </a:lnTo>
+                <a:close/>
+              </a:path>
+            </a:pathLst>
+          </a:custGeom>
+        </p:spPr>
+      </p:sp>
+      <p:sp>
+        <p:nvSpPr>
+          <p:cNvPr id="562" name="Google Shape;562;ga4d9eac47b_1_10842:notes"/>
+          <p:cNvSpPr txBox="1">
+            <a:spLocks noGrp="1"/>
+          </p:cNvSpPr>
+          <p:nvPr>
+            <p:ph type="body" idx="1"/>
+          </p:nvPr>
+        </p:nvSpPr>
+        <p:spPr>
+          <a:xfrm>
+            <a:off x="914400" y="3257550"/>
+            <a:ext cx="7315200" cy="3086100"/>
+          </a:xfrm>
+          <a:prstGeom prst="rect">
+            <a:avLst/>
+          </a:prstGeom>
+        </p:spPr>
+        <p:txBody>
+          <a:bodyPr spcFirstLastPara="1" wrap="square" lIns="91425" tIns="91425" rIns="91425" bIns="91425" anchor="t" anchorCtr="0">
+            <a:noAutofit/>
+          </a:bodyPr>
+          <a:lstStyle/>
+          <a:p>
+            <a:pPr marL="0" lvl="0" indent="0" algn="l" rtl="0">
+              <a:spcBef>
+                <a:spcPts val="0"/>
+              </a:spcBef>
+              <a:spcAft>
+                <a:spcPts val="0"/>
+              </a:spcAft>
+              <a:buNone/>
+            </a:pPr>
+            <a:endParaRPr/>
+          </a:p>
+        </p:txBody>
+      </p:sp>
+    </p:spTree>
+    <p:extLst>
+      <p:ext uri="{BB962C8B-B14F-4D97-AF65-F5344CB8AC3E}">
+        <p14:creationId xmlns:p14="http://schemas.microsoft.com/office/powerpoint/2010/main" val="4171208577"/>
+      </p:ext>
+    </p:extLst>
+  </p:cSld>
+  <p:clrMapOvr>
+    <a:masterClrMapping/>
+  </p:clrMapOvr>
+</p:notes>
+</file>
+
+<file path=ppt/notesSlides/notesSlide17.xml><?xml version="1.0" encoding="utf-8"?>
+<p:notes xmlns:a="http://schemas.openxmlformats.org/drawingml/2006/main" xmlns:r="http://schemas.openxmlformats.org/officeDocument/2006/relationships" xmlns:p="http://schemas.openxmlformats.org/presentationml/2006/main" showMasterSp="0" showMasterPhAnim="0">
+  <p:cSld>
+    <p:spTree>
+      <p:nvGrpSpPr>
+        <p:cNvPr id="1" name="Shape 560"/>
+        <p:cNvGrpSpPr/>
+        <p:nvPr/>
+      </p:nvGrpSpPr>
+      <p:grpSpPr>
+        <a:xfrm>
+          <a:off x="0" y="0"/>
+          <a:ext cx="0" cy="0"/>
+          <a:chOff x="0" y="0"/>
+          <a:chExt cx="0" cy="0"/>
+        </a:xfrm>
+      </p:grpSpPr>
+      <p:sp>
+        <p:nvSpPr>
+          <p:cNvPr id="561" name="Google Shape;561;ga4d9eac47b_1_10842:notes"/>
+          <p:cNvSpPr>
+            <a:spLocks noGrp="1" noRot="1" noChangeAspect="1"/>
+          </p:cNvSpPr>
+          <p:nvPr>
+            <p:ph type="sldImg" idx="2"/>
+          </p:nvPr>
+        </p:nvSpPr>
+        <p:spPr>
+          <a:xfrm>
+            <a:off x="2286000" y="514350"/>
+            <a:ext cx="4572000" cy="2571750"/>
+          </a:xfrm>
+          <a:custGeom>
+            <a:avLst/>
+            <a:gdLst/>
+            <a:ahLst/>
+            <a:cxnLst/>
+            <a:rect l="l" t="t" r="r" b="b"/>
+            <a:pathLst>
+              <a:path w="120000" h="120000" extrusionOk="0">
+                <a:moveTo>
+                  <a:pt x="0" y="0"/>
+                </a:moveTo>
+                <a:lnTo>
+                  <a:pt x="120000" y="0"/>
+                </a:lnTo>
+                <a:lnTo>
+                  <a:pt x="120000" y="120000"/>
+                </a:lnTo>
+                <a:lnTo>
+                  <a:pt x="0" y="120000"/>
+                </a:lnTo>
+                <a:close/>
+              </a:path>
+            </a:pathLst>
+          </a:custGeom>
+        </p:spPr>
+      </p:sp>
+      <p:sp>
+        <p:nvSpPr>
+          <p:cNvPr id="562" name="Google Shape;562;ga4d9eac47b_1_10842:notes"/>
+          <p:cNvSpPr txBox="1">
+            <a:spLocks noGrp="1"/>
+          </p:cNvSpPr>
+          <p:nvPr>
+            <p:ph type="body" idx="1"/>
+          </p:nvPr>
+        </p:nvSpPr>
+        <p:spPr>
+          <a:xfrm>
+            <a:off x="914400" y="3257550"/>
+            <a:ext cx="7315200" cy="3086100"/>
+          </a:xfrm>
+          <a:prstGeom prst="rect">
+            <a:avLst/>
+          </a:prstGeom>
+        </p:spPr>
+        <p:txBody>
+          <a:bodyPr spcFirstLastPara="1" wrap="square" lIns="91425" tIns="91425" rIns="91425" bIns="91425" anchor="t" anchorCtr="0">
+            <a:noAutofit/>
+          </a:bodyPr>
+          <a:lstStyle/>
+          <a:p>
+            <a:pPr marL="0" lvl="0" indent="0" algn="l" rtl="0">
+              <a:spcBef>
+                <a:spcPts val="0"/>
+              </a:spcBef>
+              <a:spcAft>
+                <a:spcPts val="0"/>
+              </a:spcAft>
+              <a:buNone/>
+            </a:pPr>
+            <a:endParaRPr/>
+          </a:p>
+        </p:txBody>
+      </p:sp>
+    </p:spTree>
+    <p:extLst>
+      <p:ext uri="{BB962C8B-B14F-4D97-AF65-F5344CB8AC3E}">
+        <p14:creationId xmlns:p14="http://schemas.microsoft.com/office/powerpoint/2010/main" val="1027088304"/>
+      </p:ext>
+    </p:extLst>
+  </p:cSld>
+  <p:clrMapOvr>
+    <a:masterClrMapping/>
+  </p:clrMapOvr>
+</p:notes>
+</file>
+
+<file path=ppt/notesSlides/notesSlide18.xml><?xml version="1.0" encoding="utf-8"?>
+<p:notes xmlns:a="http://schemas.openxmlformats.org/drawingml/2006/main" xmlns:r="http://schemas.openxmlformats.org/officeDocument/2006/relationships" xmlns:p="http://schemas.openxmlformats.org/presentationml/2006/main" showMasterSp="0" showMasterPhAnim="0">
+  <p:cSld>
+    <p:spTree>
+      <p:nvGrpSpPr>
+        <p:cNvPr id="1" name="Shape 560"/>
+        <p:cNvGrpSpPr/>
+        <p:nvPr/>
+      </p:nvGrpSpPr>
+      <p:grpSpPr>
+        <a:xfrm>
+          <a:off x="0" y="0"/>
+          <a:ext cx="0" cy="0"/>
+          <a:chOff x="0" y="0"/>
+          <a:chExt cx="0" cy="0"/>
+        </a:xfrm>
+      </p:grpSpPr>
+      <p:sp>
+        <p:nvSpPr>
+          <p:cNvPr id="561" name="Google Shape;561;ga4d9eac47b_1_10842:notes"/>
+          <p:cNvSpPr>
+            <a:spLocks noGrp="1" noRot="1" noChangeAspect="1"/>
+          </p:cNvSpPr>
+          <p:nvPr>
+            <p:ph type="sldImg" idx="2"/>
+          </p:nvPr>
+        </p:nvSpPr>
+        <p:spPr>
+          <a:xfrm>
+            <a:off x="2286000" y="514350"/>
+            <a:ext cx="4572000" cy="2571750"/>
+          </a:xfrm>
+          <a:custGeom>
+            <a:avLst/>
+            <a:gdLst/>
+            <a:ahLst/>
+            <a:cxnLst/>
+            <a:rect l="l" t="t" r="r" b="b"/>
+            <a:pathLst>
+              <a:path w="120000" h="120000" extrusionOk="0">
+                <a:moveTo>
+                  <a:pt x="0" y="0"/>
+                </a:moveTo>
+                <a:lnTo>
+                  <a:pt x="120000" y="0"/>
+                </a:lnTo>
+                <a:lnTo>
+                  <a:pt x="120000" y="120000"/>
+                </a:lnTo>
+                <a:lnTo>
+                  <a:pt x="0" y="120000"/>
+                </a:lnTo>
+                <a:close/>
+              </a:path>
+            </a:pathLst>
+          </a:custGeom>
+        </p:spPr>
+      </p:sp>
+      <p:sp>
+        <p:nvSpPr>
+          <p:cNvPr id="562" name="Google Shape;562;ga4d9eac47b_1_10842:notes"/>
+          <p:cNvSpPr txBox="1">
+            <a:spLocks noGrp="1"/>
+          </p:cNvSpPr>
+          <p:nvPr>
+            <p:ph type="body" idx="1"/>
+          </p:nvPr>
+        </p:nvSpPr>
+        <p:spPr>
+          <a:xfrm>
+            <a:off x="914400" y="3257550"/>
+            <a:ext cx="7315200" cy="3086100"/>
+          </a:xfrm>
+          <a:prstGeom prst="rect">
+            <a:avLst/>
+          </a:prstGeom>
+        </p:spPr>
+        <p:txBody>
+          <a:bodyPr spcFirstLastPara="1" wrap="square" lIns="91425" tIns="91425" rIns="91425" bIns="91425" anchor="t" anchorCtr="0">
+            <a:noAutofit/>
+          </a:bodyPr>
+          <a:lstStyle/>
+          <a:p>
+            <a:pPr marL="0" lvl="0" indent="0" algn="l" rtl="0">
+              <a:spcBef>
+                <a:spcPts val="0"/>
+              </a:spcBef>
+              <a:spcAft>
+                <a:spcPts val="0"/>
+              </a:spcAft>
+              <a:buNone/>
+            </a:pPr>
+            <a:endParaRPr/>
+          </a:p>
+        </p:txBody>
+      </p:sp>
+    </p:spTree>
+    <p:extLst>
+      <p:ext uri="{BB962C8B-B14F-4D97-AF65-F5344CB8AC3E}">
+        <p14:creationId xmlns:p14="http://schemas.microsoft.com/office/powerpoint/2010/main" val="3953306446"/>
+      </p:ext>
+    </p:extLst>
+  </p:cSld>
+  <p:clrMapOvr>
+    <a:masterClrMapping/>
+  </p:clrMapOvr>
+</p:notes>
+</file>
+
+<file path=ppt/notesSlides/notesSlide19.xml><?xml version="1.0" encoding="utf-8"?>
+<p:notes xmlns:a="http://schemas.openxmlformats.org/drawingml/2006/main" xmlns:r="http://schemas.openxmlformats.org/officeDocument/2006/relationships" xmlns:p="http://schemas.openxmlformats.org/presentationml/2006/main" showMasterSp="0" showMasterPhAnim="0">
+  <p:cSld>
+    <p:spTree>
+      <p:nvGrpSpPr>
         <p:cNvPr id="1" name="Shape 431"/>
         <p:cNvGrpSpPr/>
         <p:nvPr/>
@@ -1386,110 +1940,6 @@
 </p:notes>
 </file>
 
-<file path=ppt/notesSlides/notesSlide15.xml><?xml version="1.0" encoding="utf-8"?>
-<p:notes xmlns:a="http://schemas.openxmlformats.org/drawingml/2006/main" xmlns:r="http://schemas.openxmlformats.org/officeDocument/2006/relationships" xmlns:p="http://schemas.openxmlformats.org/presentationml/2006/main" showMasterSp="0" showMasterPhAnim="0">
-  <p:cSld>
-    <p:spTree>
-      <p:nvGrpSpPr>
-        <p:cNvPr id="1" name="Shape 2780"/>
-        <p:cNvGrpSpPr/>
-        <p:nvPr/>
-      </p:nvGrpSpPr>
-      <p:grpSpPr>
-        <a:xfrm>
-          <a:off x="0" y="0"/>
-          <a:ext cx="0" cy="0"/>
-          <a:chOff x="0" y="0"/>
-          <a:chExt cx="0" cy="0"/>
-        </a:xfrm>
-      </p:grpSpPr>
-      <p:sp>
-        <p:nvSpPr>
-          <p:cNvPr id="2781" name="Google Shape;2781;ga4d9eac47b_4_3:notes"/>
-          <p:cNvSpPr>
-            <a:spLocks noGrp="1" noRot="1" noChangeAspect="1"/>
-          </p:cNvSpPr>
-          <p:nvPr>
-            <p:ph type="sldImg" idx="2"/>
-          </p:nvPr>
-        </p:nvSpPr>
-        <p:spPr>
-          <a:xfrm>
-            <a:off x="2286000" y="514350"/>
-            <a:ext cx="4572000" cy="2571750"/>
-          </a:xfrm>
-          <a:custGeom>
-            <a:avLst/>
-            <a:gdLst/>
-            <a:ahLst/>
-            <a:cxnLst/>
-            <a:rect l="l" t="t" r="r" b="b"/>
-            <a:pathLst>
-              <a:path w="120000" h="120000" extrusionOk="0">
-                <a:moveTo>
-                  <a:pt x="0" y="0"/>
-                </a:moveTo>
-                <a:lnTo>
-                  <a:pt x="120000" y="0"/>
-                </a:lnTo>
-                <a:lnTo>
-                  <a:pt x="120000" y="120000"/>
-                </a:lnTo>
-                <a:lnTo>
-                  <a:pt x="0" y="120000"/>
-                </a:lnTo>
-                <a:close/>
-              </a:path>
-            </a:pathLst>
-          </a:custGeom>
-        </p:spPr>
-      </p:sp>
-      <p:sp>
-        <p:nvSpPr>
-          <p:cNvPr id="2782" name="Google Shape;2782;ga4d9eac47b_4_3:notes"/>
-          <p:cNvSpPr txBox="1">
-            <a:spLocks noGrp="1"/>
-          </p:cNvSpPr>
-          <p:nvPr>
-            <p:ph type="body" idx="1"/>
-          </p:nvPr>
-        </p:nvSpPr>
-        <p:spPr>
-          <a:xfrm>
-            <a:off x="914400" y="3257550"/>
-            <a:ext cx="7315200" cy="3086100"/>
-          </a:xfrm>
-          <a:prstGeom prst="rect">
-            <a:avLst/>
-          </a:prstGeom>
-        </p:spPr>
-        <p:txBody>
-          <a:bodyPr spcFirstLastPara="1" wrap="square" lIns="91425" tIns="91425" rIns="91425" bIns="91425" anchor="t" anchorCtr="0">
-            <a:noAutofit/>
-          </a:bodyPr>
-          <a:lstStyle/>
-          <a:p>
-            <a:pPr marL="0" lvl="0" indent="0" algn="l" rtl="0">
-              <a:spcBef>
-                <a:spcPts val="0"/>
-              </a:spcBef>
-              <a:spcAft>
-                <a:spcPts val="0"/>
-              </a:spcAft>
-              <a:buNone/>
-            </a:pPr>
-            <a:endParaRPr/>
-          </a:p>
-        </p:txBody>
-      </p:sp>
-    </p:spTree>
-  </p:cSld>
-  <p:clrMapOvr>
-    <a:masterClrMapping/>
-  </p:clrMapOvr>
-</p:notes>
-</file>
-
 <file path=ppt/notesSlides/notesSlide2.xml><?xml version="1.0" encoding="utf-8"?>
 <p:notes xmlns:a="http://schemas.openxmlformats.org/drawingml/2006/main" xmlns:r="http://schemas.openxmlformats.org/officeDocument/2006/relationships" xmlns:p="http://schemas.openxmlformats.org/presentationml/2006/main" showMasterSp="0" showMasterPhAnim="0">
   <p:cSld>
@@ -1551,6 +2001,110 @@
       <p:sp>
         <p:nvSpPr>
           <p:cNvPr id="368" name="Google Shape;368;g9c029a1faf_0_1524:notes"/>
+          <p:cNvSpPr txBox="1">
+            <a:spLocks noGrp="1"/>
+          </p:cNvSpPr>
+          <p:nvPr>
+            <p:ph type="body" idx="1"/>
+          </p:nvPr>
+        </p:nvSpPr>
+        <p:spPr>
+          <a:xfrm>
+            <a:off x="914400" y="3257550"/>
+            <a:ext cx="7315200" cy="3086100"/>
+          </a:xfrm>
+          <a:prstGeom prst="rect">
+            <a:avLst/>
+          </a:prstGeom>
+        </p:spPr>
+        <p:txBody>
+          <a:bodyPr spcFirstLastPara="1" wrap="square" lIns="91425" tIns="91425" rIns="91425" bIns="91425" anchor="t" anchorCtr="0">
+            <a:noAutofit/>
+          </a:bodyPr>
+          <a:lstStyle/>
+          <a:p>
+            <a:pPr marL="0" lvl="0" indent="0" algn="l" rtl="0">
+              <a:spcBef>
+                <a:spcPts val="0"/>
+              </a:spcBef>
+              <a:spcAft>
+                <a:spcPts val="0"/>
+              </a:spcAft>
+              <a:buNone/>
+            </a:pPr>
+            <a:endParaRPr/>
+          </a:p>
+        </p:txBody>
+      </p:sp>
+    </p:spTree>
+  </p:cSld>
+  <p:clrMapOvr>
+    <a:masterClrMapping/>
+  </p:clrMapOvr>
+</p:notes>
+</file>
+
+<file path=ppt/notesSlides/notesSlide20.xml><?xml version="1.0" encoding="utf-8"?>
+<p:notes xmlns:a="http://schemas.openxmlformats.org/drawingml/2006/main" xmlns:r="http://schemas.openxmlformats.org/officeDocument/2006/relationships" xmlns:p="http://schemas.openxmlformats.org/presentationml/2006/main" showMasterSp="0" showMasterPhAnim="0">
+  <p:cSld>
+    <p:spTree>
+      <p:nvGrpSpPr>
+        <p:cNvPr id="1" name="Shape 2780"/>
+        <p:cNvGrpSpPr/>
+        <p:nvPr/>
+      </p:nvGrpSpPr>
+      <p:grpSpPr>
+        <a:xfrm>
+          <a:off x="0" y="0"/>
+          <a:ext cx="0" cy="0"/>
+          <a:chOff x="0" y="0"/>
+          <a:chExt cx="0" cy="0"/>
+        </a:xfrm>
+      </p:grpSpPr>
+      <p:sp>
+        <p:nvSpPr>
+          <p:cNvPr id="2781" name="Google Shape;2781;ga4d9eac47b_4_3:notes"/>
+          <p:cNvSpPr>
+            <a:spLocks noGrp="1" noRot="1" noChangeAspect="1"/>
+          </p:cNvSpPr>
+          <p:nvPr>
+            <p:ph type="sldImg" idx="2"/>
+          </p:nvPr>
+        </p:nvSpPr>
+        <p:spPr>
+          <a:xfrm>
+            <a:off x="2286000" y="514350"/>
+            <a:ext cx="4572000" cy="2571750"/>
+          </a:xfrm>
+          <a:custGeom>
+            <a:avLst/>
+            <a:gdLst/>
+            <a:ahLst/>
+            <a:cxnLst/>
+            <a:rect l="l" t="t" r="r" b="b"/>
+            <a:pathLst>
+              <a:path w="120000" h="120000" extrusionOk="0">
+                <a:moveTo>
+                  <a:pt x="0" y="0"/>
+                </a:moveTo>
+                <a:lnTo>
+                  <a:pt x="120000" y="0"/>
+                </a:lnTo>
+                <a:lnTo>
+                  <a:pt x="120000" y="120000"/>
+                </a:lnTo>
+                <a:lnTo>
+                  <a:pt x="0" y="120000"/>
+                </a:lnTo>
+                <a:close/>
+              </a:path>
+            </a:pathLst>
+          </a:custGeom>
+        </p:spPr>
+      </p:sp>
+      <p:sp>
+        <p:nvSpPr>
+          <p:cNvPr id="2782" name="Google Shape;2782;ga4d9eac47b_4_3:notes"/>
           <p:cNvSpPr txBox="1">
             <a:spLocks noGrp="1"/>
           </p:cNvSpPr>
@@ -14120,7 +14674,7 @@
         <p:spPr>
           <a:xfrm>
             <a:off x="1036090" y="1842522"/>
-            <a:ext cx="7518630" cy="1938992"/>
+            <a:ext cx="7518630" cy="2400657"/>
           </a:xfrm>
           <a:prstGeom prst="rect">
             <a:avLst/>
@@ -14191,7 +14745,11 @@
             </a:r>
             <a:r>
               <a:rPr lang="en-US" sz="2000" smtClean="0"/>
-              <a:t>từ.</a:t>
+              <a:t>từ</a:t>
+            </a:r>
+            <a:r>
+              <a:rPr lang="en-US" sz="2000" smtClean="0"/>
+              <a:t>.</a:t>
             </a:r>
           </a:p>
           <a:p>
@@ -14204,8 +14762,27 @@
             </a:pPr>
             <a:r>
               <a:rPr lang="en-US" sz="2000" smtClean="0"/>
-              <a:t>Tạo dữ liệu không dấu bằng cách loại bỏ dấu câu.</a:t>
+              <a:t>Chuẩn hoá vị trí bỏ dấu câu.</a:t>
             </a:r>
+            <a:endParaRPr lang="en-US" sz="2000" smtClean="0"/>
+          </a:p>
+          <a:p>
+            <a:pPr marL="285750" indent="-285750">
+              <a:lnSpc>
+                <a:spcPct val="150000"/>
+              </a:lnSpc>
+              <a:buFont typeface="Arial" panose="020B0604020202020204" pitchFamily="34" charset="0"/>
+              <a:buChar char="•"/>
+            </a:pPr>
+            <a:r>
+              <a:rPr lang="en-US" sz="2000" smtClean="0"/>
+              <a:t>Tạo dữ liệu không dấu bằng cách loại bỏ dấu câu</a:t>
+            </a:r>
+            <a:r>
+              <a:rPr lang="en-US" sz="2000" smtClean="0"/>
+              <a:t>.</a:t>
+            </a:r>
+            <a:endParaRPr lang="en-US" sz="2000" smtClean="0"/>
           </a:p>
           <a:p>
             <a:pPr marL="285750" indent="-285750">
@@ -17556,6 +18133,52 @@
           </a:p>
         </p:txBody>
       </p:sp>
+      <p:sp>
+        <p:nvSpPr>
+          <p:cNvPr id="5" name="Rectangle 4"/>
+          <p:cNvSpPr/>
+          <p:nvPr/>
+        </p:nvSpPr>
+        <p:spPr>
+          <a:xfrm>
+            <a:off x="868101" y="1221792"/>
+            <a:ext cx="3183038" cy="1644303"/>
+          </a:xfrm>
+          <a:prstGeom prst="rect">
+            <a:avLst/>
+          </a:prstGeom>
+          <a:noFill/>
+          <a:ln w="57150">
+            <a:solidFill>
+              <a:srgbClr val="FF0000"/>
+            </a:solidFill>
+          </a:ln>
+        </p:spPr>
+        <p:style>
+          <a:lnRef idx="2">
+            <a:schemeClr val="accent1">
+              <a:shade val="50000"/>
+            </a:schemeClr>
+          </a:lnRef>
+          <a:fillRef idx="1">
+            <a:schemeClr val="accent1"/>
+          </a:fillRef>
+          <a:effectRef idx="0">
+            <a:schemeClr val="accent1"/>
+          </a:effectRef>
+          <a:fontRef idx="minor">
+            <a:schemeClr val="lt1"/>
+          </a:fontRef>
+        </p:style>
+        <p:txBody>
+          <a:bodyPr rtlCol="0" anchor="ctr"/>
+          <a:lstStyle/>
+          <a:p>
+            <a:pPr algn="ctr"/>
+            <a:endParaRPr lang="en-US"/>
+          </a:p>
+        </p:txBody>
+      </p:sp>
     </p:spTree>
     <p:extLst>
       <p:ext uri="{BB962C8B-B14F-4D97-AF65-F5344CB8AC3E}">
@@ -17569,9 +18192,88 @@
   <p:timing>
     <p:tnLst>
       <p:par>
-        <p:cTn id="1" dur="indefinite" restart="never" nodeType="tmRoot"/>
+        <p:cTn id="1" dur="indefinite" restart="never" nodeType="tmRoot">
+          <p:childTnLst>
+            <p:seq concurrent="1" nextAc="seek">
+              <p:cTn id="2" dur="indefinite" nodeType="mainSeq">
+                <p:childTnLst>
+                  <p:par>
+                    <p:cTn id="3" fill="hold">
+                      <p:stCondLst>
+                        <p:cond delay="indefinite"/>
+                      </p:stCondLst>
+                      <p:childTnLst>
+                        <p:par>
+                          <p:cTn id="4" fill="hold">
+                            <p:stCondLst>
+                              <p:cond delay="0"/>
+                            </p:stCondLst>
+                            <p:childTnLst>
+                              <p:par>
+                                <p:cTn id="5" presetID="10" presetClass="entr" presetSubtype="0" fill="hold" grpId="0" nodeType="clickEffect">
+                                  <p:stCondLst>
+                                    <p:cond delay="0"/>
+                                  </p:stCondLst>
+                                  <p:childTnLst>
+                                    <p:set>
+                                      <p:cBhvr>
+                                        <p:cTn id="6" dur="1" fill="hold">
+                                          <p:stCondLst>
+                                            <p:cond delay="0"/>
+                                          </p:stCondLst>
+                                        </p:cTn>
+                                        <p:tgtEl>
+                                          <p:spTgt spid="5"/>
+                                        </p:tgtEl>
+                                        <p:attrNameLst>
+                                          <p:attrName>style.visibility</p:attrName>
+                                        </p:attrNameLst>
+                                      </p:cBhvr>
+                                      <p:to>
+                                        <p:strVal val="visible"/>
+                                      </p:to>
+                                    </p:set>
+                                    <p:animEffect transition="in" filter="fade">
+                                      <p:cBhvr>
+                                        <p:cTn id="7" dur="500"/>
+                                        <p:tgtEl>
+                                          <p:spTgt spid="5"/>
+                                        </p:tgtEl>
+                                      </p:cBhvr>
+                                    </p:animEffect>
+                                  </p:childTnLst>
+                                </p:cTn>
+                              </p:par>
+                            </p:childTnLst>
+                          </p:cTn>
+                        </p:par>
+                      </p:childTnLst>
+                    </p:cTn>
+                  </p:par>
+                </p:childTnLst>
+              </p:cTn>
+              <p:prevCondLst>
+                <p:cond evt="onPrev" delay="0">
+                  <p:tgtEl>
+                    <p:sldTgt/>
+                  </p:tgtEl>
+                </p:cond>
+              </p:prevCondLst>
+              <p:nextCondLst>
+                <p:cond evt="onNext" delay="0">
+                  <p:tgtEl>
+                    <p:sldTgt/>
+                  </p:tgtEl>
+                </p:cond>
+              </p:nextCondLst>
+            </p:seq>
+          </p:childTnLst>
+        </p:cTn>
       </p:par>
     </p:tnLst>
+    <p:bldLst>
+      <p:bldP spid="5" grpId="0" animBg="1"/>
+    </p:bldLst>
   </p:timing>
 </p:sld>
 </file>
@@ -17827,6 +18529,7507 @@
   <p:cSld>
     <p:spTree>
       <p:nvGrpSpPr>
+        <p:cNvPr id="1" name="Shape 563"/>
+        <p:cNvGrpSpPr/>
+        <p:nvPr/>
+      </p:nvGrpSpPr>
+      <p:grpSpPr>
+        <a:xfrm>
+          <a:off x="0" y="0"/>
+          <a:ext cx="0" cy="0"/>
+          <a:chOff x="0" y="0"/>
+          <a:chExt cx="0" cy="0"/>
+        </a:xfrm>
+      </p:grpSpPr>
+      <p:sp>
+        <p:nvSpPr>
+          <p:cNvPr id="120" name="Oval 119"/>
+          <p:cNvSpPr/>
+          <p:nvPr/>
+        </p:nvSpPr>
+        <p:spPr>
+          <a:xfrm>
+            <a:off x="532224" y="346870"/>
+            <a:ext cx="701040" cy="670560"/>
+          </a:xfrm>
+          <a:prstGeom prst="ellipse">
+            <a:avLst/>
+          </a:prstGeom>
+        </p:spPr>
+        <p:style>
+          <a:lnRef idx="3">
+            <a:schemeClr val="lt1"/>
+          </a:lnRef>
+          <a:fillRef idx="1">
+            <a:schemeClr val="accent4"/>
+          </a:fillRef>
+          <a:effectRef idx="1">
+            <a:schemeClr val="accent4"/>
+          </a:effectRef>
+          <a:fontRef idx="minor">
+            <a:schemeClr val="lt1"/>
+          </a:fontRef>
+        </p:style>
+        <p:txBody>
+          <a:bodyPr rtlCol="0" anchor="ctr"/>
+          <a:lstStyle/>
+          <a:p>
+            <a:pPr algn="ctr"/>
+            <a:r>
+              <a:rPr lang="en-US" sz="2400"/>
+              <a:t>2</a:t>
+            </a:r>
+          </a:p>
+        </p:txBody>
+      </p:sp>
+      <p:sp>
+        <p:nvSpPr>
+          <p:cNvPr id="121" name="Rectangle 120"/>
+          <p:cNvSpPr/>
+          <p:nvPr/>
+        </p:nvSpPr>
+        <p:spPr>
+          <a:xfrm>
+            <a:off x="1402081" y="482095"/>
+            <a:ext cx="3992879" cy="400110"/>
+          </a:xfrm>
+          <a:prstGeom prst="rect">
+            <a:avLst/>
+          </a:prstGeom>
+        </p:spPr>
+        <p:txBody>
+          <a:bodyPr wrap="square">
+            <a:spAutoFit/>
+          </a:bodyPr>
+          <a:lstStyle/>
+          <a:p>
+            <a:r>
+              <a:rPr lang="en-US" sz="2000" b="1">
+                <a:latin typeface="Montserrat" panose="020B0604020202020204" charset="0"/>
+              </a:rPr>
+              <a:t>Models and pipeline</a:t>
+            </a:r>
+            <a:endParaRPr lang="en-US" sz="2000" b="1"/>
+          </a:p>
+        </p:txBody>
+      </p:sp>
+      <p:sp>
+        <p:nvSpPr>
+          <p:cNvPr id="66" name="Rectangle 65"/>
+          <p:cNvSpPr/>
+          <p:nvPr/>
+        </p:nvSpPr>
+        <p:spPr>
+          <a:xfrm>
+            <a:off x="1402081" y="823443"/>
+            <a:ext cx="1322798" cy="307777"/>
+          </a:xfrm>
+          <a:prstGeom prst="rect">
+            <a:avLst/>
+          </a:prstGeom>
+        </p:spPr>
+        <p:txBody>
+          <a:bodyPr wrap="none">
+            <a:spAutoFit/>
+          </a:bodyPr>
+          <a:lstStyle/>
+          <a:p>
+            <a:r>
+              <a:rPr lang="en-US" b="1" smtClean="0">
+                <a:latin typeface="Montserrat" panose="020B0604020202020204" charset="0"/>
+              </a:rPr>
+              <a:t>LSTM Model</a:t>
+            </a:r>
+            <a:endParaRPr lang="en-US" b="1"/>
+          </a:p>
+        </p:txBody>
+      </p:sp>
+      <p:grpSp>
+        <p:nvGrpSpPr>
+          <p:cNvPr id="4107" name="Group 4106"/>
+          <p:cNvGrpSpPr/>
+          <p:nvPr/>
+        </p:nvGrpSpPr>
+        <p:grpSpPr>
+          <a:xfrm>
+            <a:off x="1850283" y="1293071"/>
+            <a:ext cx="5590125" cy="3333991"/>
+            <a:chOff x="2106592" y="1376198"/>
+            <a:chExt cx="5590125" cy="3333991"/>
+          </a:xfrm>
+        </p:grpSpPr>
+        <p:sp>
+          <p:nvSpPr>
+            <p:cNvPr id="64" name="Rounded Rectangle 63"/>
+            <p:cNvSpPr/>
+            <p:nvPr/>
+          </p:nvSpPr>
+          <p:spPr>
+            <a:xfrm>
+              <a:off x="2425964" y="4064838"/>
+              <a:ext cx="4196520" cy="305780"/>
+            </a:xfrm>
+            <a:prstGeom prst="roundRect">
+              <a:avLst/>
+            </a:prstGeom>
+          </p:spPr>
+          <p:style>
+            <a:lnRef idx="2">
+              <a:schemeClr val="accent3">
+                <a:shade val="50000"/>
+              </a:schemeClr>
+            </a:lnRef>
+            <a:fillRef idx="1">
+              <a:schemeClr val="accent3"/>
+            </a:fillRef>
+            <a:effectRef idx="0">
+              <a:schemeClr val="accent3"/>
+            </a:effectRef>
+            <a:fontRef idx="minor">
+              <a:schemeClr val="lt1"/>
+            </a:fontRef>
+          </p:style>
+          <p:txBody>
+            <a:bodyPr rtlCol="0" anchor="ctr"/>
+            <a:lstStyle/>
+            <a:p>
+              <a:pPr algn="ctr"/>
+              <a:r>
+                <a:rPr lang="en-US" sz="1200" b="1" smtClean="0"/>
+                <a:t>Embedding</a:t>
+              </a:r>
+              <a:endParaRPr lang="en-US" sz="1200" b="1"/>
+            </a:p>
+          </p:txBody>
+        </p:sp>
+        <p:sp>
+          <p:nvSpPr>
+            <p:cNvPr id="65" name="Rounded Rectangle 64"/>
+            <p:cNvSpPr/>
+            <p:nvPr/>
+          </p:nvSpPr>
+          <p:spPr>
+            <a:xfrm>
+              <a:off x="2425964" y="4434130"/>
+              <a:ext cx="4196520" cy="276059"/>
+            </a:xfrm>
+            <a:prstGeom prst="roundRect">
+              <a:avLst/>
+            </a:prstGeom>
+          </p:spPr>
+          <p:style>
+            <a:lnRef idx="2">
+              <a:schemeClr val="accent2">
+                <a:shade val="50000"/>
+              </a:schemeClr>
+            </a:lnRef>
+            <a:fillRef idx="1">
+              <a:schemeClr val="accent2"/>
+            </a:fillRef>
+            <a:effectRef idx="0">
+              <a:schemeClr val="accent2"/>
+            </a:effectRef>
+            <a:fontRef idx="minor">
+              <a:schemeClr val="lt1"/>
+            </a:fontRef>
+          </p:style>
+          <p:txBody>
+            <a:bodyPr rtlCol="0" anchor="ctr"/>
+            <a:lstStyle/>
+            <a:p>
+              <a:pPr algn="ctr"/>
+              <a:r>
+                <a:rPr lang="en-US" sz="1200" b="1" smtClean="0"/>
+                <a:t>Input words</a:t>
+              </a:r>
+              <a:endParaRPr lang="en-US" sz="1200" b="1"/>
+            </a:p>
+          </p:txBody>
+        </p:sp>
+        <p:sp>
+          <p:nvSpPr>
+            <p:cNvPr id="67" name="Rectangle 66"/>
+            <p:cNvSpPr/>
+            <p:nvPr/>
+          </p:nvSpPr>
+          <p:spPr>
+            <a:xfrm>
+              <a:off x="7007105" y="2891620"/>
+              <a:ext cx="689612" cy="307777"/>
+            </a:xfrm>
+            <a:prstGeom prst="rect">
+              <a:avLst/>
+            </a:prstGeom>
+          </p:spPr>
+          <p:txBody>
+            <a:bodyPr wrap="none">
+              <a:spAutoFit/>
+            </a:bodyPr>
+            <a:lstStyle/>
+            <a:p>
+              <a:r>
+                <a:rPr lang="en-US" b="1" smtClean="0">
+                  <a:latin typeface="Montserrat" panose="020B0604020202020204" charset="0"/>
+                </a:rPr>
+                <a:t>LSTM</a:t>
+              </a:r>
+            </a:p>
+          </p:txBody>
+        </p:sp>
+        <p:grpSp>
+          <p:nvGrpSpPr>
+            <p:cNvPr id="68" name="Group 67"/>
+            <p:cNvGrpSpPr/>
+            <p:nvPr/>
+          </p:nvGrpSpPr>
+          <p:grpSpPr>
+            <a:xfrm>
+              <a:off x="2782159" y="3770297"/>
+              <a:ext cx="3339697" cy="304676"/>
+              <a:chOff x="3172691" y="4099173"/>
+              <a:chExt cx="3425154" cy="313500"/>
+            </a:xfrm>
+          </p:grpSpPr>
+          <p:cxnSp>
+            <p:nvCxnSpPr>
+              <p:cNvPr id="133" name="Straight Arrow Connector 132"/>
+              <p:cNvCxnSpPr/>
+              <p:nvPr/>
+            </p:nvCxnSpPr>
+            <p:spPr>
+              <a:xfrm flipV="1">
+                <a:off x="3172691" y="4135584"/>
+                <a:ext cx="0" cy="277089"/>
+              </a:xfrm>
+              <a:prstGeom prst="straightConnector1">
+                <a:avLst/>
+              </a:prstGeom>
+              <a:ln>
+                <a:tailEnd type="triangle"/>
+              </a:ln>
+            </p:spPr>
+            <p:style>
+              <a:lnRef idx="2">
+                <a:schemeClr val="accent4"/>
+              </a:lnRef>
+              <a:fillRef idx="1">
+                <a:schemeClr val="lt1"/>
+              </a:fillRef>
+              <a:effectRef idx="0">
+                <a:schemeClr val="accent4"/>
+              </a:effectRef>
+              <a:fontRef idx="minor">
+                <a:schemeClr val="dk1"/>
+              </a:fontRef>
+            </p:style>
+          </p:cxnSp>
+          <p:cxnSp>
+            <p:nvCxnSpPr>
+              <p:cNvPr id="134" name="Straight Arrow Connector 133"/>
+              <p:cNvCxnSpPr/>
+              <p:nvPr/>
+            </p:nvCxnSpPr>
+            <p:spPr>
+              <a:xfrm flipV="1">
+                <a:off x="4194463" y="4128657"/>
+                <a:ext cx="0" cy="277089"/>
+              </a:xfrm>
+              <a:prstGeom prst="straightConnector1">
+                <a:avLst/>
+              </a:prstGeom>
+              <a:ln>
+                <a:tailEnd type="triangle"/>
+              </a:ln>
+            </p:spPr>
+            <p:style>
+              <a:lnRef idx="2">
+                <a:schemeClr val="accent4"/>
+              </a:lnRef>
+              <a:fillRef idx="1">
+                <a:schemeClr val="lt1"/>
+              </a:fillRef>
+              <a:effectRef idx="0">
+                <a:schemeClr val="accent4"/>
+              </a:effectRef>
+              <a:fontRef idx="minor">
+                <a:schemeClr val="dk1"/>
+              </a:fontRef>
+            </p:style>
+          </p:cxnSp>
+          <p:cxnSp>
+            <p:nvCxnSpPr>
+              <p:cNvPr id="135" name="Straight Arrow Connector 134"/>
+              <p:cNvCxnSpPr/>
+              <p:nvPr/>
+            </p:nvCxnSpPr>
+            <p:spPr>
+              <a:xfrm flipV="1">
+                <a:off x="5149376" y="4099173"/>
+                <a:ext cx="0" cy="277089"/>
+              </a:xfrm>
+              <a:prstGeom prst="straightConnector1">
+                <a:avLst/>
+              </a:prstGeom>
+              <a:ln>
+                <a:tailEnd type="triangle"/>
+              </a:ln>
+            </p:spPr>
+            <p:style>
+              <a:lnRef idx="2">
+                <a:schemeClr val="accent4"/>
+              </a:lnRef>
+              <a:fillRef idx="1">
+                <a:schemeClr val="lt1"/>
+              </a:fillRef>
+              <a:effectRef idx="0">
+                <a:schemeClr val="accent4"/>
+              </a:effectRef>
+              <a:fontRef idx="minor">
+                <a:schemeClr val="dk1"/>
+              </a:fontRef>
+            </p:style>
+          </p:cxnSp>
+          <p:cxnSp>
+            <p:nvCxnSpPr>
+              <p:cNvPr id="136" name="Straight Arrow Connector 135"/>
+              <p:cNvCxnSpPr/>
+              <p:nvPr/>
+            </p:nvCxnSpPr>
+            <p:spPr>
+              <a:xfrm flipV="1">
+                <a:off x="6597845" y="4106464"/>
+                <a:ext cx="0" cy="277089"/>
+              </a:xfrm>
+              <a:prstGeom prst="straightConnector1">
+                <a:avLst/>
+              </a:prstGeom>
+              <a:ln>
+                <a:tailEnd type="triangle"/>
+              </a:ln>
+            </p:spPr>
+            <p:style>
+              <a:lnRef idx="2">
+                <a:schemeClr val="accent4"/>
+              </a:lnRef>
+              <a:fillRef idx="1">
+                <a:schemeClr val="lt1"/>
+              </a:fillRef>
+              <a:effectRef idx="0">
+                <a:schemeClr val="accent4"/>
+              </a:effectRef>
+              <a:fontRef idx="minor">
+                <a:schemeClr val="dk1"/>
+              </a:fontRef>
+            </p:style>
+          </p:cxnSp>
+        </p:grpSp>
+        <p:sp>
+          <p:nvSpPr>
+            <p:cNvPr id="69" name="Right Brace 68"/>
+            <p:cNvSpPr/>
+            <p:nvPr/>
+          </p:nvSpPr>
+          <p:spPr>
+            <a:xfrm>
+              <a:off x="6670113" y="2346595"/>
+              <a:ext cx="284562" cy="1465086"/>
+            </a:xfrm>
+            <a:prstGeom prst="rightBrace">
+              <a:avLst/>
+            </a:prstGeom>
+            <a:ln w="38100"/>
+          </p:spPr>
+          <p:style>
+            <a:lnRef idx="1">
+              <a:schemeClr val="accent4"/>
+            </a:lnRef>
+            <a:fillRef idx="0">
+              <a:schemeClr val="accent4"/>
+            </a:fillRef>
+            <a:effectRef idx="0">
+              <a:schemeClr val="accent4"/>
+            </a:effectRef>
+            <a:fontRef idx="minor">
+              <a:schemeClr val="tx1"/>
+            </a:fontRef>
+          </p:style>
+          <p:txBody>
+            <a:bodyPr rtlCol="0" anchor="ctr"/>
+            <a:lstStyle/>
+            <a:p>
+              <a:pPr algn="ctr"/>
+              <a:endParaRPr lang="en-US"/>
+            </a:p>
+          </p:txBody>
+        </p:sp>
+        <p:cxnSp>
+          <p:nvCxnSpPr>
+            <p:cNvPr id="70" name="Straight Arrow Connector 69"/>
+            <p:cNvCxnSpPr>
+              <a:stCxn id="93" idx="0"/>
+              <a:endCxn id="77" idx="2"/>
+            </p:cNvCxnSpPr>
+            <p:nvPr/>
+          </p:nvCxnSpPr>
+          <p:spPr>
+            <a:xfrm flipH="1" flipV="1">
+              <a:off x="2782227" y="3192082"/>
+              <a:ext cx="1614" cy="291174"/>
+            </a:xfrm>
+            <a:prstGeom prst="straightConnector1">
+              <a:avLst/>
+            </a:prstGeom>
+            <a:ln w="19050">
+              <a:solidFill>
+                <a:schemeClr val="tx1"/>
+              </a:solidFill>
+              <a:headEnd type="none" w="med" len="med"/>
+              <a:tailEnd type="arrow" w="med" len="med"/>
+            </a:ln>
+          </p:spPr>
+          <p:style>
+            <a:lnRef idx="1">
+              <a:schemeClr val="accent1"/>
+            </a:lnRef>
+            <a:fillRef idx="0">
+              <a:schemeClr val="accent1"/>
+            </a:fillRef>
+            <a:effectRef idx="0">
+              <a:schemeClr val="accent1"/>
+            </a:effectRef>
+            <a:fontRef idx="minor">
+              <a:schemeClr val="tx1"/>
+            </a:fontRef>
+          </p:style>
+        </p:cxnSp>
+        <p:cxnSp>
+          <p:nvCxnSpPr>
+            <p:cNvPr id="71" name="Straight Arrow Connector 70"/>
+            <p:cNvCxnSpPr>
+              <a:stCxn id="77" idx="3"/>
+              <a:endCxn id="78" idx="1"/>
+            </p:cNvCxnSpPr>
+            <p:nvPr/>
+          </p:nvCxnSpPr>
+          <p:spPr>
+            <a:xfrm>
+              <a:off x="2967529" y="3023192"/>
+              <a:ext cx="625607" cy="7315"/>
+            </a:xfrm>
+            <a:prstGeom prst="straightConnector1">
+              <a:avLst/>
+            </a:prstGeom>
+            <a:ln w="19050">
+              <a:solidFill>
+                <a:schemeClr val="tx1"/>
+              </a:solidFill>
+              <a:headEnd type="none" w="med" len="med"/>
+              <a:tailEnd type="arrow" w="med" len="med"/>
+            </a:ln>
+          </p:spPr>
+          <p:style>
+            <a:lnRef idx="1">
+              <a:schemeClr val="accent1"/>
+            </a:lnRef>
+            <a:fillRef idx="0">
+              <a:schemeClr val="accent1"/>
+            </a:fillRef>
+            <a:effectRef idx="0">
+              <a:schemeClr val="accent1"/>
+            </a:effectRef>
+            <a:fontRef idx="minor">
+              <a:schemeClr val="tx1"/>
+            </a:fontRef>
+          </p:style>
+        </p:cxnSp>
+        <p:cxnSp>
+          <p:nvCxnSpPr>
+            <p:cNvPr id="72" name="Straight Arrow Connector 71"/>
+            <p:cNvCxnSpPr>
+              <a:stCxn id="78" idx="3"/>
+              <a:endCxn id="79" idx="1"/>
+            </p:cNvCxnSpPr>
+            <p:nvPr/>
+          </p:nvCxnSpPr>
+          <p:spPr>
+            <a:xfrm>
+              <a:off x="3963741" y="3030507"/>
+              <a:ext cx="560483" cy="0"/>
+            </a:xfrm>
+            <a:prstGeom prst="straightConnector1">
+              <a:avLst/>
+            </a:prstGeom>
+            <a:ln w="19050">
+              <a:solidFill>
+                <a:schemeClr val="tx1"/>
+              </a:solidFill>
+              <a:headEnd type="none" w="med" len="med"/>
+              <a:tailEnd type="arrow" w="med" len="med"/>
+            </a:ln>
+          </p:spPr>
+          <p:style>
+            <a:lnRef idx="1">
+              <a:schemeClr val="accent1"/>
+            </a:lnRef>
+            <a:fillRef idx="0">
+              <a:schemeClr val="accent1"/>
+            </a:fillRef>
+            <a:effectRef idx="0">
+              <a:schemeClr val="accent1"/>
+            </a:effectRef>
+            <a:fontRef idx="minor">
+              <a:schemeClr val="tx1"/>
+            </a:fontRef>
+          </p:style>
+        </p:cxnSp>
+        <p:cxnSp>
+          <p:nvCxnSpPr>
+            <p:cNvPr id="73" name="Straight Arrow Connector 72"/>
+            <p:cNvCxnSpPr>
+              <a:stCxn id="79" idx="3"/>
+              <a:endCxn id="76" idx="1"/>
+            </p:cNvCxnSpPr>
+            <p:nvPr/>
+          </p:nvCxnSpPr>
+          <p:spPr>
+            <a:xfrm flipV="1">
+              <a:off x="4894829" y="3024242"/>
+              <a:ext cx="300319" cy="6265"/>
+            </a:xfrm>
+            <a:prstGeom prst="straightConnector1">
+              <a:avLst/>
+            </a:prstGeom>
+            <a:ln w="19050">
+              <a:solidFill>
+                <a:schemeClr val="tx1"/>
+              </a:solidFill>
+              <a:headEnd type="none" w="med" len="med"/>
+              <a:tailEnd type="arrow" w="med" len="med"/>
+            </a:ln>
+          </p:spPr>
+          <p:style>
+            <a:lnRef idx="1">
+              <a:schemeClr val="accent1"/>
+            </a:lnRef>
+            <a:fillRef idx="0">
+              <a:schemeClr val="accent1"/>
+            </a:fillRef>
+            <a:effectRef idx="0">
+              <a:schemeClr val="accent1"/>
+            </a:effectRef>
+            <a:fontRef idx="minor">
+              <a:schemeClr val="tx1"/>
+            </a:fontRef>
+          </p:style>
+        </p:cxnSp>
+        <p:cxnSp>
+          <p:nvCxnSpPr>
+            <p:cNvPr id="74" name="Straight Arrow Connector 73"/>
+            <p:cNvCxnSpPr>
+              <a:stCxn id="76" idx="3"/>
+              <a:endCxn id="80" idx="1"/>
+            </p:cNvCxnSpPr>
+            <p:nvPr/>
+          </p:nvCxnSpPr>
+          <p:spPr>
+            <a:xfrm flipV="1">
+              <a:off x="5548463" y="3023192"/>
+              <a:ext cx="423426" cy="1050"/>
+            </a:xfrm>
+            <a:prstGeom prst="straightConnector1">
+              <a:avLst/>
+            </a:prstGeom>
+            <a:ln w="19050">
+              <a:solidFill>
+                <a:schemeClr val="tx1"/>
+              </a:solidFill>
+              <a:headEnd type="none" w="med" len="med"/>
+              <a:tailEnd type="arrow" w="med" len="med"/>
+            </a:ln>
+          </p:spPr>
+          <p:style>
+            <a:lnRef idx="1">
+              <a:schemeClr val="accent1"/>
+            </a:lnRef>
+            <a:fillRef idx="0">
+              <a:schemeClr val="accent1"/>
+            </a:fillRef>
+            <a:effectRef idx="0">
+              <a:schemeClr val="accent1"/>
+            </a:effectRef>
+            <a:fontRef idx="minor">
+              <a:schemeClr val="tx1"/>
+            </a:fontRef>
+          </p:style>
+        </p:cxnSp>
+        <p:cxnSp>
+          <p:nvCxnSpPr>
+            <p:cNvPr id="75" name="Straight Arrow Connector 74"/>
+            <p:cNvCxnSpPr>
+              <a:stCxn id="80" idx="3"/>
+            </p:cNvCxnSpPr>
+            <p:nvPr/>
+          </p:nvCxnSpPr>
+          <p:spPr>
+            <a:xfrm>
+              <a:off x="6342494" y="3023192"/>
+              <a:ext cx="321791" cy="1073"/>
+            </a:xfrm>
+            <a:prstGeom prst="straightConnector1">
+              <a:avLst/>
+            </a:prstGeom>
+            <a:ln w="19050">
+              <a:solidFill>
+                <a:schemeClr val="tx1"/>
+              </a:solidFill>
+              <a:headEnd type="none" w="med" len="med"/>
+              <a:tailEnd type="arrow" w="med" len="med"/>
+            </a:ln>
+          </p:spPr>
+          <p:style>
+            <a:lnRef idx="1">
+              <a:schemeClr val="accent1"/>
+            </a:lnRef>
+            <a:fillRef idx="0">
+              <a:schemeClr val="accent1"/>
+            </a:fillRef>
+            <a:effectRef idx="0">
+              <a:schemeClr val="accent1"/>
+            </a:effectRef>
+            <a:fontRef idx="minor">
+              <a:schemeClr val="tx1"/>
+            </a:fontRef>
+          </p:style>
+        </p:cxnSp>
+        <mc:AlternateContent xmlns:mc="http://schemas.openxmlformats.org/markup-compatibility/2006" xmlns:a14="http://schemas.microsoft.com/office/drawing/2010/main">
+          <mc:Choice Requires="a14">
+            <p:sp>
+              <p:nvSpPr>
+                <p:cNvPr id="76" name="Rectangle 75"/>
+                <p:cNvSpPr/>
+                <p:nvPr/>
+              </p:nvSpPr>
+              <p:spPr>
+                <a:xfrm>
+                  <a:off x="5195149" y="2874684"/>
+                  <a:ext cx="353314" cy="299115"/>
+                </a:xfrm>
+                <a:prstGeom prst="rect">
+                  <a:avLst/>
+                </a:prstGeom>
+                <a:ln>
+                  <a:noFill/>
+                  <a:headEnd type="none" w="med" len="med"/>
+                  <a:tailEnd type="arrow" w="med" len="med"/>
+                </a:ln>
+              </p:spPr>
+              <p:txBody>
+                <a:bodyPr wrap="none">
+                  <a:spAutoFit/>
+                </a:bodyPr>
+                <a:lstStyle/>
+                <a:p>
+                  <a:pPr/>
+                  <a14:m>
+                    <m:oMathPara xmlns:m="http://schemas.openxmlformats.org/officeDocument/2006/math">
+                      <m:oMathParaPr>
+                        <m:jc m:val="centerGroup"/>
+                      </m:oMathParaPr>
+                      <m:oMath xmlns:m="http://schemas.openxmlformats.org/officeDocument/2006/math">
+                        <m:r>
+                          <a:rPr lang="en-US" b="0" i="1" smtClean="0">
+                            <a:latin typeface="Cambria Math" panose="02040503050406030204" pitchFamily="18" charset="0"/>
+                          </a:rPr>
+                          <m:t>…</m:t>
+                        </m:r>
+                      </m:oMath>
+                    </m:oMathPara>
+                  </a14:m>
+                  <a:endParaRPr lang="en-US" dirty="0"/>
+                </a:p>
+              </p:txBody>
+            </p:sp>
+          </mc:Choice>
+          <mc:Fallback xmlns="">
+            <p:sp>
+              <p:nvSpPr>
+                <p:cNvPr id="76" name="Rectangle 75"/>
+                <p:cNvSpPr>
+                  <a:spLocks noRot="1" noChangeAspect="1" noMove="1" noResize="1" noEditPoints="1" noAdjustHandles="1" noChangeArrowheads="1" noChangeShapeType="1" noTextEdit="1"/>
+                </p:cNvSpPr>
+                <p:nvPr/>
+              </p:nvSpPr>
+              <p:spPr>
+                <a:xfrm>
+                  <a:off x="5195149" y="2874684"/>
+                  <a:ext cx="353314" cy="299115"/>
+                </a:xfrm>
+                <a:prstGeom prst="rect">
+                  <a:avLst/>
+                </a:prstGeom>
+                <a:blipFill>
+                  <a:blip r:embed="rId3"/>
+                  <a:stretch>
+                    <a:fillRect/>
+                  </a:stretch>
+                </a:blipFill>
+                <a:ln>
+                  <a:noFill/>
+                  <a:headEnd type="none" w="med" len="med"/>
+                  <a:tailEnd type="arrow" w="med" len="med"/>
+                </a:ln>
+              </p:spPr>
+              <p:txBody>
+                <a:bodyPr/>
+                <a:lstStyle/>
+                <a:p>
+                  <a:r>
+                    <a:rPr lang="en-US">
+                      <a:noFill/>
+                    </a:rPr>
+                    <a:t> </a:t>
+                  </a:r>
+                </a:p>
+              </p:txBody>
+            </p:sp>
+          </mc:Fallback>
+        </mc:AlternateContent>
+        <p:sp>
+          <p:nvSpPr>
+            <p:cNvPr id="77" name="Rounded Rectangle 76"/>
+            <p:cNvSpPr/>
+            <p:nvPr/>
+          </p:nvSpPr>
+          <p:spPr>
+            <a:xfrm>
+              <a:off x="2596924" y="2854301"/>
+              <a:ext cx="370605" cy="337781"/>
+            </a:xfrm>
+            <a:prstGeom prst="roundRect">
+              <a:avLst/>
+            </a:prstGeom>
+          </p:spPr>
+          <p:style>
+            <a:lnRef idx="2">
+              <a:schemeClr val="accent3">
+                <a:shade val="50000"/>
+              </a:schemeClr>
+            </a:lnRef>
+            <a:fillRef idx="1">
+              <a:schemeClr val="accent3"/>
+            </a:fillRef>
+            <a:effectRef idx="0">
+              <a:schemeClr val="accent3"/>
+            </a:effectRef>
+            <a:fontRef idx="minor">
+              <a:schemeClr val="lt1"/>
+            </a:fontRef>
+          </p:style>
+          <p:txBody>
+            <a:bodyPr rtlCol="0" anchor="ctr"/>
+            <a:lstStyle/>
+            <a:p>
+              <a:pPr algn="ctr"/>
+              <a:endParaRPr lang="en-US" sz="1200" b="1"/>
+            </a:p>
+          </p:txBody>
+        </p:sp>
+        <p:sp>
+          <p:nvSpPr>
+            <p:cNvPr id="78" name="Rounded Rectangle 77"/>
+            <p:cNvSpPr/>
+            <p:nvPr/>
+          </p:nvSpPr>
+          <p:spPr>
+            <a:xfrm>
+              <a:off x="3593136" y="2861616"/>
+              <a:ext cx="370605" cy="337781"/>
+            </a:xfrm>
+            <a:prstGeom prst="roundRect">
+              <a:avLst/>
+            </a:prstGeom>
+          </p:spPr>
+          <p:style>
+            <a:lnRef idx="2">
+              <a:schemeClr val="accent3">
+                <a:shade val="50000"/>
+              </a:schemeClr>
+            </a:lnRef>
+            <a:fillRef idx="1">
+              <a:schemeClr val="accent3"/>
+            </a:fillRef>
+            <a:effectRef idx="0">
+              <a:schemeClr val="accent3"/>
+            </a:effectRef>
+            <a:fontRef idx="minor">
+              <a:schemeClr val="lt1"/>
+            </a:fontRef>
+          </p:style>
+          <p:txBody>
+            <a:bodyPr rtlCol="0" anchor="ctr"/>
+            <a:lstStyle/>
+            <a:p>
+              <a:pPr algn="ctr"/>
+              <a:endParaRPr lang="en-US" sz="1200" b="1"/>
+            </a:p>
+          </p:txBody>
+        </p:sp>
+        <p:sp>
+          <p:nvSpPr>
+            <p:cNvPr id="79" name="Rounded Rectangle 78"/>
+            <p:cNvSpPr/>
+            <p:nvPr/>
+          </p:nvSpPr>
+          <p:spPr>
+            <a:xfrm>
+              <a:off x="4524224" y="2861616"/>
+              <a:ext cx="370605" cy="337781"/>
+            </a:xfrm>
+            <a:prstGeom prst="roundRect">
+              <a:avLst/>
+            </a:prstGeom>
+          </p:spPr>
+          <p:style>
+            <a:lnRef idx="2">
+              <a:schemeClr val="accent3">
+                <a:shade val="50000"/>
+              </a:schemeClr>
+            </a:lnRef>
+            <a:fillRef idx="1">
+              <a:schemeClr val="accent3"/>
+            </a:fillRef>
+            <a:effectRef idx="0">
+              <a:schemeClr val="accent3"/>
+            </a:effectRef>
+            <a:fontRef idx="minor">
+              <a:schemeClr val="lt1"/>
+            </a:fontRef>
+          </p:style>
+          <p:txBody>
+            <a:bodyPr rtlCol="0" anchor="ctr"/>
+            <a:lstStyle/>
+            <a:p>
+              <a:pPr algn="ctr"/>
+              <a:endParaRPr lang="en-US" sz="1200" b="1"/>
+            </a:p>
+          </p:txBody>
+        </p:sp>
+        <p:sp>
+          <p:nvSpPr>
+            <p:cNvPr id="80" name="Rounded Rectangle 79"/>
+            <p:cNvSpPr/>
+            <p:nvPr/>
+          </p:nvSpPr>
+          <p:spPr>
+            <a:xfrm>
+              <a:off x="5971889" y="2854301"/>
+              <a:ext cx="370605" cy="337781"/>
+            </a:xfrm>
+            <a:prstGeom prst="roundRect">
+              <a:avLst/>
+            </a:prstGeom>
+          </p:spPr>
+          <p:style>
+            <a:lnRef idx="2">
+              <a:schemeClr val="accent3">
+                <a:shade val="50000"/>
+              </a:schemeClr>
+            </a:lnRef>
+            <a:fillRef idx="1">
+              <a:schemeClr val="accent3"/>
+            </a:fillRef>
+            <a:effectRef idx="0">
+              <a:schemeClr val="accent3"/>
+            </a:effectRef>
+            <a:fontRef idx="minor">
+              <a:schemeClr val="lt1"/>
+            </a:fontRef>
+          </p:style>
+          <p:txBody>
+            <a:bodyPr rtlCol="0" anchor="ctr"/>
+            <a:lstStyle/>
+            <a:p>
+              <a:pPr algn="ctr"/>
+              <a:endParaRPr lang="en-US" sz="1200" b="1"/>
+            </a:p>
+          </p:txBody>
+        </p:sp>
+        <p:cxnSp>
+          <p:nvCxnSpPr>
+            <p:cNvPr id="94" name="Straight Arrow Connector 93"/>
+            <p:cNvCxnSpPr>
+              <a:stCxn id="96" idx="0"/>
+              <a:endCxn id="78" idx="2"/>
+            </p:cNvCxnSpPr>
+            <p:nvPr/>
+          </p:nvCxnSpPr>
+          <p:spPr>
+            <a:xfrm flipH="1" flipV="1">
+              <a:off x="3778439" y="3199397"/>
+              <a:ext cx="2198" cy="283858"/>
+            </a:xfrm>
+            <a:prstGeom prst="straightConnector1">
+              <a:avLst/>
+            </a:prstGeom>
+            <a:ln w="19050">
+              <a:solidFill>
+                <a:schemeClr val="tx1"/>
+              </a:solidFill>
+              <a:headEnd type="none" w="med" len="med"/>
+              <a:tailEnd type="arrow" w="med" len="med"/>
+            </a:ln>
+          </p:spPr>
+          <p:style>
+            <a:lnRef idx="1">
+              <a:schemeClr val="accent1"/>
+            </a:lnRef>
+            <a:fillRef idx="0">
+              <a:schemeClr val="accent1"/>
+            </a:fillRef>
+            <a:effectRef idx="0">
+              <a:schemeClr val="accent1"/>
+            </a:effectRef>
+            <a:fontRef idx="minor">
+              <a:schemeClr val="tx1"/>
+            </a:fontRef>
+          </p:style>
+        </p:cxnSp>
+        <p:cxnSp>
+          <p:nvCxnSpPr>
+            <p:cNvPr id="97" name="Straight Arrow Connector 96"/>
+            <p:cNvCxnSpPr>
+              <a:stCxn id="99" idx="0"/>
+              <a:endCxn id="79" idx="2"/>
+            </p:cNvCxnSpPr>
+            <p:nvPr/>
+          </p:nvCxnSpPr>
+          <p:spPr>
+            <a:xfrm flipH="1" flipV="1">
+              <a:off x="4709527" y="3199397"/>
+              <a:ext cx="3608" cy="289091"/>
+            </a:xfrm>
+            <a:prstGeom prst="straightConnector1">
+              <a:avLst/>
+            </a:prstGeom>
+            <a:ln w="19050">
+              <a:solidFill>
+                <a:schemeClr val="tx1"/>
+              </a:solidFill>
+              <a:headEnd type="none" w="med" len="med"/>
+              <a:tailEnd type="arrow" w="med" len="med"/>
+            </a:ln>
+          </p:spPr>
+          <p:style>
+            <a:lnRef idx="1">
+              <a:schemeClr val="accent1"/>
+            </a:lnRef>
+            <a:fillRef idx="0">
+              <a:schemeClr val="accent1"/>
+            </a:fillRef>
+            <a:effectRef idx="0">
+              <a:schemeClr val="accent1"/>
+            </a:effectRef>
+            <a:fontRef idx="minor">
+              <a:schemeClr val="tx1"/>
+            </a:fontRef>
+          </p:style>
+        </p:cxnSp>
+        <p:cxnSp>
+          <p:nvCxnSpPr>
+            <p:cNvPr id="100" name="Straight Arrow Connector 99"/>
+            <p:cNvCxnSpPr>
+              <a:stCxn id="102" idx="0"/>
+              <a:endCxn id="80" idx="2"/>
+            </p:cNvCxnSpPr>
+            <p:nvPr/>
+          </p:nvCxnSpPr>
+          <p:spPr>
+            <a:xfrm flipV="1">
+              <a:off x="6154385" y="3192082"/>
+              <a:ext cx="2807" cy="277181"/>
+            </a:xfrm>
+            <a:prstGeom prst="straightConnector1">
+              <a:avLst/>
+            </a:prstGeom>
+            <a:ln w="19050">
+              <a:solidFill>
+                <a:schemeClr val="tx1"/>
+              </a:solidFill>
+              <a:headEnd type="none" w="med" len="med"/>
+              <a:tailEnd type="arrow" w="med" len="med"/>
+            </a:ln>
+          </p:spPr>
+          <p:style>
+            <a:lnRef idx="1">
+              <a:schemeClr val="accent1"/>
+            </a:lnRef>
+            <a:fillRef idx="0">
+              <a:schemeClr val="accent1"/>
+            </a:fillRef>
+            <a:effectRef idx="0">
+              <a:schemeClr val="accent1"/>
+            </a:effectRef>
+            <a:fontRef idx="minor">
+              <a:schemeClr val="tx1"/>
+            </a:fontRef>
+          </p:style>
+        </p:cxnSp>
+        <p:cxnSp>
+          <p:nvCxnSpPr>
+            <p:cNvPr id="103" name="Straight Arrow Connector 102"/>
+            <p:cNvCxnSpPr>
+              <a:endCxn id="77" idx="1"/>
+            </p:cNvCxnSpPr>
+            <p:nvPr/>
+          </p:nvCxnSpPr>
+          <p:spPr>
+            <a:xfrm>
+              <a:off x="2106592" y="3023192"/>
+              <a:ext cx="490332" cy="0"/>
+            </a:xfrm>
+            <a:prstGeom prst="straightConnector1">
+              <a:avLst/>
+            </a:prstGeom>
+            <a:ln w="19050">
+              <a:solidFill>
+                <a:schemeClr val="tx1"/>
+              </a:solidFill>
+              <a:headEnd type="none" w="med" len="med"/>
+              <a:tailEnd type="arrow" w="med" len="med"/>
+            </a:ln>
+          </p:spPr>
+          <p:style>
+            <a:lnRef idx="1">
+              <a:schemeClr val="accent1"/>
+            </a:lnRef>
+            <a:fillRef idx="0">
+              <a:schemeClr val="accent1"/>
+            </a:fillRef>
+            <a:effectRef idx="0">
+              <a:schemeClr val="accent1"/>
+            </a:effectRef>
+            <a:fontRef idx="minor">
+              <a:schemeClr val="tx1"/>
+            </a:fontRef>
+          </p:style>
+        </p:cxnSp>
+        <p:cxnSp>
+          <p:nvCxnSpPr>
+            <p:cNvPr id="106" name="Straight Arrow Connector 105"/>
+            <p:cNvCxnSpPr>
+              <a:stCxn id="104" idx="4"/>
+              <a:endCxn id="77" idx="0"/>
+            </p:cNvCxnSpPr>
+            <p:nvPr/>
+          </p:nvCxnSpPr>
+          <p:spPr>
+            <a:xfrm flipH="1">
+              <a:off x="2782227" y="2613176"/>
+              <a:ext cx="18144" cy="241125"/>
+            </a:xfrm>
+            <a:prstGeom prst="straightConnector1">
+              <a:avLst/>
+            </a:prstGeom>
+            <a:ln w="19050">
+              <a:solidFill>
+                <a:schemeClr val="tx1"/>
+              </a:solidFill>
+              <a:headEnd type="none" w="med" len="med"/>
+              <a:tailEnd type="arrow" w="med" len="med"/>
+            </a:ln>
+          </p:spPr>
+          <p:style>
+            <a:lnRef idx="1">
+              <a:schemeClr val="accent1"/>
+            </a:lnRef>
+            <a:fillRef idx="0">
+              <a:schemeClr val="accent1"/>
+            </a:fillRef>
+            <a:effectRef idx="0">
+              <a:schemeClr val="accent1"/>
+            </a:effectRef>
+            <a:fontRef idx="minor">
+              <a:schemeClr val="tx1"/>
+            </a:fontRef>
+          </p:style>
+        </p:cxnSp>
+        <p:cxnSp>
+          <p:nvCxnSpPr>
+            <p:cNvPr id="109" name="Straight Arrow Connector 108"/>
+            <p:cNvCxnSpPr>
+              <a:stCxn id="107" idx="4"/>
+              <a:endCxn id="78" idx="0"/>
+            </p:cNvCxnSpPr>
+            <p:nvPr/>
+          </p:nvCxnSpPr>
+          <p:spPr>
+            <a:xfrm>
+              <a:off x="3770668" y="2630843"/>
+              <a:ext cx="7771" cy="230773"/>
+            </a:xfrm>
+            <a:prstGeom prst="straightConnector1">
+              <a:avLst/>
+            </a:prstGeom>
+            <a:ln w="19050">
+              <a:solidFill>
+                <a:schemeClr val="tx1"/>
+              </a:solidFill>
+              <a:headEnd type="none" w="med" len="med"/>
+              <a:tailEnd type="arrow" w="med" len="med"/>
+            </a:ln>
+          </p:spPr>
+          <p:style>
+            <a:lnRef idx="1">
+              <a:schemeClr val="accent1"/>
+            </a:lnRef>
+            <a:fillRef idx="0">
+              <a:schemeClr val="accent1"/>
+            </a:fillRef>
+            <a:effectRef idx="0">
+              <a:schemeClr val="accent1"/>
+            </a:effectRef>
+            <a:fontRef idx="minor">
+              <a:schemeClr val="tx1"/>
+            </a:fontRef>
+          </p:style>
+        </p:cxnSp>
+        <p:cxnSp>
+          <p:nvCxnSpPr>
+            <p:cNvPr id="112" name="Straight Arrow Connector 111"/>
+            <p:cNvCxnSpPr>
+              <a:stCxn id="110" idx="4"/>
+              <a:endCxn id="79" idx="0"/>
+            </p:cNvCxnSpPr>
+            <p:nvPr/>
+          </p:nvCxnSpPr>
+          <p:spPr>
+            <a:xfrm flipH="1">
+              <a:off x="4709527" y="2641486"/>
+              <a:ext cx="20803" cy="220130"/>
+            </a:xfrm>
+            <a:prstGeom prst="straightConnector1">
+              <a:avLst/>
+            </a:prstGeom>
+            <a:ln w="19050">
+              <a:solidFill>
+                <a:schemeClr val="tx1"/>
+              </a:solidFill>
+              <a:headEnd type="none" w="med" len="med"/>
+              <a:tailEnd type="arrow" w="med" len="med"/>
+            </a:ln>
+          </p:spPr>
+          <p:style>
+            <a:lnRef idx="1">
+              <a:schemeClr val="accent1"/>
+            </a:lnRef>
+            <a:fillRef idx="0">
+              <a:schemeClr val="accent1"/>
+            </a:fillRef>
+            <a:effectRef idx="0">
+              <a:schemeClr val="accent1"/>
+            </a:effectRef>
+            <a:fontRef idx="minor">
+              <a:schemeClr val="tx1"/>
+            </a:fontRef>
+          </p:style>
+        </p:cxnSp>
+        <p:cxnSp>
+          <p:nvCxnSpPr>
+            <p:cNvPr id="115" name="Straight Arrow Connector 114"/>
+            <p:cNvCxnSpPr>
+              <a:stCxn id="113" idx="4"/>
+              <a:endCxn id="80" idx="0"/>
+            </p:cNvCxnSpPr>
+            <p:nvPr/>
+          </p:nvCxnSpPr>
+          <p:spPr>
+            <a:xfrm flipH="1">
+              <a:off x="6157192" y="2610099"/>
+              <a:ext cx="13329" cy="244202"/>
+            </a:xfrm>
+            <a:prstGeom prst="straightConnector1">
+              <a:avLst/>
+            </a:prstGeom>
+            <a:ln w="19050">
+              <a:solidFill>
+                <a:schemeClr val="tx1"/>
+              </a:solidFill>
+              <a:headEnd type="none" w="med" len="med"/>
+              <a:tailEnd type="arrow" w="med" len="med"/>
+            </a:ln>
+          </p:spPr>
+          <p:style>
+            <a:lnRef idx="1">
+              <a:schemeClr val="accent1"/>
+            </a:lnRef>
+            <a:fillRef idx="0">
+              <a:schemeClr val="accent1"/>
+            </a:fillRef>
+            <a:effectRef idx="0">
+              <a:schemeClr val="accent1"/>
+            </a:effectRef>
+            <a:fontRef idx="minor">
+              <a:schemeClr val="tx1"/>
+            </a:fontRef>
+          </p:style>
+        </p:cxnSp>
+        <p:grpSp>
+          <p:nvGrpSpPr>
+            <p:cNvPr id="4102" name="Group 4101"/>
+            <p:cNvGrpSpPr/>
+            <p:nvPr/>
+          </p:nvGrpSpPr>
+          <p:grpSpPr>
+            <a:xfrm>
+              <a:off x="2603385" y="3448533"/>
+              <a:ext cx="394079" cy="329614"/>
+              <a:chOff x="2904327" y="3703176"/>
+              <a:chExt cx="394079" cy="329614"/>
+            </a:xfrm>
+          </p:grpSpPr>
+          <p:sp>
+            <p:nvSpPr>
+              <p:cNvPr id="93" name="Oval 92"/>
+              <p:cNvSpPr/>
+              <p:nvPr/>
+            </p:nvSpPr>
+            <p:spPr>
+              <a:xfrm>
+                <a:off x="2925474" y="3737899"/>
+                <a:ext cx="318617" cy="294891"/>
+              </a:xfrm>
+              <a:prstGeom prst="ellipse">
+                <a:avLst/>
+              </a:prstGeom>
+            </p:spPr>
+            <p:style>
+              <a:lnRef idx="2">
+                <a:schemeClr val="accent1">
+                  <a:shade val="50000"/>
+                </a:schemeClr>
+              </a:lnRef>
+              <a:fillRef idx="1">
+                <a:schemeClr val="accent1"/>
+              </a:fillRef>
+              <a:effectRef idx="0">
+                <a:schemeClr val="accent1"/>
+              </a:effectRef>
+              <a:fontRef idx="minor">
+                <a:schemeClr val="lt1"/>
+              </a:fontRef>
+            </p:style>
+            <p:txBody>
+              <a:bodyPr rtlCol="0" anchor="ctr"/>
+              <a:lstStyle/>
+              <a:p>
+                <a:pPr algn="ctr"/>
+                <a:endParaRPr lang="en-US"/>
+              </a:p>
+            </p:txBody>
+          </p:sp>
+          <mc:AlternateContent xmlns:mc="http://schemas.openxmlformats.org/markup-compatibility/2006" xmlns:a14="http://schemas.microsoft.com/office/drawing/2010/main">
+            <mc:Choice Requires="a14">
+              <p:sp>
+                <p:nvSpPr>
+                  <p:cNvPr id="116" name="Rectangle 115"/>
+                  <p:cNvSpPr/>
+                  <p:nvPr/>
+                </p:nvSpPr>
+                <p:spPr>
+                  <a:xfrm>
+                    <a:off x="2904327" y="3703176"/>
+                    <a:ext cx="394079" cy="299115"/>
+                  </a:xfrm>
+                  <a:prstGeom prst="rect">
+                    <a:avLst/>
+                  </a:prstGeom>
+                </p:spPr>
+                <p:txBody>
+                  <a:bodyPr wrap="none">
+                    <a:spAutoFit/>
+                  </a:bodyPr>
+                  <a:lstStyle/>
+                  <a:p>
+                    <a:pPr/>
+                    <a14:m>
+                      <m:oMathPara xmlns:m="http://schemas.openxmlformats.org/officeDocument/2006/math">
+                        <m:oMathParaPr>
+                          <m:jc m:val="centerGroup"/>
+                        </m:oMathParaPr>
+                        <m:oMath xmlns:m="http://schemas.openxmlformats.org/officeDocument/2006/math">
+                          <m:sSub>
+                            <m:sSubPr>
+                              <m:ctrlPr>
+                                <a:rPr lang="en-US" i="1" smtClean="0">
+                                  <a:latin typeface="Cambria Math" panose="02040503050406030204" pitchFamily="18" charset="0"/>
+                                </a:rPr>
+                              </m:ctrlPr>
+                            </m:sSubPr>
+                            <m:e>
+                              <m:r>
+                                <a:rPr lang="en-US" i="1">
+                                  <a:latin typeface="Cambria Math"/>
+                                </a:rPr>
+                                <m:t>𝑥</m:t>
+                              </m:r>
+                            </m:e>
+                            <m:sub>
+                              <m:r>
+                                <a:rPr lang="en-US" b="0" i="1" smtClean="0">
+                                  <a:latin typeface="Cambria Math"/>
+                                </a:rPr>
+                                <m:t>0</m:t>
+                              </m:r>
+                            </m:sub>
+                          </m:sSub>
+                        </m:oMath>
+                      </m:oMathPara>
+                    </a14:m>
+                    <a:endParaRPr lang="en-US" dirty="0"/>
+                  </a:p>
+                </p:txBody>
+              </p:sp>
+            </mc:Choice>
+            <mc:Fallback xmlns="">
+              <p:sp>
+                <p:nvSpPr>
+                  <p:cNvPr id="116" name="Rectangle 115"/>
+                  <p:cNvSpPr>
+                    <a:spLocks noRot="1" noChangeAspect="1" noMove="1" noResize="1" noEditPoints="1" noAdjustHandles="1" noChangeArrowheads="1" noChangeShapeType="1" noTextEdit="1"/>
+                  </p:cNvSpPr>
+                  <p:nvPr/>
+                </p:nvSpPr>
+                <p:spPr>
+                  <a:xfrm>
+                    <a:off x="2904327" y="3703176"/>
+                    <a:ext cx="394079" cy="299115"/>
+                  </a:xfrm>
+                  <a:prstGeom prst="rect">
+                    <a:avLst/>
+                  </a:prstGeom>
+                  <a:blipFill>
+                    <a:blip r:embed="rId4"/>
+                    <a:stretch>
+                      <a:fillRect/>
+                    </a:stretch>
+                  </a:blipFill>
+                </p:spPr>
+                <p:txBody>
+                  <a:bodyPr/>
+                  <a:lstStyle/>
+                  <a:p>
+                    <a:r>
+                      <a:rPr lang="en-US">
+                        <a:noFill/>
+                      </a:rPr>
+                      <a:t> </a:t>
+                    </a:r>
+                  </a:p>
+                </p:txBody>
+              </p:sp>
+            </mc:Fallback>
+          </mc:AlternateContent>
+        </p:grpSp>
+        <p:grpSp>
+          <p:nvGrpSpPr>
+            <p:cNvPr id="4103" name="Group 4102"/>
+            <p:cNvGrpSpPr/>
+            <p:nvPr/>
+          </p:nvGrpSpPr>
+          <p:grpSpPr>
+            <a:xfrm>
+              <a:off x="3587587" y="3471184"/>
+              <a:ext cx="390088" cy="306962"/>
+              <a:chOff x="3888529" y="3725827"/>
+              <a:chExt cx="390088" cy="306962"/>
+            </a:xfrm>
+          </p:grpSpPr>
+          <p:sp>
+            <p:nvSpPr>
+              <p:cNvPr id="96" name="Oval 95"/>
+              <p:cNvSpPr/>
+              <p:nvPr/>
+            </p:nvSpPr>
+            <p:spPr>
+              <a:xfrm>
+                <a:off x="3922270" y="3737898"/>
+                <a:ext cx="318617" cy="294891"/>
+              </a:xfrm>
+              <a:prstGeom prst="ellipse">
+                <a:avLst/>
+              </a:prstGeom>
+            </p:spPr>
+            <p:style>
+              <a:lnRef idx="2">
+                <a:schemeClr val="accent1">
+                  <a:shade val="50000"/>
+                </a:schemeClr>
+              </a:lnRef>
+              <a:fillRef idx="1">
+                <a:schemeClr val="accent1"/>
+              </a:fillRef>
+              <a:effectRef idx="0">
+                <a:schemeClr val="accent1"/>
+              </a:effectRef>
+              <a:fontRef idx="minor">
+                <a:schemeClr val="lt1"/>
+              </a:fontRef>
+            </p:style>
+            <p:txBody>
+              <a:bodyPr rtlCol="0" anchor="ctr"/>
+              <a:lstStyle/>
+              <a:p>
+                <a:pPr algn="ctr"/>
+                <a:endParaRPr lang="en-US"/>
+              </a:p>
+            </p:txBody>
+          </p:sp>
+          <mc:AlternateContent xmlns:mc="http://schemas.openxmlformats.org/markup-compatibility/2006" xmlns:a14="http://schemas.microsoft.com/office/drawing/2010/main">
+            <mc:Choice Requires="a14">
+              <p:sp>
+                <p:nvSpPr>
+                  <p:cNvPr id="117" name="Rectangle 116"/>
+                  <p:cNvSpPr/>
+                  <p:nvPr/>
+                </p:nvSpPr>
+                <p:spPr>
+                  <a:xfrm>
+                    <a:off x="3888529" y="3725827"/>
+                    <a:ext cx="390088" cy="299115"/>
+                  </a:xfrm>
+                  <a:prstGeom prst="rect">
+                    <a:avLst/>
+                  </a:prstGeom>
+                </p:spPr>
+                <p:txBody>
+                  <a:bodyPr wrap="none">
+                    <a:spAutoFit/>
+                  </a:bodyPr>
+                  <a:lstStyle/>
+                  <a:p>
+                    <a:pPr/>
+                    <a14:m>
+                      <m:oMathPara xmlns:m="http://schemas.openxmlformats.org/officeDocument/2006/math">
+                        <m:oMathParaPr>
+                          <m:jc m:val="centerGroup"/>
+                        </m:oMathParaPr>
+                        <m:oMath xmlns:m="http://schemas.openxmlformats.org/officeDocument/2006/math">
+                          <m:sSub>
+                            <m:sSubPr>
+                              <m:ctrlPr>
+                                <a:rPr lang="en-US" i="1" smtClean="0">
+                                  <a:latin typeface="Cambria Math" panose="02040503050406030204" pitchFamily="18" charset="0"/>
+                                </a:rPr>
+                              </m:ctrlPr>
+                            </m:sSubPr>
+                            <m:e>
+                              <m:r>
+                                <a:rPr lang="en-US" i="1">
+                                  <a:latin typeface="Cambria Math"/>
+                                </a:rPr>
+                                <m:t>𝑥</m:t>
+                              </m:r>
+                            </m:e>
+                            <m:sub>
+                              <m:r>
+                                <a:rPr lang="en-US" b="0" i="1" smtClean="0">
+                                  <a:latin typeface="Cambria Math"/>
+                                </a:rPr>
+                                <m:t>1</m:t>
+                              </m:r>
+                            </m:sub>
+                          </m:sSub>
+                        </m:oMath>
+                      </m:oMathPara>
+                    </a14:m>
+                    <a:endParaRPr lang="en-US" dirty="0"/>
+                  </a:p>
+                </p:txBody>
+              </p:sp>
+            </mc:Choice>
+            <mc:Fallback xmlns="">
+              <p:sp>
+                <p:nvSpPr>
+                  <p:cNvPr id="117" name="Rectangle 116"/>
+                  <p:cNvSpPr>
+                    <a:spLocks noRot="1" noChangeAspect="1" noMove="1" noResize="1" noEditPoints="1" noAdjustHandles="1" noChangeArrowheads="1" noChangeShapeType="1" noTextEdit="1"/>
+                  </p:cNvSpPr>
+                  <p:nvPr/>
+                </p:nvSpPr>
+                <p:spPr>
+                  <a:xfrm>
+                    <a:off x="3888529" y="3725827"/>
+                    <a:ext cx="390088" cy="299115"/>
+                  </a:xfrm>
+                  <a:prstGeom prst="rect">
+                    <a:avLst/>
+                  </a:prstGeom>
+                  <a:blipFill>
+                    <a:blip r:embed="rId5"/>
+                    <a:stretch>
+                      <a:fillRect/>
+                    </a:stretch>
+                  </a:blipFill>
+                </p:spPr>
+                <p:txBody>
+                  <a:bodyPr/>
+                  <a:lstStyle/>
+                  <a:p>
+                    <a:r>
+                      <a:rPr lang="en-US">
+                        <a:noFill/>
+                      </a:rPr>
+                      <a:t> </a:t>
+                    </a:r>
+                  </a:p>
+                </p:txBody>
+              </p:sp>
+            </mc:Fallback>
+          </mc:AlternateContent>
+        </p:grpSp>
+        <p:grpSp>
+          <p:nvGrpSpPr>
+            <p:cNvPr id="4104" name="Group 4103"/>
+            <p:cNvGrpSpPr/>
+            <p:nvPr/>
+          </p:nvGrpSpPr>
+          <p:grpSpPr>
+            <a:xfrm>
+              <a:off x="4548775" y="3455258"/>
+              <a:ext cx="394079" cy="328121"/>
+              <a:chOff x="4846109" y="3674170"/>
+              <a:chExt cx="394079" cy="328121"/>
+            </a:xfrm>
+          </p:grpSpPr>
+          <p:sp>
+            <p:nvSpPr>
+              <p:cNvPr id="99" name="Oval 98"/>
+              <p:cNvSpPr/>
+              <p:nvPr/>
+            </p:nvSpPr>
+            <p:spPr>
+              <a:xfrm>
+                <a:off x="4851160" y="3707400"/>
+                <a:ext cx="318617" cy="294891"/>
+              </a:xfrm>
+              <a:prstGeom prst="ellipse">
+                <a:avLst/>
+              </a:prstGeom>
+            </p:spPr>
+            <p:style>
+              <a:lnRef idx="2">
+                <a:schemeClr val="accent1">
+                  <a:shade val="50000"/>
+                </a:schemeClr>
+              </a:lnRef>
+              <a:fillRef idx="1">
+                <a:schemeClr val="accent1"/>
+              </a:fillRef>
+              <a:effectRef idx="0">
+                <a:schemeClr val="accent1"/>
+              </a:effectRef>
+              <a:fontRef idx="minor">
+                <a:schemeClr val="lt1"/>
+              </a:fontRef>
+            </p:style>
+            <p:txBody>
+              <a:bodyPr rtlCol="0" anchor="ctr"/>
+              <a:lstStyle/>
+              <a:p>
+                <a:pPr algn="ctr"/>
+                <a:endParaRPr lang="en-US"/>
+              </a:p>
+            </p:txBody>
+          </p:sp>
+          <mc:AlternateContent xmlns:mc="http://schemas.openxmlformats.org/markup-compatibility/2006" xmlns:a14="http://schemas.microsoft.com/office/drawing/2010/main">
+            <mc:Choice Requires="a14">
+              <p:sp>
+                <p:nvSpPr>
+                  <p:cNvPr id="118" name="Rectangle 117"/>
+                  <p:cNvSpPr/>
+                  <p:nvPr/>
+                </p:nvSpPr>
+                <p:spPr>
+                  <a:xfrm>
+                    <a:off x="4846109" y="3674170"/>
+                    <a:ext cx="394079" cy="299115"/>
+                  </a:xfrm>
+                  <a:prstGeom prst="rect">
+                    <a:avLst/>
+                  </a:prstGeom>
+                </p:spPr>
+                <p:txBody>
+                  <a:bodyPr wrap="none">
+                    <a:spAutoFit/>
+                  </a:bodyPr>
+                  <a:lstStyle/>
+                  <a:p>
+                    <a:pPr/>
+                    <a14:m>
+                      <m:oMathPara xmlns:m="http://schemas.openxmlformats.org/officeDocument/2006/math">
+                        <m:oMathParaPr>
+                          <m:jc m:val="centerGroup"/>
+                        </m:oMathParaPr>
+                        <m:oMath xmlns:m="http://schemas.openxmlformats.org/officeDocument/2006/math">
+                          <m:sSub>
+                            <m:sSubPr>
+                              <m:ctrlPr>
+                                <a:rPr lang="en-US" i="1" smtClean="0">
+                                  <a:latin typeface="Cambria Math" panose="02040503050406030204" pitchFamily="18" charset="0"/>
+                                </a:rPr>
+                              </m:ctrlPr>
+                            </m:sSubPr>
+                            <m:e>
+                              <m:r>
+                                <a:rPr lang="en-US" i="1">
+                                  <a:latin typeface="Cambria Math"/>
+                                </a:rPr>
+                                <m:t>𝑥</m:t>
+                              </m:r>
+                            </m:e>
+                            <m:sub>
+                              <m:r>
+                                <a:rPr lang="en-US" b="0" i="1" smtClean="0">
+                                  <a:latin typeface="Cambria Math"/>
+                                </a:rPr>
+                                <m:t>2</m:t>
+                              </m:r>
+                            </m:sub>
+                          </m:sSub>
+                        </m:oMath>
+                      </m:oMathPara>
+                    </a14:m>
+                    <a:endParaRPr lang="en-US" dirty="0"/>
+                  </a:p>
+                </p:txBody>
+              </p:sp>
+            </mc:Choice>
+            <mc:Fallback xmlns="">
+              <p:sp>
+                <p:nvSpPr>
+                  <p:cNvPr id="118" name="Rectangle 117"/>
+                  <p:cNvSpPr>
+                    <a:spLocks noRot="1" noChangeAspect="1" noMove="1" noResize="1" noEditPoints="1" noAdjustHandles="1" noChangeArrowheads="1" noChangeShapeType="1" noTextEdit="1"/>
+                  </p:cNvSpPr>
+                  <p:nvPr/>
+                </p:nvSpPr>
+                <p:spPr>
+                  <a:xfrm>
+                    <a:off x="4846109" y="3674170"/>
+                    <a:ext cx="394079" cy="299115"/>
+                  </a:xfrm>
+                  <a:prstGeom prst="rect">
+                    <a:avLst/>
+                  </a:prstGeom>
+                  <a:blipFill>
+                    <a:blip r:embed="rId6"/>
+                    <a:stretch>
+                      <a:fillRect/>
+                    </a:stretch>
+                  </a:blipFill>
+                </p:spPr>
+                <p:txBody>
+                  <a:bodyPr/>
+                  <a:lstStyle/>
+                  <a:p>
+                    <a:r>
+                      <a:rPr lang="en-US">
+                        <a:noFill/>
+                      </a:rPr>
+                      <a:t> </a:t>
+                    </a:r>
+                  </a:p>
+                </p:txBody>
+              </p:sp>
+            </mc:Fallback>
+          </mc:AlternateContent>
+        </p:grpSp>
+        <p:grpSp>
+          <p:nvGrpSpPr>
+            <p:cNvPr id="4105" name="Group 4104"/>
+            <p:cNvGrpSpPr/>
+            <p:nvPr/>
+          </p:nvGrpSpPr>
+          <p:grpSpPr>
+            <a:xfrm>
+              <a:off x="5969010" y="3432026"/>
+              <a:ext cx="370750" cy="332128"/>
+              <a:chOff x="6237424" y="3670163"/>
+              <a:chExt cx="370750" cy="332128"/>
+            </a:xfrm>
+          </p:grpSpPr>
+          <p:sp>
+            <p:nvSpPr>
+              <p:cNvPr id="102" name="Oval 101"/>
+              <p:cNvSpPr/>
+              <p:nvPr/>
+            </p:nvSpPr>
+            <p:spPr>
+              <a:xfrm>
+                <a:off x="6263490" y="3707400"/>
+                <a:ext cx="318617" cy="294891"/>
+              </a:xfrm>
+              <a:prstGeom prst="ellipse">
+                <a:avLst/>
+              </a:prstGeom>
+            </p:spPr>
+            <p:style>
+              <a:lnRef idx="2">
+                <a:schemeClr val="accent1">
+                  <a:shade val="50000"/>
+                </a:schemeClr>
+              </a:lnRef>
+              <a:fillRef idx="1">
+                <a:schemeClr val="accent1"/>
+              </a:fillRef>
+              <a:effectRef idx="0">
+                <a:schemeClr val="accent1"/>
+              </a:effectRef>
+              <a:fontRef idx="minor">
+                <a:schemeClr val="lt1"/>
+              </a:fontRef>
+            </p:style>
+            <p:txBody>
+              <a:bodyPr rtlCol="0" anchor="ctr"/>
+              <a:lstStyle/>
+              <a:p>
+                <a:pPr algn="ctr"/>
+                <a:endParaRPr lang="en-US"/>
+              </a:p>
+            </p:txBody>
+          </p:sp>
+          <mc:AlternateContent xmlns:mc="http://schemas.openxmlformats.org/markup-compatibility/2006" xmlns:a14="http://schemas.microsoft.com/office/drawing/2010/main">
+            <mc:Choice Requires="a14">
+              <p:sp>
+                <p:nvSpPr>
+                  <p:cNvPr id="119" name="Rectangle 118"/>
+                  <p:cNvSpPr/>
+                  <p:nvPr/>
+                </p:nvSpPr>
+                <p:spPr>
+                  <a:xfrm>
+                    <a:off x="6237424" y="3670163"/>
+                    <a:ext cx="370750" cy="299115"/>
+                  </a:xfrm>
+                  <a:prstGeom prst="rect">
+                    <a:avLst/>
+                  </a:prstGeom>
+                </p:spPr>
+                <p:txBody>
+                  <a:bodyPr wrap="none">
+                    <a:spAutoFit/>
+                  </a:bodyPr>
+                  <a:lstStyle/>
+                  <a:p>
+                    <a:pPr/>
+                    <a14:m>
+                      <m:oMathPara xmlns:m="http://schemas.openxmlformats.org/officeDocument/2006/math">
+                        <m:oMathParaPr>
+                          <m:jc m:val="centerGroup"/>
+                        </m:oMathParaPr>
+                        <m:oMath xmlns:m="http://schemas.openxmlformats.org/officeDocument/2006/math">
+                          <m:sSub>
+                            <m:sSubPr>
+                              <m:ctrlPr>
+                                <a:rPr lang="en-US" i="1" smtClean="0">
+                                  <a:latin typeface="Cambria Math" panose="02040503050406030204" pitchFamily="18" charset="0"/>
+                                </a:rPr>
+                              </m:ctrlPr>
+                            </m:sSubPr>
+                            <m:e>
+                              <m:r>
+                                <a:rPr lang="en-US" i="1">
+                                  <a:latin typeface="Cambria Math"/>
+                                </a:rPr>
+                                <m:t>𝑥</m:t>
+                              </m:r>
+                            </m:e>
+                            <m:sub>
+                              <m:r>
+                                <a:rPr lang="en-US" b="0" i="1" smtClean="0">
+                                  <a:latin typeface="Cambria Math" panose="02040503050406030204" pitchFamily="18" charset="0"/>
+                                </a:rPr>
+                                <m:t>𝑖</m:t>
+                              </m:r>
+                            </m:sub>
+                          </m:sSub>
+                        </m:oMath>
+                      </m:oMathPara>
+                    </a14:m>
+                    <a:endParaRPr lang="en-US" dirty="0"/>
+                  </a:p>
+                </p:txBody>
+              </p:sp>
+            </mc:Choice>
+            <mc:Fallback xmlns="">
+              <p:sp>
+                <p:nvSpPr>
+                  <p:cNvPr id="119" name="Rectangle 118"/>
+                  <p:cNvSpPr>
+                    <a:spLocks noRot="1" noChangeAspect="1" noMove="1" noResize="1" noEditPoints="1" noAdjustHandles="1" noChangeArrowheads="1" noChangeShapeType="1" noTextEdit="1"/>
+                  </p:cNvSpPr>
+                  <p:nvPr/>
+                </p:nvSpPr>
+                <p:spPr>
+                  <a:xfrm>
+                    <a:off x="6237424" y="3670163"/>
+                    <a:ext cx="370750" cy="299115"/>
+                  </a:xfrm>
+                  <a:prstGeom prst="rect">
+                    <a:avLst/>
+                  </a:prstGeom>
+                  <a:blipFill>
+                    <a:blip r:embed="rId7"/>
+                    <a:stretch>
+                      <a:fillRect/>
+                    </a:stretch>
+                  </a:blipFill>
+                </p:spPr>
+                <p:txBody>
+                  <a:bodyPr/>
+                  <a:lstStyle/>
+                  <a:p>
+                    <a:r>
+                      <a:rPr lang="en-US">
+                        <a:noFill/>
+                      </a:rPr>
+                      <a:t> </a:t>
+                    </a:r>
+                  </a:p>
+                </p:txBody>
+              </p:sp>
+            </mc:Fallback>
+          </mc:AlternateContent>
+        </p:grpSp>
+        <p:grpSp>
+          <p:nvGrpSpPr>
+            <p:cNvPr id="19" name="Group 18"/>
+            <p:cNvGrpSpPr/>
+            <p:nvPr/>
+          </p:nvGrpSpPr>
+          <p:grpSpPr>
+            <a:xfrm>
+              <a:off x="2587327" y="2278847"/>
+              <a:ext cx="489375" cy="334329"/>
+              <a:chOff x="2820273" y="2556954"/>
+              <a:chExt cx="489375" cy="334329"/>
+            </a:xfrm>
+          </p:grpSpPr>
+          <p:sp>
+            <p:nvSpPr>
+              <p:cNvPr id="104" name="Oval 103"/>
+              <p:cNvSpPr/>
+              <p:nvPr/>
+            </p:nvSpPr>
+            <p:spPr>
+              <a:xfrm>
+                <a:off x="2874008" y="2596392"/>
+                <a:ext cx="318617" cy="294891"/>
+              </a:xfrm>
+              <a:prstGeom prst="ellipse">
+                <a:avLst/>
+              </a:prstGeom>
+            </p:spPr>
+            <p:style>
+              <a:lnRef idx="2">
+                <a:schemeClr val="accent1">
+                  <a:shade val="50000"/>
+                </a:schemeClr>
+              </a:lnRef>
+              <a:fillRef idx="1">
+                <a:schemeClr val="accent1"/>
+              </a:fillRef>
+              <a:effectRef idx="0">
+                <a:schemeClr val="accent1"/>
+              </a:effectRef>
+              <a:fontRef idx="minor">
+                <a:schemeClr val="lt1"/>
+              </a:fontRef>
+            </p:style>
+            <p:txBody>
+              <a:bodyPr rtlCol="0" anchor="ctr"/>
+              <a:lstStyle/>
+              <a:p>
+                <a:pPr algn="ctr"/>
+                <a:endParaRPr lang="en-US"/>
+              </a:p>
+            </p:txBody>
+          </p:sp>
+          <mc:AlternateContent xmlns:mc="http://schemas.openxmlformats.org/markup-compatibility/2006" xmlns:a14="http://schemas.microsoft.com/office/drawing/2010/main">
+            <mc:Choice Requires="a14">
+              <p:sp>
+                <p:nvSpPr>
+                  <p:cNvPr id="122" name="Rectangle 121"/>
+                  <p:cNvSpPr/>
+                  <p:nvPr/>
+                </p:nvSpPr>
+                <p:spPr>
+                  <a:xfrm>
+                    <a:off x="2820273" y="2556954"/>
+                    <a:ext cx="489375" cy="299115"/>
+                  </a:xfrm>
+                  <a:prstGeom prst="rect">
+                    <a:avLst/>
+                  </a:prstGeom>
+                </p:spPr>
+                <p:txBody>
+                  <a:bodyPr wrap="none">
+                    <a:spAutoFit/>
+                  </a:bodyPr>
+                  <a:lstStyle/>
+                  <a:p>
+                    <a:pPr/>
+                    <a14:m>
+                      <m:oMathPara xmlns:m="http://schemas.openxmlformats.org/officeDocument/2006/math">
+                        <m:oMathParaPr>
+                          <m:jc m:val="centerGroup"/>
+                        </m:oMathParaPr>
+                        <m:oMath xmlns:m="http://schemas.openxmlformats.org/officeDocument/2006/math">
+                          <m:sSub>
+                            <m:sSubPr>
+                              <m:ctrlPr>
+                                <a:rPr lang="en-US" i="1" smtClean="0">
+                                  <a:latin typeface="Cambria Math" panose="02040503050406030204" pitchFamily="18" charset="0"/>
+                                </a:rPr>
+                              </m:ctrlPr>
+                            </m:sSubPr>
+                            <m:e>
+                              <m:r>
+                                <a:rPr lang="en-US" b="0" i="1" smtClean="0">
+                                  <a:latin typeface="Cambria Math"/>
+                                </a:rPr>
+                                <m:t>𝑦</m:t>
+                              </m:r>
+                            </m:e>
+                            <m:sub>
+                              <m:r>
+                                <a:rPr lang="en-US" b="0" i="1" smtClean="0">
+                                  <a:latin typeface="Cambria Math"/>
+                                </a:rPr>
+                                <m:t>0</m:t>
+                              </m:r>
+                            </m:sub>
+                          </m:sSub>
+                        </m:oMath>
+                      </m:oMathPara>
+                    </a14:m>
+                    <a:endParaRPr lang="en-US" dirty="0"/>
+                  </a:p>
+                </p:txBody>
+              </p:sp>
+            </mc:Choice>
+            <mc:Fallback xmlns="">
+              <p:sp>
+                <p:nvSpPr>
+                  <p:cNvPr id="122" name="Rectangle 121"/>
+                  <p:cNvSpPr>
+                    <a:spLocks noRot="1" noChangeAspect="1" noMove="1" noResize="1" noEditPoints="1" noAdjustHandles="1" noChangeArrowheads="1" noChangeShapeType="1" noTextEdit="1"/>
+                  </p:cNvSpPr>
+                  <p:nvPr/>
+                </p:nvSpPr>
+                <p:spPr>
+                  <a:xfrm>
+                    <a:off x="2820273" y="2556954"/>
+                    <a:ext cx="489375" cy="299115"/>
+                  </a:xfrm>
+                  <a:prstGeom prst="rect">
+                    <a:avLst/>
+                  </a:prstGeom>
+                  <a:blipFill>
+                    <a:blip r:embed="rId8"/>
+                    <a:stretch>
+                      <a:fillRect b="-6122"/>
+                    </a:stretch>
+                  </a:blipFill>
+                </p:spPr>
+                <p:txBody>
+                  <a:bodyPr/>
+                  <a:lstStyle/>
+                  <a:p>
+                    <a:r>
+                      <a:rPr lang="en-US">
+                        <a:noFill/>
+                      </a:rPr>
+                      <a:t> </a:t>
+                    </a:r>
+                  </a:p>
+                </p:txBody>
+              </p:sp>
+            </mc:Fallback>
+          </mc:AlternateContent>
+        </p:grpSp>
+        <p:grpSp>
+          <p:nvGrpSpPr>
+            <p:cNvPr id="4096" name="Group 4095"/>
+            <p:cNvGrpSpPr/>
+            <p:nvPr/>
+          </p:nvGrpSpPr>
+          <p:grpSpPr>
+            <a:xfrm>
+              <a:off x="3535773" y="2322683"/>
+              <a:ext cx="484433" cy="308160"/>
+              <a:chOff x="3803156" y="2565741"/>
+              <a:chExt cx="484433" cy="308160"/>
+            </a:xfrm>
+          </p:grpSpPr>
+          <p:sp>
+            <p:nvSpPr>
+              <p:cNvPr id="107" name="Oval 106"/>
+              <p:cNvSpPr/>
+              <p:nvPr/>
+            </p:nvSpPr>
+            <p:spPr>
+              <a:xfrm>
+                <a:off x="3878742" y="2579010"/>
+                <a:ext cx="318617" cy="294891"/>
+              </a:xfrm>
+              <a:prstGeom prst="ellipse">
+                <a:avLst/>
+              </a:prstGeom>
+            </p:spPr>
+            <p:style>
+              <a:lnRef idx="2">
+                <a:schemeClr val="accent1">
+                  <a:shade val="50000"/>
+                </a:schemeClr>
+              </a:lnRef>
+              <a:fillRef idx="1">
+                <a:schemeClr val="accent1"/>
+              </a:fillRef>
+              <a:effectRef idx="0">
+                <a:schemeClr val="accent1"/>
+              </a:effectRef>
+              <a:fontRef idx="minor">
+                <a:schemeClr val="lt1"/>
+              </a:fontRef>
+            </p:style>
+            <p:txBody>
+              <a:bodyPr rtlCol="0" anchor="ctr"/>
+              <a:lstStyle/>
+              <a:p>
+                <a:pPr algn="ctr"/>
+                <a:endParaRPr lang="en-US"/>
+              </a:p>
+            </p:txBody>
+          </p:sp>
+          <mc:AlternateContent xmlns:mc="http://schemas.openxmlformats.org/markup-compatibility/2006" xmlns:a14="http://schemas.microsoft.com/office/drawing/2010/main">
+            <mc:Choice Requires="a14">
+              <p:sp>
+                <p:nvSpPr>
+                  <p:cNvPr id="123" name="Rectangle 122"/>
+                  <p:cNvSpPr/>
+                  <p:nvPr/>
+                </p:nvSpPr>
+                <p:spPr>
+                  <a:xfrm>
+                    <a:off x="3803156" y="2565741"/>
+                    <a:ext cx="484433" cy="299115"/>
+                  </a:xfrm>
+                  <a:prstGeom prst="rect">
+                    <a:avLst/>
+                  </a:prstGeom>
+                </p:spPr>
+                <p:txBody>
+                  <a:bodyPr wrap="none">
+                    <a:spAutoFit/>
+                  </a:bodyPr>
+                  <a:lstStyle/>
+                  <a:p>
+                    <a:pPr/>
+                    <a14:m>
+                      <m:oMathPara xmlns:m="http://schemas.openxmlformats.org/officeDocument/2006/math">
+                        <m:oMathParaPr>
+                          <m:jc m:val="centerGroup"/>
+                        </m:oMathParaPr>
+                        <m:oMath xmlns:m="http://schemas.openxmlformats.org/officeDocument/2006/math">
+                          <m:sSub>
+                            <m:sSubPr>
+                              <m:ctrlPr>
+                                <a:rPr lang="en-US" i="1" smtClean="0">
+                                  <a:latin typeface="Cambria Math" panose="02040503050406030204" pitchFamily="18" charset="0"/>
+                                </a:rPr>
+                              </m:ctrlPr>
+                            </m:sSubPr>
+                            <m:e>
+                              <m:r>
+                                <a:rPr lang="en-US" b="0" i="1" smtClean="0">
+                                  <a:latin typeface="Cambria Math"/>
+                                </a:rPr>
+                                <m:t>𝑦</m:t>
+                              </m:r>
+                            </m:e>
+                            <m:sub>
+                              <m:r>
+                                <a:rPr lang="en-US" b="0" i="1" smtClean="0">
+                                  <a:latin typeface="Cambria Math"/>
+                                </a:rPr>
+                                <m:t>1</m:t>
+                              </m:r>
+                            </m:sub>
+                          </m:sSub>
+                        </m:oMath>
+                      </m:oMathPara>
+                    </a14:m>
+                    <a:endParaRPr lang="en-US" dirty="0"/>
+                  </a:p>
+                </p:txBody>
+              </p:sp>
+            </mc:Choice>
+            <mc:Fallback xmlns="">
+              <p:sp>
+                <p:nvSpPr>
+                  <p:cNvPr id="123" name="Rectangle 122"/>
+                  <p:cNvSpPr>
+                    <a:spLocks noRot="1" noChangeAspect="1" noMove="1" noResize="1" noEditPoints="1" noAdjustHandles="1" noChangeArrowheads="1" noChangeShapeType="1" noTextEdit="1"/>
+                  </p:cNvSpPr>
+                  <p:nvPr/>
+                </p:nvSpPr>
+                <p:spPr>
+                  <a:xfrm>
+                    <a:off x="3803156" y="2565741"/>
+                    <a:ext cx="484433" cy="299115"/>
+                  </a:xfrm>
+                  <a:prstGeom prst="rect">
+                    <a:avLst/>
+                  </a:prstGeom>
+                  <a:blipFill>
+                    <a:blip r:embed="rId9"/>
+                    <a:stretch>
+                      <a:fillRect b="-6122"/>
+                    </a:stretch>
+                  </a:blipFill>
+                </p:spPr>
+                <p:txBody>
+                  <a:bodyPr/>
+                  <a:lstStyle/>
+                  <a:p>
+                    <a:r>
+                      <a:rPr lang="en-US">
+                        <a:noFill/>
+                      </a:rPr>
+                      <a:t> </a:t>
+                    </a:r>
+                  </a:p>
+                </p:txBody>
+              </p:sp>
+            </mc:Fallback>
+          </mc:AlternateContent>
+        </p:grpSp>
+        <p:grpSp>
+          <p:nvGrpSpPr>
+            <p:cNvPr id="4100" name="Group 4099"/>
+            <p:cNvGrpSpPr/>
+            <p:nvPr/>
+          </p:nvGrpSpPr>
+          <p:grpSpPr>
+            <a:xfrm>
+              <a:off x="4501128" y="2317379"/>
+              <a:ext cx="489375" cy="324107"/>
+              <a:chOff x="4744505" y="2549582"/>
+              <a:chExt cx="489375" cy="324107"/>
+            </a:xfrm>
+          </p:grpSpPr>
+          <p:sp>
+            <p:nvSpPr>
+              <p:cNvPr id="110" name="Oval 109"/>
+              <p:cNvSpPr/>
+              <p:nvPr/>
+            </p:nvSpPr>
+            <p:spPr>
+              <a:xfrm>
+                <a:off x="4814398" y="2578798"/>
+                <a:ext cx="318617" cy="294891"/>
+              </a:xfrm>
+              <a:prstGeom prst="ellipse">
+                <a:avLst/>
+              </a:prstGeom>
+            </p:spPr>
+            <p:style>
+              <a:lnRef idx="2">
+                <a:schemeClr val="accent1">
+                  <a:shade val="50000"/>
+                </a:schemeClr>
+              </a:lnRef>
+              <a:fillRef idx="1">
+                <a:schemeClr val="accent1"/>
+              </a:fillRef>
+              <a:effectRef idx="0">
+                <a:schemeClr val="accent1"/>
+              </a:effectRef>
+              <a:fontRef idx="minor">
+                <a:schemeClr val="lt1"/>
+              </a:fontRef>
+            </p:style>
+            <p:txBody>
+              <a:bodyPr rtlCol="0" anchor="ctr"/>
+              <a:lstStyle/>
+              <a:p>
+                <a:pPr algn="ctr"/>
+                <a:endParaRPr lang="en-US"/>
+              </a:p>
+            </p:txBody>
+          </p:sp>
+          <mc:AlternateContent xmlns:mc="http://schemas.openxmlformats.org/markup-compatibility/2006" xmlns:a14="http://schemas.microsoft.com/office/drawing/2010/main">
+            <mc:Choice Requires="a14">
+              <p:sp>
+                <p:nvSpPr>
+                  <p:cNvPr id="124" name="Rectangle 123"/>
+                  <p:cNvSpPr/>
+                  <p:nvPr/>
+                </p:nvSpPr>
+                <p:spPr>
+                  <a:xfrm>
+                    <a:off x="4744505" y="2549582"/>
+                    <a:ext cx="489375" cy="299115"/>
+                  </a:xfrm>
+                  <a:prstGeom prst="rect">
+                    <a:avLst/>
+                  </a:prstGeom>
+                </p:spPr>
+                <p:txBody>
+                  <a:bodyPr wrap="none">
+                    <a:spAutoFit/>
+                  </a:bodyPr>
+                  <a:lstStyle/>
+                  <a:p>
+                    <a:pPr/>
+                    <a14:m>
+                      <m:oMathPara xmlns:m="http://schemas.openxmlformats.org/officeDocument/2006/math">
+                        <m:oMathParaPr>
+                          <m:jc m:val="centerGroup"/>
+                        </m:oMathParaPr>
+                        <m:oMath xmlns:m="http://schemas.openxmlformats.org/officeDocument/2006/math">
+                          <m:sSub>
+                            <m:sSubPr>
+                              <m:ctrlPr>
+                                <a:rPr lang="en-US" i="1" smtClean="0">
+                                  <a:latin typeface="Cambria Math" panose="02040503050406030204" pitchFamily="18" charset="0"/>
+                                </a:rPr>
+                              </m:ctrlPr>
+                            </m:sSubPr>
+                            <m:e>
+                              <m:r>
+                                <a:rPr lang="en-US" b="0" i="1" smtClean="0">
+                                  <a:latin typeface="Cambria Math"/>
+                                </a:rPr>
+                                <m:t>𝑦</m:t>
+                              </m:r>
+                            </m:e>
+                            <m:sub>
+                              <m:r>
+                                <a:rPr lang="en-US" b="0" i="1" smtClean="0">
+                                  <a:latin typeface="Cambria Math"/>
+                                </a:rPr>
+                                <m:t>2</m:t>
+                              </m:r>
+                            </m:sub>
+                          </m:sSub>
+                        </m:oMath>
+                      </m:oMathPara>
+                    </a14:m>
+                    <a:endParaRPr lang="en-US" dirty="0"/>
+                  </a:p>
+                </p:txBody>
+              </p:sp>
+            </mc:Choice>
+            <mc:Fallback xmlns="">
+              <p:sp>
+                <p:nvSpPr>
+                  <p:cNvPr id="124" name="Rectangle 123"/>
+                  <p:cNvSpPr>
+                    <a:spLocks noRot="1" noChangeAspect="1" noMove="1" noResize="1" noEditPoints="1" noAdjustHandles="1" noChangeArrowheads="1" noChangeShapeType="1" noTextEdit="1"/>
+                  </p:cNvSpPr>
+                  <p:nvPr/>
+                </p:nvSpPr>
+                <p:spPr>
+                  <a:xfrm>
+                    <a:off x="4744505" y="2549582"/>
+                    <a:ext cx="489375" cy="299115"/>
+                  </a:xfrm>
+                  <a:prstGeom prst="rect">
+                    <a:avLst/>
+                  </a:prstGeom>
+                  <a:blipFill>
+                    <a:blip r:embed="rId10"/>
+                    <a:stretch>
+                      <a:fillRect b="-6122"/>
+                    </a:stretch>
+                  </a:blipFill>
+                </p:spPr>
+                <p:txBody>
+                  <a:bodyPr/>
+                  <a:lstStyle/>
+                  <a:p>
+                    <a:r>
+                      <a:rPr lang="en-US">
+                        <a:noFill/>
+                      </a:rPr>
+                      <a:t> </a:t>
+                    </a:r>
+                  </a:p>
+                </p:txBody>
+              </p:sp>
+            </mc:Fallback>
+          </mc:AlternateContent>
+        </p:grpSp>
+        <p:grpSp>
+          <p:nvGrpSpPr>
+            <p:cNvPr id="4101" name="Group 4100"/>
+            <p:cNvGrpSpPr/>
+            <p:nvPr/>
+          </p:nvGrpSpPr>
+          <p:grpSpPr>
+            <a:xfrm>
+              <a:off x="5949151" y="2275386"/>
+              <a:ext cx="460480" cy="334713"/>
+              <a:chOff x="6216763" y="2530518"/>
+              <a:chExt cx="460480" cy="334713"/>
+            </a:xfrm>
+          </p:grpSpPr>
+          <p:sp>
+            <p:nvSpPr>
+              <p:cNvPr id="113" name="Oval 112"/>
+              <p:cNvSpPr/>
+              <p:nvPr/>
+            </p:nvSpPr>
+            <p:spPr>
+              <a:xfrm>
+                <a:off x="6278824" y="2570340"/>
+                <a:ext cx="318617" cy="294891"/>
+              </a:xfrm>
+              <a:prstGeom prst="ellipse">
+                <a:avLst/>
+              </a:prstGeom>
+            </p:spPr>
+            <p:style>
+              <a:lnRef idx="2">
+                <a:schemeClr val="accent1">
+                  <a:shade val="50000"/>
+                </a:schemeClr>
+              </a:lnRef>
+              <a:fillRef idx="1">
+                <a:schemeClr val="accent1"/>
+              </a:fillRef>
+              <a:effectRef idx="0">
+                <a:schemeClr val="accent1"/>
+              </a:effectRef>
+              <a:fontRef idx="minor">
+                <a:schemeClr val="lt1"/>
+              </a:fontRef>
+            </p:style>
+            <p:txBody>
+              <a:bodyPr rtlCol="0" anchor="ctr"/>
+              <a:lstStyle/>
+              <a:p>
+                <a:pPr algn="ctr"/>
+                <a:endParaRPr lang="en-US"/>
+              </a:p>
+            </p:txBody>
+          </p:sp>
+          <mc:AlternateContent xmlns:mc="http://schemas.openxmlformats.org/markup-compatibility/2006" xmlns:a14="http://schemas.microsoft.com/office/drawing/2010/main">
+            <mc:Choice Requires="a14">
+              <p:sp>
+                <p:nvSpPr>
+                  <p:cNvPr id="125" name="Rectangle 124"/>
+                  <p:cNvSpPr/>
+                  <p:nvPr/>
+                </p:nvSpPr>
+                <p:spPr>
+                  <a:xfrm>
+                    <a:off x="6216763" y="2530518"/>
+                    <a:ext cx="460480" cy="299115"/>
+                  </a:xfrm>
+                  <a:prstGeom prst="rect">
+                    <a:avLst/>
+                  </a:prstGeom>
+                </p:spPr>
+                <p:txBody>
+                  <a:bodyPr wrap="none">
+                    <a:spAutoFit/>
+                  </a:bodyPr>
+                  <a:lstStyle/>
+                  <a:p>
+                    <a:pPr/>
+                    <a14:m>
+                      <m:oMathPara xmlns:m="http://schemas.openxmlformats.org/officeDocument/2006/math">
+                        <m:oMathParaPr>
+                          <m:jc m:val="centerGroup"/>
+                        </m:oMathParaPr>
+                        <m:oMath xmlns:m="http://schemas.openxmlformats.org/officeDocument/2006/math">
+                          <m:sSub>
+                            <m:sSubPr>
+                              <m:ctrlPr>
+                                <a:rPr lang="en-US" i="1" smtClean="0">
+                                  <a:latin typeface="Cambria Math" panose="02040503050406030204" pitchFamily="18" charset="0"/>
+                                </a:rPr>
+                              </m:ctrlPr>
+                            </m:sSubPr>
+                            <m:e>
+                              <m:r>
+                                <a:rPr lang="en-US" b="0" i="1" smtClean="0">
+                                  <a:latin typeface="Cambria Math"/>
+                                </a:rPr>
+                                <m:t>𝑦</m:t>
+                              </m:r>
+                            </m:e>
+                            <m:sub>
+                              <m:r>
+                                <a:rPr lang="en-US" b="0" i="1" smtClean="0">
+                                  <a:latin typeface="Cambria Math" panose="02040503050406030204" pitchFamily="18" charset="0"/>
+                                </a:rPr>
+                                <m:t>𝑖</m:t>
+                              </m:r>
+                            </m:sub>
+                          </m:sSub>
+                        </m:oMath>
+                      </m:oMathPara>
+                    </a14:m>
+                    <a:endParaRPr lang="en-US" dirty="0"/>
+                  </a:p>
+                </p:txBody>
+              </p:sp>
+            </mc:Choice>
+            <mc:Fallback xmlns="">
+              <p:sp>
+                <p:nvSpPr>
+                  <p:cNvPr id="125" name="Rectangle 124"/>
+                  <p:cNvSpPr>
+                    <a:spLocks noRot="1" noChangeAspect="1" noMove="1" noResize="1" noEditPoints="1" noAdjustHandles="1" noChangeArrowheads="1" noChangeShapeType="1" noTextEdit="1"/>
+                  </p:cNvSpPr>
+                  <p:nvPr/>
+                </p:nvSpPr>
+                <p:spPr>
+                  <a:xfrm>
+                    <a:off x="6216763" y="2530518"/>
+                    <a:ext cx="460480" cy="299115"/>
+                  </a:xfrm>
+                  <a:prstGeom prst="rect">
+                    <a:avLst/>
+                  </a:prstGeom>
+                  <a:blipFill>
+                    <a:blip r:embed="rId11"/>
+                    <a:stretch>
+                      <a:fillRect b="-6122"/>
+                    </a:stretch>
+                  </a:blipFill>
+                </p:spPr>
+                <p:txBody>
+                  <a:bodyPr/>
+                  <a:lstStyle/>
+                  <a:p>
+                    <a:r>
+                      <a:rPr lang="en-US">
+                        <a:noFill/>
+                      </a:rPr>
+                      <a:t> </a:t>
+                    </a:r>
+                  </a:p>
+                </p:txBody>
+              </p:sp>
+            </mc:Fallback>
+          </mc:AlternateContent>
+        </p:grpSp>
+        <p:sp>
+          <p:nvSpPr>
+            <p:cNvPr id="126" name="Rounded Rectangle 125"/>
+            <p:cNvSpPr/>
+            <p:nvPr/>
+          </p:nvSpPr>
+          <p:spPr>
+            <a:xfrm>
+              <a:off x="2436208" y="1925064"/>
+              <a:ext cx="4196520" cy="271945"/>
+            </a:xfrm>
+            <a:prstGeom prst="roundRect">
+              <a:avLst/>
+            </a:prstGeom>
+          </p:spPr>
+          <p:style>
+            <a:lnRef idx="2">
+              <a:schemeClr val="accent3">
+                <a:shade val="50000"/>
+              </a:schemeClr>
+            </a:lnRef>
+            <a:fillRef idx="1">
+              <a:schemeClr val="accent3"/>
+            </a:fillRef>
+            <a:effectRef idx="0">
+              <a:schemeClr val="accent3"/>
+            </a:effectRef>
+            <a:fontRef idx="minor">
+              <a:schemeClr val="lt1"/>
+            </a:fontRef>
+          </p:style>
+          <p:txBody>
+            <a:bodyPr rtlCol="0" anchor="ctr"/>
+            <a:lstStyle/>
+            <a:p>
+              <a:pPr algn="ctr"/>
+              <a:r>
+                <a:rPr lang="en-US" sz="1200" b="1" smtClean="0"/>
+                <a:t>Linear</a:t>
+              </a:r>
+              <a:endParaRPr lang="en-US" sz="1200" b="1"/>
+            </a:p>
+          </p:txBody>
+        </p:sp>
+        <p:sp>
+          <p:nvSpPr>
+            <p:cNvPr id="127" name="Rounded Rectangle 126"/>
+            <p:cNvSpPr/>
+            <p:nvPr/>
+          </p:nvSpPr>
+          <p:spPr>
+            <a:xfrm>
+              <a:off x="2421947" y="1588383"/>
+              <a:ext cx="4196520" cy="276059"/>
+            </a:xfrm>
+            <a:prstGeom prst="roundRect">
+              <a:avLst/>
+            </a:prstGeom>
+          </p:spPr>
+          <p:style>
+            <a:lnRef idx="2">
+              <a:schemeClr val="accent2">
+                <a:shade val="50000"/>
+              </a:schemeClr>
+            </a:lnRef>
+            <a:fillRef idx="1">
+              <a:schemeClr val="accent2"/>
+            </a:fillRef>
+            <a:effectRef idx="0">
+              <a:schemeClr val="accent2"/>
+            </a:effectRef>
+            <a:fontRef idx="minor">
+              <a:schemeClr val="lt1"/>
+            </a:fontRef>
+          </p:style>
+          <p:txBody>
+            <a:bodyPr rtlCol="0" anchor="ctr"/>
+            <a:lstStyle/>
+            <a:p>
+              <a:pPr algn="ctr"/>
+              <a:r>
+                <a:rPr lang="en-US" sz="1200" b="1" smtClean="0"/>
+                <a:t>Output words</a:t>
+              </a:r>
+              <a:endParaRPr lang="en-US" sz="1200" b="1"/>
+            </a:p>
+          </p:txBody>
+        </p:sp>
+        <p:grpSp>
+          <p:nvGrpSpPr>
+            <p:cNvPr id="128" name="Group 127"/>
+            <p:cNvGrpSpPr/>
+            <p:nvPr/>
+          </p:nvGrpSpPr>
+          <p:grpSpPr>
+            <a:xfrm>
+              <a:off x="2704312" y="1376198"/>
+              <a:ext cx="3339697" cy="223429"/>
+              <a:chOff x="3172691" y="4099173"/>
+              <a:chExt cx="3425154" cy="313500"/>
+            </a:xfrm>
+          </p:grpSpPr>
+          <p:cxnSp>
+            <p:nvCxnSpPr>
+              <p:cNvPr id="129" name="Straight Arrow Connector 128"/>
+              <p:cNvCxnSpPr/>
+              <p:nvPr/>
+            </p:nvCxnSpPr>
+            <p:spPr>
+              <a:xfrm flipV="1">
+                <a:off x="3172691" y="4135584"/>
+                <a:ext cx="0" cy="277089"/>
+              </a:xfrm>
+              <a:prstGeom prst="straightConnector1">
+                <a:avLst/>
+              </a:prstGeom>
+              <a:ln>
+                <a:tailEnd type="triangle"/>
+              </a:ln>
+            </p:spPr>
+            <p:style>
+              <a:lnRef idx="2">
+                <a:schemeClr val="accent4"/>
+              </a:lnRef>
+              <a:fillRef idx="1">
+                <a:schemeClr val="lt1"/>
+              </a:fillRef>
+              <a:effectRef idx="0">
+                <a:schemeClr val="accent4"/>
+              </a:effectRef>
+              <a:fontRef idx="minor">
+                <a:schemeClr val="dk1"/>
+              </a:fontRef>
+            </p:style>
+          </p:cxnSp>
+          <p:cxnSp>
+            <p:nvCxnSpPr>
+              <p:cNvPr id="130" name="Straight Arrow Connector 129"/>
+              <p:cNvCxnSpPr/>
+              <p:nvPr/>
+            </p:nvCxnSpPr>
+            <p:spPr>
+              <a:xfrm flipV="1">
+                <a:off x="4194463" y="4128657"/>
+                <a:ext cx="0" cy="277089"/>
+              </a:xfrm>
+              <a:prstGeom prst="straightConnector1">
+                <a:avLst/>
+              </a:prstGeom>
+              <a:ln>
+                <a:tailEnd type="triangle"/>
+              </a:ln>
+            </p:spPr>
+            <p:style>
+              <a:lnRef idx="2">
+                <a:schemeClr val="accent4"/>
+              </a:lnRef>
+              <a:fillRef idx="1">
+                <a:schemeClr val="lt1"/>
+              </a:fillRef>
+              <a:effectRef idx="0">
+                <a:schemeClr val="accent4"/>
+              </a:effectRef>
+              <a:fontRef idx="minor">
+                <a:schemeClr val="dk1"/>
+              </a:fontRef>
+            </p:style>
+          </p:cxnSp>
+          <p:cxnSp>
+            <p:nvCxnSpPr>
+              <p:cNvPr id="131" name="Straight Arrow Connector 130"/>
+              <p:cNvCxnSpPr/>
+              <p:nvPr/>
+            </p:nvCxnSpPr>
+            <p:spPr>
+              <a:xfrm flipV="1">
+                <a:off x="5149376" y="4099173"/>
+                <a:ext cx="0" cy="277089"/>
+              </a:xfrm>
+              <a:prstGeom prst="straightConnector1">
+                <a:avLst/>
+              </a:prstGeom>
+              <a:ln>
+                <a:tailEnd type="triangle"/>
+              </a:ln>
+            </p:spPr>
+            <p:style>
+              <a:lnRef idx="2">
+                <a:schemeClr val="accent4"/>
+              </a:lnRef>
+              <a:fillRef idx="1">
+                <a:schemeClr val="lt1"/>
+              </a:fillRef>
+              <a:effectRef idx="0">
+                <a:schemeClr val="accent4"/>
+              </a:effectRef>
+              <a:fontRef idx="minor">
+                <a:schemeClr val="dk1"/>
+              </a:fontRef>
+            </p:style>
+          </p:cxnSp>
+          <p:cxnSp>
+            <p:nvCxnSpPr>
+              <p:cNvPr id="132" name="Straight Arrow Connector 131"/>
+              <p:cNvCxnSpPr/>
+              <p:nvPr/>
+            </p:nvCxnSpPr>
+            <p:spPr>
+              <a:xfrm flipV="1">
+                <a:off x="6597845" y="4106464"/>
+                <a:ext cx="0" cy="277089"/>
+              </a:xfrm>
+              <a:prstGeom prst="straightConnector1">
+                <a:avLst/>
+              </a:prstGeom>
+              <a:ln>
+                <a:tailEnd type="triangle"/>
+              </a:ln>
+            </p:spPr>
+            <p:style>
+              <a:lnRef idx="2">
+                <a:schemeClr val="accent4"/>
+              </a:lnRef>
+              <a:fillRef idx="1">
+                <a:schemeClr val="lt1"/>
+              </a:fillRef>
+              <a:effectRef idx="0">
+                <a:schemeClr val="accent4"/>
+              </a:effectRef>
+              <a:fontRef idx="minor">
+                <a:schemeClr val="dk1"/>
+              </a:fontRef>
+            </p:style>
+          </p:cxnSp>
+        </p:grpSp>
+      </p:grpSp>
+    </p:spTree>
+    <p:extLst>
+      <p:ext uri="{BB962C8B-B14F-4D97-AF65-F5344CB8AC3E}">
+        <p14:creationId xmlns:p14="http://schemas.microsoft.com/office/powerpoint/2010/main" val="1883378282"/>
+      </p:ext>
+    </p:extLst>
+  </p:cSld>
+  <p:clrMapOvr>
+    <a:masterClrMapping/>
+  </p:clrMapOvr>
+  <p:timing>
+    <p:tnLst>
+      <p:par>
+        <p:cTn id="1" dur="indefinite" restart="never" nodeType="tmRoot"/>
+      </p:par>
+    </p:tnLst>
+  </p:timing>
+</p:sld>
+</file>
+
+<file path=ppt/slides/slide15.xml><?xml version="1.0" encoding="utf-8"?>
+<p:sld xmlns:a="http://schemas.openxmlformats.org/drawingml/2006/main" xmlns:r="http://schemas.openxmlformats.org/officeDocument/2006/relationships" xmlns:p="http://schemas.openxmlformats.org/presentationml/2006/main">
+  <p:cSld>
+    <p:spTree>
+      <p:nvGrpSpPr>
+        <p:cNvPr id="1" name="Shape 563"/>
+        <p:cNvGrpSpPr/>
+        <p:nvPr/>
+      </p:nvGrpSpPr>
+      <p:grpSpPr>
+        <a:xfrm>
+          <a:off x="0" y="0"/>
+          <a:ext cx="0" cy="0"/>
+          <a:chOff x="0" y="0"/>
+          <a:chExt cx="0" cy="0"/>
+        </a:xfrm>
+      </p:grpSpPr>
+      <p:sp>
+        <p:nvSpPr>
+          <p:cNvPr id="120" name="Oval 119"/>
+          <p:cNvSpPr/>
+          <p:nvPr/>
+        </p:nvSpPr>
+        <p:spPr>
+          <a:xfrm>
+            <a:off x="532224" y="346870"/>
+            <a:ext cx="701040" cy="670560"/>
+          </a:xfrm>
+          <a:prstGeom prst="ellipse">
+            <a:avLst/>
+          </a:prstGeom>
+        </p:spPr>
+        <p:style>
+          <a:lnRef idx="3">
+            <a:schemeClr val="lt1"/>
+          </a:lnRef>
+          <a:fillRef idx="1">
+            <a:schemeClr val="accent4"/>
+          </a:fillRef>
+          <a:effectRef idx="1">
+            <a:schemeClr val="accent4"/>
+          </a:effectRef>
+          <a:fontRef idx="minor">
+            <a:schemeClr val="lt1"/>
+          </a:fontRef>
+        </p:style>
+        <p:txBody>
+          <a:bodyPr rtlCol="0" anchor="ctr"/>
+          <a:lstStyle/>
+          <a:p>
+            <a:pPr algn="ctr"/>
+            <a:r>
+              <a:rPr lang="en-US" sz="2400"/>
+              <a:t>2</a:t>
+            </a:r>
+          </a:p>
+        </p:txBody>
+      </p:sp>
+      <p:sp>
+        <p:nvSpPr>
+          <p:cNvPr id="121" name="Rectangle 120"/>
+          <p:cNvSpPr/>
+          <p:nvPr/>
+        </p:nvSpPr>
+        <p:spPr>
+          <a:xfrm>
+            <a:off x="1402081" y="482095"/>
+            <a:ext cx="3992879" cy="400110"/>
+          </a:xfrm>
+          <a:prstGeom prst="rect">
+            <a:avLst/>
+          </a:prstGeom>
+        </p:spPr>
+        <p:txBody>
+          <a:bodyPr wrap="square">
+            <a:spAutoFit/>
+          </a:bodyPr>
+          <a:lstStyle/>
+          <a:p>
+            <a:r>
+              <a:rPr lang="en-US" sz="2000" b="1">
+                <a:latin typeface="Montserrat" panose="020B0604020202020204" charset="0"/>
+              </a:rPr>
+              <a:t>Models and pipeline</a:t>
+            </a:r>
+            <a:endParaRPr lang="en-US" sz="2000" b="1"/>
+          </a:p>
+        </p:txBody>
+      </p:sp>
+      <p:sp>
+        <p:nvSpPr>
+          <p:cNvPr id="66" name="Rectangle 65"/>
+          <p:cNvSpPr/>
+          <p:nvPr/>
+        </p:nvSpPr>
+        <p:spPr>
+          <a:xfrm>
+            <a:off x="1402081" y="824764"/>
+            <a:ext cx="1515158" cy="307777"/>
+          </a:xfrm>
+          <a:prstGeom prst="rect">
+            <a:avLst/>
+          </a:prstGeom>
+        </p:spPr>
+        <p:txBody>
+          <a:bodyPr wrap="none">
+            <a:spAutoFit/>
+          </a:bodyPr>
+          <a:lstStyle/>
+          <a:p>
+            <a:r>
+              <a:rPr lang="en-US" b="1" smtClean="0">
+                <a:latin typeface="Montserrat" panose="020B0604020202020204" charset="0"/>
+              </a:rPr>
+              <a:t>BiLSTM </a:t>
+            </a:r>
+            <a:r>
+              <a:rPr lang="en-US" b="1" smtClean="0">
+                <a:latin typeface="Montserrat" panose="020B0604020202020204" charset="0"/>
+              </a:rPr>
+              <a:t>Model</a:t>
+            </a:r>
+            <a:endParaRPr lang="en-US" b="1"/>
+          </a:p>
+        </p:txBody>
+      </p:sp>
+      <p:grpSp>
+        <p:nvGrpSpPr>
+          <p:cNvPr id="3" name="Group 2"/>
+          <p:cNvGrpSpPr/>
+          <p:nvPr/>
+        </p:nvGrpSpPr>
+        <p:grpSpPr>
+          <a:xfrm>
+            <a:off x="1557911" y="1206266"/>
+            <a:ext cx="6136538" cy="3694108"/>
+            <a:chOff x="1557911" y="1206266"/>
+            <a:chExt cx="6136538" cy="3694108"/>
+          </a:xfrm>
+        </p:grpSpPr>
+        <p:sp>
+          <p:nvSpPr>
+            <p:cNvPr id="28" name="Rectangle 27"/>
+            <p:cNvSpPr/>
+            <p:nvPr/>
+          </p:nvSpPr>
+          <p:spPr>
+            <a:xfrm>
+              <a:off x="6812476" y="2834974"/>
+              <a:ext cx="881973" cy="307777"/>
+            </a:xfrm>
+            <a:prstGeom prst="rect">
+              <a:avLst/>
+            </a:prstGeom>
+          </p:spPr>
+          <p:txBody>
+            <a:bodyPr wrap="none">
+              <a:spAutoFit/>
+            </a:bodyPr>
+            <a:lstStyle/>
+            <a:p>
+              <a:r>
+                <a:rPr lang="en-US" b="1" smtClean="0">
+                  <a:latin typeface="Montserrat" panose="020B0604020202020204" charset="0"/>
+                </a:rPr>
+                <a:t>BiLSTM</a:t>
+              </a:r>
+            </a:p>
+          </p:txBody>
+        </p:sp>
+        <p:grpSp>
+          <p:nvGrpSpPr>
+            <p:cNvPr id="2" name="Group 1"/>
+            <p:cNvGrpSpPr/>
+            <p:nvPr/>
+          </p:nvGrpSpPr>
+          <p:grpSpPr>
+            <a:xfrm>
+              <a:off x="1557911" y="1206266"/>
+              <a:ext cx="5244979" cy="3694108"/>
+              <a:chOff x="1904275" y="1270724"/>
+              <a:chExt cx="5244979" cy="3694108"/>
+            </a:xfrm>
+          </p:grpSpPr>
+          <p:sp>
+            <p:nvSpPr>
+              <p:cNvPr id="9" name="Rounded Rectangle 8"/>
+              <p:cNvSpPr/>
+              <p:nvPr/>
+            </p:nvSpPr>
+            <p:spPr>
+              <a:xfrm>
+                <a:off x="2726906" y="4319481"/>
+                <a:ext cx="4196520" cy="305780"/>
+              </a:xfrm>
+              <a:prstGeom prst="roundRect">
+                <a:avLst/>
+              </a:prstGeom>
+            </p:spPr>
+            <p:style>
+              <a:lnRef idx="2">
+                <a:schemeClr val="accent3">
+                  <a:shade val="50000"/>
+                </a:schemeClr>
+              </a:lnRef>
+              <a:fillRef idx="1">
+                <a:schemeClr val="accent3"/>
+              </a:fillRef>
+              <a:effectRef idx="0">
+                <a:schemeClr val="accent3"/>
+              </a:effectRef>
+              <a:fontRef idx="minor">
+                <a:schemeClr val="lt1"/>
+              </a:fontRef>
+            </p:style>
+            <p:txBody>
+              <a:bodyPr rtlCol="0" anchor="ctr"/>
+              <a:lstStyle/>
+              <a:p>
+                <a:pPr algn="ctr"/>
+                <a:r>
+                  <a:rPr lang="en-US" sz="1200" b="1" smtClean="0"/>
+                  <a:t>Embedding</a:t>
+                </a:r>
+                <a:endParaRPr lang="en-US" sz="1200" b="1"/>
+              </a:p>
+            </p:txBody>
+          </p:sp>
+          <p:sp>
+            <p:nvSpPr>
+              <p:cNvPr id="26" name="Rounded Rectangle 25"/>
+              <p:cNvSpPr/>
+              <p:nvPr/>
+            </p:nvSpPr>
+            <p:spPr>
+              <a:xfrm>
+                <a:off x="2726906" y="4688773"/>
+                <a:ext cx="4196520" cy="276059"/>
+              </a:xfrm>
+              <a:prstGeom prst="roundRect">
+                <a:avLst/>
+              </a:prstGeom>
+            </p:spPr>
+            <p:style>
+              <a:lnRef idx="2">
+                <a:schemeClr val="accent2">
+                  <a:shade val="50000"/>
+                </a:schemeClr>
+              </a:lnRef>
+              <a:fillRef idx="1">
+                <a:schemeClr val="accent2"/>
+              </a:fillRef>
+              <a:effectRef idx="0">
+                <a:schemeClr val="accent2"/>
+              </a:effectRef>
+              <a:fontRef idx="minor">
+                <a:schemeClr val="lt1"/>
+              </a:fontRef>
+            </p:style>
+            <p:txBody>
+              <a:bodyPr rtlCol="0" anchor="ctr"/>
+              <a:lstStyle/>
+              <a:p>
+                <a:pPr algn="ctr"/>
+                <a:r>
+                  <a:rPr lang="en-US" sz="1200" b="1" smtClean="0"/>
+                  <a:t>Input words</a:t>
+                </a:r>
+                <a:endParaRPr lang="en-US" sz="1200" b="1"/>
+              </a:p>
+            </p:txBody>
+          </p:sp>
+          <p:grpSp>
+            <p:nvGrpSpPr>
+              <p:cNvPr id="7" name="Group 6"/>
+              <p:cNvGrpSpPr/>
+              <p:nvPr/>
+            </p:nvGrpSpPr>
+            <p:grpSpPr>
+              <a:xfrm>
+                <a:off x="3083101" y="4024940"/>
+                <a:ext cx="3339697" cy="304676"/>
+                <a:chOff x="3172691" y="4099173"/>
+                <a:chExt cx="3425154" cy="313500"/>
+              </a:xfrm>
+            </p:grpSpPr>
+            <p:cxnSp>
+              <p:nvCxnSpPr>
+                <p:cNvPr id="11" name="Straight Arrow Connector 10"/>
+                <p:cNvCxnSpPr/>
+                <p:nvPr/>
+              </p:nvCxnSpPr>
+              <p:spPr>
+                <a:xfrm flipV="1">
+                  <a:off x="3172691" y="4135584"/>
+                  <a:ext cx="0" cy="277089"/>
+                </a:xfrm>
+                <a:prstGeom prst="straightConnector1">
+                  <a:avLst/>
+                </a:prstGeom>
+                <a:ln>
+                  <a:tailEnd type="triangle"/>
+                </a:ln>
+              </p:spPr>
+              <p:style>
+                <a:lnRef idx="2">
+                  <a:schemeClr val="accent4"/>
+                </a:lnRef>
+                <a:fillRef idx="1">
+                  <a:schemeClr val="lt1"/>
+                </a:fillRef>
+                <a:effectRef idx="0">
+                  <a:schemeClr val="accent4"/>
+                </a:effectRef>
+                <a:fontRef idx="minor">
+                  <a:schemeClr val="dk1"/>
+                </a:fontRef>
+              </p:style>
+            </p:cxnSp>
+            <p:cxnSp>
+              <p:nvCxnSpPr>
+                <p:cNvPr id="15" name="Straight Arrow Connector 14"/>
+                <p:cNvCxnSpPr/>
+                <p:nvPr/>
+              </p:nvCxnSpPr>
+              <p:spPr>
+                <a:xfrm flipV="1">
+                  <a:off x="4194463" y="4128657"/>
+                  <a:ext cx="0" cy="277089"/>
+                </a:xfrm>
+                <a:prstGeom prst="straightConnector1">
+                  <a:avLst/>
+                </a:prstGeom>
+                <a:ln>
+                  <a:tailEnd type="triangle"/>
+                </a:ln>
+              </p:spPr>
+              <p:style>
+                <a:lnRef idx="2">
+                  <a:schemeClr val="accent4"/>
+                </a:lnRef>
+                <a:fillRef idx="1">
+                  <a:schemeClr val="lt1"/>
+                </a:fillRef>
+                <a:effectRef idx="0">
+                  <a:schemeClr val="accent4"/>
+                </a:effectRef>
+                <a:fontRef idx="minor">
+                  <a:schemeClr val="dk1"/>
+                </a:fontRef>
+              </p:style>
+            </p:cxnSp>
+            <p:cxnSp>
+              <p:nvCxnSpPr>
+                <p:cNvPr id="16" name="Straight Arrow Connector 15"/>
+                <p:cNvCxnSpPr/>
+                <p:nvPr/>
+              </p:nvCxnSpPr>
+              <p:spPr>
+                <a:xfrm flipV="1">
+                  <a:off x="5149376" y="4099173"/>
+                  <a:ext cx="0" cy="277089"/>
+                </a:xfrm>
+                <a:prstGeom prst="straightConnector1">
+                  <a:avLst/>
+                </a:prstGeom>
+                <a:ln>
+                  <a:tailEnd type="triangle"/>
+                </a:ln>
+              </p:spPr>
+              <p:style>
+                <a:lnRef idx="2">
+                  <a:schemeClr val="accent4"/>
+                </a:lnRef>
+                <a:fillRef idx="1">
+                  <a:schemeClr val="lt1"/>
+                </a:fillRef>
+                <a:effectRef idx="0">
+                  <a:schemeClr val="accent4"/>
+                </a:effectRef>
+                <a:fontRef idx="minor">
+                  <a:schemeClr val="dk1"/>
+                </a:fontRef>
+              </p:style>
+            </p:cxnSp>
+            <p:cxnSp>
+              <p:nvCxnSpPr>
+                <p:cNvPr id="17" name="Straight Arrow Connector 16"/>
+                <p:cNvCxnSpPr/>
+                <p:nvPr/>
+              </p:nvCxnSpPr>
+              <p:spPr>
+                <a:xfrm flipV="1">
+                  <a:off x="6597845" y="4106464"/>
+                  <a:ext cx="0" cy="277089"/>
+                </a:xfrm>
+                <a:prstGeom prst="straightConnector1">
+                  <a:avLst/>
+                </a:prstGeom>
+                <a:ln>
+                  <a:tailEnd type="triangle"/>
+                </a:ln>
+              </p:spPr>
+              <p:style>
+                <a:lnRef idx="2">
+                  <a:schemeClr val="accent4"/>
+                </a:lnRef>
+                <a:fillRef idx="1">
+                  <a:schemeClr val="lt1"/>
+                </a:fillRef>
+                <a:effectRef idx="0">
+                  <a:schemeClr val="accent4"/>
+                </a:effectRef>
+                <a:fontRef idx="minor">
+                  <a:schemeClr val="dk1"/>
+                </a:fontRef>
+              </p:style>
+            </p:cxnSp>
+          </p:grpSp>
+          <p:sp>
+            <p:nvSpPr>
+              <p:cNvPr id="8" name="Right Brace 7"/>
+              <p:cNvSpPr/>
+              <p:nvPr/>
+            </p:nvSpPr>
+            <p:spPr>
+              <a:xfrm>
+                <a:off x="7010839" y="2159774"/>
+                <a:ext cx="138415" cy="1809503"/>
+              </a:xfrm>
+              <a:prstGeom prst="rightBrace">
+                <a:avLst/>
+              </a:prstGeom>
+              <a:ln w="38100"/>
+            </p:spPr>
+            <p:style>
+              <a:lnRef idx="1">
+                <a:schemeClr val="accent4"/>
+              </a:lnRef>
+              <a:fillRef idx="0">
+                <a:schemeClr val="accent4"/>
+              </a:fillRef>
+              <a:effectRef idx="0">
+                <a:schemeClr val="accent4"/>
+              </a:effectRef>
+              <a:fontRef idx="minor">
+                <a:schemeClr val="tx1"/>
+              </a:fontRef>
+            </p:style>
+            <p:txBody>
+              <a:bodyPr rtlCol="0" anchor="ctr"/>
+              <a:lstStyle/>
+              <a:p>
+                <a:pPr algn="ctr"/>
+                <a:endParaRPr lang="en-US"/>
+              </a:p>
+            </p:txBody>
+          </p:sp>
+          <p:cxnSp>
+            <p:nvCxnSpPr>
+              <p:cNvPr id="29" name="Straight Arrow Connector 28"/>
+              <p:cNvCxnSpPr>
+                <a:stCxn id="108" idx="0"/>
+                <a:endCxn id="58" idx="2"/>
+              </p:cNvCxnSpPr>
+              <p:nvPr/>
+            </p:nvCxnSpPr>
+            <p:spPr>
+              <a:xfrm flipH="1" flipV="1">
+                <a:off x="3083169" y="3446725"/>
+                <a:ext cx="1614" cy="291174"/>
+              </a:xfrm>
+              <a:prstGeom prst="straightConnector1">
+                <a:avLst/>
+              </a:prstGeom>
+              <a:ln w="19050">
+                <a:solidFill>
+                  <a:schemeClr val="tx1"/>
+                </a:solidFill>
+                <a:headEnd type="none" w="med" len="med"/>
+                <a:tailEnd type="arrow" w="med" len="med"/>
+              </a:ln>
+            </p:spPr>
+            <p:style>
+              <a:lnRef idx="1">
+                <a:schemeClr val="accent1"/>
+              </a:lnRef>
+              <a:fillRef idx="0">
+                <a:schemeClr val="accent1"/>
+              </a:fillRef>
+              <a:effectRef idx="0">
+                <a:schemeClr val="accent1"/>
+              </a:effectRef>
+              <a:fontRef idx="minor">
+                <a:schemeClr val="tx1"/>
+              </a:fontRef>
+            </p:style>
+          </p:cxnSp>
+          <p:cxnSp>
+            <p:nvCxnSpPr>
+              <p:cNvPr id="34" name="Straight Arrow Connector 33"/>
+              <p:cNvCxnSpPr>
+                <a:stCxn id="58" idx="3"/>
+                <a:endCxn id="60" idx="1"/>
+              </p:cNvCxnSpPr>
+              <p:nvPr/>
+            </p:nvCxnSpPr>
+            <p:spPr>
+              <a:xfrm>
+                <a:off x="3268471" y="3277835"/>
+                <a:ext cx="625607" cy="7315"/>
+              </a:xfrm>
+              <a:prstGeom prst="straightConnector1">
+                <a:avLst/>
+              </a:prstGeom>
+              <a:ln w="19050">
+                <a:solidFill>
+                  <a:schemeClr val="tx1"/>
+                </a:solidFill>
+                <a:headEnd type="none" w="med" len="med"/>
+                <a:tailEnd type="arrow" w="med" len="med"/>
+              </a:ln>
+            </p:spPr>
+            <p:style>
+              <a:lnRef idx="1">
+                <a:schemeClr val="accent1"/>
+              </a:lnRef>
+              <a:fillRef idx="0">
+                <a:schemeClr val="accent1"/>
+              </a:fillRef>
+              <a:effectRef idx="0">
+                <a:schemeClr val="accent1"/>
+              </a:effectRef>
+              <a:fontRef idx="minor">
+                <a:schemeClr val="tx1"/>
+              </a:fontRef>
+            </p:style>
+          </p:cxnSp>
+          <p:cxnSp>
+            <p:nvCxnSpPr>
+              <p:cNvPr id="41" name="Straight Arrow Connector 40"/>
+              <p:cNvCxnSpPr>
+                <a:stCxn id="60" idx="3"/>
+                <a:endCxn id="61" idx="1"/>
+              </p:cNvCxnSpPr>
+              <p:nvPr/>
+            </p:nvCxnSpPr>
+            <p:spPr>
+              <a:xfrm>
+                <a:off x="4264683" y="3285150"/>
+                <a:ext cx="560483" cy="0"/>
+              </a:xfrm>
+              <a:prstGeom prst="straightConnector1">
+                <a:avLst/>
+              </a:prstGeom>
+              <a:ln w="19050">
+                <a:solidFill>
+                  <a:schemeClr val="tx1"/>
+                </a:solidFill>
+                <a:headEnd type="none" w="med" len="med"/>
+                <a:tailEnd type="arrow" w="med" len="med"/>
+              </a:ln>
+            </p:spPr>
+            <p:style>
+              <a:lnRef idx="1">
+                <a:schemeClr val="accent1"/>
+              </a:lnRef>
+              <a:fillRef idx="0">
+                <a:schemeClr val="accent1"/>
+              </a:fillRef>
+              <a:effectRef idx="0">
+                <a:schemeClr val="accent1"/>
+              </a:effectRef>
+              <a:fontRef idx="minor">
+                <a:schemeClr val="tx1"/>
+              </a:fontRef>
+            </p:style>
+          </p:cxnSp>
+          <p:cxnSp>
+            <p:nvCxnSpPr>
+              <p:cNvPr id="48" name="Straight Arrow Connector 47"/>
+              <p:cNvCxnSpPr>
+                <a:stCxn id="61" idx="3"/>
+                <a:endCxn id="57" idx="1"/>
+              </p:cNvCxnSpPr>
+              <p:nvPr/>
+            </p:nvCxnSpPr>
+            <p:spPr>
+              <a:xfrm flipV="1">
+                <a:off x="5195771" y="3278885"/>
+                <a:ext cx="300319" cy="6265"/>
+              </a:xfrm>
+              <a:prstGeom prst="straightConnector1">
+                <a:avLst/>
+              </a:prstGeom>
+              <a:ln w="19050">
+                <a:solidFill>
+                  <a:schemeClr val="tx1"/>
+                </a:solidFill>
+                <a:headEnd type="none" w="med" len="med"/>
+                <a:tailEnd type="arrow" w="med" len="med"/>
+              </a:ln>
+            </p:spPr>
+            <p:style>
+              <a:lnRef idx="1">
+                <a:schemeClr val="accent1"/>
+              </a:lnRef>
+              <a:fillRef idx="0">
+                <a:schemeClr val="accent1"/>
+              </a:fillRef>
+              <a:effectRef idx="0">
+                <a:schemeClr val="accent1"/>
+              </a:effectRef>
+              <a:fontRef idx="minor">
+                <a:schemeClr val="tx1"/>
+              </a:fontRef>
+            </p:style>
+          </p:cxnSp>
+          <p:cxnSp>
+            <p:nvCxnSpPr>
+              <p:cNvPr id="49" name="Straight Arrow Connector 48"/>
+              <p:cNvCxnSpPr>
+                <a:stCxn id="57" idx="3"/>
+                <a:endCxn id="62" idx="1"/>
+              </p:cNvCxnSpPr>
+              <p:nvPr/>
+            </p:nvCxnSpPr>
+            <p:spPr>
+              <a:xfrm flipV="1">
+                <a:off x="5849405" y="3277835"/>
+                <a:ext cx="423426" cy="1050"/>
+              </a:xfrm>
+              <a:prstGeom prst="straightConnector1">
+                <a:avLst/>
+              </a:prstGeom>
+              <a:ln w="19050">
+                <a:solidFill>
+                  <a:schemeClr val="tx1"/>
+                </a:solidFill>
+                <a:headEnd type="none" w="med" len="med"/>
+                <a:tailEnd type="arrow" w="med" len="med"/>
+              </a:ln>
+            </p:spPr>
+            <p:style>
+              <a:lnRef idx="1">
+                <a:schemeClr val="accent1"/>
+              </a:lnRef>
+              <a:fillRef idx="0">
+                <a:schemeClr val="accent1"/>
+              </a:fillRef>
+              <a:effectRef idx="0">
+                <a:schemeClr val="accent1"/>
+              </a:effectRef>
+              <a:fontRef idx="minor">
+                <a:schemeClr val="tx1"/>
+              </a:fontRef>
+            </p:style>
+          </p:cxnSp>
+          <p:cxnSp>
+            <p:nvCxnSpPr>
+              <p:cNvPr id="56" name="Straight Arrow Connector 55"/>
+              <p:cNvCxnSpPr>
+                <a:stCxn id="62" idx="3"/>
+              </p:cNvCxnSpPr>
+              <p:nvPr/>
+            </p:nvCxnSpPr>
+            <p:spPr>
+              <a:xfrm>
+                <a:off x="6643436" y="3277835"/>
+                <a:ext cx="321791" cy="1073"/>
+              </a:xfrm>
+              <a:prstGeom prst="straightConnector1">
+                <a:avLst/>
+              </a:prstGeom>
+              <a:ln w="19050">
+                <a:solidFill>
+                  <a:schemeClr val="tx1"/>
+                </a:solidFill>
+                <a:headEnd type="none" w="med" len="med"/>
+                <a:tailEnd type="arrow" w="med" len="med"/>
+              </a:ln>
+            </p:spPr>
+            <p:style>
+              <a:lnRef idx="1">
+                <a:schemeClr val="accent1"/>
+              </a:lnRef>
+              <a:fillRef idx="0">
+                <a:schemeClr val="accent1"/>
+              </a:fillRef>
+              <a:effectRef idx="0">
+                <a:schemeClr val="accent1"/>
+              </a:effectRef>
+              <a:fontRef idx="minor">
+                <a:schemeClr val="tx1"/>
+              </a:fontRef>
+            </p:style>
+          </p:cxnSp>
+          <mc:AlternateContent xmlns:mc="http://schemas.openxmlformats.org/markup-compatibility/2006">
+            <mc:Choice xmlns:a14="http://schemas.microsoft.com/office/drawing/2010/main" Requires="a14">
+              <p:sp>
+                <p:nvSpPr>
+                  <p:cNvPr id="57" name="Rectangle 56"/>
+                  <p:cNvSpPr/>
+                  <p:nvPr/>
+                </p:nvSpPr>
+                <p:spPr>
+                  <a:xfrm>
+                    <a:off x="5496091" y="3129327"/>
+                    <a:ext cx="353314" cy="299115"/>
+                  </a:xfrm>
+                  <a:prstGeom prst="rect">
+                    <a:avLst/>
+                  </a:prstGeom>
+                  <a:ln>
+                    <a:noFill/>
+                    <a:headEnd type="none" w="med" len="med"/>
+                    <a:tailEnd type="arrow" w="med" len="med"/>
+                  </a:ln>
+                </p:spPr>
+                <p:txBody>
+                  <a:bodyPr wrap="none">
+                    <a:spAutoFit/>
+                  </a:bodyPr>
+                  <a:lstStyle/>
+                  <a:p>
+                    <a:pPr/>
+                    <a14:m>
+                      <m:oMathPara xmlns:m="http://schemas.openxmlformats.org/officeDocument/2006/math">
+                        <m:oMathParaPr>
+                          <m:jc m:val="centerGroup"/>
+                        </m:oMathParaPr>
+                        <m:oMath xmlns:m="http://schemas.openxmlformats.org/officeDocument/2006/math">
+                          <m:r>
+                            <a:rPr lang="en-US" b="0" i="1" smtClean="0">
+                              <a:latin typeface="Cambria Math" panose="02040503050406030204" pitchFamily="18" charset="0"/>
+                            </a:rPr>
+                            <m:t>…</m:t>
+                          </m:r>
+                        </m:oMath>
+                      </m:oMathPara>
+                    </a14:m>
+                    <a:endParaRPr lang="en-US" dirty="0"/>
+                  </a:p>
+                </p:txBody>
+              </p:sp>
+            </mc:Choice>
+            <mc:Fallback>
+              <p:sp>
+                <p:nvSpPr>
+                  <p:cNvPr id="57" name="Rectangle 56"/>
+                  <p:cNvSpPr>
+                    <a:spLocks noRot="1" noChangeAspect="1" noMove="1" noResize="1" noEditPoints="1" noAdjustHandles="1" noChangeArrowheads="1" noChangeShapeType="1" noTextEdit="1"/>
+                  </p:cNvSpPr>
+                  <p:nvPr/>
+                </p:nvSpPr>
+                <p:spPr>
+                  <a:xfrm>
+                    <a:off x="5496091" y="3129327"/>
+                    <a:ext cx="353314" cy="299115"/>
+                  </a:xfrm>
+                  <a:prstGeom prst="rect">
+                    <a:avLst/>
+                  </a:prstGeom>
+                  <a:blipFill>
+                    <a:blip r:embed="rId3"/>
+                    <a:stretch>
+                      <a:fillRect/>
+                    </a:stretch>
+                  </a:blipFill>
+                  <a:ln>
+                    <a:noFill/>
+                    <a:headEnd type="none" w="med" len="med"/>
+                    <a:tailEnd type="arrow" w="med" len="med"/>
+                  </a:ln>
+                </p:spPr>
+                <p:txBody>
+                  <a:bodyPr/>
+                  <a:lstStyle/>
+                  <a:p>
+                    <a:r>
+                      <a:rPr lang="en-US">
+                        <a:noFill/>
+                      </a:rPr>
+                      <a:t> </a:t>
+                    </a:r>
+                  </a:p>
+                </p:txBody>
+              </p:sp>
+            </mc:Fallback>
+          </mc:AlternateContent>
+          <p:sp>
+            <p:nvSpPr>
+              <p:cNvPr id="58" name="Rounded Rectangle 57"/>
+              <p:cNvSpPr/>
+              <p:nvPr/>
+            </p:nvSpPr>
+            <p:spPr>
+              <a:xfrm>
+                <a:off x="2897866" y="3108944"/>
+                <a:ext cx="370605" cy="337781"/>
+              </a:xfrm>
+              <a:prstGeom prst="roundRect">
+                <a:avLst/>
+              </a:prstGeom>
+            </p:spPr>
+            <p:style>
+              <a:lnRef idx="2">
+                <a:schemeClr val="accent3">
+                  <a:shade val="50000"/>
+                </a:schemeClr>
+              </a:lnRef>
+              <a:fillRef idx="1">
+                <a:schemeClr val="accent3"/>
+              </a:fillRef>
+              <a:effectRef idx="0">
+                <a:schemeClr val="accent3"/>
+              </a:effectRef>
+              <a:fontRef idx="minor">
+                <a:schemeClr val="lt1"/>
+              </a:fontRef>
+            </p:style>
+            <p:txBody>
+              <a:bodyPr rtlCol="0" anchor="ctr"/>
+              <a:lstStyle/>
+              <a:p>
+                <a:pPr algn="ctr"/>
+                <a:endParaRPr lang="en-US" sz="1200" b="1"/>
+              </a:p>
+            </p:txBody>
+          </p:sp>
+          <p:sp>
+            <p:nvSpPr>
+              <p:cNvPr id="60" name="Rounded Rectangle 59"/>
+              <p:cNvSpPr/>
+              <p:nvPr/>
+            </p:nvSpPr>
+            <p:spPr>
+              <a:xfrm>
+                <a:off x="3894078" y="3116259"/>
+                <a:ext cx="370605" cy="337781"/>
+              </a:xfrm>
+              <a:prstGeom prst="roundRect">
+                <a:avLst/>
+              </a:prstGeom>
+            </p:spPr>
+            <p:style>
+              <a:lnRef idx="2">
+                <a:schemeClr val="accent3">
+                  <a:shade val="50000"/>
+                </a:schemeClr>
+              </a:lnRef>
+              <a:fillRef idx="1">
+                <a:schemeClr val="accent3"/>
+              </a:fillRef>
+              <a:effectRef idx="0">
+                <a:schemeClr val="accent3"/>
+              </a:effectRef>
+              <a:fontRef idx="minor">
+                <a:schemeClr val="lt1"/>
+              </a:fontRef>
+            </p:style>
+            <p:txBody>
+              <a:bodyPr rtlCol="0" anchor="ctr"/>
+              <a:lstStyle/>
+              <a:p>
+                <a:pPr algn="ctr"/>
+                <a:endParaRPr lang="en-US" sz="1200" b="1"/>
+              </a:p>
+            </p:txBody>
+          </p:sp>
+          <p:sp>
+            <p:nvSpPr>
+              <p:cNvPr id="61" name="Rounded Rectangle 60"/>
+              <p:cNvSpPr/>
+              <p:nvPr/>
+            </p:nvSpPr>
+            <p:spPr>
+              <a:xfrm>
+                <a:off x="4825166" y="3116259"/>
+                <a:ext cx="370605" cy="337781"/>
+              </a:xfrm>
+              <a:prstGeom prst="roundRect">
+                <a:avLst/>
+              </a:prstGeom>
+            </p:spPr>
+            <p:style>
+              <a:lnRef idx="2">
+                <a:schemeClr val="accent3">
+                  <a:shade val="50000"/>
+                </a:schemeClr>
+              </a:lnRef>
+              <a:fillRef idx="1">
+                <a:schemeClr val="accent3"/>
+              </a:fillRef>
+              <a:effectRef idx="0">
+                <a:schemeClr val="accent3"/>
+              </a:effectRef>
+              <a:fontRef idx="minor">
+                <a:schemeClr val="lt1"/>
+              </a:fontRef>
+            </p:style>
+            <p:txBody>
+              <a:bodyPr rtlCol="0" anchor="ctr"/>
+              <a:lstStyle/>
+              <a:p>
+                <a:pPr algn="ctr"/>
+                <a:endParaRPr lang="en-US" sz="1200" b="1"/>
+              </a:p>
+            </p:txBody>
+          </p:sp>
+          <p:sp>
+            <p:nvSpPr>
+              <p:cNvPr id="62" name="Rounded Rectangle 61"/>
+              <p:cNvSpPr/>
+              <p:nvPr/>
+            </p:nvSpPr>
+            <p:spPr>
+              <a:xfrm>
+                <a:off x="6272831" y="3108944"/>
+                <a:ext cx="370605" cy="337781"/>
+              </a:xfrm>
+              <a:prstGeom prst="roundRect">
+                <a:avLst/>
+              </a:prstGeom>
+            </p:spPr>
+            <p:style>
+              <a:lnRef idx="2">
+                <a:schemeClr val="accent3">
+                  <a:shade val="50000"/>
+                </a:schemeClr>
+              </a:lnRef>
+              <a:fillRef idx="1">
+                <a:schemeClr val="accent3"/>
+              </a:fillRef>
+              <a:effectRef idx="0">
+                <a:schemeClr val="accent3"/>
+              </a:effectRef>
+              <a:fontRef idx="minor">
+                <a:schemeClr val="lt1"/>
+              </a:fontRef>
+            </p:style>
+            <p:txBody>
+              <a:bodyPr rtlCol="0" anchor="ctr"/>
+              <a:lstStyle/>
+              <a:p>
+                <a:pPr algn="ctr"/>
+                <a:endParaRPr lang="en-US" sz="1200" b="1"/>
+              </a:p>
+            </p:txBody>
+          </p:sp>
+          <mc:AlternateContent xmlns:mc="http://schemas.openxmlformats.org/markup-compatibility/2006">
+            <mc:Choice xmlns:a14="http://schemas.microsoft.com/office/drawing/2010/main" Requires="a14">
+              <p:sp>
+                <p:nvSpPr>
+                  <p:cNvPr id="72" name="Rectangle 71"/>
+                  <p:cNvSpPr/>
+                  <p:nvPr/>
+                </p:nvSpPr>
+                <p:spPr>
+                  <a:xfrm>
+                    <a:off x="5135924" y="2763646"/>
+                    <a:ext cx="353314" cy="299115"/>
+                  </a:xfrm>
+                  <a:prstGeom prst="rect">
+                    <a:avLst/>
+                  </a:prstGeom>
+                  <a:ln>
+                    <a:noFill/>
+                    <a:headEnd type="none" w="med" len="med"/>
+                    <a:tailEnd type="arrow" w="med" len="med"/>
+                  </a:ln>
+                </p:spPr>
+                <p:txBody>
+                  <a:bodyPr wrap="none">
+                    <a:spAutoFit/>
+                  </a:bodyPr>
+                  <a:lstStyle/>
+                  <a:p>
+                    <a:pPr/>
+                    <a14:m>
+                      <m:oMathPara xmlns:m="http://schemas.openxmlformats.org/officeDocument/2006/math">
+                        <m:oMathParaPr>
+                          <m:jc m:val="centerGroup"/>
+                        </m:oMathParaPr>
+                        <m:oMath xmlns:m="http://schemas.openxmlformats.org/officeDocument/2006/math">
+                          <m:r>
+                            <a:rPr lang="en-US" b="0" i="1" smtClean="0">
+                              <a:latin typeface="Cambria Math" panose="02040503050406030204" pitchFamily="18" charset="0"/>
+                            </a:rPr>
+                            <m:t>…</m:t>
+                          </m:r>
+                        </m:oMath>
+                      </m:oMathPara>
+                    </a14:m>
+                    <a:endParaRPr lang="en-US" dirty="0"/>
+                  </a:p>
+                </p:txBody>
+              </p:sp>
+            </mc:Choice>
+            <mc:Fallback>
+              <p:sp>
+                <p:nvSpPr>
+                  <p:cNvPr id="72" name="Rectangle 71"/>
+                  <p:cNvSpPr>
+                    <a:spLocks noRot="1" noChangeAspect="1" noMove="1" noResize="1" noEditPoints="1" noAdjustHandles="1" noChangeArrowheads="1" noChangeShapeType="1" noTextEdit="1"/>
+                  </p:cNvSpPr>
+                  <p:nvPr/>
+                </p:nvSpPr>
+                <p:spPr>
+                  <a:xfrm>
+                    <a:off x="5135924" y="2763646"/>
+                    <a:ext cx="353314" cy="299115"/>
+                  </a:xfrm>
+                  <a:prstGeom prst="rect">
+                    <a:avLst/>
+                  </a:prstGeom>
+                  <a:blipFill>
+                    <a:blip r:embed="rId3"/>
+                    <a:stretch>
+                      <a:fillRect/>
+                    </a:stretch>
+                  </a:blipFill>
+                  <a:ln>
+                    <a:noFill/>
+                    <a:headEnd type="none" w="med" len="med"/>
+                    <a:tailEnd type="arrow" w="med" len="med"/>
+                  </a:ln>
+                </p:spPr>
+                <p:txBody>
+                  <a:bodyPr/>
+                  <a:lstStyle/>
+                  <a:p>
+                    <a:r>
+                      <a:rPr lang="en-US">
+                        <a:noFill/>
+                      </a:rPr>
+                      <a:t> </a:t>
+                    </a:r>
+                  </a:p>
+                </p:txBody>
+              </p:sp>
+            </mc:Fallback>
+          </mc:AlternateContent>
+          <p:sp>
+            <p:nvSpPr>
+              <p:cNvPr id="73" name="Rounded Rectangle 72"/>
+              <p:cNvSpPr/>
+              <p:nvPr/>
+            </p:nvSpPr>
+            <p:spPr>
+              <a:xfrm>
+                <a:off x="2311910" y="2736398"/>
+                <a:ext cx="370605" cy="337781"/>
+              </a:xfrm>
+              <a:prstGeom prst="roundRect">
+                <a:avLst/>
+              </a:prstGeom>
+            </p:spPr>
+            <p:style>
+              <a:lnRef idx="2">
+                <a:schemeClr val="accent3">
+                  <a:shade val="50000"/>
+                </a:schemeClr>
+              </a:lnRef>
+              <a:fillRef idx="1">
+                <a:schemeClr val="accent3"/>
+              </a:fillRef>
+              <a:effectRef idx="0">
+                <a:schemeClr val="accent3"/>
+              </a:effectRef>
+              <a:fontRef idx="minor">
+                <a:schemeClr val="lt1"/>
+              </a:fontRef>
+            </p:style>
+            <p:txBody>
+              <a:bodyPr rtlCol="0" anchor="ctr"/>
+              <a:lstStyle/>
+              <a:p>
+                <a:pPr algn="ctr"/>
+                <a:endParaRPr lang="en-US" sz="1200" b="1"/>
+              </a:p>
+            </p:txBody>
+          </p:sp>
+          <p:sp>
+            <p:nvSpPr>
+              <p:cNvPr id="74" name="Rounded Rectangle 73"/>
+              <p:cNvSpPr/>
+              <p:nvPr/>
+            </p:nvSpPr>
+            <p:spPr>
+              <a:xfrm>
+                <a:off x="3329278" y="2736398"/>
+                <a:ext cx="370605" cy="337781"/>
+              </a:xfrm>
+              <a:prstGeom prst="roundRect">
+                <a:avLst/>
+              </a:prstGeom>
+            </p:spPr>
+            <p:style>
+              <a:lnRef idx="2">
+                <a:schemeClr val="accent3">
+                  <a:shade val="50000"/>
+                </a:schemeClr>
+              </a:lnRef>
+              <a:fillRef idx="1">
+                <a:schemeClr val="accent3"/>
+              </a:fillRef>
+              <a:effectRef idx="0">
+                <a:schemeClr val="accent3"/>
+              </a:effectRef>
+              <a:fontRef idx="minor">
+                <a:schemeClr val="lt1"/>
+              </a:fontRef>
+            </p:style>
+            <p:txBody>
+              <a:bodyPr rtlCol="0" anchor="ctr"/>
+              <a:lstStyle/>
+              <a:p>
+                <a:pPr algn="ctr"/>
+                <a:endParaRPr lang="en-US" sz="1200" b="1"/>
+              </a:p>
+            </p:txBody>
+          </p:sp>
+          <p:sp>
+            <p:nvSpPr>
+              <p:cNvPr id="75" name="Rounded Rectangle 74"/>
+              <p:cNvSpPr/>
+              <p:nvPr/>
+            </p:nvSpPr>
+            <p:spPr>
+              <a:xfrm>
+                <a:off x="4276125" y="2738080"/>
+                <a:ext cx="370605" cy="337781"/>
+              </a:xfrm>
+              <a:prstGeom prst="roundRect">
+                <a:avLst/>
+              </a:prstGeom>
+            </p:spPr>
+            <p:style>
+              <a:lnRef idx="2">
+                <a:schemeClr val="accent3">
+                  <a:shade val="50000"/>
+                </a:schemeClr>
+              </a:lnRef>
+              <a:fillRef idx="1">
+                <a:schemeClr val="accent3"/>
+              </a:fillRef>
+              <a:effectRef idx="0">
+                <a:schemeClr val="accent3"/>
+              </a:effectRef>
+              <a:fontRef idx="minor">
+                <a:schemeClr val="lt1"/>
+              </a:fontRef>
+            </p:style>
+            <p:txBody>
+              <a:bodyPr rtlCol="0" anchor="ctr"/>
+              <a:lstStyle/>
+              <a:p>
+                <a:pPr algn="ctr"/>
+                <a:endParaRPr lang="en-US" sz="1200" b="1"/>
+              </a:p>
+            </p:txBody>
+          </p:sp>
+          <p:sp>
+            <p:nvSpPr>
+              <p:cNvPr id="76" name="Rounded Rectangle 75"/>
+              <p:cNvSpPr/>
+              <p:nvPr/>
+            </p:nvSpPr>
+            <p:spPr>
+              <a:xfrm>
+                <a:off x="5725597" y="2736399"/>
+                <a:ext cx="370605" cy="337781"/>
+              </a:xfrm>
+              <a:prstGeom prst="roundRect">
+                <a:avLst/>
+              </a:prstGeom>
+            </p:spPr>
+            <p:style>
+              <a:lnRef idx="2">
+                <a:schemeClr val="accent3">
+                  <a:shade val="50000"/>
+                </a:schemeClr>
+              </a:lnRef>
+              <a:fillRef idx="1">
+                <a:schemeClr val="accent3"/>
+              </a:fillRef>
+              <a:effectRef idx="0">
+                <a:schemeClr val="accent3"/>
+              </a:effectRef>
+              <a:fontRef idx="minor">
+                <a:schemeClr val="lt1"/>
+              </a:fontRef>
+            </p:style>
+            <p:txBody>
+              <a:bodyPr rtlCol="0" anchor="ctr"/>
+              <a:lstStyle/>
+              <a:p>
+                <a:pPr algn="ctr"/>
+                <a:endParaRPr lang="en-US" sz="1200" b="1"/>
+              </a:p>
+            </p:txBody>
+          </p:sp>
+          <p:cxnSp>
+            <p:nvCxnSpPr>
+              <p:cNvPr id="80" name="Straight Arrow Connector 79"/>
+              <p:cNvCxnSpPr>
+                <a:stCxn id="108" idx="0"/>
+                <a:endCxn id="73" idx="2"/>
+              </p:cNvCxnSpPr>
+              <p:nvPr/>
+            </p:nvCxnSpPr>
+            <p:spPr>
+              <a:xfrm flipH="1" flipV="1">
+                <a:off x="2497213" y="3074179"/>
+                <a:ext cx="587570" cy="663720"/>
+              </a:xfrm>
+              <a:prstGeom prst="straightConnector1">
+                <a:avLst/>
+              </a:prstGeom>
+              <a:ln w="19050">
+                <a:solidFill>
+                  <a:schemeClr val="tx1"/>
+                </a:solidFill>
+                <a:headEnd type="none" w="med" len="med"/>
+                <a:tailEnd type="arrow" w="med" len="med"/>
+              </a:ln>
+            </p:spPr>
+            <p:style>
+              <a:lnRef idx="1">
+                <a:schemeClr val="accent1"/>
+              </a:lnRef>
+              <a:fillRef idx="0">
+                <a:schemeClr val="accent1"/>
+              </a:fillRef>
+              <a:effectRef idx="0">
+                <a:schemeClr val="accent1"/>
+              </a:effectRef>
+              <a:fontRef idx="minor">
+                <a:schemeClr val="tx1"/>
+              </a:fontRef>
+            </p:style>
+          </p:cxnSp>
+          <p:cxnSp>
+            <p:nvCxnSpPr>
+              <p:cNvPr id="84" name="Straight Arrow Connector 83"/>
+              <p:cNvCxnSpPr>
+                <a:stCxn id="74" idx="1"/>
+                <a:endCxn id="73" idx="3"/>
+              </p:cNvCxnSpPr>
+              <p:nvPr/>
+            </p:nvCxnSpPr>
+            <p:spPr>
+              <a:xfrm flipH="1">
+                <a:off x="2682515" y="2905289"/>
+                <a:ext cx="646763" cy="0"/>
+              </a:xfrm>
+              <a:prstGeom prst="straightConnector1">
+                <a:avLst/>
+              </a:prstGeom>
+              <a:ln w="19050">
+                <a:solidFill>
+                  <a:schemeClr val="tx1"/>
+                </a:solidFill>
+                <a:headEnd type="none" w="med" len="med"/>
+                <a:tailEnd type="arrow" w="med" len="med"/>
+              </a:ln>
+            </p:spPr>
+            <p:style>
+              <a:lnRef idx="1">
+                <a:schemeClr val="accent1"/>
+              </a:lnRef>
+              <a:fillRef idx="0">
+                <a:schemeClr val="accent1"/>
+              </a:fillRef>
+              <a:effectRef idx="0">
+                <a:schemeClr val="accent1"/>
+              </a:effectRef>
+              <a:fontRef idx="minor">
+                <a:schemeClr val="tx1"/>
+              </a:fontRef>
+            </p:style>
+          </p:cxnSp>
+          <p:cxnSp>
+            <p:nvCxnSpPr>
+              <p:cNvPr id="89" name="Straight Arrow Connector 88"/>
+              <p:cNvCxnSpPr>
+                <a:stCxn id="75" idx="1"/>
+                <a:endCxn id="74" idx="3"/>
+              </p:cNvCxnSpPr>
+              <p:nvPr/>
+            </p:nvCxnSpPr>
+            <p:spPr>
+              <a:xfrm flipH="1" flipV="1">
+                <a:off x="3699883" y="2905289"/>
+                <a:ext cx="576242" cy="1682"/>
+              </a:xfrm>
+              <a:prstGeom prst="straightConnector1">
+                <a:avLst/>
+              </a:prstGeom>
+              <a:ln w="19050">
+                <a:solidFill>
+                  <a:schemeClr val="tx1"/>
+                </a:solidFill>
+                <a:headEnd type="none" w="med" len="med"/>
+                <a:tailEnd type="arrow" w="med" len="med"/>
+              </a:ln>
+            </p:spPr>
+            <p:style>
+              <a:lnRef idx="1">
+                <a:schemeClr val="accent1"/>
+              </a:lnRef>
+              <a:fillRef idx="0">
+                <a:schemeClr val="accent1"/>
+              </a:fillRef>
+              <a:effectRef idx="0">
+                <a:schemeClr val="accent1"/>
+              </a:effectRef>
+              <a:fontRef idx="minor">
+                <a:schemeClr val="tx1"/>
+              </a:fontRef>
+            </p:style>
+          </p:cxnSp>
+          <p:cxnSp>
+            <p:nvCxnSpPr>
+              <p:cNvPr id="92" name="Straight Arrow Connector 91"/>
+              <p:cNvCxnSpPr>
+                <a:stCxn id="72" idx="1"/>
+                <a:endCxn id="75" idx="3"/>
+              </p:cNvCxnSpPr>
+              <p:nvPr/>
+            </p:nvCxnSpPr>
+            <p:spPr>
+              <a:xfrm flipH="1" flipV="1">
+                <a:off x="4646730" y="2906971"/>
+                <a:ext cx="489194" cy="6233"/>
+              </a:xfrm>
+              <a:prstGeom prst="straightConnector1">
+                <a:avLst/>
+              </a:prstGeom>
+              <a:ln w="19050">
+                <a:solidFill>
+                  <a:schemeClr val="tx1"/>
+                </a:solidFill>
+                <a:headEnd type="none" w="med" len="med"/>
+                <a:tailEnd type="arrow" w="med" len="med"/>
+              </a:ln>
+            </p:spPr>
+            <p:style>
+              <a:lnRef idx="1">
+                <a:schemeClr val="accent1"/>
+              </a:lnRef>
+              <a:fillRef idx="0">
+                <a:schemeClr val="accent1"/>
+              </a:fillRef>
+              <a:effectRef idx="0">
+                <a:schemeClr val="accent1"/>
+              </a:effectRef>
+              <a:fontRef idx="minor">
+                <a:schemeClr val="tx1"/>
+              </a:fontRef>
+            </p:style>
+          </p:cxnSp>
+          <p:cxnSp>
+            <p:nvCxnSpPr>
+              <p:cNvPr id="94" name="Straight Arrow Connector 93"/>
+              <p:cNvCxnSpPr>
+                <a:stCxn id="76" idx="1"/>
+                <a:endCxn id="72" idx="3"/>
+              </p:cNvCxnSpPr>
+              <p:nvPr/>
+            </p:nvCxnSpPr>
+            <p:spPr>
+              <a:xfrm flipH="1">
+                <a:off x="5489238" y="2905290"/>
+                <a:ext cx="236359" cy="7914"/>
+              </a:xfrm>
+              <a:prstGeom prst="straightConnector1">
+                <a:avLst/>
+              </a:prstGeom>
+              <a:ln w="19050">
+                <a:solidFill>
+                  <a:schemeClr val="tx1"/>
+                </a:solidFill>
+                <a:headEnd type="none" w="med" len="med"/>
+                <a:tailEnd type="arrow" w="med" len="med"/>
+              </a:ln>
+            </p:spPr>
+            <p:style>
+              <a:lnRef idx="1">
+                <a:schemeClr val="accent1"/>
+              </a:lnRef>
+              <a:fillRef idx="0">
+                <a:schemeClr val="accent1"/>
+              </a:fillRef>
+              <a:effectRef idx="0">
+                <a:schemeClr val="accent1"/>
+              </a:effectRef>
+              <a:fontRef idx="minor">
+                <a:schemeClr val="tx1"/>
+              </a:fontRef>
+            </p:style>
+          </p:cxnSp>
+          <p:cxnSp>
+            <p:nvCxnSpPr>
+              <p:cNvPr id="100" name="Straight Arrow Connector 99"/>
+              <p:cNvCxnSpPr>
+                <a:endCxn id="76" idx="3"/>
+              </p:cNvCxnSpPr>
+              <p:nvPr/>
+            </p:nvCxnSpPr>
+            <p:spPr>
+              <a:xfrm flipH="1">
+                <a:off x="6096202" y="2899432"/>
+                <a:ext cx="754331" cy="5857"/>
+              </a:xfrm>
+              <a:prstGeom prst="straightConnector1">
+                <a:avLst/>
+              </a:prstGeom>
+              <a:ln w="19050">
+                <a:solidFill>
+                  <a:schemeClr val="tx1"/>
+                </a:solidFill>
+                <a:headEnd type="none" w="med" len="med"/>
+                <a:tailEnd type="arrow" w="med" len="med"/>
+              </a:ln>
+            </p:spPr>
+            <p:style>
+              <a:lnRef idx="1">
+                <a:schemeClr val="accent1"/>
+              </a:lnRef>
+              <a:fillRef idx="0">
+                <a:schemeClr val="accent1"/>
+              </a:fillRef>
+              <a:effectRef idx="0">
+                <a:schemeClr val="accent1"/>
+              </a:effectRef>
+              <a:fontRef idx="minor">
+                <a:schemeClr val="tx1"/>
+              </a:fontRef>
+            </p:style>
+          </p:cxnSp>
+          <p:cxnSp>
+            <p:nvCxnSpPr>
+              <p:cNvPr id="101" name="Straight Arrow Connector 100"/>
+              <p:cNvCxnSpPr>
+                <a:stCxn id="73" idx="1"/>
+              </p:cNvCxnSpPr>
+              <p:nvPr/>
+            </p:nvCxnSpPr>
+            <p:spPr>
+              <a:xfrm flipH="1">
+                <a:off x="1904275" y="2905289"/>
+                <a:ext cx="407635" cy="1951"/>
+              </a:xfrm>
+              <a:prstGeom prst="straightConnector1">
+                <a:avLst/>
+              </a:prstGeom>
+              <a:ln w="19050">
+                <a:solidFill>
+                  <a:schemeClr val="tx1"/>
+                </a:solidFill>
+                <a:headEnd type="none" w="med" len="med"/>
+                <a:tailEnd type="arrow" w="med" len="med"/>
+              </a:ln>
+            </p:spPr>
+            <p:style>
+              <a:lnRef idx="1">
+                <a:schemeClr val="accent1"/>
+              </a:lnRef>
+              <a:fillRef idx="0">
+                <a:schemeClr val="accent1"/>
+              </a:fillRef>
+              <a:effectRef idx="0">
+                <a:schemeClr val="accent1"/>
+              </a:effectRef>
+              <a:fontRef idx="minor">
+                <a:schemeClr val="tx1"/>
+              </a:fontRef>
+            </p:style>
+          </p:cxnSp>
+          <p:sp>
+            <p:nvSpPr>
+              <p:cNvPr id="108" name="Oval 107"/>
+              <p:cNvSpPr/>
+              <p:nvPr/>
+            </p:nvSpPr>
+            <p:spPr>
+              <a:xfrm>
+                <a:off x="2925474" y="3737899"/>
+                <a:ext cx="318617" cy="294891"/>
+              </a:xfrm>
+              <a:prstGeom prst="ellipse">
+                <a:avLst/>
+              </a:prstGeom>
+            </p:spPr>
+            <p:style>
+              <a:lnRef idx="2">
+                <a:schemeClr val="accent1">
+                  <a:shade val="50000"/>
+                </a:schemeClr>
+              </a:lnRef>
+              <a:fillRef idx="1">
+                <a:schemeClr val="accent1"/>
+              </a:fillRef>
+              <a:effectRef idx="0">
+                <a:schemeClr val="accent1"/>
+              </a:effectRef>
+              <a:fontRef idx="minor">
+                <a:schemeClr val="lt1"/>
+              </a:fontRef>
+            </p:style>
+            <p:txBody>
+              <a:bodyPr rtlCol="0" anchor="ctr"/>
+              <a:lstStyle/>
+              <a:p>
+                <a:pPr algn="ctr"/>
+                <a:endParaRPr lang="en-US"/>
+              </a:p>
+            </p:txBody>
+          </p:sp>
+          <p:cxnSp>
+            <p:nvCxnSpPr>
+              <p:cNvPr id="116" name="Straight Arrow Connector 115"/>
+              <p:cNvCxnSpPr>
+                <a:stCxn id="118" idx="0"/>
+                <a:endCxn id="60" idx="2"/>
+              </p:cNvCxnSpPr>
+              <p:nvPr/>
+            </p:nvCxnSpPr>
+            <p:spPr>
+              <a:xfrm flipH="1" flipV="1">
+                <a:off x="4079381" y="3454040"/>
+                <a:ext cx="2198" cy="283858"/>
+              </a:xfrm>
+              <a:prstGeom prst="straightConnector1">
+                <a:avLst/>
+              </a:prstGeom>
+              <a:ln w="19050">
+                <a:solidFill>
+                  <a:schemeClr val="tx1"/>
+                </a:solidFill>
+                <a:headEnd type="none" w="med" len="med"/>
+                <a:tailEnd type="arrow" w="med" len="med"/>
+              </a:ln>
+            </p:spPr>
+            <p:style>
+              <a:lnRef idx="1">
+                <a:schemeClr val="accent1"/>
+              </a:lnRef>
+              <a:fillRef idx="0">
+                <a:schemeClr val="accent1"/>
+              </a:fillRef>
+              <a:effectRef idx="0">
+                <a:schemeClr val="accent1"/>
+              </a:effectRef>
+              <a:fontRef idx="minor">
+                <a:schemeClr val="tx1"/>
+              </a:fontRef>
+            </p:style>
+          </p:cxnSp>
+          <p:cxnSp>
+            <p:nvCxnSpPr>
+              <p:cNvPr id="117" name="Straight Arrow Connector 116"/>
+              <p:cNvCxnSpPr>
+                <a:stCxn id="118" idx="0"/>
+                <a:endCxn id="74" idx="2"/>
+              </p:cNvCxnSpPr>
+              <p:nvPr/>
+            </p:nvCxnSpPr>
+            <p:spPr>
+              <a:xfrm flipH="1" flipV="1">
+                <a:off x="3514581" y="3074179"/>
+                <a:ext cx="566998" cy="663719"/>
+              </a:xfrm>
+              <a:prstGeom prst="straightConnector1">
+                <a:avLst/>
+              </a:prstGeom>
+              <a:ln w="19050">
+                <a:solidFill>
+                  <a:schemeClr val="tx1"/>
+                </a:solidFill>
+                <a:headEnd type="none" w="med" len="med"/>
+                <a:tailEnd type="arrow" w="med" len="med"/>
+              </a:ln>
+            </p:spPr>
+            <p:style>
+              <a:lnRef idx="1">
+                <a:schemeClr val="accent1"/>
+              </a:lnRef>
+              <a:fillRef idx="0">
+                <a:schemeClr val="accent1"/>
+              </a:fillRef>
+              <a:effectRef idx="0">
+                <a:schemeClr val="accent1"/>
+              </a:effectRef>
+              <a:fontRef idx="minor">
+                <a:schemeClr val="tx1"/>
+              </a:fontRef>
+            </p:style>
+          </p:cxnSp>
+          <p:sp>
+            <p:nvSpPr>
+              <p:cNvPr id="118" name="Oval 117"/>
+              <p:cNvSpPr/>
+              <p:nvPr/>
+            </p:nvSpPr>
+            <p:spPr>
+              <a:xfrm>
+                <a:off x="3922270" y="3737898"/>
+                <a:ext cx="318617" cy="294891"/>
+              </a:xfrm>
+              <a:prstGeom prst="ellipse">
+                <a:avLst/>
+              </a:prstGeom>
+            </p:spPr>
+            <p:style>
+              <a:lnRef idx="2">
+                <a:schemeClr val="accent1">
+                  <a:shade val="50000"/>
+                </a:schemeClr>
+              </a:lnRef>
+              <a:fillRef idx="1">
+                <a:schemeClr val="accent1"/>
+              </a:fillRef>
+              <a:effectRef idx="0">
+                <a:schemeClr val="accent1"/>
+              </a:effectRef>
+              <a:fontRef idx="minor">
+                <a:schemeClr val="lt1"/>
+              </a:fontRef>
+            </p:style>
+            <p:txBody>
+              <a:bodyPr rtlCol="0" anchor="ctr"/>
+              <a:lstStyle/>
+              <a:p>
+                <a:pPr algn="ctr"/>
+                <a:endParaRPr lang="en-US"/>
+              </a:p>
+            </p:txBody>
+          </p:sp>
+          <p:cxnSp>
+            <p:nvCxnSpPr>
+              <p:cNvPr id="123" name="Straight Arrow Connector 122"/>
+              <p:cNvCxnSpPr>
+                <a:stCxn id="125" idx="0"/>
+                <a:endCxn id="61" idx="2"/>
+              </p:cNvCxnSpPr>
+              <p:nvPr/>
+            </p:nvCxnSpPr>
+            <p:spPr>
+              <a:xfrm flipV="1">
+                <a:off x="5010469" y="3454040"/>
+                <a:ext cx="0" cy="253360"/>
+              </a:xfrm>
+              <a:prstGeom prst="straightConnector1">
+                <a:avLst/>
+              </a:prstGeom>
+              <a:ln w="19050">
+                <a:solidFill>
+                  <a:schemeClr val="tx1"/>
+                </a:solidFill>
+                <a:headEnd type="none" w="med" len="med"/>
+                <a:tailEnd type="arrow" w="med" len="med"/>
+              </a:ln>
+            </p:spPr>
+            <p:style>
+              <a:lnRef idx="1">
+                <a:schemeClr val="accent1"/>
+              </a:lnRef>
+              <a:fillRef idx="0">
+                <a:schemeClr val="accent1"/>
+              </a:fillRef>
+              <a:effectRef idx="0">
+                <a:schemeClr val="accent1"/>
+              </a:effectRef>
+              <a:fontRef idx="minor">
+                <a:schemeClr val="tx1"/>
+              </a:fontRef>
+            </p:style>
+          </p:cxnSp>
+          <p:cxnSp>
+            <p:nvCxnSpPr>
+              <p:cNvPr id="124" name="Straight Arrow Connector 123"/>
+              <p:cNvCxnSpPr>
+                <a:stCxn id="125" idx="0"/>
+                <a:endCxn id="75" idx="2"/>
+              </p:cNvCxnSpPr>
+              <p:nvPr/>
+            </p:nvCxnSpPr>
+            <p:spPr>
+              <a:xfrm flipH="1" flipV="1">
+                <a:off x="4461428" y="3075861"/>
+                <a:ext cx="549041" cy="631539"/>
+              </a:xfrm>
+              <a:prstGeom prst="straightConnector1">
+                <a:avLst/>
+              </a:prstGeom>
+              <a:ln w="19050">
+                <a:solidFill>
+                  <a:schemeClr val="tx1"/>
+                </a:solidFill>
+                <a:headEnd type="none" w="med" len="med"/>
+                <a:tailEnd type="arrow" w="med" len="med"/>
+              </a:ln>
+            </p:spPr>
+            <p:style>
+              <a:lnRef idx="1">
+                <a:schemeClr val="accent1"/>
+              </a:lnRef>
+              <a:fillRef idx="0">
+                <a:schemeClr val="accent1"/>
+              </a:fillRef>
+              <a:effectRef idx="0">
+                <a:schemeClr val="accent1"/>
+              </a:effectRef>
+              <a:fontRef idx="minor">
+                <a:schemeClr val="tx1"/>
+              </a:fontRef>
+            </p:style>
+          </p:cxnSp>
+          <p:sp>
+            <p:nvSpPr>
+              <p:cNvPr id="125" name="Oval 124"/>
+              <p:cNvSpPr/>
+              <p:nvPr/>
+            </p:nvSpPr>
+            <p:spPr>
+              <a:xfrm>
+                <a:off x="4851160" y="3707400"/>
+                <a:ext cx="318617" cy="294891"/>
+              </a:xfrm>
+              <a:prstGeom prst="ellipse">
+                <a:avLst/>
+              </a:prstGeom>
+            </p:spPr>
+            <p:style>
+              <a:lnRef idx="2">
+                <a:schemeClr val="accent1">
+                  <a:shade val="50000"/>
+                </a:schemeClr>
+              </a:lnRef>
+              <a:fillRef idx="1">
+                <a:schemeClr val="accent1"/>
+              </a:fillRef>
+              <a:effectRef idx="0">
+                <a:schemeClr val="accent1"/>
+              </a:effectRef>
+              <a:fontRef idx="minor">
+                <a:schemeClr val="lt1"/>
+              </a:fontRef>
+            </p:style>
+            <p:txBody>
+              <a:bodyPr rtlCol="0" anchor="ctr"/>
+              <a:lstStyle/>
+              <a:p>
+                <a:pPr algn="ctr"/>
+                <a:endParaRPr lang="en-US"/>
+              </a:p>
+            </p:txBody>
+          </p:sp>
+          <p:cxnSp>
+            <p:nvCxnSpPr>
+              <p:cNvPr id="126" name="Straight Arrow Connector 125"/>
+              <p:cNvCxnSpPr>
+                <a:stCxn id="128" idx="0"/>
+                <a:endCxn id="62" idx="2"/>
+              </p:cNvCxnSpPr>
+              <p:nvPr/>
+            </p:nvCxnSpPr>
+            <p:spPr>
+              <a:xfrm flipV="1">
+                <a:off x="6422799" y="3446725"/>
+                <a:ext cx="35335" cy="260675"/>
+              </a:xfrm>
+              <a:prstGeom prst="straightConnector1">
+                <a:avLst/>
+              </a:prstGeom>
+              <a:ln w="19050">
+                <a:solidFill>
+                  <a:schemeClr val="tx1"/>
+                </a:solidFill>
+                <a:headEnd type="none" w="med" len="med"/>
+                <a:tailEnd type="arrow" w="med" len="med"/>
+              </a:ln>
+            </p:spPr>
+            <p:style>
+              <a:lnRef idx="1">
+                <a:schemeClr val="accent1"/>
+              </a:lnRef>
+              <a:fillRef idx="0">
+                <a:schemeClr val="accent1"/>
+              </a:fillRef>
+              <a:effectRef idx="0">
+                <a:schemeClr val="accent1"/>
+              </a:effectRef>
+              <a:fontRef idx="minor">
+                <a:schemeClr val="tx1"/>
+              </a:fontRef>
+            </p:style>
+          </p:cxnSp>
+          <p:cxnSp>
+            <p:nvCxnSpPr>
+              <p:cNvPr id="127" name="Straight Arrow Connector 126"/>
+              <p:cNvCxnSpPr>
+                <a:stCxn id="128" idx="0"/>
+                <a:endCxn id="76" idx="2"/>
+              </p:cNvCxnSpPr>
+              <p:nvPr/>
+            </p:nvCxnSpPr>
+            <p:spPr>
+              <a:xfrm flipH="1" flipV="1">
+                <a:off x="5910900" y="3074180"/>
+                <a:ext cx="511899" cy="633220"/>
+              </a:xfrm>
+              <a:prstGeom prst="straightConnector1">
+                <a:avLst/>
+              </a:prstGeom>
+              <a:ln w="19050">
+                <a:solidFill>
+                  <a:schemeClr val="tx1"/>
+                </a:solidFill>
+                <a:headEnd type="none" w="med" len="med"/>
+                <a:tailEnd type="arrow" w="med" len="med"/>
+              </a:ln>
+            </p:spPr>
+            <p:style>
+              <a:lnRef idx="1">
+                <a:schemeClr val="accent1"/>
+              </a:lnRef>
+              <a:fillRef idx="0">
+                <a:schemeClr val="accent1"/>
+              </a:fillRef>
+              <a:effectRef idx="0">
+                <a:schemeClr val="accent1"/>
+              </a:effectRef>
+              <a:fontRef idx="minor">
+                <a:schemeClr val="tx1"/>
+              </a:fontRef>
+            </p:style>
+          </p:cxnSp>
+          <p:sp>
+            <p:nvSpPr>
+              <p:cNvPr id="128" name="Oval 127"/>
+              <p:cNvSpPr/>
+              <p:nvPr/>
+            </p:nvSpPr>
+            <p:spPr>
+              <a:xfrm>
+                <a:off x="6263490" y="3707400"/>
+                <a:ext cx="318617" cy="294891"/>
+              </a:xfrm>
+              <a:prstGeom prst="ellipse">
+                <a:avLst/>
+              </a:prstGeom>
+            </p:spPr>
+            <p:style>
+              <a:lnRef idx="2">
+                <a:schemeClr val="accent1">
+                  <a:shade val="50000"/>
+                </a:schemeClr>
+              </a:lnRef>
+              <a:fillRef idx="1">
+                <a:schemeClr val="accent1"/>
+              </a:fillRef>
+              <a:effectRef idx="0">
+                <a:schemeClr val="accent1"/>
+              </a:effectRef>
+              <a:fontRef idx="minor">
+                <a:schemeClr val="lt1"/>
+              </a:fontRef>
+            </p:style>
+            <p:txBody>
+              <a:bodyPr rtlCol="0" anchor="ctr"/>
+              <a:lstStyle/>
+              <a:p>
+                <a:pPr algn="ctr"/>
+                <a:endParaRPr lang="en-US"/>
+              </a:p>
+            </p:txBody>
+          </p:sp>
+          <p:cxnSp>
+            <p:nvCxnSpPr>
+              <p:cNvPr id="200" name="Straight Arrow Connector 199"/>
+              <p:cNvCxnSpPr>
+                <a:endCxn id="58" idx="1"/>
+              </p:cNvCxnSpPr>
+              <p:nvPr/>
+            </p:nvCxnSpPr>
+            <p:spPr>
+              <a:xfrm>
+                <a:off x="1920790" y="3277833"/>
+                <a:ext cx="977076" cy="2"/>
+              </a:xfrm>
+              <a:prstGeom prst="straightConnector1">
+                <a:avLst/>
+              </a:prstGeom>
+              <a:ln w="19050">
+                <a:solidFill>
+                  <a:schemeClr val="tx1"/>
+                </a:solidFill>
+                <a:headEnd type="none" w="med" len="med"/>
+                <a:tailEnd type="arrow" w="med" len="med"/>
+              </a:ln>
+            </p:spPr>
+            <p:style>
+              <a:lnRef idx="1">
+                <a:schemeClr val="accent1"/>
+              </a:lnRef>
+              <a:fillRef idx="0">
+                <a:schemeClr val="accent1"/>
+              </a:fillRef>
+              <a:effectRef idx="0">
+                <a:schemeClr val="accent1"/>
+              </a:effectRef>
+              <a:fontRef idx="minor">
+                <a:schemeClr val="tx1"/>
+              </a:fontRef>
+            </p:style>
+          </p:cxnSp>
+          <p:sp>
+            <p:nvSpPr>
+              <p:cNvPr id="203" name="Oval 202"/>
+              <p:cNvSpPr/>
+              <p:nvPr/>
+            </p:nvSpPr>
+            <p:spPr>
+              <a:xfrm>
+                <a:off x="2363136" y="2190425"/>
+                <a:ext cx="318617" cy="294891"/>
+              </a:xfrm>
+              <a:prstGeom prst="ellipse">
+                <a:avLst/>
+              </a:prstGeom>
+            </p:spPr>
+            <p:style>
+              <a:lnRef idx="2">
+                <a:schemeClr val="accent1">
+                  <a:shade val="50000"/>
+                </a:schemeClr>
+              </a:lnRef>
+              <a:fillRef idx="1">
+                <a:schemeClr val="accent1"/>
+              </a:fillRef>
+              <a:effectRef idx="0">
+                <a:schemeClr val="accent1"/>
+              </a:effectRef>
+              <a:fontRef idx="minor">
+                <a:schemeClr val="lt1"/>
+              </a:fontRef>
+            </p:style>
+            <p:txBody>
+              <a:bodyPr rtlCol="0" anchor="ctr"/>
+              <a:lstStyle/>
+              <a:p>
+                <a:pPr algn="ctr"/>
+                <a:endParaRPr lang="en-US"/>
+              </a:p>
+            </p:txBody>
+          </p:sp>
+          <p:cxnSp>
+            <p:nvCxnSpPr>
+              <p:cNvPr id="204" name="Straight Arrow Connector 203"/>
+              <p:cNvCxnSpPr>
+                <a:stCxn id="203" idx="4"/>
+                <a:endCxn id="73" idx="0"/>
+              </p:cNvCxnSpPr>
+              <p:nvPr/>
+            </p:nvCxnSpPr>
+            <p:spPr>
+              <a:xfrm flipH="1">
+                <a:off x="2497213" y="2485316"/>
+                <a:ext cx="25232" cy="251082"/>
+              </a:xfrm>
+              <a:prstGeom prst="straightConnector1">
+                <a:avLst/>
+              </a:prstGeom>
+              <a:ln w="19050">
+                <a:solidFill>
+                  <a:schemeClr val="tx1"/>
+                </a:solidFill>
+                <a:headEnd type="none" w="med" len="med"/>
+                <a:tailEnd type="arrow" w="med" len="med"/>
+              </a:ln>
+            </p:spPr>
+            <p:style>
+              <a:lnRef idx="1">
+                <a:schemeClr val="accent1"/>
+              </a:lnRef>
+              <a:fillRef idx="0">
+                <a:schemeClr val="accent1"/>
+              </a:fillRef>
+              <a:effectRef idx="0">
+                <a:schemeClr val="accent1"/>
+              </a:effectRef>
+              <a:fontRef idx="minor">
+                <a:schemeClr val="tx1"/>
+              </a:fontRef>
+            </p:style>
+          </p:cxnSp>
+          <p:cxnSp>
+            <p:nvCxnSpPr>
+              <p:cNvPr id="207" name="Straight Arrow Connector 206"/>
+              <p:cNvCxnSpPr>
+                <a:stCxn id="203" idx="4"/>
+                <a:endCxn id="58" idx="0"/>
+              </p:cNvCxnSpPr>
+              <p:nvPr/>
+            </p:nvCxnSpPr>
+            <p:spPr>
+              <a:xfrm>
+                <a:off x="2522445" y="2485316"/>
+                <a:ext cx="560724" cy="623628"/>
+              </a:xfrm>
+              <a:prstGeom prst="straightConnector1">
+                <a:avLst/>
+              </a:prstGeom>
+              <a:ln w="19050">
+                <a:solidFill>
+                  <a:schemeClr val="tx1"/>
+                </a:solidFill>
+                <a:headEnd type="none" w="med" len="med"/>
+                <a:tailEnd type="arrow" w="med" len="med"/>
+              </a:ln>
+            </p:spPr>
+            <p:style>
+              <a:lnRef idx="1">
+                <a:schemeClr val="accent1"/>
+              </a:lnRef>
+              <a:fillRef idx="0">
+                <a:schemeClr val="accent1"/>
+              </a:fillRef>
+              <a:effectRef idx="0">
+                <a:schemeClr val="accent1"/>
+              </a:effectRef>
+              <a:fontRef idx="minor">
+                <a:schemeClr val="tx1"/>
+              </a:fontRef>
+            </p:style>
+          </p:cxnSp>
+          <p:sp>
+            <p:nvSpPr>
+              <p:cNvPr id="212" name="Oval 211"/>
+              <p:cNvSpPr/>
+              <p:nvPr/>
+            </p:nvSpPr>
+            <p:spPr>
+              <a:xfrm>
+                <a:off x="3367870" y="2173043"/>
+                <a:ext cx="318617" cy="294891"/>
+              </a:xfrm>
+              <a:prstGeom prst="ellipse">
+                <a:avLst/>
+              </a:prstGeom>
+            </p:spPr>
+            <p:style>
+              <a:lnRef idx="2">
+                <a:schemeClr val="accent1">
+                  <a:shade val="50000"/>
+                </a:schemeClr>
+              </a:lnRef>
+              <a:fillRef idx="1">
+                <a:schemeClr val="accent1"/>
+              </a:fillRef>
+              <a:effectRef idx="0">
+                <a:schemeClr val="accent1"/>
+              </a:effectRef>
+              <a:fontRef idx="minor">
+                <a:schemeClr val="lt1"/>
+              </a:fontRef>
+            </p:style>
+            <p:txBody>
+              <a:bodyPr rtlCol="0" anchor="ctr"/>
+              <a:lstStyle/>
+              <a:p>
+                <a:pPr algn="ctr"/>
+                <a:endParaRPr lang="en-US"/>
+              </a:p>
+            </p:txBody>
+          </p:sp>
+          <p:cxnSp>
+            <p:nvCxnSpPr>
+              <p:cNvPr id="213" name="Straight Arrow Connector 212"/>
+              <p:cNvCxnSpPr>
+                <a:stCxn id="212" idx="4"/>
+                <a:endCxn id="74" idx="0"/>
+              </p:cNvCxnSpPr>
+              <p:nvPr/>
+            </p:nvCxnSpPr>
+            <p:spPr>
+              <a:xfrm flipH="1">
+                <a:off x="3514581" y="2467934"/>
+                <a:ext cx="12598" cy="268464"/>
+              </a:xfrm>
+              <a:prstGeom prst="straightConnector1">
+                <a:avLst/>
+              </a:prstGeom>
+              <a:ln w="19050">
+                <a:solidFill>
+                  <a:schemeClr val="tx1"/>
+                </a:solidFill>
+                <a:headEnd type="none" w="med" len="med"/>
+                <a:tailEnd type="arrow" w="med" len="med"/>
+              </a:ln>
+            </p:spPr>
+            <p:style>
+              <a:lnRef idx="1">
+                <a:schemeClr val="accent1"/>
+              </a:lnRef>
+              <a:fillRef idx="0">
+                <a:schemeClr val="accent1"/>
+              </a:fillRef>
+              <a:effectRef idx="0">
+                <a:schemeClr val="accent1"/>
+              </a:effectRef>
+              <a:fontRef idx="minor">
+                <a:schemeClr val="tx1"/>
+              </a:fontRef>
+            </p:style>
+          </p:cxnSp>
+          <p:cxnSp>
+            <p:nvCxnSpPr>
+              <p:cNvPr id="214" name="Straight Arrow Connector 213"/>
+              <p:cNvCxnSpPr>
+                <a:stCxn id="212" idx="4"/>
+                <a:endCxn id="60" idx="0"/>
+              </p:cNvCxnSpPr>
+              <p:nvPr/>
+            </p:nvCxnSpPr>
+            <p:spPr>
+              <a:xfrm>
+                <a:off x="3527179" y="2467934"/>
+                <a:ext cx="552202" cy="648325"/>
+              </a:xfrm>
+              <a:prstGeom prst="straightConnector1">
+                <a:avLst/>
+              </a:prstGeom>
+              <a:ln w="19050">
+                <a:solidFill>
+                  <a:schemeClr val="tx1"/>
+                </a:solidFill>
+                <a:headEnd type="none" w="med" len="med"/>
+                <a:tailEnd type="arrow" w="med" len="med"/>
+              </a:ln>
+            </p:spPr>
+            <p:style>
+              <a:lnRef idx="1">
+                <a:schemeClr val="accent1"/>
+              </a:lnRef>
+              <a:fillRef idx="0">
+                <a:schemeClr val="accent1"/>
+              </a:fillRef>
+              <a:effectRef idx="0">
+                <a:schemeClr val="accent1"/>
+              </a:effectRef>
+              <a:fontRef idx="minor">
+                <a:schemeClr val="tx1"/>
+              </a:fontRef>
+            </p:style>
+          </p:cxnSp>
+          <p:sp>
+            <p:nvSpPr>
+              <p:cNvPr id="215" name="Oval 214"/>
+              <p:cNvSpPr/>
+              <p:nvPr/>
+            </p:nvSpPr>
+            <p:spPr>
+              <a:xfrm>
+                <a:off x="4303526" y="2172831"/>
+                <a:ext cx="318617" cy="294891"/>
+              </a:xfrm>
+              <a:prstGeom prst="ellipse">
+                <a:avLst/>
+              </a:prstGeom>
+            </p:spPr>
+            <p:style>
+              <a:lnRef idx="2">
+                <a:schemeClr val="accent1">
+                  <a:shade val="50000"/>
+                </a:schemeClr>
+              </a:lnRef>
+              <a:fillRef idx="1">
+                <a:schemeClr val="accent1"/>
+              </a:fillRef>
+              <a:effectRef idx="0">
+                <a:schemeClr val="accent1"/>
+              </a:effectRef>
+              <a:fontRef idx="minor">
+                <a:schemeClr val="lt1"/>
+              </a:fontRef>
+            </p:style>
+            <p:txBody>
+              <a:bodyPr rtlCol="0" anchor="ctr"/>
+              <a:lstStyle/>
+              <a:p>
+                <a:pPr algn="ctr"/>
+                <a:endParaRPr lang="en-US"/>
+              </a:p>
+            </p:txBody>
+          </p:sp>
+          <p:cxnSp>
+            <p:nvCxnSpPr>
+              <p:cNvPr id="216" name="Straight Arrow Connector 215"/>
+              <p:cNvCxnSpPr>
+                <a:stCxn id="215" idx="4"/>
+                <a:endCxn id="75" idx="0"/>
+              </p:cNvCxnSpPr>
+              <p:nvPr/>
+            </p:nvCxnSpPr>
+            <p:spPr>
+              <a:xfrm flipH="1">
+                <a:off x="4461428" y="2467722"/>
+                <a:ext cx="1407" cy="270358"/>
+              </a:xfrm>
+              <a:prstGeom prst="straightConnector1">
+                <a:avLst/>
+              </a:prstGeom>
+              <a:ln w="19050">
+                <a:solidFill>
+                  <a:schemeClr val="tx1"/>
+                </a:solidFill>
+                <a:headEnd type="none" w="med" len="med"/>
+                <a:tailEnd type="arrow" w="med" len="med"/>
+              </a:ln>
+            </p:spPr>
+            <p:style>
+              <a:lnRef idx="1">
+                <a:schemeClr val="accent1"/>
+              </a:lnRef>
+              <a:fillRef idx="0">
+                <a:schemeClr val="accent1"/>
+              </a:fillRef>
+              <a:effectRef idx="0">
+                <a:schemeClr val="accent1"/>
+              </a:effectRef>
+              <a:fontRef idx="minor">
+                <a:schemeClr val="tx1"/>
+              </a:fontRef>
+            </p:style>
+          </p:cxnSp>
+          <p:cxnSp>
+            <p:nvCxnSpPr>
+              <p:cNvPr id="217" name="Straight Arrow Connector 216"/>
+              <p:cNvCxnSpPr>
+                <a:stCxn id="215" idx="4"/>
+                <a:endCxn id="61" idx="0"/>
+              </p:cNvCxnSpPr>
+              <p:nvPr/>
+            </p:nvCxnSpPr>
+            <p:spPr>
+              <a:xfrm>
+                <a:off x="4462835" y="2467722"/>
+                <a:ext cx="547634" cy="648537"/>
+              </a:xfrm>
+              <a:prstGeom prst="straightConnector1">
+                <a:avLst/>
+              </a:prstGeom>
+              <a:ln w="19050">
+                <a:solidFill>
+                  <a:schemeClr val="tx1"/>
+                </a:solidFill>
+                <a:headEnd type="none" w="med" len="med"/>
+                <a:tailEnd type="arrow" w="med" len="med"/>
+              </a:ln>
+            </p:spPr>
+            <p:style>
+              <a:lnRef idx="1">
+                <a:schemeClr val="accent1"/>
+              </a:lnRef>
+              <a:fillRef idx="0">
+                <a:schemeClr val="accent1"/>
+              </a:fillRef>
+              <a:effectRef idx="0">
+                <a:schemeClr val="accent1"/>
+              </a:effectRef>
+              <a:fontRef idx="minor">
+                <a:schemeClr val="tx1"/>
+              </a:fontRef>
+            </p:style>
+          </p:cxnSp>
+          <p:sp>
+            <p:nvSpPr>
+              <p:cNvPr id="218" name="Oval 217"/>
+              <p:cNvSpPr/>
+              <p:nvPr/>
+            </p:nvSpPr>
+            <p:spPr>
+              <a:xfrm>
+                <a:off x="5767952" y="2164373"/>
+                <a:ext cx="318617" cy="294891"/>
+              </a:xfrm>
+              <a:prstGeom prst="ellipse">
+                <a:avLst/>
+              </a:prstGeom>
+            </p:spPr>
+            <p:style>
+              <a:lnRef idx="2">
+                <a:schemeClr val="accent1">
+                  <a:shade val="50000"/>
+                </a:schemeClr>
+              </a:lnRef>
+              <a:fillRef idx="1">
+                <a:schemeClr val="accent1"/>
+              </a:fillRef>
+              <a:effectRef idx="0">
+                <a:schemeClr val="accent1"/>
+              </a:effectRef>
+              <a:fontRef idx="minor">
+                <a:schemeClr val="lt1"/>
+              </a:fontRef>
+            </p:style>
+            <p:txBody>
+              <a:bodyPr rtlCol="0" anchor="ctr"/>
+              <a:lstStyle/>
+              <a:p>
+                <a:pPr algn="ctr"/>
+                <a:endParaRPr lang="en-US"/>
+              </a:p>
+            </p:txBody>
+          </p:sp>
+          <p:cxnSp>
+            <p:nvCxnSpPr>
+              <p:cNvPr id="219" name="Straight Arrow Connector 218"/>
+              <p:cNvCxnSpPr>
+                <a:stCxn id="218" idx="4"/>
+                <a:endCxn id="76" idx="0"/>
+              </p:cNvCxnSpPr>
+              <p:nvPr/>
+            </p:nvCxnSpPr>
+            <p:spPr>
+              <a:xfrm flipH="1">
+                <a:off x="5910900" y="2459264"/>
+                <a:ext cx="16361" cy="277135"/>
+              </a:xfrm>
+              <a:prstGeom prst="straightConnector1">
+                <a:avLst/>
+              </a:prstGeom>
+              <a:ln w="19050">
+                <a:solidFill>
+                  <a:schemeClr val="tx1"/>
+                </a:solidFill>
+                <a:headEnd type="none" w="med" len="med"/>
+                <a:tailEnd type="arrow" w="med" len="med"/>
+              </a:ln>
+            </p:spPr>
+            <p:style>
+              <a:lnRef idx="1">
+                <a:schemeClr val="accent1"/>
+              </a:lnRef>
+              <a:fillRef idx="0">
+                <a:schemeClr val="accent1"/>
+              </a:fillRef>
+              <a:effectRef idx="0">
+                <a:schemeClr val="accent1"/>
+              </a:effectRef>
+              <a:fontRef idx="minor">
+                <a:schemeClr val="tx1"/>
+              </a:fontRef>
+            </p:style>
+          </p:cxnSp>
+          <p:cxnSp>
+            <p:nvCxnSpPr>
+              <p:cNvPr id="220" name="Straight Arrow Connector 219"/>
+              <p:cNvCxnSpPr>
+                <a:stCxn id="218" idx="4"/>
+                <a:endCxn id="62" idx="0"/>
+              </p:cNvCxnSpPr>
+              <p:nvPr/>
+            </p:nvCxnSpPr>
+            <p:spPr>
+              <a:xfrm>
+                <a:off x="5927261" y="2459264"/>
+                <a:ext cx="530873" cy="649680"/>
+              </a:xfrm>
+              <a:prstGeom prst="straightConnector1">
+                <a:avLst/>
+              </a:prstGeom>
+              <a:ln w="19050">
+                <a:solidFill>
+                  <a:schemeClr val="tx1"/>
+                </a:solidFill>
+                <a:headEnd type="none" w="med" len="med"/>
+                <a:tailEnd type="arrow" w="med" len="med"/>
+              </a:ln>
+            </p:spPr>
+            <p:style>
+              <a:lnRef idx="1">
+                <a:schemeClr val="accent1"/>
+              </a:lnRef>
+              <a:fillRef idx="0">
+                <a:schemeClr val="accent1"/>
+              </a:fillRef>
+              <a:effectRef idx="0">
+                <a:schemeClr val="accent1"/>
+              </a:effectRef>
+              <a:fontRef idx="minor">
+                <a:schemeClr val="tx1"/>
+              </a:fontRef>
+            </p:style>
+          </p:cxnSp>
+          <mc:AlternateContent xmlns:mc="http://schemas.openxmlformats.org/markup-compatibility/2006">
+            <mc:Choice xmlns:a14="http://schemas.microsoft.com/office/drawing/2010/main" Requires="a14">
+              <p:sp>
+                <p:nvSpPr>
+                  <p:cNvPr id="228" name="Rectangle 227"/>
+                  <p:cNvSpPr/>
+                  <p:nvPr/>
+                </p:nvSpPr>
+                <p:spPr>
+                  <a:xfrm>
+                    <a:off x="2904327" y="3703176"/>
+                    <a:ext cx="394079" cy="299115"/>
+                  </a:xfrm>
+                  <a:prstGeom prst="rect">
+                    <a:avLst/>
+                  </a:prstGeom>
+                </p:spPr>
+                <p:txBody>
+                  <a:bodyPr wrap="none">
+                    <a:spAutoFit/>
+                  </a:bodyPr>
+                  <a:lstStyle/>
+                  <a:p>
+                    <a:pPr/>
+                    <a14:m>
+                      <m:oMathPara xmlns:m="http://schemas.openxmlformats.org/officeDocument/2006/math">
+                        <m:oMathParaPr>
+                          <m:jc m:val="centerGroup"/>
+                        </m:oMathParaPr>
+                        <m:oMath xmlns:m="http://schemas.openxmlformats.org/officeDocument/2006/math">
+                          <m:sSub>
+                            <m:sSubPr>
+                              <m:ctrlPr>
+                                <a:rPr lang="en-US" i="1" smtClean="0">
+                                  <a:latin typeface="Cambria Math" panose="02040503050406030204" pitchFamily="18" charset="0"/>
+                                </a:rPr>
+                              </m:ctrlPr>
+                            </m:sSubPr>
+                            <m:e>
+                              <m:r>
+                                <a:rPr lang="en-US" i="1">
+                                  <a:latin typeface="Cambria Math"/>
+                                </a:rPr>
+                                <m:t>𝑥</m:t>
+                              </m:r>
+                            </m:e>
+                            <m:sub>
+                              <m:r>
+                                <a:rPr lang="en-US" b="0" i="1" smtClean="0">
+                                  <a:latin typeface="Cambria Math"/>
+                                </a:rPr>
+                                <m:t>0</m:t>
+                              </m:r>
+                            </m:sub>
+                          </m:sSub>
+                        </m:oMath>
+                      </m:oMathPara>
+                    </a14:m>
+                    <a:endParaRPr lang="en-US" dirty="0"/>
+                  </a:p>
+                </p:txBody>
+              </p:sp>
+            </mc:Choice>
+            <mc:Fallback>
+              <p:sp>
+                <p:nvSpPr>
+                  <p:cNvPr id="228" name="Rectangle 227"/>
+                  <p:cNvSpPr>
+                    <a:spLocks noRot="1" noChangeAspect="1" noMove="1" noResize="1" noEditPoints="1" noAdjustHandles="1" noChangeArrowheads="1" noChangeShapeType="1" noTextEdit="1"/>
+                  </p:cNvSpPr>
+                  <p:nvPr/>
+                </p:nvSpPr>
+                <p:spPr>
+                  <a:xfrm>
+                    <a:off x="2904327" y="3703176"/>
+                    <a:ext cx="394079" cy="299115"/>
+                  </a:xfrm>
+                  <a:prstGeom prst="rect">
+                    <a:avLst/>
+                  </a:prstGeom>
+                  <a:blipFill>
+                    <a:blip r:embed="rId4"/>
+                    <a:stretch>
+                      <a:fillRect/>
+                    </a:stretch>
+                  </a:blipFill>
+                </p:spPr>
+                <p:txBody>
+                  <a:bodyPr/>
+                  <a:lstStyle/>
+                  <a:p>
+                    <a:r>
+                      <a:rPr lang="en-US">
+                        <a:noFill/>
+                      </a:rPr>
+                      <a:t> </a:t>
+                    </a:r>
+                  </a:p>
+                </p:txBody>
+              </p:sp>
+            </mc:Fallback>
+          </mc:AlternateContent>
+          <mc:AlternateContent xmlns:mc="http://schemas.openxmlformats.org/markup-compatibility/2006">
+            <mc:Choice xmlns:a14="http://schemas.microsoft.com/office/drawing/2010/main" Requires="a14">
+              <p:sp>
+                <p:nvSpPr>
+                  <p:cNvPr id="240" name="Rectangle 239"/>
+                  <p:cNvSpPr/>
+                  <p:nvPr/>
+                </p:nvSpPr>
+                <p:spPr>
+                  <a:xfrm>
+                    <a:off x="3888529" y="3725827"/>
+                    <a:ext cx="390088" cy="299115"/>
+                  </a:xfrm>
+                  <a:prstGeom prst="rect">
+                    <a:avLst/>
+                  </a:prstGeom>
+                </p:spPr>
+                <p:txBody>
+                  <a:bodyPr wrap="none">
+                    <a:spAutoFit/>
+                  </a:bodyPr>
+                  <a:lstStyle/>
+                  <a:p>
+                    <a:pPr/>
+                    <a14:m>
+                      <m:oMathPara xmlns:m="http://schemas.openxmlformats.org/officeDocument/2006/math">
+                        <m:oMathParaPr>
+                          <m:jc m:val="centerGroup"/>
+                        </m:oMathParaPr>
+                        <m:oMath xmlns:m="http://schemas.openxmlformats.org/officeDocument/2006/math">
+                          <m:sSub>
+                            <m:sSubPr>
+                              <m:ctrlPr>
+                                <a:rPr lang="en-US" i="1" smtClean="0">
+                                  <a:latin typeface="Cambria Math" panose="02040503050406030204" pitchFamily="18" charset="0"/>
+                                </a:rPr>
+                              </m:ctrlPr>
+                            </m:sSubPr>
+                            <m:e>
+                              <m:r>
+                                <a:rPr lang="en-US" i="1">
+                                  <a:latin typeface="Cambria Math"/>
+                                </a:rPr>
+                                <m:t>𝑥</m:t>
+                              </m:r>
+                            </m:e>
+                            <m:sub>
+                              <m:r>
+                                <a:rPr lang="en-US" b="0" i="1" smtClean="0">
+                                  <a:latin typeface="Cambria Math"/>
+                                </a:rPr>
+                                <m:t>1</m:t>
+                              </m:r>
+                            </m:sub>
+                          </m:sSub>
+                        </m:oMath>
+                      </m:oMathPara>
+                    </a14:m>
+                    <a:endParaRPr lang="en-US" dirty="0"/>
+                  </a:p>
+                </p:txBody>
+              </p:sp>
+            </mc:Choice>
+            <mc:Fallback>
+              <p:sp>
+                <p:nvSpPr>
+                  <p:cNvPr id="240" name="Rectangle 239"/>
+                  <p:cNvSpPr>
+                    <a:spLocks noRot="1" noChangeAspect="1" noMove="1" noResize="1" noEditPoints="1" noAdjustHandles="1" noChangeArrowheads="1" noChangeShapeType="1" noTextEdit="1"/>
+                  </p:cNvSpPr>
+                  <p:nvPr/>
+                </p:nvSpPr>
+                <p:spPr>
+                  <a:xfrm>
+                    <a:off x="3888529" y="3725827"/>
+                    <a:ext cx="390088" cy="299115"/>
+                  </a:xfrm>
+                  <a:prstGeom prst="rect">
+                    <a:avLst/>
+                  </a:prstGeom>
+                  <a:blipFill>
+                    <a:blip r:embed="rId5"/>
+                    <a:stretch>
+                      <a:fillRect/>
+                    </a:stretch>
+                  </a:blipFill>
+                </p:spPr>
+                <p:txBody>
+                  <a:bodyPr/>
+                  <a:lstStyle/>
+                  <a:p>
+                    <a:r>
+                      <a:rPr lang="en-US">
+                        <a:noFill/>
+                      </a:rPr>
+                      <a:t> </a:t>
+                    </a:r>
+                  </a:p>
+                </p:txBody>
+              </p:sp>
+            </mc:Fallback>
+          </mc:AlternateContent>
+          <mc:AlternateContent xmlns:mc="http://schemas.openxmlformats.org/markup-compatibility/2006">
+            <mc:Choice xmlns:a14="http://schemas.microsoft.com/office/drawing/2010/main" Requires="a14">
+              <p:sp>
+                <p:nvSpPr>
+                  <p:cNvPr id="241" name="Rectangle 240"/>
+                  <p:cNvSpPr/>
+                  <p:nvPr/>
+                </p:nvSpPr>
+                <p:spPr>
+                  <a:xfrm>
+                    <a:off x="4846109" y="3674170"/>
+                    <a:ext cx="394079" cy="299115"/>
+                  </a:xfrm>
+                  <a:prstGeom prst="rect">
+                    <a:avLst/>
+                  </a:prstGeom>
+                </p:spPr>
+                <p:txBody>
+                  <a:bodyPr wrap="none">
+                    <a:spAutoFit/>
+                  </a:bodyPr>
+                  <a:lstStyle/>
+                  <a:p>
+                    <a:pPr/>
+                    <a14:m>
+                      <m:oMathPara xmlns:m="http://schemas.openxmlformats.org/officeDocument/2006/math">
+                        <m:oMathParaPr>
+                          <m:jc m:val="centerGroup"/>
+                        </m:oMathParaPr>
+                        <m:oMath xmlns:m="http://schemas.openxmlformats.org/officeDocument/2006/math">
+                          <m:sSub>
+                            <m:sSubPr>
+                              <m:ctrlPr>
+                                <a:rPr lang="en-US" i="1" smtClean="0">
+                                  <a:latin typeface="Cambria Math" panose="02040503050406030204" pitchFamily="18" charset="0"/>
+                                </a:rPr>
+                              </m:ctrlPr>
+                            </m:sSubPr>
+                            <m:e>
+                              <m:r>
+                                <a:rPr lang="en-US" i="1">
+                                  <a:latin typeface="Cambria Math"/>
+                                </a:rPr>
+                                <m:t>𝑥</m:t>
+                              </m:r>
+                            </m:e>
+                            <m:sub>
+                              <m:r>
+                                <a:rPr lang="en-US" b="0" i="1" smtClean="0">
+                                  <a:latin typeface="Cambria Math"/>
+                                </a:rPr>
+                                <m:t>2</m:t>
+                              </m:r>
+                            </m:sub>
+                          </m:sSub>
+                        </m:oMath>
+                      </m:oMathPara>
+                    </a14:m>
+                    <a:endParaRPr lang="en-US" dirty="0"/>
+                  </a:p>
+                </p:txBody>
+              </p:sp>
+            </mc:Choice>
+            <mc:Fallback>
+              <p:sp>
+                <p:nvSpPr>
+                  <p:cNvPr id="241" name="Rectangle 240"/>
+                  <p:cNvSpPr>
+                    <a:spLocks noRot="1" noChangeAspect="1" noMove="1" noResize="1" noEditPoints="1" noAdjustHandles="1" noChangeArrowheads="1" noChangeShapeType="1" noTextEdit="1"/>
+                  </p:cNvSpPr>
+                  <p:nvPr/>
+                </p:nvSpPr>
+                <p:spPr>
+                  <a:xfrm>
+                    <a:off x="4846109" y="3674170"/>
+                    <a:ext cx="394079" cy="299115"/>
+                  </a:xfrm>
+                  <a:prstGeom prst="rect">
+                    <a:avLst/>
+                  </a:prstGeom>
+                  <a:blipFill>
+                    <a:blip r:embed="rId6"/>
+                    <a:stretch>
+                      <a:fillRect/>
+                    </a:stretch>
+                  </a:blipFill>
+                </p:spPr>
+                <p:txBody>
+                  <a:bodyPr/>
+                  <a:lstStyle/>
+                  <a:p>
+                    <a:r>
+                      <a:rPr lang="en-US">
+                        <a:noFill/>
+                      </a:rPr>
+                      <a:t> </a:t>
+                    </a:r>
+                  </a:p>
+                </p:txBody>
+              </p:sp>
+            </mc:Fallback>
+          </mc:AlternateContent>
+          <mc:AlternateContent xmlns:mc="http://schemas.openxmlformats.org/markup-compatibility/2006">
+            <mc:Choice xmlns:a14="http://schemas.microsoft.com/office/drawing/2010/main" Requires="a14">
+              <p:sp>
+                <p:nvSpPr>
+                  <p:cNvPr id="242" name="Rectangle 241"/>
+                  <p:cNvSpPr/>
+                  <p:nvPr/>
+                </p:nvSpPr>
+                <p:spPr>
+                  <a:xfrm>
+                    <a:off x="6237424" y="3670163"/>
+                    <a:ext cx="370750" cy="299115"/>
+                  </a:xfrm>
+                  <a:prstGeom prst="rect">
+                    <a:avLst/>
+                  </a:prstGeom>
+                </p:spPr>
+                <p:txBody>
+                  <a:bodyPr wrap="none">
+                    <a:spAutoFit/>
+                  </a:bodyPr>
+                  <a:lstStyle/>
+                  <a:p>
+                    <a:pPr/>
+                    <a14:m>
+                      <m:oMathPara xmlns:m="http://schemas.openxmlformats.org/officeDocument/2006/math">
+                        <m:oMathParaPr>
+                          <m:jc m:val="centerGroup"/>
+                        </m:oMathParaPr>
+                        <m:oMath xmlns:m="http://schemas.openxmlformats.org/officeDocument/2006/math">
+                          <m:sSub>
+                            <m:sSubPr>
+                              <m:ctrlPr>
+                                <a:rPr lang="en-US" i="1" smtClean="0">
+                                  <a:latin typeface="Cambria Math" panose="02040503050406030204" pitchFamily="18" charset="0"/>
+                                </a:rPr>
+                              </m:ctrlPr>
+                            </m:sSubPr>
+                            <m:e>
+                              <m:r>
+                                <a:rPr lang="en-US" i="1">
+                                  <a:latin typeface="Cambria Math"/>
+                                </a:rPr>
+                                <m:t>𝑥</m:t>
+                              </m:r>
+                            </m:e>
+                            <m:sub>
+                              <m:r>
+                                <a:rPr lang="en-US" b="0" i="1" smtClean="0">
+                                  <a:latin typeface="Cambria Math" panose="02040503050406030204" pitchFamily="18" charset="0"/>
+                                </a:rPr>
+                                <m:t>𝑖</m:t>
+                              </m:r>
+                            </m:sub>
+                          </m:sSub>
+                        </m:oMath>
+                      </m:oMathPara>
+                    </a14:m>
+                    <a:endParaRPr lang="en-US" dirty="0"/>
+                  </a:p>
+                </p:txBody>
+              </p:sp>
+            </mc:Choice>
+            <mc:Fallback>
+              <p:sp>
+                <p:nvSpPr>
+                  <p:cNvPr id="242" name="Rectangle 241"/>
+                  <p:cNvSpPr>
+                    <a:spLocks noRot="1" noChangeAspect="1" noMove="1" noResize="1" noEditPoints="1" noAdjustHandles="1" noChangeArrowheads="1" noChangeShapeType="1" noTextEdit="1"/>
+                  </p:cNvSpPr>
+                  <p:nvPr/>
+                </p:nvSpPr>
+                <p:spPr>
+                  <a:xfrm>
+                    <a:off x="6237424" y="3670163"/>
+                    <a:ext cx="370750" cy="299115"/>
+                  </a:xfrm>
+                  <a:prstGeom prst="rect">
+                    <a:avLst/>
+                  </a:prstGeom>
+                  <a:blipFill>
+                    <a:blip r:embed="rId7"/>
+                    <a:stretch>
+                      <a:fillRect/>
+                    </a:stretch>
+                  </a:blipFill>
+                </p:spPr>
+                <p:txBody>
+                  <a:bodyPr/>
+                  <a:lstStyle/>
+                  <a:p>
+                    <a:r>
+                      <a:rPr lang="en-US">
+                        <a:noFill/>
+                      </a:rPr>
+                      <a:t> </a:t>
+                    </a:r>
+                  </a:p>
+                </p:txBody>
+              </p:sp>
+            </mc:Fallback>
+          </mc:AlternateContent>
+          <mc:AlternateContent xmlns:mc="http://schemas.openxmlformats.org/markup-compatibility/2006">
+            <mc:Choice xmlns:a14="http://schemas.microsoft.com/office/drawing/2010/main" Requires="a14">
+              <p:sp>
+                <p:nvSpPr>
+                  <p:cNvPr id="243" name="Rectangle 242"/>
+                  <p:cNvSpPr/>
+                  <p:nvPr/>
+                </p:nvSpPr>
+                <p:spPr>
+                  <a:xfrm>
+                    <a:off x="2309401" y="2150987"/>
+                    <a:ext cx="489375" cy="299115"/>
+                  </a:xfrm>
+                  <a:prstGeom prst="rect">
+                    <a:avLst/>
+                  </a:prstGeom>
+                </p:spPr>
+                <p:txBody>
+                  <a:bodyPr wrap="none">
+                    <a:spAutoFit/>
+                  </a:bodyPr>
+                  <a:lstStyle/>
+                  <a:p>
+                    <a:pPr/>
+                    <a14:m>
+                      <m:oMathPara xmlns:m="http://schemas.openxmlformats.org/officeDocument/2006/math">
+                        <m:oMathParaPr>
+                          <m:jc m:val="centerGroup"/>
+                        </m:oMathParaPr>
+                        <m:oMath xmlns:m="http://schemas.openxmlformats.org/officeDocument/2006/math">
+                          <m:sSub>
+                            <m:sSubPr>
+                              <m:ctrlPr>
+                                <a:rPr lang="en-US" i="1" smtClean="0">
+                                  <a:latin typeface="Cambria Math" panose="02040503050406030204" pitchFamily="18" charset="0"/>
+                                </a:rPr>
+                              </m:ctrlPr>
+                            </m:sSubPr>
+                            <m:e>
+                              <m:r>
+                                <a:rPr lang="en-US" b="0" i="1" smtClean="0">
+                                  <a:latin typeface="Cambria Math"/>
+                                </a:rPr>
+                                <m:t>𝑦</m:t>
+                              </m:r>
+                            </m:e>
+                            <m:sub>
+                              <m:r>
+                                <a:rPr lang="en-US" b="0" i="1" smtClean="0">
+                                  <a:latin typeface="Cambria Math"/>
+                                </a:rPr>
+                                <m:t>0</m:t>
+                              </m:r>
+                            </m:sub>
+                          </m:sSub>
+                        </m:oMath>
+                      </m:oMathPara>
+                    </a14:m>
+                    <a:endParaRPr lang="en-US" dirty="0"/>
+                  </a:p>
+                </p:txBody>
+              </p:sp>
+            </mc:Choice>
+            <mc:Fallback>
+              <p:sp>
+                <p:nvSpPr>
+                  <p:cNvPr id="243" name="Rectangle 242"/>
+                  <p:cNvSpPr>
+                    <a:spLocks noRot="1" noChangeAspect="1" noMove="1" noResize="1" noEditPoints="1" noAdjustHandles="1" noChangeArrowheads="1" noChangeShapeType="1" noTextEdit="1"/>
+                  </p:cNvSpPr>
+                  <p:nvPr/>
+                </p:nvSpPr>
+                <p:spPr>
+                  <a:xfrm>
+                    <a:off x="2309401" y="2150987"/>
+                    <a:ext cx="489375" cy="299115"/>
+                  </a:xfrm>
+                  <a:prstGeom prst="rect">
+                    <a:avLst/>
+                  </a:prstGeom>
+                  <a:blipFill>
+                    <a:blip r:embed="rId8"/>
+                    <a:stretch>
+                      <a:fillRect b="-6122"/>
+                    </a:stretch>
+                  </a:blipFill>
+                </p:spPr>
+                <p:txBody>
+                  <a:bodyPr/>
+                  <a:lstStyle/>
+                  <a:p>
+                    <a:r>
+                      <a:rPr lang="en-US">
+                        <a:noFill/>
+                      </a:rPr>
+                      <a:t> </a:t>
+                    </a:r>
+                  </a:p>
+                </p:txBody>
+              </p:sp>
+            </mc:Fallback>
+          </mc:AlternateContent>
+          <mc:AlternateContent xmlns:mc="http://schemas.openxmlformats.org/markup-compatibility/2006">
+            <mc:Choice xmlns:a14="http://schemas.microsoft.com/office/drawing/2010/main" Requires="a14">
+              <p:sp>
+                <p:nvSpPr>
+                  <p:cNvPr id="244" name="Rectangle 243"/>
+                  <p:cNvSpPr/>
+                  <p:nvPr/>
+                </p:nvSpPr>
+                <p:spPr>
+                  <a:xfrm>
+                    <a:off x="3292284" y="2159774"/>
+                    <a:ext cx="484433" cy="299115"/>
+                  </a:xfrm>
+                  <a:prstGeom prst="rect">
+                    <a:avLst/>
+                  </a:prstGeom>
+                </p:spPr>
+                <p:txBody>
+                  <a:bodyPr wrap="none">
+                    <a:spAutoFit/>
+                  </a:bodyPr>
+                  <a:lstStyle/>
+                  <a:p>
+                    <a:pPr/>
+                    <a14:m>
+                      <m:oMathPara xmlns:m="http://schemas.openxmlformats.org/officeDocument/2006/math">
+                        <m:oMathParaPr>
+                          <m:jc m:val="centerGroup"/>
+                        </m:oMathParaPr>
+                        <m:oMath xmlns:m="http://schemas.openxmlformats.org/officeDocument/2006/math">
+                          <m:sSub>
+                            <m:sSubPr>
+                              <m:ctrlPr>
+                                <a:rPr lang="en-US" i="1" smtClean="0">
+                                  <a:latin typeface="Cambria Math" panose="02040503050406030204" pitchFamily="18" charset="0"/>
+                                </a:rPr>
+                              </m:ctrlPr>
+                            </m:sSubPr>
+                            <m:e>
+                              <m:r>
+                                <a:rPr lang="en-US" b="0" i="1" smtClean="0">
+                                  <a:latin typeface="Cambria Math"/>
+                                </a:rPr>
+                                <m:t>𝑦</m:t>
+                              </m:r>
+                            </m:e>
+                            <m:sub>
+                              <m:r>
+                                <a:rPr lang="en-US" b="0" i="1" smtClean="0">
+                                  <a:latin typeface="Cambria Math"/>
+                                </a:rPr>
+                                <m:t>1</m:t>
+                              </m:r>
+                            </m:sub>
+                          </m:sSub>
+                        </m:oMath>
+                      </m:oMathPara>
+                    </a14:m>
+                    <a:endParaRPr lang="en-US" dirty="0"/>
+                  </a:p>
+                </p:txBody>
+              </p:sp>
+            </mc:Choice>
+            <mc:Fallback>
+              <p:sp>
+                <p:nvSpPr>
+                  <p:cNvPr id="244" name="Rectangle 243"/>
+                  <p:cNvSpPr>
+                    <a:spLocks noRot="1" noChangeAspect="1" noMove="1" noResize="1" noEditPoints="1" noAdjustHandles="1" noChangeArrowheads="1" noChangeShapeType="1" noTextEdit="1"/>
+                  </p:cNvSpPr>
+                  <p:nvPr/>
+                </p:nvSpPr>
+                <p:spPr>
+                  <a:xfrm>
+                    <a:off x="3292284" y="2159774"/>
+                    <a:ext cx="484433" cy="299115"/>
+                  </a:xfrm>
+                  <a:prstGeom prst="rect">
+                    <a:avLst/>
+                  </a:prstGeom>
+                  <a:blipFill>
+                    <a:blip r:embed="rId9"/>
+                    <a:stretch>
+                      <a:fillRect b="-6122"/>
+                    </a:stretch>
+                  </a:blipFill>
+                </p:spPr>
+                <p:txBody>
+                  <a:bodyPr/>
+                  <a:lstStyle/>
+                  <a:p>
+                    <a:r>
+                      <a:rPr lang="en-US">
+                        <a:noFill/>
+                      </a:rPr>
+                      <a:t> </a:t>
+                    </a:r>
+                  </a:p>
+                </p:txBody>
+              </p:sp>
+            </mc:Fallback>
+          </mc:AlternateContent>
+          <mc:AlternateContent xmlns:mc="http://schemas.openxmlformats.org/markup-compatibility/2006">
+            <mc:Choice xmlns:a14="http://schemas.microsoft.com/office/drawing/2010/main" Requires="a14">
+              <p:sp>
+                <p:nvSpPr>
+                  <p:cNvPr id="245" name="Rectangle 244"/>
+                  <p:cNvSpPr/>
+                  <p:nvPr/>
+                </p:nvSpPr>
+                <p:spPr>
+                  <a:xfrm>
+                    <a:off x="4233633" y="2143615"/>
+                    <a:ext cx="489375" cy="299115"/>
+                  </a:xfrm>
+                  <a:prstGeom prst="rect">
+                    <a:avLst/>
+                  </a:prstGeom>
+                </p:spPr>
+                <p:txBody>
+                  <a:bodyPr wrap="none">
+                    <a:spAutoFit/>
+                  </a:bodyPr>
+                  <a:lstStyle/>
+                  <a:p>
+                    <a:pPr/>
+                    <a14:m>
+                      <m:oMathPara xmlns:m="http://schemas.openxmlformats.org/officeDocument/2006/math">
+                        <m:oMathParaPr>
+                          <m:jc m:val="centerGroup"/>
+                        </m:oMathParaPr>
+                        <m:oMath xmlns:m="http://schemas.openxmlformats.org/officeDocument/2006/math">
+                          <m:sSub>
+                            <m:sSubPr>
+                              <m:ctrlPr>
+                                <a:rPr lang="en-US" i="1" smtClean="0">
+                                  <a:latin typeface="Cambria Math" panose="02040503050406030204" pitchFamily="18" charset="0"/>
+                                </a:rPr>
+                              </m:ctrlPr>
+                            </m:sSubPr>
+                            <m:e>
+                              <m:r>
+                                <a:rPr lang="en-US" b="0" i="1" smtClean="0">
+                                  <a:latin typeface="Cambria Math"/>
+                                </a:rPr>
+                                <m:t>𝑦</m:t>
+                              </m:r>
+                            </m:e>
+                            <m:sub>
+                              <m:r>
+                                <a:rPr lang="en-US" b="0" i="1" smtClean="0">
+                                  <a:latin typeface="Cambria Math"/>
+                                </a:rPr>
+                                <m:t>2</m:t>
+                              </m:r>
+                            </m:sub>
+                          </m:sSub>
+                        </m:oMath>
+                      </m:oMathPara>
+                    </a14:m>
+                    <a:endParaRPr lang="en-US" dirty="0"/>
+                  </a:p>
+                </p:txBody>
+              </p:sp>
+            </mc:Choice>
+            <mc:Fallback>
+              <p:sp>
+                <p:nvSpPr>
+                  <p:cNvPr id="245" name="Rectangle 244"/>
+                  <p:cNvSpPr>
+                    <a:spLocks noRot="1" noChangeAspect="1" noMove="1" noResize="1" noEditPoints="1" noAdjustHandles="1" noChangeArrowheads="1" noChangeShapeType="1" noTextEdit="1"/>
+                  </p:cNvSpPr>
+                  <p:nvPr/>
+                </p:nvSpPr>
+                <p:spPr>
+                  <a:xfrm>
+                    <a:off x="4233633" y="2143615"/>
+                    <a:ext cx="489375" cy="299115"/>
+                  </a:xfrm>
+                  <a:prstGeom prst="rect">
+                    <a:avLst/>
+                  </a:prstGeom>
+                  <a:blipFill>
+                    <a:blip r:embed="rId10"/>
+                    <a:stretch>
+                      <a:fillRect b="-6122"/>
+                    </a:stretch>
+                  </a:blipFill>
+                </p:spPr>
+                <p:txBody>
+                  <a:bodyPr/>
+                  <a:lstStyle/>
+                  <a:p>
+                    <a:r>
+                      <a:rPr lang="en-US">
+                        <a:noFill/>
+                      </a:rPr>
+                      <a:t> </a:t>
+                    </a:r>
+                  </a:p>
+                </p:txBody>
+              </p:sp>
+            </mc:Fallback>
+          </mc:AlternateContent>
+          <mc:AlternateContent xmlns:mc="http://schemas.openxmlformats.org/markup-compatibility/2006">
+            <mc:Choice xmlns:a14="http://schemas.microsoft.com/office/drawing/2010/main" Requires="a14">
+              <p:sp>
+                <p:nvSpPr>
+                  <p:cNvPr id="246" name="Rectangle 245"/>
+                  <p:cNvSpPr/>
+                  <p:nvPr/>
+                </p:nvSpPr>
+                <p:spPr>
+                  <a:xfrm>
+                    <a:off x="5705891" y="2124551"/>
+                    <a:ext cx="460480" cy="299115"/>
+                  </a:xfrm>
+                  <a:prstGeom prst="rect">
+                    <a:avLst/>
+                  </a:prstGeom>
+                </p:spPr>
+                <p:txBody>
+                  <a:bodyPr wrap="none">
+                    <a:spAutoFit/>
+                  </a:bodyPr>
+                  <a:lstStyle/>
+                  <a:p>
+                    <a:pPr/>
+                    <a14:m>
+                      <m:oMathPara xmlns:m="http://schemas.openxmlformats.org/officeDocument/2006/math">
+                        <m:oMathParaPr>
+                          <m:jc m:val="centerGroup"/>
+                        </m:oMathParaPr>
+                        <m:oMath xmlns:m="http://schemas.openxmlformats.org/officeDocument/2006/math">
+                          <m:sSub>
+                            <m:sSubPr>
+                              <m:ctrlPr>
+                                <a:rPr lang="en-US" i="1" smtClean="0">
+                                  <a:latin typeface="Cambria Math" panose="02040503050406030204" pitchFamily="18" charset="0"/>
+                                </a:rPr>
+                              </m:ctrlPr>
+                            </m:sSubPr>
+                            <m:e>
+                              <m:r>
+                                <a:rPr lang="en-US" b="0" i="1" smtClean="0">
+                                  <a:latin typeface="Cambria Math"/>
+                                </a:rPr>
+                                <m:t>𝑦</m:t>
+                              </m:r>
+                            </m:e>
+                            <m:sub>
+                              <m:r>
+                                <a:rPr lang="en-US" b="0" i="1" smtClean="0">
+                                  <a:latin typeface="Cambria Math" panose="02040503050406030204" pitchFamily="18" charset="0"/>
+                                </a:rPr>
+                                <m:t>𝑖</m:t>
+                              </m:r>
+                            </m:sub>
+                          </m:sSub>
+                        </m:oMath>
+                      </m:oMathPara>
+                    </a14:m>
+                    <a:endParaRPr lang="en-US" dirty="0"/>
+                  </a:p>
+                </p:txBody>
+              </p:sp>
+            </mc:Choice>
+            <mc:Fallback>
+              <p:sp>
+                <p:nvSpPr>
+                  <p:cNvPr id="246" name="Rectangle 245"/>
+                  <p:cNvSpPr>
+                    <a:spLocks noRot="1" noChangeAspect="1" noMove="1" noResize="1" noEditPoints="1" noAdjustHandles="1" noChangeArrowheads="1" noChangeShapeType="1" noTextEdit="1"/>
+                  </p:cNvSpPr>
+                  <p:nvPr/>
+                </p:nvSpPr>
+                <p:spPr>
+                  <a:xfrm>
+                    <a:off x="5705891" y="2124551"/>
+                    <a:ext cx="460480" cy="299115"/>
+                  </a:xfrm>
+                  <a:prstGeom prst="rect">
+                    <a:avLst/>
+                  </a:prstGeom>
+                  <a:blipFill>
+                    <a:blip r:embed="rId11"/>
+                    <a:stretch>
+                      <a:fillRect b="-6122"/>
+                    </a:stretch>
+                  </a:blipFill>
+                </p:spPr>
+                <p:txBody>
+                  <a:bodyPr/>
+                  <a:lstStyle/>
+                  <a:p>
+                    <a:r>
+                      <a:rPr lang="en-US">
+                        <a:noFill/>
+                      </a:rPr>
+                      <a:t> </a:t>
+                    </a:r>
+                  </a:p>
+                </p:txBody>
+              </p:sp>
+            </mc:Fallback>
+          </mc:AlternateContent>
+          <p:sp>
+            <p:nvSpPr>
+              <p:cNvPr id="267" name="Rounded Rectangle 266"/>
+              <p:cNvSpPr/>
+              <p:nvPr/>
+            </p:nvSpPr>
+            <p:spPr>
+              <a:xfrm>
+                <a:off x="2219527" y="1819590"/>
+                <a:ext cx="4196520" cy="271945"/>
+              </a:xfrm>
+              <a:prstGeom prst="roundRect">
+                <a:avLst/>
+              </a:prstGeom>
+            </p:spPr>
+            <p:style>
+              <a:lnRef idx="2">
+                <a:schemeClr val="accent3">
+                  <a:shade val="50000"/>
+                </a:schemeClr>
+              </a:lnRef>
+              <a:fillRef idx="1">
+                <a:schemeClr val="accent3"/>
+              </a:fillRef>
+              <a:effectRef idx="0">
+                <a:schemeClr val="accent3"/>
+              </a:effectRef>
+              <a:fontRef idx="minor">
+                <a:schemeClr val="lt1"/>
+              </a:fontRef>
+            </p:style>
+            <p:txBody>
+              <a:bodyPr rtlCol="0" anchor="ctr"/>
+              <a:lstStyle/>
+              <a:p>
+                <a:pPr algn="ctr"/>
+                <a:r>
+                  <a:rPr lang="en-US" sz="1200" b="1" smtClean="0"/>
+                  <a:t>Linear</a:t>
+                </a:r>
+                <a:endParaRPr lang="en-US" sz="1200" b="1"/>
+              </a:p>
+            </p:txBody>
+          </p:sp>
+          <p:sp>
+            <p:nvSpPr>
+              <p:cNvPr id="268" name="Rounded Rectangle 267"/>
+              <p:cNvSpPr/>
+              <p:nvPr/>
+            </p:nvSpPr>
+            <p:spPr>
+              <a:xfrm>
+                <a:off x="2205266" y="1482909"/>
+                <a:ext cx="4196520" cy="276059"/>
+              </a:xfrm>
+              <a:prstGeom prst="roundRect">
+                <a:avLst/>
+              </a:prstGeom>
+            </p:spPr>
+            <p:style>
+              <a:lnRef idx="2">
+                <a:schemeClr val="accent2">
+                  <a:shade val="50000"/>
+                </a:schemeClr>
+              </a:lnRef>
+              <a:fillRef idx="1">
+                <a:schemeClr val="accent2"/>
+              </a:fillRef>
+              <a:effectRef idx="0">
+                <a:schemeClr val="accent2"/>
+              </a:effectRef>
+              <a:fontRef idx="minor">
+                <a:schemeClr val="lt1"/>
+              </a:fontRef>
+            </p:style>
+            <p:txBody>
+              <a:bodyPr rtlCol="0" anchor="ctr"/>
+              <a:lstStyle/>
+              <a:p>
+                <a:pPr algn="ctr"/>
+                <a:r>
+                  <a:rPr lang="en-US" sz="1200" b="1" smtClean="0"/>
+                  <a:t>Output words</a:t>
+                </a:r>
+                <a:endParaRPr lang="en-US" sz="1200" b="1"/>
+              </a:p>
+            </p:txBody>
+          </p:sp>
+          <p:grpSp>
+            <p:nvGrpSpPr>
+              <p:cNvPr id="285" name="Group 284"/>
+              <p:cNvGrpSpPr/>
+              <p:nvPr/>
+            </p:nvGrpSpPr>
+            <p:grpSpPr>
+              <a:xfrm>
+                <a:off x="2487631" y="1270724"/>
+                <a:ext cx="3339697" cy="223429"/>
+                <a:chOff x="3172691" y="4099173"/>
+                <a:chExt cx="3425154" cy="313500"/>
+              </a:xfrm>
+            </p:grpSpPr>
+            <p:cxnSp>
+              <p:nvCxnSpPr>
+                <p:cNvPr id="286" name="Straight Arrow Connector 285"/>
+                <p:cNvCxnSpPr/>
+                <p:nvPr/>
+              </p:nvCxnSpPr>
+              <p:spPr>
+                <a:xfrm flipV="1">
+                  <a:off x="3172691" y="4135584"/>
+                  <a:ext cx="0" cy="277089"/>
+                </a:xfrm>
+                <a:prstGeom prst="straightConnector1">
+                  <a:avLst/>
+                </a:prstGeom>
+                <a:ln>
+                  <a:tailEnd type="triangle"/>
+                </a:ln>
+              </p:spPr>
+              <p:style>
+                <a:lnRef idx="2">
+                  <a:schemeClr val="accent4"/>
+                </a:lnRef>
+                <a:fillRef idx="1">
+                  <a:schemeClr val="lt1"/>
+                </a:fillRef>
+                <a:effectRef idx="0">
+                  <a:schemeClr val="accent4"/>
+                </a:effectRef>
+                <a:fontRef idx="minor">
+                  <a:schemeClr val="dk1"/>
+                </a:fontRef>
+              </p:style>
+            </p:cxnSp>
+            <p:cxnSp>
+              <p:nvCxnSpPr>
+                <p:cNvPr id="287" name="Straight Arrow Connector 286"/>
+                <p:cNvCxnSpPr/>
+                <p:nvPr/>
+              </p:nvCxnSpPr>
+              <p:spPr>
+                <a:xfrm flipV="1">
+                  <a:off x="4194463" y="4128657"/>
+                  <a:ext cx="0" cy="277089"/>
+                </a:xfrm>
+                <a:prstGeom prst="straightConnector1">
+                  <a:avLst/>
+                </a:prstGeom>
+                <a:ln>
+                  <a:tailEnd type="triangle"/>
+                </a:ln>
+              </p:spPr>
+              <p:style>
+                <a:lnRef idx="2">
+                  <a:schemeClr val="accent4"/>
+                </a:lnRef>
+                <a:fillRef idx="1">
+                  <a:schemeClr val="lt1"/>
+                </a:fillRef>
+                <a:effectRef idx="0">
+                  <a:schemeClr val="accent4"/>
+                </a:effectRef>
+                <a:fontRef idx="minor">
+                  <a:schemeClr val="dk1"/>
+                </a:fontRef>
+              </p:style>
+            </p:cxnSp>
+            <p:cxnSp>
+              <p:nvCxnSpPr>
+                <p:cNvPr id="288" name="Straight Arrow Connector 287"/>
+                <p:cNvCxnSpPr/>
+                <p:nvPr/>
+              </p:nvCxnSpPr>
+              <p:spPr>
+                <a:xfrm flipV="1">
+                  <a:off x="5149376" y="4099173"/>
+                  <a:ext cx="0" cy="277089"/>
+                </a:xfrm>
+                <a:prstGeom prst="straightConnector1">
+                  <a:avLst/>
+                </a:prstGeom>
+                <a:ln>
+                  <a:tailEnd type="triangle"/>
+                </a:ln>
+              </p:spPr>
+              <p:style>
+                <a:lnRef idx="2">
+                  <a:schemeClr val="accent4"/>
+                </a:lnRef>
+                <a:fillRef idx="1">
+                  <a:schemeClr val="lt1"/>
+                </a:fillRef>
+                <a:effectRef idx="0">
+                  <a:schemeClr val="accent4"/>
+                </a:effectRef>
+                <a:fontRef idx="minor">
+                  <a:schemeClr val="dk1"/>
+                </a:fontRef>
+              </p:style>
+            </p:cxnSp>
+            <p:cxnSp>
+              <p:nvCxnSpPr>
+                <p:cNvPr id="289" name="Straight Arrow Connector 288"/>
+                <p:cNvCxnSpPr/>
+                <p:nvPr/>
+              </p:nvCxnSpPr>
+              <p:spPr>
+                <a:xfrm flipV="1">
+                  <a:off x="6597845" y="4106464"/>
+                  <a:ext cx="0" cy="277089"/>
+                </a:xfrm>
+                <a:prstGeom prst="straightConnector1">
+                  <a:avLst/>
+                </a:prstGeom>
+                <a:ln>
+                  <a:tailEnd type="triangle"/>
+                </a:ln>
+              </p:spPr>
+              <p:style>
+                <a:lnRef idx="2">
+                  <a:schemeClr val="accent4"/>
+                </a:lnRef>
+                <a:fillRef idx="1">
+                  <a:schemeClr val="lt1"/>
+                </a:fillRef>
+                <a:effectRef idx="0">
+                  <a:schemeClr val="accent4"/>
+                </a:effectRef>
+                <a:fontRef idx="minor">
+                  <a:schemeClr val="dk1"/>
+                </a:fontRef>
+              </p:style>
+            </p:cxnSp>
+          </p:grpSp>
+        </p:grpSp>
+      </p:grpSp>
+    </p:spTree>
+    <p:extLst>
+      <p:ext uri="{BB962C8B-B14F-4D97-AF65-F5344CB8AC3E}">
+        <p14:creationId xmlns:p14="http://schemas.microsoft.com/office/powerpoint/2010/main" val="2479142162"/>
+      </p:ext>
+    </p:extLst>
+  </p:cSld>
+  <p:clrMapOvr>
+    <a:masterClrMapping/>
+  </p:clrMapOvr>
+  <p:timing>
+    <p:tnLst>
+      <p:par>
+        <p:cTn id="1" dur="indefinite" restart="never" nodeType="tmRoot"/>
+      </p:par>
+    </p:tnLst>
+  </p:timing>
+</p:sld>
+</file>
+
+<file path=ppt/slides/slide16.xml><?xml version="1.0" encoding="utf-8"?>
+<p:sld xmlns:a="http://schemas.openxmlformats.org/drawingml/2006/main" xmlns:r="http://schemas.openxmlformats.org/officeDocument/2006/relationships" xmlns:p="http://schemas.openxmlformats.org/presentationml/2006/main">
+  <p:cSld>
+    <p:spTree>
+      <p:nvGrpSpPr>
+        <p:cNvPr id="1" name="Shape 563"/>
+        <p:cNvGrpSpPr/>
+        <p:nvPr/>
+      </p:nvGrpSpPr>
+      <p:grpSpPr>
+        <a:xfrm>
+          <a:off x="0" y="0"/>
+          <a:ext cx="0" cy="0"/>
+          <a:chOff x="0" y="0"/>
+          <a:chExt cx="0" cy="0"/>
+        </a:xfrm>
+      </p:grpSpPr>
+      <p:sp>
+        <p:nvSpPr>
+          <p:cNvPr id="120" name="Oval 119"/>
+          <p:cNvSpPr/>
+          <p:nvPr/>
+        </p:nvSpPr>
+        <p:spPr>
+          <a:xfrm>
+            <a:off x="532224" y="346870"/>
+            <a:ext cx="701040" cy="670560"/>
+          </a:xfrm>
+          <a:prstGeom prst="ellipse">
+            <a:avLst/>
+          </a:prstGeom>
+        </p:spPr>
+        <p:style>
+          <a:lnRef idx="3">
+            <a:schemeClr val="lt1"/>
+          </a:lnRef>
+          <a:fillRef idx="1">
+            <a:schemeClr val="accent4"/>
+          </a:fillRef>
+          <a:effectRef idx="1">
+            <a:schemeClr val="accent4"/>
+          </a:effectRef>
+          <a:fontRef idx="minor">
+            <a:schemeClr val="lt1"/>
+          </a:fontRef>
+        </p:style>
+        <p:txBody>
+          <a:bodyPr rtlCol="0" anchor="ctr"/>
+          <a:lstStyle/>
+          <a:p>
+            <a:pPr algn="ctr"/>
+            <a:r>
+              <a:rPr lang="en-US" sz="2400"/>
+              <a:t>2</a:t>
+            </a:r>
+          </a:p>
+        </p:txBody>
+      </p:sp>
+      <p:sp>
+        <p:nvSpPr>
+          <p:cNvPr id="121" name="Rectangle 120"/>
+          <p:cNvSpPr/>
+          <p:nvPr/>
+        </p:nvSpPr>
+        <p:spPr>
+          <a:xfrm>
+            <a:off x="1402081" y="482095"/>
+            <a:ext cx="3992879" cy="400110"/>
+          </a:xfrm>
+          <a:prstGeom prst="rect">
+            <a:avLst/>
+          </a:prstGeom>
+        </p:spPr>
+        <p:txBody>
+          <a:bodyPr wrap="square">
+            <a:spAutoFit/>
+          </a:bodyPr>
+          <a:lstStyle/>
+          <a:p>
+            <a:r>
+              <a:rPr lang="en-US" sz="2000" b="1">
+                <a:latin typeface="Montserrat" panose="020B0604020202020204" charset="0"/>
+              </a:rPr>
+              <a:t>Models and pipeline</a:t>
+            </a:r>
+            <a:endParaRPr lang="en-US" sz="2000" b="1"/>
+          </a:p>
+        </p:txBody>
+      </p:sp>
+      <p:sp>
+        <p:nvSpPr>
+          <p:cNvPr id="66" name="Rectangle 65"/>
+          <p:cNvSpPr/>
+          <p:nvPr/>
+        </p:nvSpPr>
+        <p:spPr>
+          <a:xfrm>
+            <a:off x="1402081" y="824764"/>
+            <a:ext cx="1975221" cy="307777"/>
+          </a:xfrm>
+          <a:prstGeom prst="rect">
+            <a:avLst/>
+          </a:prstGeom>
+        </p:spPr>
+        <p:txBody>
+          <a:bodyPr wrap="none">
+            <a:spAutoFit/>
+          </a:bodyPr>
+          <a:lstStyle/>
+          <a:p>
+            <a:r>
+              <a:rPr lang="en-US" b="1" smtClean="0">
+                <a:latin typeface="Montserrat" panose="020B0604020202020204" charset="0"/>
+              </a:rPr>
+              <a:t>Transformer </a:t>
+            </a:r>
+            <a:r>
+              <a:rPr lang="en-US" b="1" smtClean="0">
+                <a:latin typeface="Montserrat" panose="020B0604020202020204" charset="0"/>
+              </a:rPr>
+              <a:t>Model</a:t>
+            </a:r>
+            <a:endParaRPr lang="en-US" b="1"/>
+          </a:p>
+        </p:txBody>
+      </p:sp>
+      <p:pic>
+        <p:nvPicPr>
+          <p:cNvPr id="5" name="Picture 4"/>
+          <p:cNvPicPr>
+            <a:picLocks noChangeAspect="1"/>
+          </p:cNvPicPr>
+          <p:nvPr/>
+        </p:nvPicPr>
+        <p:blipFill>
+          <a:blip r:embed="rId3"/>
+          <a:stretch>
+            <a:fillRect/>
+          </a:stretch>
+        </p:blipFill>
+        <p:spPr>
+          <a:xfrm>
+            <a:off x="4401022" y="231493"/>
+            <a:ext cx="3691323" cy="4761393"/>
+          </a:xfrm>
+          <a:prstGeom prst="rect">
+            <a:avLst/>
+          </a:prstGeom>
+        </p:spPr>
+      </p:pic>
+      <p:sp>
+        <p:nvSpPr>
+          <p:cNvPr id="79" name="Rectangle 78"/>
+          <p:cNvSpPr/>
+          <p:nvPr/>
+        </p:nvSpPr>
+        <p:spPr>
+          <a:xfrm>
+            <a:off x="432804" y="1923241"/>
+            <a:ext cx="3491014" cy="1169551"/>
+          </a:xfrm>
+          <a:prstGeom prst="rect">
+            <a:avLst/>
+          </a:prstGeom>
+        </p:spPr>
+        <p:txBody>
+          <a:bodyPr wrap="square">
+            <a:spAutoFit/>
+          </a:bodyPr>
+          <a:lstStyle/>
+          <a:p>
+            <a:r>
+              <a:rPr lang="en-US" b="1" smtClean="0">
+                <a:latin typeface="Montserrat" panose="020B0604020202020204" charset="0"/>
+              </a:rPr>
+              <a:t>Transformer model</a:t>
+            </a:r>
+          </a:p>
+          <a:p>
+            <a:r>
+              <a:rPr lang="en-US"/>
+              <a:t>Hình ảnh từ cuốn Dive into Deep</a:t>
+            </a:r>
+            <a:r>
+              <a:rPr lang="en-US"/>
+              <a:t> </a:t>
+            </a:r>
+            <a:r>
+              <a:rPr lang="en-US" smtClean="0"/>
+              <a:t>learning</a:t>
+            </a:r>
+            <a:endParaRPr lang="en-US"/>
+          </a:p>
+          <a:p>
+            <a:r>
+              <a:rPr lang="en-US" smtClean="0"/>
+              <a:t>https</a:t>
+            </a:r>
+            <a:r>
+              <a:rPr lang="en-US"/>
+              <a:t>://d2l.ai/chapter_attention-mechanisms/transformer.html</a:t>
+            </a:r>
+          </a:p>
+          <a:p>
+            <a:endParaRPr lang="en-US" b="1" smtClean="0">
+              <a:latin typeface="Montserrat" panose="020B0604020202020204" charset="0"/>
+            </a:endParaRPr>
+          </a:p>
+        </p:txBody>
+      </p:sp>
+    </p:spTree>
+    <p:extLst>
+      <p:ext uri="{BB962C8B-B14F-4D97-AF65-F5344CB8AC3E}">
+        <p14:creationId xmlns:p14="http://schemas.microsoft.com/office/powerpoint/2010/main" val="3325745924"/>
+      </p:ext>
+    </p:extLst>
+  </p:cSld>
+  <p:clrMapOvr>
+    <a:masterClrMapping/>
+  </p:clrMapOvr>
+  <p:timing>
+    <p:tnLst>
+      <p:par>
+        <p:cTn id="1" dur="indefinite" restart="never" nodeType="tmRoot"/>
+      </p:par>
+    </p:tnLst>
+  </p:timing>
+</p:sld>
+</file>
+
+<file path=ppt/slides/slide17.xml><?xml version="1.0" encoding="utf-8"?>
+<p:sld xmlns:a="http://schemas.openxmlformats.org/drawingml/2006/main" xmlns:r="http://schemas.openxmlformats.org/officeDocument/2006/relationships" xmlns:p="http://schemas.openxmlformats.org/presentationml/2006/main">
+  <p:cSld>
+    <p:spTree>
+      <p:nvGrpSpPr>
+        <p:cNvPr id="1" name="Shape 563"/>
+        <p:cNvGrpSpPr/>
+        <p:nvPr/>
+      </p:nvGrpSpPr>
+      <p:grpSpPr>
+        <a:xfrm>
+          <a:off x="0" y="0"/>
+          <a:ext cx="0" cy="0"/>
+          <a:chOff x="0" y="0"/>
+          <a:chExt cx="0" cy="0"/>
+        </a:xfrm>
+      </p:grpSpPr>
+      <p:sp>
+        <p:nvSpPr>
+          <p:cNvPr id="120" name="Oval 119"/>
+          <p:cNvSpPr/>
+          <p:nvPr/>
+        </p:nvSpPr>
+        <p:spPr>
+          <a:xfrm>
+            <a:off x="532224" y="346870"/>
+            <a:ext cx="701040" cy="670560"/>
+          </a:xfrm>
+          <a:prstGeom prst="ellipse">
+            <a:avLst/>
+          </a:prstGeom>
+        </p:spPr>
+        <p:style>
+          <a:lnRef idx="3">
+            <a:schemeClr val="lt1"/>
+          </a:lnRef>
+          <a:fillRef idx="1">
+            <a:schemeClr val="accent4"/>
+          </a:fillRef>
+          <a:effectRef idx="1">
+            <a:schemeClr val="accent4"/>
+          </a:effectRef>
+          <a:fontRef idx="minor">
+            <a:schemeClr val="lt1"/>
+          </a:fontRef>
+        </p:style>
+        <p:txBody>
+          <a:bodyPr rtlCol="0" anchor="ctr"/>
+          <a:lstStyle/>
+          <a:p>
+            <a:pPr algn="ctr"/>
+            <a:r>
+              <a:rPr lang="en-US" sz="2400"/>
+              <a:t>2</a:t>
+            </a:r>
+          </a:p>
+        </p:txBody>
+      </p:sp>
+      <p:sp>
+        <p:nvSpPr>
+          <p:cNvPr id="121" name="Rectangle 120"/>
+          <p:cNvSpPr/>
+          <p:nvPr/>
+        </p:nvSpPr>
+        <p:spPr>
+          <a:xfrm>
+            <a:off x="1402081" y="482095"/>
+            <a:ext cx="3992879" cy="400110"/>
+          </a:xfrm>
+          <a:prstGeom prst="rect">
+            <a:avLst/>
+          </a:prstGeom>
+        </p:spPr>
+        <p:txBody>
+          <a:bodyPr wrap="square">
+            <a:spAutoFit/>
+          </a:bodyPr>
+          <a:lstStyle/>
+          <a:p>
+            <a:r>
+              <a:rPr lang="en-US" sz="2000" b="1">
+                <a:latin typeface="Montserrat" panose="020B0604020202020204" charset="0"/>
+              </a:rPr>
+              <a:t>Models and pipeline</a:t>
+            </a:r>
+            <a:endParaRPr lang="en-US" sz="2000" b="1"/>
+          </a:p>
+        </p:txBody>
+      </p:sp>
+      <p:sp>
+        <p:nvSpPr>
+          <p:cNvPr id="66" name="Rectangle 65"/>
+          <p:cNvSpPr/>
+          <p:nvPr/>
+        </p:nvSpPr>
+        <p:spPr>
+          <a:xfrm>
+            <a:off x="1402081" y="824764"/>
+            <a:ext cx="1975221" cy="307777"/>
+          </a:xfrm>
+          <a:prstGeom prst="rect">
+            <a:avLst/>
+          </a:prstGeom>
+        </p:spPr>
+        <p:txBody>
+          <a:bodyPr wrap="none">
+            <a:spAutoFit/>
+          </a:bodyPr>
+          <a:lstStyle/>
+          <a:p>
+            <a:r>
+              <a:rPr lang="en-US" b="1" smtClean="0">
+                <a:latin typeface="Montserrat" panose="020B0604020202020204" charset="0"/>
+              </a:rPr>
+              <a:t>Transformer </a:t>
+            </a:r>
+            <a:r>
+              <a:rPr lang="en-US" b="1" smtClean="0">
+                <a:latin typeface="Montserrat" panose="020B0604020202020204" charset="0"/>
+              </a:rPr>
+              <a:t>Model</a:t>
+            </a:r>
+            <a:endParaRPr lang="en-US" b="1"/>
+          </a:p>
+        </p:txBody>
+      </p:sp>
+      <p:sp>
+        <p:nvSpPr>
+          <p:cNvPr id="10" name="Rectangle 9"/>
+          <p:cNvSpPr/>
+          <p:nvPr/>
+        </p:nvSpPr>
+        <p:spPr>
+          <a:xfrm>
+            <a:off x="2105731" y="4578563"/>
+            <a:ext cx="5158314" cy="307777"/>
+          </a:xfrm>
+          <a:prstGeom prst="rect">
+            <a:avLst/>
+          </a:prstGeom>
+        </p:spPr>
+        <p:txBody>
+          <a:bodyPr wrap="square">
+            <a:spAutoFit/>
+          </a:bodyPr>
+          <a:lstStyle/>
+          <a:p>
+            <a:r>
+              <a:rPr lang="en-US" b="1" smtClean="0">
+                <a:latin typeface="Montserrat" panose="020B0604020202020204" charset="0"/>
+              </a:rPr>
+              <a:t>Transformer Encoder + Linear in our project</a:t>
+            </a:r>
+            <a:endParaRPr lang="en-US" b="1" smtClean="0">
+              <a:latin typeface="Montserrat" panose="020B0604020202020204" charset="0"/>
+            </a:endParaRPr>
+          </a:p>
+        </p:txBody>
+      </p:sp>
+      <p:grpSp>
+        <p:nvGrpSpPr>
+          <p:cNvPr id="77" name="Group 76"/>
+          <p:cNvGrpSpPr/>
+          <p:nvPr/>
+        </p:nvGrpSpPr>
+        <p:grpSpPr>
+          <a:xfrm>
+            <a:off x="1155274" y="1530292"/>
+            <a:ext cx="6366454" cy="2939165"/>
+            <a:chOff x="1155274" y="1530292"/>
+            <a:chExt cx="6366454" cy="2939165"/>
+          </a:xfrm>
+        </p:grpSpPr>
+        <p:sp>
+          <p:nvSpPr>
+            <p:cNvPr id="8" name="Rounded Rectangle 7"/>
+            <p:cNvSpPr/>
+            <p:nvPr/>
+          </p:nvSpPr>
+          <p:spPr>
+            <a:xfrm>
+              <a:off x="1168182" y="3730011"/>
+              <a:ext cx="3798406" cy="276815"/>
+            </a:xfrm>
+            <a:prstGeom prst="roundRect">
+              <a:avLst/>
+            </a:prstGeom>
+          </p:spPr>
+          <p:style>
+            <a:lnRef idx="2">
+              <a:schemeClr val="accent3">
+                <a:shade val="50000"/>
+              </a:schemeClr>
+            </a:lnRef>
+            <a:fillRef idx="1">
+              <a:schemeClr val="accent3"/>
+            </a:fillRef>
+            <a:effectRef idx="0">
+              <a:schemeClr val="accent3"/>
+            </a:effectRef>
+            <a:fontRef idx="minor">
+              <a:schemeClr val="lt1"/>
+            </a:fontRef>
+          </p:style>
+          <p:txBody>
+            <a:bodyPr rtlCol="0" anchor="ctr"/>
+            <a:lstStyle/>
+            <a:p>
+              <a:pPr algn="ctr"/>
+              <a:r>
+                <a:rPr lang="en-US" sz="1200" b="1" smtClean="0"/>
+                <a:t>Embedding</a:t>
+              </a:r>
+              <a:endParaRPr lang="en-US" sz="1200" b="1"/>
+            </a:p>
+          </p:txBody>
+        </p:sp>
+        <p:sp>
+          <p:nvSpPr>
+            <p:cNvPr id="9" name="Rounded Rectangle 8"/>
+            <p:cNvSpPr/>
+            <p:nvPr/>
+          </p:nvSpPr>
+          <p:spPr>
+            <a:xfrm>
+              <a:off x="1168182" y="4064322"/>
+              <a:ext cx="3798406" cy="249910"/>
+            </a:xfrm>
+            <a:prstGeom prst="roundRect">
+              <a:avLst/>
+            </a:prstGeom>
+          </p:spPr>
+          <p:style>
+            <a:lnRef idx="2">
+              <a:schemeClr val="accent2">
+                <a:shade val="50000"/>
+              </a:schemeClr>
+            </a:lnRef>
+            <a:fillRef idx="1">
+              <a:schemeClr val="accent2"/>
+            </a:fillRef>
+            <a:effectRef idx="0">
+              <a:schemeClr val="accent2"/>
+            </a:effectRef>
+            <a:fontRef idx="minor">
+              <a:schemeClr val="lt1"/>
+            </a:fontRef>
+          </p:style>
+          <p:txBody>
+            <a:bodyPr rtlCol="0" anchor="ctr"/>
+            <a:lstStyle/>
+            <a:p>
+              <a:pPr algn="ctr"/>
+              <a:r>
+                <a:rPr lang="en-US" sz="1200" b="1" smtClean="0"/>
+                <a:t>Input words</a:t>
+              </a:r>
+              <a:endParaRPr lang="en-US" sz="1200" b="1"/>
+            </a:p>
+          </p:txBody>
+        </p:sp>
+        <p:sp>
+          <p:nvSpPr>
+            <p:cNvPr id="40" name="Rounded Rectangle 39"/>
+            <p:cNvSpPr/>
+            <p:nvPr/>
+          </p:nvSpPr>
+          <p:spPr>
+            <a:xfrm>
+              <a:off x="1168182" y="1955185"/>
+              <a:ext cx="3798406" cy="246185"/>
+            </a:xfrm>
+            <a:prstGeom prst="roundRect">
+              <a:avLst/>
+            </a:prstGeom>
+          </p:spPr>
+          <p:style>
+            <a:lnRef idx="2">
+              <a:schemeClr val="accent3">
+                <a:shade val="50000"/>
+              </a:schemeClr>
+            </a:lnRef>
+            <a:fillRef idx="1">
+              <a:schemeClr val="accent3"/>
+            </a:fillRef>
+            <a:effectRef idx="0">
+              <a:schemeClr val="accent3"/>
+            </a:effectRef>
+            <a:fontRef idx="minor">
+              <a:schemeClr val="lt1"/>
+            </a:fontRef>
+          </p:style>
+          <p:txBody>
+            <a:bodyPr rtlCol="0" anchor="ctr"/>
+            <a:lstStyle/>
+            <a:p>
+              <a:pPr algn="ctr"/>
+              <a:r>
+                <a:rPr lang="en-US" sz="1200" b="1" smtClean="0"/>
+                <a:t>Linear</a:t>
+              </a:r>
+              <a:endParaRPr lang="en-US" sz="1200" b="1"/>
+            </a:p>
+          </p:txBody>
+        </p:sp>
+        <p:sp>
+          <p:nvSpPr>
+            <p:cNvPr id="41" name="Rounded Rectangle 40"/>
+            <p:cNvSpPr/>
+            <p:nvPr/>
+          </p:nvSpPr>
+          <p:spPr>
+            <a:xfrm>
+              <a:off x="1155274" y="1650396"/>
+              <a:ext cx="3798406" cy="249910"/>
+            </a:xfrm>
+            <a:prstGeom prst="roundRect">
+              <a:avLst/>
+            </a:prstGeom>
+          </p:spPr>
+          <p:style>
+            <a:lnRef idx="2">
+              <a:schemeClr val="accent2">
+                <a:shade val="50000"/>
+              </a:schemeClr>
+            </a:lnRef>
+            <a:fillRef idx="1">
+              <a:schemeClr val="accent2"/>
+            </a:fillRef>
+            <a:effectRef idx="0">
+              <a:schemeClr val="accent2"/>
+            </a:effectRef>
+            <a:fontRef idx="minor">
+              <a:schemeClr val="lt1"/>
+            </a:fontRef>
+          </p:style>
+          <p:txBody>
+            <a:bodyPr rtlCol="0" anchor="ctr"/>
+            <a:lstStyle/>
+            <a:p>
+              <a:pPr algn="ctr"/>
+              <a:r>
+                <a:rPr lang="en-US" sz="1200" b="1" smtClean="0"/>
+                <a:t>Output words</a:t>
+              </a:r>
+              <a:endParaRPr lang="en-US" sz="1200" b="1"/>
+            </a:p>
+          </p:txBody>
+        </p:sp>
+        <p:sp>
+          <p:nvSpPr>
+            <p:cNvPr id="69" name="Rounded Rectangle 68"/>
+            <p:cNvSpPr/>
+            <p:nvPr/>
+          </p:nvSpPr>
+          <p:spPr>
+            <a:xfrm>
+              <a:off x="1168182" y="2426295"/>
+              <a:ext cx="3798406" cy="1078791"/>
+            </a:xfrm>
+            <a:prstGeom prst="roundRect">
+              <a:avLst/>
+            </a:prstGeom>
+          </p:spPr>
+          <p:style>
+            <a:lnRef idx="2">
+              <a:schemeClr val="accent3">
+                <a:shade val="50000"/>
+              </a:schemeClr>
+            </a:lnRef>
+            <a:fillRef idx="1">
+              <a:schemeClr val="accent3"/>
+            </a:fillRef>
+            <a:effectRef idx="0">
+              <a:schemeClr val="accent3"/>
+            </a:effectRef>
+            <a:fontRef idx="minor">
+              <a:schemeClr val="lt1"/>
+            </a:fontRef>
+          </p:style>
+          <p:txBody>
+            <a:bodyPr rtlCol="0" anchor="ctr"/>
+            <a:lstStyle/>
+            <a:p>
+              <a:pPr algn="ctr"/>
+              <a:r>
+                <a:rPr lang="en-US" sz="1200" b="1" smtClean="0"/>
+                <a:t>Transformer Encoder</a:t>
+              </a:r>
+              <a:endParaRPr lang="en-US" sz="1200" b="1"/>
+            </a:p>
+          </p:txBody>
+        </p:sp>
+        <p:cxnSp>
+          <p:nvCxnSpPr>
+            <p:cNvPr id="70" name="Straight Arrow Connector 69"/>
+            <p:cNvCxnSpPr>
+              <a:stCxn id="69" idx="0"/>
+              <a:endCxn id="40" idx="2"/>
+            </p:cNvCxnSpPr>
+            <p:nvPr/>
+          </p:nvCxnSpPr>
+          <p:spPr>
+            <a:xfrm flipV="1">
+              <a:off x="3067385" y="2201370"/>
+              <a:ext cx="0" cy="224925"/>
+            </a:xfrm>
+            <a:prstGeom prst="straightConnector1">
+              <a:avLst/>
+            </a:prstGeom>
+            <a:ln>
+              <a:tailEnd type="triangle"/>
+            </a:ln>
+          </p:spPr>
+          <p:style>
+            <a:lnRef idx="2">
+              <a:schemeClr val="accent4"/>
+            </a:lnRef>
+            <a:fillRef idx="1">
+              <a:schemeClr val="lt1"/>
+            </a:fillRef>
+            <a:effectRef idx="0">
+              <a:schemeClr val="accent4"/>
+            </a:effectRef>
+            <a:fontRef idx="minor">
+              <a:schemeClr val="dk1"/>
+            </a:fontRef>
+          </p:style>
+        </p:cxnSp>
+        <p:cxnSp>
+          <p:nvCxnSpPr>
+            <p:cNvPr id="74" name="Straight Arrow Connector 73"/>
+            <p:cNvCxnSpPr>
+              <a:stCxn id="8" idx="0"/>
+              <a:endCxn id="69" idx="2"/>
+            </p:cNvCxnSpPr>
+            <p:nvPr/>
+          </p:nvCxnSpPr>
+          <p:spPr>
+            <a:xfrm flipV="1">
+              <a:off x="3067385" y="3505086"/>
+              <a:ext cx="0" cy="224925"/>
+            </a:xfrm>
+            <a:prstGeom prst="straightConnector1">
+              <a:avLst/>
+            </a:prstGeom>
+            <a:ln>
+              <a:tailEnd type="triangle"/>
+            </a:ln>
+          </p:spPr>
+          <p:style>
+            <a:lnRef idx="2">
+              <a:schemeClr val="accent4"/>
+            </a:lnRef>
+            <a:fillRef idx="1">
+              <a:schemeClr val="lt1"/>
+            </a:fillRef>
+            <a:effectRef idx="0">
+              <a:schemeClr val="accent4"/>
+            </a:effectRef>
+            <a:fontRef idx="minor">
+              <a:schemeClr val="dk1"/>
+            </a:fontRef>
+          </p:style>
+        </p:cxnSp>
+        <p:sp>
+          <p:nvSpPr>
+            <p:cNvPr id="76" name="Rectangular Callout 75"/>
+            <p:cNvSpPr/>
+            <p:nvPr/>
+          </p:nvSpPr>
+          <p:spPr>
+            <a:xfrm>
+              <a:off x="5394960" y="1530292"/>
+              <a:ext cx="2126768" cy="2922721"/>
+            </a:xfrm>
+            <a:prstGeom prst="wedgeRectCallout">
+              <a:avLst>
+                <a:gd name="adj1" fmla="val -74228"/>
+                <a:gd name="adj2" fmla="val 6144"/>
+              </a:avLst>
+            </a:prstGeom>
+          </p:spPr>
+          <p:style>
+            <a:lnRef idx="2">
+              <a:schemeClr val="accent4"/>
+            </a:lnRef>
+            <a:fillRef idx="1">
+              <a:schemeClr val="lt1"/>
+            </a:fillRef>
+            <a:effectRef idx="0">
+              <a:schemeClr val="accent4"/>
+            </a:effectRef>
+            <a:fontRef idx="minor">
+              <a:schemeClr val="dk1"/>
+            </a:fontRef>
+          </p:style>
+          <p:txBody>
+            <a:bodyPr rtlCol="0" anchor="ctr"/>
+            <a:lstStyle/>
+            <a:p>
+              <a:pPr algn="ctr"/>
+              <a:endParaRPr lang="en-US"/>
+            </a:p>
+          </p:txBody>
+        </p:sp>
+        <p:pic>
+          <p:nvPicPr>
+            <p:cNvPr id="80" name="Picture 79"/>
+            <p:cNvPicPr>
+              <a:picLocks noChangeAspect="1"/>
+            </p:cNvPicPr>
+            <p:nvPr/>
+          </p:nvPicPr>
+          <p:blipFill rotWithShape="1">
+            <a:blip r:embed="rId3"/>
+            <a:srcRect l="-1366" t="35012" r="51509" b="4785"/>
+            <a:stretch/>
+          </p:blipFill>
+          <p:spPr>
+            <a:xfrm>
+              <a:off x="5509549" y="1584935"/>
+              <a:ext cx="1851950" cy="2884522"/>
+            </a:xfrm>
+            <a:prstGeom prst="rect">
+              <a:avLst/>
+            </a:prstGeom>
+          </p:spPr>
+        </p:pic>
+      </p:grpSp>
+    </p:spTree>
+    <p:extLst>
+      <p:ext uri="{BB962C8B-B14F-4D97-AF65-F5344CB8AC3E}">
+        <p14:creationId xmlns:p14="http://schemas.microsoft.com/office/powerpoint/2010/main" val="1461334311"/>
+      </p:ext>
+    </p:extLst>
+  </p:cSld>
+  <p:clrMapOvr>
+    <a:masterClrMapping/>
+  </p:clrMapOvr>
+  <p:timing>
+    <p:tnLst>
+      <p:par>
+        <p:cTn id="1" dur="indefinite" restart="never" nodeType="tmRoot"/>
+      </p:par>
+    </p:tnLst>
+  </p:timing>
+</p:sld>
+</file>
+
+<file path=ppt/slides/slide18.xml><?xml version="1.0" encoding="utf-8"?>
+<p:sld xmlns:a="http://schemas.openxmlformats.org/drawingml/2006/main" xmlns:r="http://schemas.openxmlformats.org/officeDocument/2006/relationships" xmlns:p="http://schemas.openxmlformats.org/presentationml/2006/main">
+  <p:cSld>
+    <p:spTree>
+      <p:nvGrpSpPr>
+        <p:cNvPr id="1" name="Shape 563"/>
+        <p:cNvGrpSpPr/>
+        <p:nvPr/>
+      </p:nvGrpSpPr>
+      <p:grpSpPr>
+        <a:xfrm>
+          <a:off x="0" y="0"/>
+          <a:ext cx="0" cy="0"/>
+          <a:chOff x="0" y="0"/>
+          <a:chExt cx="0" cy="0"/>
+        </a:xfrm>
+      </p:grpSpPr>
+      <p:sp>
+        <p:nvSpPr>
+          <p:cNvPr id="120" name="Oval 119"/>
+          <p:cNvSpPr/>
+          <p:nvPr/>
+        </p:nvSpPr>
+        <p:spPr>
+          <a:xfrm>
+            <a:off x="532224" y="346870"/>
+            <a:ext cx="701040" cy="670560"/>
+          </a:xfrm>
+          <a:prstGeom prst="ellipse">
+            <a:avLst/>
+          </a:prstGeom>
+        </p:spPr>
+        <p:style>
+          <a:lnRef idx="3">
+            <a:schemeClr val="lt1"/>
+          </a:lnRef>
+          <a:fillRef idx="1">
+            <a:schemeClr val="accent4"/>
+          </a:fillRef>
+          <a:effectRef idx="1">
+            <a:schemeClr val="accent4"/>
+          </a:effectRef>
+          <a:fontRef idx="minor">
+            <a:schemeClr val="lt1"/>
+          </a:fontRef>
+        </p:style>
+        <p:txBody>
+          <a:bodyPr rtlCol="0" anchor="ctr"/>
+          <a:lstStyle/>
+          <a:p>
+            <a:pPr algn="ctr"/>
+            <a:r>
+              <a:rPr lang="en-US" sz="2400"/>
+              <a:t>2</a:t>
+            </a:r>
+          </a:p>
+        </p:txBody>
+      </p:sp>
+      <p:sp>
+        <p:nvSpPr>
+          <p:cNvPr id="121" name="Rectangle 120"/>
+          <p:cNvSpPr/>
+          <p:nvPr/>
+        </p:nvSpPr>
+        <p:spPr>
+          <a:xfrm>
+            <a:off x="1402081" y="482095"/>
+            <a:ext cx="3992879" cy="400110"/>
+          </a:xfrm>
+          <a:prstGeom prst="rect">
+            <a:avLst/>
+          </a:prstGeom>
+        </p:spPr>
+        <p:txBody>
+          <a:bodyPr wrap="square">
+            <a:spAutoFit/>
+          </a:bodyPr>
+          <a:lstStyle/>
+          <a:p>
+            <a:r>
+              <a:rPr lang="en-US" sz="2000" b="1">
+                <a:latin typeface="Montserrat" panose="020B0604020202020204" charset="0"/>
+              </a:rPr>
+              <a:t>Models and pipeline</a:t>
+            </a:r>
+            <a:endParaRPr lang="en-US" sz="2000" b="1"/>
+          </a:p>
+        </p:txBody>
+      </p:sp>
+      <p:sp>
+        <p:nvSpPr>
+          <p:cNvPr id="66" name="Rectangle 65"/>
+          <p:cNvSpPr/>
+          <p:nvPr/>
+        </p:nvSpPr>
+        <p:spPr>
+          <a:xfrm>
+            <a:off x="1402081" y="824764"/>
+            <a:ext cx="2771913" cy="307777"/>
+          </a:xfrm>
+          <a:prstGeom prst="rect">
+            <a:avLst/>
+          </a:prstGeom>
+        </p:spPr>
+        <p:txBody>
+          <a:bodyPr wrap="none">
+            <a:spAutoFit/>
+          </a:bodyPr>
+          <a:lstStyle/>
+          <a:p>
+            <a:r>
+              <a:rPr lang="en-US" b="1" smtClean="0">
+                <a:latin typeface="Montserrat" panose="020B0604020202020204" charset="0"/>
+              </a:rPr>
+              <a:t>Evolved Transformer </a:t>
+            </a:r>
+            <a:r>
+              <a:rPr lang="en-US" b="1" smtClean="0">
+                <a:latin typeface="Montserrat" panose="020B0604020202020204" charset="0"/>
+              </a:rPr>
+              <a:t>Model</a:t>
+            </a:r>
+            <a:endParaRPr lang="en-US" b="1"/>
+          </a:p>
+        </p:txBody>
+      </p:sp>
+      <p:sp>
+        <p:nvSpPr>
+          <p:cNvPr id="10" name="Rectangle 9"/>
+          <p:cNvSpPr/>
+          <p:nvPr/>
+        </p:nvSpPr>
+        <p:spPr>
+          <a:xfrm>
+            <a:off x="1955260" y="4528151"/>
+            <a:ext cx="5158314" cy="307777"/>
+          </a:xfrm>
+          <a:prstGeom prst="rect">
+            <a:avLst/>
+          </a:prstGeom>
+        </p:spPr>
+        <p:txBody>
+          <a:bodyPr wrap="square">
+            <a:spAutoFit/>
+          </a:bodyPr>
+          <a:lstStyle/>
+          <a:p>
+            <a:pPr algn="ctr"/>
+            <a:r>
+              <a:rPr lang="en-US" b="1" smtClean="0">
+                <a:latin typeface="Montserrat" panose="020B0604020202020204" charset="0"/>
+              </a:rPr>
+              <a:t>Transformer Encoder + Linear in our project</a:t>
+            </a:r>
+            <a:endParaRPr lang="en-US" b="1" smtClean="0">
+              <a:latin typeface="Montserrat" panose="020B0604020202020204" charset="0"/>
+            </a:endParaRPr>
+          </a:p>
+        </p:txBody>
+      </p:sp>
+      <p:grpSp>
+        <p:nvGrpSpPr>
+          <p:cNvPr id="77" name="Group 76"/>
+          <p:cNvGrpSpPr/>
+          <p:nvPr/>
+        </p:nvGrpSpPr>
+        <p:grpSpPr>
+          <a:xfrm>
+            <a:off x="2486363" y="1523634"/>
+            <a:ext cx="3811314" cy="2663836"/>
+            <a:chOff x="1155274" y="1650396"/>
+            <a:chExt cx="3811314" cy="2663836"/>
+          </a:xfrm>
+        </p:grpSpPr>
+        <p:sp>
+          <p:nvSpPr>
+            <p:cNvPr id="8" name="Rounded Rectangle 7"/>
+            <p:cNvSpPr/>
+            <p:nvPr/>
+          </p:nvSpPr>
+          <p:spPr>
+            <a:xfrm>
+              <a:off x="1168182" y="3730011"/>
+              <a:ext cx="3798406" cy="276815"/>
+            </a:xfrm>
+            <a:prstGeom prst="roundRect">
+              <a:avLst/>
+            </a:prstGeom>
+          </p:spPr>
+          <p:style>
+            <a:lnRef idx="2">
+              <a:schemeClr val="accent3">
+                <a:shade val="50000"/>
+              </a:schemeClr>
+            </a:lnRef>
+            <a:fillRef idx="1">
+              <a:schemeClr val="accent3"/>
+            </a:fillRef>
+            <a:effectRef idx="0">
+              <a:schemeClr val="accent3"/>
+            </a:effectRef>
+            <a:fontRef idx="minor">
+              <a:schemeClr val="lt1"/>
+            </a:fontRef>
+          </p:style>
+          <p:txBody>
+            <a:bodyPr rtlCol="0" anchor="ctr"/>
+            <a:lstStyle/>
+            <a:p>
+              <a:pPr algn="ctr"/>
+              <a:r>
+                <a:rPr lang="en-US" sz="1200" b="1" smtClean="0"/>
+                <a:t>Embedding</a:t>
+              </a:r>
+              <a:endParaRPr lang="en-US" sz="1200" b="1"/>
+            </a:p>
+          </p:txBody>
+        </p:sp>
+        <p:sp>
+          <p:nvSpPr>
+            <p:cNvPr id="9" name="Rounded Rectangle 8"/>
+            <p:cNvSpPr/>
+            <p:nvPr/>
+          </p:nvSpPr>
+          <p:spPr>
+            <a:xfrm>
+              <a:off x="1168182" y="4064322"/>
+              <a:ext cx="3798406" cy="249910"/>
+            </a:xfrm>
+            <a:prstGeom prst="roundRect">
+              <a:avLst/>
+            </a:prstGeom>
+          </p:spPr>
+          <p:style>
+            <a:lnRef idx="2">
+              <a:schemeClr val="accent2">
+                <a:shade val="50000"/>
+              </a:schemeClr>
+            </a:lnRef>
+            <a:fillRef idx="1">
+              <a:schemeClr val="accent2"/>
+            </a:fillRef>
+            <a:effectRef idx="0">
+              <a:schemeClr val="accent2"/>
+            </a:effectRef>
+            <a:fontRef idx="minor">
+              <a:schemeClr val="lt1"/>
+            </a:fontRef>
+          </p:style>
+          <p:txBody>
+            <a:bodyPr rtlCol="0" anchor="ctr"/>
+            <a:lstStyle/>
+            <a:p>
+              <a:pPr algn="ctr"/>
+              <a:r>
+                <a:rPr lang="en-US" sz="1200" b="1" smtClean="0"/>
+                <a:t>Input words</a:t>
+              </a:r>
+              <a:endParaRPr lang="en-US" sz="1200" b="1"/>
+            </a:p>
+          </p:txBody>
+        </p:sp>
+        <p:sp>
+          <p:nvSpPr>
+            <p:cNvPr id="40" name="Rounded Rectangle 39"/>
+            <p:cNvSpPr/>
+            <p:nvPr/>
+          </p:nvSpPr>
+          <p:spPr>
+            <a:xfrm>
+              <a:off x="1168182" y="1955185"/>
+              <a:ext cx="3798406" cy="246185"/>
+            </a:xfrm>
+            <a:prstGeom prst="roundRect">
+              <a:avLst/>
+            </a:prstGeom>
+          </p:spPr>
+          <p:style>
+            <a:lnRef idx="2">
+              <a:schemeClr val="accent3">
+                <a:shade val="50000"/>
+              </a:schemeClr>
+            </a:lnRef>
+            <a:fillRef idx="1">
+              <a:schemeClr val="accent3"/>
+            </a:fillRef>
+            <a:effectRef idx="0">
+              <a:schemeClr val="accent3"/>
+            </a:effectRef>
+            <a:fontRef idx="minor">
+              <a:schemeClr val="lt1"/>
+            </a:fontRef>
+          </p:style>
+          <p:txBody>
+            <a:bodyPr rtlCol="0" anchor="ctr"/>
+            <a:lstStyle/>
+            <a:p>
+              <a:pPr algn="ctr"/>
+              <a:r>
+                <a:rPr lang="en-US" sz="1200" b="1" smtClean="0"/>
+                <a:t>Linear</a:t>
+              </a:r>
+              <a:endParaRPr lang="en-US" sz="1200" b="1"/>
+            </a:p>
+          </p:txBody>
+        </p:sp>
+        <p:sp>
+          <p:nvSpPr>
+            <p:cNvPr id="41" name="Rounded Rectangle 40"/>
+            <p:cNvSpPr/>
+            <p:nvPr/>
+          </p:nvSpPr>
+          <p:spPr>
+            <a:xfrm>
+              <a:off x="1155274" y="1650396"/>
+              <a:ext cx="3798406" cy="249910"/>
+            </a:xfrm>
+            <a:prstGeom prst="roundRect">
+              <a:avLst/>
+            </a:prstGeom>
+          </p:spPr>
+          <p:style>
+            <a:lnRef idx="2">
+              <a:schemeClr val="accent2">
+                <a:shade val="50000"/>
+              </a:schemeClr>
+            </a:lnRef>
+            <a:fillRef idx="1">
+              <a:schemeClr val="accent2"/>
+            </a:fillRef>
+            <a:effectRef idx="0">
+              <a:schemeClr val="accent2"/>
+            </a:effectRef>
+            <a:fontRef idx="minor">
+              <a:schemeClr val="lt1"/>
+            </a:fontRef>
+          </p:style>
+          <p:txBody>
+            <a:bodyPr rtlCol="0" anchor="ctr"/>
+            <a:lstStyle/>
+            <a:p>
+              <a:pPr algn="ctr"/>
+              <a:r>
+                <a:rPr lang="en-US" sz="1200" b="1" smtClean="0"/>
+                <a:t>Output words</a:t>
+              </a:r>
+              <a:endParaRPr lang="en-US" sz="1200" b="1"/>
+            </a:p>
+          </p:txBody>
+        </p:sp>
+        <p:sp>
+          <p:nvSpPr>
+            <p:cNvPr id="69" name="Rounded Rectangle 68"/>
+            <p:cNvSpPr/>
+            <p:nvPr/>
+          </p:nvSpPr>
+          <p:spPr>
+            <a:xfrm>
+              <a:off x="1168182" y="2426295"/>
+              <a:ext cx="3798406" cy="1078791"/>
+            </a:xfrm>
+            <a:prstGeom prst="roundRect">
+              <a:avLst/>
+            </a:prstGeom>
+          </p:spPr>
+          <p:style>
+            <a:lnRef idx="2">
+              <a:schemeClr val="accent3">
+                <a:shade val="50000"/>
+              </a:schemeClr>
+            </a:lnRef>
+            <a:fillRef idx="1">
+              <a:schemeClr val="accent3"/>
+            </a:fillRef>
+            <a:effectRef idx="0">
+              <a:schemeClr val="accent3"/>
+            </a:effectRef>
+            <a:fontRef idx="minor">
+              <a:schemeClr val="lt1"/>
+            </a:fontRef>
+          </p:style>
+          <p:txBody>
+            <a:bodyPr rtlCol="0" anchor="ctr"/>
+            <a:lstStyle/>
+            <a:p>
+              <a:pPr algn="ctr"/>
+              <a:r>
+                <a:rPr lang="en-US" sz="1200" b="1" smtClean="0"/>
+                <a:t>Evolved Transformer Encoder</a:t>
+              </a:r>
+              <a:endParaRPr lang="en-US" sz="1200" b="1"/>
+            </a:p>
+          </p:txBody>
+        </p:sp>
+        <p:cxnSp>
+          <p:nvCxnSpPr>
+            <p:cNvPr id="70" name="Straight Arrow Connector 69"/>
+            <p:cNvCxnSpPr>
+              <a:stCxn id="69" idx="0"/>
+              <a:endCxn id="40" idx="2"/>
+            </p:cNvCxnSpPr>
+            <p:nvPr/>
+          </p:nvCxnSpPr>
+          <p:spPr>
+            <a:xfrm flipV="1">
+              <a:off x="3067385" y="2201370"/>
+              <a:ext cx="0" cy="224925"/>
+            </a:xfrm>
+            <a:prstGeom prst="straightConnector1">
+              <a:avLst/>
+            </a:prstGeom>
+            <a:ln>
+              <a:tailEnd type="triangle"/>
+            </a:ln>
+          </p:spPr>
+          <p:style>
+            <a:lnRef idx="2">
+              <a:schemeClr val="accent4"/>
+            </a:lnRef>
+            <a:fillRef idx="1">
+              <a:schemeClr val="lt1"/>
+            </a:fillRef>
+            <a:effectRef idx="0">
+              <a:schemeClr val="accent4"/>
+            </a:effectRef>
+            <a:fontRef idx="minor">
+              <a:schemeClr val="dk1"/>
+            </a:fontRef>
+          </p:style>
+        </p:cxnSp>
+        <p:cxnSp>
+          <p:nvCxnSpPr>
+            <p:cNvPr id="74" name="Straight Arrow Connector 73"/>
+            <p:cNvCxnSpPr>
+              <a:stCxn id="8" idx="0"/>
+              <a:endCxn id="69" idx="2"/>
+            </p:cNvCxnSpPr>
+            <p:nvPr/>
+          </p:nvCxnSpPr>
+          <p:spPr>
+            <a:xfrm flipV="1">
+              <a:off x="3067385" y="3505086"/>
+              <a:ext cx="0" cy="224925"/>
+            </a:xfrm>
+            <a:prstGeom prst="straightConnector1">
+              <a:avLst/>
+            </a:prstGeom>
+            <a:ln>
+              <a:tailEnd type="triangle"/>
+            </a:ln>
+          </p:spPr>
+          <p:style>
+            <a:lnRef idx="2">
+              <a:schemeClr val="accent4"/>
+            </a:lnRef>
+            <a:fillRef idx="1">
+              <a:schemeClr val="lt1"/>
+            </a:fillRef>
+            <a:effectRef idx="0">
+              <a:schemeClr val="accent4"/>
+            </a:effectRef>
+            <a:fontRef idx="minor">
+              <a:schemeClr val="dk1"/>
+            </a:fontRef>
+          </p:style>
+        </p:cxnSp>
+      </p:grpSp>
+    </p:spTree>
+    <p:extLst>
+      <p:ext uri="{BB962C8B-B14F-4D97-AF65-F5344CB8AC3E}">
+        <p14:creationId xmlns:p14="http://schemas.microsoft.com/office/powerpoint/2010/main" val="232348089"/>
+      </p:ext>
+    </p:extLst>
+  </p:cSld>
+  <p:clrMapOvr>
+    <a:masterClrMapping/>
+  </p:clrMapOvr>
+  <p:timing>
+    <p:tnLst>
+      <p:par>
+        <p:cTn id="1" dur="indefinite" restart="never" nodeType="tmRoot"/>
+      </p:par>
+    </p:tnLst>
+  </p:timing>
+</p:sld>
+</file>
+
+<file path=ppt/slides/slide19.xml><?xml version="1.0" encoding="utf-8"?>
+<p:sld xmlns:a="http://schemas.openxmlformats.org/drawingml/2006/main" xmlns:r="http://schemas.openxmlformats.org/officeDocument/2006/relationships" xmlns:p="http://schemas.openxmlformats.org/presentationml/2006/main">
+  <p:cSld>
+    <p:spTree>
+      <p:nvGrpSpPr>
         <p:cNvPr id="1" name="Shape 434"/>
         <p:cNvGrpSpPr/>
         <p:nvPr/>
@@ -17917,7 +26120,7 @@
             </a:pPr>
             <a:r>
               <a:rPr lang="en" smtClean="0"/>
-              <a:t>Plan</a:t>
+              <a:t>Results</a:t>
             </a:r>
             <a:endParaRPr/>
           </a:p>
@@ -18055,7 +26258,7 @@
       </p:sp>
       <p:sp>
         <p:nvSpPr>
-          <p:cNvPr id="2" name="Subtitle 1"/>
+          <p:cNvPr id="3" name="Subtitle 2"/>
           <p:cNvSpPr>
             <a:spLocks noGrp="1"/>
           </p:cNvSpPr>
@@ -18063,20 +26266,11 @@
             <p:ph type="subTitle" idx="1"/>
           </p:nvPr>
         </p:nvSpPr>
-        <p:spPr>
-          <a:xfrm>
-            <a:off x="784130" y="3173975"/>
-            <a:ext cx="3411950" cy="714600"/>
-          </a:xfrm>
-        </p:spPr>
+        <p:spPr/>
         <p:txBody>
           <a:bodyPr/>
           <a:lstStyle/>
           <a:p>
-            <a:r>
-              <a:rPr lang="en-US" smtClean="0"/>
-              <a:t>Project plan and work assignment</a:t>
-            </a:r>
             <a:endParaRPr lang="en-US"/>
           </a:p>
         </p:txBody>
@@ -18087,210 +26281,6 @@
         <p14:creationId xmlns:p14="http://schemas.microsoft.com/office/powerpoint/2010/main" val="137559871"/>
       </p:ext>
     </p:extLst>
-  </p:cSld>
-  <p:clrMapOvr>
-    <a:masterClrMapping/>
-  </p:clrMapOvr>
-  <p:timing>
-    <p:tnLst>
-      <p:par>
-        <p:cTn id="1" dur="indefinite" restart="never" nodeType="tmRoot"/>
-      </p:par>
-    </p:tnLst>
-  </p:timing>
-</p:sld>
-</file>
-
-<file path=ppt/slides/slide15.xml><?xml version="1.0" encoding="utf-8"?>
-<p:sld xmlns:a="http://schemas.openxmlformats.org/drawingml/2006/main" xmlns:r="http://schemas.openxmlformats.org/officeDocument/2006/relationships" xmlns:p="http://schemas.openxmlformats.org/presentationml/2006/main">
-  <p:cSld>
-    <p:spTree>
-      <p:nvGrpSpPr>
-        <p:cNvPr id="1" name="Shape 2783"/>
-        <p:cNvGrpSpPr/>
-        <p:nvPr/>
-      </p:nvGrpSpPr>
-      <p:grpSpPr>
-        <a:xfrm>
-          <a:off x="0" y="0"/>
-          <a:ext cx="0" cy="0"/>
-          <a:chOff x="0" y="0"/>
-          <a:chExt cx="0" cy="0"/>
-        </a:xfrm>
-      </p:grpSpPr>
-      <p:sp>
-        <p:nvSpPr>
-          <p:cNvPr id="2784" name="Google Shape;2784;p80"/>
-          <p:cNvSpPr txBox="1">
-            <a:spLocks noGrp="1"/>
-          </p:cNvSpPr>
-          <p:nvPr>
-            <p:ph type="title"/>
-          </p:nvPr>
-        </p:nvSpPr>
-        <p:spPr>
-          <a:xfrm>
-            <a:off x="2141700" y="1331180"/>
-            <a:ext cx="4860600" cy="828900"/>
-          </a:xfrm>
-          <a:prstGeom prst="rect">
-            <a:avLst/>
-          </a:prstGeom>
-        </p:spPr>
-        <p:txBody>
-          <a:bodyPr spcFirstLastPara="1" wrap="square" lIns="91425" tIns="91425" rIns="91425" bIns="91425" anchor="t" anchorCtr="0">
-            <a:noAutofit/>
-          </a:bodyPr>
-          <a:lstStyle/>
-          <a:p>
-            <a:pPr marL="0" lvl="0" indent="0" algn="ctr" rtl="0">
-              <a:spcBef>
-                <a:spcPts val="0"/>
-              </a:spcBef>
-              <a:spcAft>
-                <a:spcPts val="0"/>
-              </a:spcAft>
-              <a:buClr>
-                <a:schemeClr val="dk1"/>
-              </a:buClr>
-              <a:buSzPts val="1100"/>
-              <a:buFont typeface="Arial"/>
-              <a:buNone/>
-            </a:pPr>
-            <a:r>
-              <a:rPr lang="en"/>
-              <a:t>Thank </a:t>
-            </a:r>
-            <a:r>
-              <a:rPr lang="en" b="1">
-                <a:latin typeface="Montserrat"/>
-                <a:ea typeface="Montserrat"/>
-                <a:cs typeface="Montserrat"/>
-                <a:sym typeface="Montserrat"/>
-              </a:rPr>
-              <a:t>You</a:t>
-            </a:r>
-            <a:endParaRPr b="1">
-              <a:latin typeface="Montserrat"/>
-              <a:ea typeface="Montserrat"/>
-              <a:cs typeface="Montserrat"/>
-              <a:sym typeface="Montserrat"/>
-            </a:endParaRPr>
-          </a:p>
-        </p:txBody>
-      </p:sp>
-      <p:sp>
-        <p:nvSpPr>
-          <p:cNvPr id="2785" name="Google Shape;2785;p80"/>
-          <p:cNvSpPr txBox="1"/>
-          <p:nvPr/>
-        </p:nvSpPr>
-        <p:spPr>
-          <a:xfrm>
-            <a:off x="2973900" y="4236574"/>
-            <a:ext cx="3196200" cy="370200"/>
-          </a:xfrm>
-          <a:prstGeom prst="rect">
-            <a:avLst/>
-          </a:prstGeom>
-          <a:noFill/>
-          <a:ln>
-            <a:noFill/>
-          </a:ln>
-        </p:spPr>
-        <p:txBody>
-          <a:bodyPr spcFirstLastPara="1" wrap="square" lIns="91425" tIns="91425" rIns="91425" bIns="91425" anchor="t" anchorCtr="0">
-            <a:noAutofit/>
-          </a:bodyPr>
-          <a:lstStyle/>
-          <a:p>
-            <a:pPr marL="0" lvl="0" indent="0" algn="ctr" rtl="0">
-              <a:spcBef>
-                <a:spcPts val="0"/>
-              </a:spcBef>
-              <a:spcAft>
-                <a:spcPts val="0"/>
-              </a:spcAft>
-              <a:buNone/>
-            </a:pPr>
-            <a:r>
-              <a:rPr lang="en" sz="1200" b="1">
-                <a:solidFill>
-                  <a:schemeClr val="dk1"/>
-                </a:solidFill>
-                <a:latin typeface="Lato"/>
-                <a:ea typeface="Lato"/>
-                <a:cs typeface="Lato"/>
-                <a:sym typeface="Lato"/>
-              </a:rPr>
-              <a:t>Please keep this slide for attribution</a:t>
-            </a:r>
-            <a:endParaRPr sz="1200" b="1">
-              <a:solidFill>
-                <a:schemeClr val="dk1"/>
-              </a:solidFill>
-              <a:latin typeface="Lato"/>
-              <a:ea typeface="Lato"/>
-              <a:cs typeface="Lato"/>
-              <a:sym typeface="Lato"/>
-            </a:endParaRPr>
-          </a:p>
-        </p:txBody>
-      </p:sp>
-      <p:sp>
-        <p:nvSpPr>
-          <p:cNvPr id="2786" name="Google Shape;2786;p80"/>
-          <p:cNvSpPr txBox="1">
-            <a:spLocks noGrp="1"/>
-          </p:cNvSpPr>
-          <p:nvPr>
-            <p:ph type="subTitle" idx="1"/>
-          </p:nvPr>
-        </p:nvSpPr>
-        <p:spPr>
-          <a:xfrm>
-            <a:off x="1749150" y="2312480"/>
-            <a:ext cx="5645700" cy="1339200"/>
-          </a:xfrm>
-          <a:prstGeom prst="rect">
-            <a:avLst/>
-          </a:prstGeom>
-        </p:spPr>
-        <p:txBody>
-          <a:bodyPr spcFirstLastPara="1" wrap="square" lIns="91425" tIns="91425" rIns="91425" bIns="91425" anchor="t" anchorCtr="0">
-            <a:noAutofit/>
-          </a:bodyPr>
-          <a:lstStyle/>
-          <a:p>
-            <a:pPr marL="0" lvl="0" indent="0" algn="ctr" rtl="0">
-              <a:lnSpc>
-                <a:spcPct val="100000"/>
-              </a:lnSpc>
-              <a:spcBef>
-                <a:spcPts val="0"/>
-              </a:spcBef>
-              <a:spcAft>
-                <a:spcPts val="0"/>
-              </a:spcAft>
-              <a:buClr>
-                <a:schemeClr val="dk1"/>
-              </a:buClr>
-              <a:buFont typeface="Arial"/>
-              <a:buNone/>
-            </a:pPr>
-            <a:r>
-              <a:rPr lang="en"/>
-              <a:t>Do you have any questions</a:t>
-            </a:r>
-            <a:r>
-              <a:rPr lang="en" smtClean="0"/>
-              <a:t>?</a:t>
-            </a:r>
-            <a:endParaRPr/>
-          </a:p>
-        </p:txBody>
-      </p:sp>
-    </p:spTree>
   </p:cSld>
   <p:clrMapOvr>
     <a:masterClrMapping/>
@@ -18611,9 +26601,213 @@
             <a:pPr marL="0" lvl="0" indent="0"/>
             <a:r>
               <a:rPr lang="en-US" sz="1600" smtClean="0"/>
-              <a:t>Plan</a:t>
+              <a:t>Results</a:t>
             </a:r>
             <a:endParaRPr sz="1600"/>
+          </a:p>
+        </p:txBody>
+      </p:sp>
+    </p:spTree>
+  </p:cSld>
+  <p:clrMapOvr>
+    <a:masterClrMapping/>
+  </p:clrMapOvr>
+  <p:timing>
+    <p:tnLst>
+      <p:par>
+        <p:cTn id="1" dur="indefinite" restart="never" nodeType="tmRoot"/>
+      </p:par>
+    </p:tnLst>
+  </p:timing>
+</p:sld>
+</file>
+
+<file path=ppt/slides/slide20.xml><?xml version="1.0" encoding="utf-8"?>
+<p:sld xmlns:a="http://schemas.openxmlformats.org/drawingml/2006/main" xmlns:r="http://schemas.openxmlformats.org/officeDocument/2006/relationships" xmlns:p="http://schemas.openxmlformats.org/presentationml/2006/main">
+  <p:cSld>
+    <p:spTree>
+      <p:nvGrpSpPr>
+        <p:cNvPr id="1" name="Shape 2783"/>
+        <p:cNvGrpSpPr/>
+        <p:nvPr/>
+      </p:nvGrpSpPr>
+      <p:grpSpPr>
+        <a:xfrm>
+          <a:off x="0" y="0"/>
+          <a:ext cx="0" cy="0"/>
+          <a:chOff x="0" y="0"/>
+          <a:chExt cx="0" cy="0"/>
+        </a:xfrm>
+      </p:grpSpPr>
+      <p:sp>
+        <p:nvSpPr>
+          <p:cNvPr id="2784" name="Google Shape;2784;p80"/>
+          <p:cNvSpPr txBox="1">
+            <a:spLocks noGrp="1"/>
+          </p:cNvSpPr>
+          <p:nvPr>
+            <p:ph type="title"/>
+          </p:nvPr>
+        </p:nvSpPr>
+        <p:spPr>
+          <a:xfrm>
+            <a:off x="2141700" y="1331180"/>
+            <a:ext cx="4860600" cy="828900"/>
+          </a:xfrm>
+          <a:prstGeom prst="rect">
+            <a:avLst/>
+          </a:prstGeom>
+        </p:spPr>
+        <p:txBody>
+          <a:bodyPr spcFirstLastPara="1" wrap="square" lIns="91425" tIns="91425" rIns="91425" bIns="91425" anchor="t" anchorCtr="0">
+            <a:noAutofit/>
+          </a:bodyPr>
+          <a:lstStyle/>
+          <a:p>
+            <a:pPr marL="0" lvl="0" indent="0" algn="ctr" rtl="0">
+              <a:spcBef>
+                <a:spcPts val="0"/>
+              </a:spcBef>
+              <a:spcAft>
+                <a:spcPts val="0"/>
+              </a:spcAft>
+              <a:buClr>
+                <a:schemeClr val="dk1"/>
+              </a:buClr>
+              <a:buSzPts val="1100"/>
+              <a:buFont typeface="Arial"/>
+              <a:buNone/>
+            </a:pPr>
+            <a:r>
+              <a:rPr lang="en"/>
+              <a:t>Thank </a:t>
+            </a:r>
+            <a:r>
+              <a:rPr lang="en" b="1">
+                <a:latin typeface="Montserrat"/>
+                <a:ea typeface="Montserrat"/>
+                <a:cs typeface="Montserrat"/>
+                <a:sym typeface="Montserrat"/>
+              </a:rPr>
+              <a:t>You</a:t>
+            </a:r>
+            <a:endParaRPr b="1">
+              <a:latin typeface="Montserrat"/>
+              <a:ea typeface="Montserrat"/>
+              <a:cs typeface="Montserrat"/>
+              <a:sym typeface="Montserrat"/>
+            </a:endParaRPr>
+          </a:p>
+        </p:txBody>
+      </p:sp>
+      <p:sp>
+        <p:nvSpPr>
+          <p:cNvPr id="2785" name="Google Shape;2785;p80"/>
+          <p:cNvSpPr txBox="1"/>
+          <p:nvPr/>
+        </p:nvSpPr>
+        <p:spPr>
+          <a:xfrm>
+            <a:off x="2973900" y="4236574"/>
+            <a:ext cx="3196200" cy="370200"/>
+          </a:xfrm>
+          <a:prstGeom prst="rect">
+            <a:avLst/>
+          </a:prstGeom>
+          <a:noFill/>
+          <a:ln>
+            <a:noFill/>
+          </a:ln>
+        </p:spPr>
+        <p:txBody>
+          <a:bodyPr spcFirstLastPara="1" wrap="square" lIns="91425" tIns="91425" rIns="91425" bIns="91425" anchor="t" anchorCtr="0">
+            <a:noAutofit/>
+          </a:bodyPr>
+          <a:lstStyle/>
+          <a:p>
+            <a:pPr marL="0" lvl="0" indent="0" algn="ctr" rtl="0">
+              <a:spcBef>
+                <a:spcPts val="0"/>
+              </a:spcBef>
+              <a:spcAft>
+                <a:spcPts val="0"/>
+              </a:spcAft>
+              <a:buNone/>
+            </a:pPr>
+            <a:r>
+              <a:rPr lang="en" sz="1200" b="1">
+                <a:solidFill>
+                  <a:schemeClr val="dk1"/>
+                </a:solidFill>
+                <a:latin typeface="Lato"/>
+                <a:ea typeface="Lato"/>
+                <a:cs typeface="Lato"/>
+                <a:sym typeface="Lato"/>
+              </a:rPr>
+              <a:t>Please keep this slide for attribution</a:t>
+            </a:r>
+            <a:endParaRPr sz="1200" b="1">
+              <a:solidFill>
+                <a:schemeClr val="dk1"/>
+              </a:solidFill>
+              <a:latin typeface="Lato"/>
+              <a:ea typeface="Lato"/>
+              <a:cs typeface="Lato"/>
+              <a:sym typeface="Lato"/>
+            </a:endParaRPr>
+          </a:p>
+        </p:txBody>
+      </p:sp>
+      <p:sp>
+        <p:nvSpPr>
+          <p:cNvPr id="2786" name="Google Shape;2786;p80"/>
+          <p:cNvSpPr txBox="1">
+            <a:spLocks noGrp="1"/>
+          </p:cNvSpPr>
+          <p:nvPr>
+            <p:ph type="subTitle" idx="1"/>
+          </p:nvPr>
+        </p:nvSpPr>
+        <p:spPr>
+          <a:xfrm>
+            <a:off x="1749150" y="2312480"/>
+            <a:ext cx="5645700" cy="1339200"/>
+          </a:xfrm>
+          <a:prstGeom prst="rect">
+            <a:avLst/>
+          </a:prstGeom>
+        </p:spPr>
+        <p:txBody>
+          <a:bodyPr spcFirstLastPara="1" wrap="square" lIns="91425" tIns="91425" rIns="91425" bIns="91425" anchor="t" anchorCtr="0">
+            <a:noAutofit/>
+          </a:bodyPr>
+          <a:lstStyle/>
+          <a:p>
+            <a:pPr marL="0" lvl="0" indent="0" algn="ctr" rtl="0">
+              <a:lnSpc>
+                <a:spcPct val="100000"/>
+              </a:lnSpc>
+              <a:spcBef>
+                <a:spcPts val="0"/>
+              </a:spcBef>
+              <a:spcAft>
+                <a:spcPts val="0"/>
+              </a:spcAft>
+              <a:buClr>
+                <a:schemeClr val="dk1"/>
+              </a:buClr>
+              <a:buFont typeface="Arial"/>
+              <a:buNone/>
+            </a:pPr>
+            <a:r>
+              <a:rPr lang="en"/>
+              <a:t>Do you have any questions</a:t>
+            </a:r>
+            <a:r>
+              <a:rPr lang="en" smtClean="0"/>
+              <a:t>?</a:t>
+            </a:r>
+            <a:endParaRPr/>
           </a:p>
         </p:txBody>
       </p:sp>
@@ -19869,7 +28063,11 @@
           <a:p>
             <a:r>
               <a:rPr lang="en-US" b="1" smtClean="0"/>
-              <a:t>VAD Platform: </a:t>
+              <a:t>VAD </a:t>
+            </a:r>
+            <a:r>
+              <a:rPr lang="en-US" b="1" smtClean="0"/>
+              <a:t>Platform: </a:t>
             </a:r>
             <a:endParaRPr lang="en-US" b="1"/>
           </a:p>
@@ -20892,11 +29090,7 @@
             <a:pPr algn="ctr"/>
             <a:r>
               <a:rPr lang="en-US" sz="1600" b="1" smtClean="0"/>
-              <a:t>4315334 </a:t>
-            </a:r>
-            <a:r>
-              <a:rPr lang="en-US" sz="1600" b="1" smtClean="0"/>
-              <a:t>sentences</a:t>
+              <a:t>4315334 sentences</a:t>
             </a:r>
             <a:endParaRPr lang="en-US" sz="1600" b="1"/>
           </a:p>
@@ -21211,11 +29405,7 @@
             <a:pPr algn="ctr"/>
             <a:r>
               <a:rPr lang="en-US" sz="1600" b="1" smtClean="0"/>
-              <a:t>455549 </a:t>
-            </a:r>
-            <a:r>
-              <a:rPr lang="en-US" sz="1600" b="1" smtClean="0"/>
-              <a:t>sentences</a:t>
+              <a:t>455549 sentences</a:t>
             </a:r>
             <a:endParaRPr lang="en-US" sz="1600" b="1"/>
           </a:p>

--- a/static/slides/vnopenai-vn-accent.pptx
+++ b/static/slides/vnopenai-vn-accent.pptx
@@ -40,29 +40,29 @@
       <p:boldItalic r:id="rId26"/>
     </p:embeddedFont>
     <p:embeddedFont>
+      <p:font typeface="Cambria Math" panose="02040503050406030204" pitchFamily="18" charset="0"/>
+      <p:regular r:id="rId27"/>
+    </p:embeddedFont>
+    <p:embeddedFont>
       <p:font typeface="Nunito" panose="020B0604020202020204" charset="0"/>
-      <p:regular r:id="rId27"/>
-      <p:bold r:id="rId28"/>
-      <p:italic r:id="rId29"/>
-      <p:boldItalic r:id="rId30"/>
+      <p:regular r:id="rId28"/>
+      <p:bold r:id="rId29"/>
+      <p:italic r:id="rId30"/>
+      <p:boldItalic r:id="rId31"/>
     </p:embeddedFont>
     <p:embeddedFont>
       <p:font typeface="Montserrat" panose="020B0604020202020204" charset="0"/>
-      <p:regular r:id="rId31"/>
-      <p:bold r:id="rId32"/>
-      <p:italic r:id="rId33"/>
-      <p:boldItalic r:id="rId34"/>
+      <p:regular r:id="rId32"/>
+      <p:bold r:id="rId33"/>
+      <p:italic r:id="rId34"/>
+      <p:boldItalic r:id="rId35"/>
     </p:embeddedFont>
     <p:embeddedFont>
       <p:font typeface="Lato" panose="020B0604020202020204" charset="0"/>
-      <p:regular r:id="rId35"/>
-      <p:bold r:id="rId36"/>
-      <p:italic r:id="rId37"/>
-      <p:boldItalic r:id="rId38"/>
-    </p:embeddedFont>
-    <p:embeddedFont>
-      <p:font typeface="Cambria Math" panose="02040503050406030204" pitchFamily="18" charset="0"/>
-      <p:regular r:id="rId39"/>
+      <p:regular r:id="rId36"/>
+      <p:bold r:id="rId37"/>
+      <p:italic r:id="rId38"/>
+      <p:boldItalic r:id="rId39"/>
     </p:embeddedFont>
   </p:embeddedFontLst>
   <p:defaultTextStyle>
@@ -11661,7 +11661,7 @@
                 <a:hlinkClick r:id="rId2">
                   <a:extLst>
                     <a:ext uri="{A12FA001-AC4F-418D-AE19-62706E023703}">
-                      <ahyp:hlinkClr xmlns:ahyp="http://schemas.microsoft.com/office/drawing/2018/hyperlinkcolor" xmlns:p15="http://schemas.microsoft.com/office/powerpoint/2012/main" xmlns:p14="http://schemas.microsoft.com/office/powerpoint/2010/main" xmlns:com="http://schemas.openxmlformats.org/drawingml/2006/compatibility" xmlns:pvml="urn:schemas-microsoft-com:office:powerpoint" xmlns:v="urn:schemas-microsoft-com:vml" xmlns:o="urn:schemas-microsoft-com:office:office" xmlns:dgm="http://schemas.openxmlformats.org/drawingml/2006/diagram" xmlns:c="http://schemas.openxmlformats.org/drawingml/2006/chart" xmlns:mv="urn:schemas-microsoft-com:mac:vml" xmlns:mc="http://schemas.openxmlformats.org/markup-compatibility/2006" xmlns="" val="tx"/>
+                      <ahyp:hlinkClr xmlns="" xmlns:mc="http://schemas.openxmlformats.org/markup-compatibility/2006" xmlns:mv="urn:schemas-microsoft-com:mac:vml" xmlns:c="http://schemas.openxmlformats.org/drawingml/2006/chart" xmlns:dgm="http://schemas.openxmlformats.org/drawingml/2006/diagram" xmlns:o="urn:schemas-microsoft-com:office:office" xmlns:v="urn:schemas-microsoft-com:vml" xmlns:pvml="urn:schemas-microsoft-com:office:powerpoint" xmlns:com="http://schemas.openxmlformats.org/drawingml/2006/compatibility" xmlns:p14="http://schemas.microsoft.com/office/powerpoint/2010/main" xmlns:p15="http://schemas.microsoft.com/office/powerpoint/2012/main" xmlns:ahyp="http://schemas.microsoft.com/office/drawing/2018/hyperlinkcolor" val="tx"/>
                     </a:ext>
                   </a:extLst>
                 </a:hlinkClick>
@@ -11695,7 +11695,7 @@
                 <a:hlinkClick r:id="rId3">
                   <a:extLst>
                     <a:ext uri="{A12FA001-AC4F-418D-AE19-62706E023703}">
-                      <ahyp:hlinkClr xmlns:ahyp="http://schemas.microsoft.com/office/drawing/2018/hyperlinkcolor" xmlns:p15="http://schemas.microsoft.com/office/powerpoint/2012/main" xmlns:p14="http://schemas.microsoft.com/office/powerpoint/2010/main" xmlns:com="http://schemas.openxmlformats.org/drawingml/2006/compatibility" xmlns:pvml="urn:schemas-microsoft-com:office:powerpoint" xmlns:v="urn:schemas-microsoft-com:vml" xmlns:o="urn:schemas-microsoft-com:office:office" xmlns:dgm="http://schemas.openxmlformats.org/drawingml/2006/diagram" xmlns:c="http://schemas.openxmlformats.org/drawingml/2006/chart" xmlns:mv="urn:schemas-microsoft-com:mac:vml" xmlns:mc="http://schemas.openxmlformats.org/markup-compatibility/2006" xmlns="" val="tx"/>
+                      <ahyp:hlinkClr xmlns="" xmlns:mc="http://schemas.openxmlformats.org/markup-compatibility/2006" xmlns:mv="urn:schemas-microsoft-com:mac:vml" xmlns:c="http://schemas.openxmlformats.org/drawingml/2006/chart" xmlns:dgm="http://schemas.openxmlformats.org/drawingml/2006/diagram" xmlns:o="urn:schemas-microsoft-com:office:office" xmlns:v="urn:schemas-microsoft-com:vml" xmlns:pvml="urn:schemas-microsoft-com:office:powerpoint" xmlns:com="http://schemas.openxmlformats.org/drawingml/2006/compatibility" xmlns:p14="http://schemas.microsoft.com/office/powerpoint/2010/main" xmlns:p15="http://schemas.microsoft.com/office/powerpoint/2012/main" xmlns:ahyp="http://schemas.microsoft.com/office/drawing/2018/hyperlinkcolor" val="tx"/>
                     </a:ext>
                   </a:extLst>
                 </a:hlinkClick>
@@ -11729,7 +11729,7 @@
                 <a:hlinkClick r:id="rId4">
                   <a:extLst>
                     <a:ext uri="{A12FA001-AC4F-418D-AE19-62706E023703}">
-                      <ahyp:hlinkClr xmlns:ahyp="http://schemas.microsoft.com/office/drawing/2018/hyperlinkcolor" xmlns:p15="http://schemas.microsoft.com/office/powerpoint/2012/main" xmlns:p14="http://schemas.microsoft.com/office/powerpoint/2010/main" xmlns:com="http://schemas.openxmlformats.org/drawingml/2006/compatibility" xmlns:pvml="urn:schemas-microsoft-com:office:powerpoint" xmlns:v="urn:schemas-microsoft-com:vml" xmlns:o="urn:schemas-microsoft-com:office:office" xmlns:dgm="http://schemas.openxmlformats.org/drawingml/2006/diagram" xmlns:c="http://schemas.openxmlformats.org/drawingml/2006/chart" xmlns:mv="urn:schemas-microsoft-com:mac:vml" xmlns:mc="http://schemas.openxmlformats.org/markup-compatibility/2006" xmlns="" val="tx"/>
+                      <ahyp:hlinkClr xmlns="" xmlns:mc="http://schemas.openxmlformats.org/markup-compatibility/2006" xmlns:mv="urn:schemas-microsoft-com:mac:vml" xmlns:c="http://schemas.openxmlformats.org/drawingml/2006/chart" xmlns:dgm="http://schemas.openxmlformats.org/drawingml/2006/diagram" xmlns:o="urn:schemas-microsoft-com:office:office" xmlns:v="urn:schemas-microsoft-com:vml" xmlns:pvml="urn:schemas-microsoft-com:office:powerpoint" xmlns:com="http://schemas.openxmlformats.org/drawingml/2006/compatibility" xmlns:p14="http://schemas.microsoft.com/office/powerpoint/2010/main" xmlns:p15="http://schemas.microsoft.com/office/powerpoint/2012/main" xmlns:ahyp="http://schemas.microsoft.com/office/drawing/2018/hyperlinkcolor" val="tx"/>
                     </a:ext>
                   </a:extLst>
                 </a:hlinkClick>
@@ -14745,11 +14745,7 @@
             </a:r>
             <a:r>
               <a:rPr lang="en-US" sz="2000" smtClean="0"/>
-              <a:t>từ</a:t>
-            </a:r>
-            <a:r>
-              <a:rPr lang="en-US" sz="2000" smtClean="0"/>
-              <a:t>.</a:t>
+              <a:t>từ.</a:t>
             </a:r>
           </a:p>
           <a:p>
@@ -14764,7 +14760,6 @@
               <a:rPr lang="en-US" sz="2000" smtClean="0"/>
               <a:t>Chuẩn hoá vị trí bỏ dấu câu.</a:t>
             </a:r>
-            <a:endParaRPr lang="en-US" sz="2000" smtClean="0"/>
           </a:p>
           <a:p>
             <a:pPr marL="285750" indent="-285750">
@@ -14776,13 +14771,8 @@
             </a:pPr>
             <a:r>
               <a:rPr lang="en-US" sz="2000" smtClean="0"/>
-              <a:t>Tạo dữ liệu không dấu bằng cách loại bỏ dấu câu</a:t>
+              <a:t>Tạo dữ liệu không dấu bằng cách loại bỏ dấu câu.</a:t>
             </a:r>
-            <a:r>
-              <a:rPr lang="en-US" sz="2000" smtClean="0"/>
-              <a:t>.</a:t>
-            </a:r>
-            <a:endParaRPr lang="en-US" sz="2000" smtClean="0"/>
           </a:p>
           <a:p>
             <a:pPr marL="285750" indent="-285750">
@@ -18646,7 +18636,7 @@
       </p:sp>
       <p:grpSp>
         <p:nvGrpSpPr>
-          <p:cNvPr id="4107" name="Group 4106"/>
+          <p:cNvPr id="14" name="Group 13"/>
           <p:cNvGrpSpPr/>
           <p:nvPr/>
         </p:nvGrpSpPr>
@@ -18654,7 +18644,7 @@
           <a:xfrm>
             <a:off x="1850283" y="1293071"/>
             <a:ext cx="5590125" cy="3333991"/>
-            <a:chOff x="2106592" y="1376198"/>
+            <a:chOff x="1850283" y="1293071"/>
             <a:chExt cx="5590125" cy="3333991"/>
           </a:xfrm>
         </p:grpSpPr>
@@ -18666,7 +18656,7 @@
           </p:nvSpPr>
           <p:spPr>
             <a:xfrm>
-              <a:off x="2425964" y="4064838"/>
+              <a:off x="2169655" y="3981711"/>
               <a:ext cx="4196520" cy="305780"/>
             </a:xfrm>
             <a:prstGeom prst="roundRect">
@@ -18710,7 +18700,7 @@
           </p:nvSpPr>
           <p:spPr>
             <a:xfrm>
-              <a:off x="2425964" y="4434130"/>
+              <a:off x="2169655" y="4351003"/>
               <a:ext cx="4196520" cy="276059"/>
             </a:xfrm>
             <a:prstGeom prst="roundRect">
@@ -18754,7 +18744,7 @@
           </p:nvSpPr>
           <p:spPr>
             <a:xfrm>
-              <a:off x="7007105" y="2891620"/>
+              <a:off x="6750796" y="2808493"/>
               <a:ext cx="689612" cy="307777"/>
             </a:xfrm>
             <a:prstGeom prst="rect">
@@ -18784,7 +18774,7 @@
           </p:nvGrpSpPr>
           <p:grpSpPr>
             <a:xfrm>
-              <a:off x="2782159" y="3770297"/>
+              <a:off x="2525850" y="3687170"/>
               <a:ext cx="3339697" cy="304676"/>
               <a:chOff x="3172691" y="4099173"/>
               <a:chExt cx="3425154" cy="313500"/>
@@ -18931,7 +18921,7 @@
           </p:nvSpPr>
           <p:spPr>
             <a:xfrm>
-              <a:off x="6670113" y="2346595"/>
+              <a:off x="6413804" y="2263468"/>
               <a:ext cx="284562" cy="1465086"/>
             </a:xfrm>
             <a:prstGeom prst="rightBrace">
@@ -18973,7 +18963,7 @@
           </p:nvCxnSpPr>
           <p:spPr>
             <a:xfrm flipH="1" flipV="1">
-              <a:off x="2782227" y="3192082"/>
+              <a:off x="2525918" y="3108955"/>
               <a:ext cx="1614" cy="291174"/>
             </a:xfrm>
             <a:prstGeom prst="straightConnector1">
@@ -19013,7 +19003,7 @@
           </p:nvCxnSpPr>
           <p:spPr>
             <a:xfrm>
-              <a:off x="2967529" y="3023192"/>
+              <a:off x="2711220" y="2940065"/>
               <a:ext cx="625607" cy="7315"/>
             </a:xfrm>
             <a:prstGeom prst="straightConnector1">
@@ -19053,7 +19043,7 @@
           </p:nvCxnSpPr>
           <p:spPr>
             <a:xfrm>
-              <a:off x="3963741" y="3030507"/>
+              <a:off x="3707432" y="2947380"/>
               <a:ext cx="560483" cy="0"/>
             </a:xfrm>
             <a:prstGeom prst="straightConnector1">
@@ -19093,7 +19083,7 @@
           </p:nvCxnSpPr>
           <p:spPr>
             <a:xfrm flipV="1">
-              <a:off x="4894829" y="3024242"/>
+              <a:off x="4638520" y="2941115"/>
               <a:ext cx="300319" cy="6265"/>
             </a:xfrm>
             <a:prstGeom prst="straightConnector1">
@@ -19133,7 +19123,7 @@
           </p:nvCxnSpPr>
           <p:spPr>
             <a:xfrm flipV="1">
-              <a:off x="5548463" y="3023192"/>
+              <a:off x="5292154" y="2940065"/>
               <a:ext cx="423426" cy="1050"/>
             </a:xfrm>
             <a:prstGeom prst="straightConnector1">
@@ -19172,7 +19162,7 @@
           </p:nvCxnSpPr>
           <p:spPr>
             <a:xfrm>
-              <a:off x="6342494" y="3023192"/>
+              <a:off x="6086185" y="2940065"/>
               <a:ext cx="321791" cy="1073"/>
             </a:xfrm>
             <a:prstGeom prst="straightConnector1">
@@ -19201,8 +19191,8 @@
             </a:fontRef>
           </p:style>
         </p:cxnSp>
-        <mc:AlternateContent xmlns:mc="http://schemas.openxmlformats.org/markup-compatibility/2006" xmlns:a14="http://schemas.microsoft.com/office/drawing/2010/main">
-          <mc:Choice Requires="a14">
+        <mc:AlternateContent xmlns:mc="http://schemas.openxmlformats.org/markup-compatibility/2006">
+          <mc:Choice xmlns:a14="http://schemas.microsoft.com/office/drawing/2010/main" Requires="a14">
             <p:sp>
               <p:nvSpPr>
                 <p:cNvPr id="76" name="Rectangle 75"/>
@@ -19211,7 +19201,7 @@
               </p:nvSpPr>
               <p:spPr>
                 <a:xfrm>
-                  <a:off x="5195149" y="2874684"/>
+                  <a:off x="4938840" y="2791557"/>
                   <a:ext cx="353314" cy="299115"/>
                 </a:xfrm>
                 <a:prstGeom prst="rect">
@@ -19250,7 +19240,7 @@
               </p:txBody>
             </p:sp>
           </mc:Choice>
-          <mc:Fallback xmlns="">
+          <mc:Fallback>
             <p:sp>
               <p:nvSpPr>
                 <p:cNvPr id="76" name="Rectangle 75"/>
@@ -19261,7 +19251,7 @@
               </p:nvSpPr>
               <p:spPr>
                 <a:xfrm>
-                  <a:off x="5195149" y="2874684"/>
+                  <a:off x="4938840" y="2791557"/>
                   <a:ext cx="353314" cy="299115"/>
                 </a:xfrm>
                 <a:prstGeom prst="rect">
@@ -19302,7 +19292,7 @@
           </p:nvSpPr>
           <p:spPr>
             <a:xfrm>
-              <a:off x="2596924" y="2854301"/>
+              <a:off x="2340615" y="2771174"/>
               <a:ext cx="370605" cy="337781"/>
             </a:xfrm>
             <a:prstGeom prst="roundRect">
@@ -19342,7 +19332,7 @@
           </p:nvSpPr>
           <p:spPr>
             <a:xfrm>
-              <a:off x="3593136" y="2861616"/>
+              <a:off x="3336827" y="2778489"/>
               <a:ext cx="370605" cy="337781"/>
             </a:xfrm>
             <a:prstGeom prst="roundRect">
@@ -19382,7 +19372,7 @@
           </p:nvSpPr>
           <p:spPr>
             <a:xfrm>
-              <a:off x="4524224" y="2861616"/>
+              <a:off x="4267915" y="2778489"/>
               <a:ext cx="370605" cy="337781"/>
             </a:xfrm>
             <a:prstGeom prst="roundRect">
@@ -19422,7 +19412,7 @@
           </p:nvSpPr>
           <p:spPr>
             <a:xfrm>
-              <a:off x="5971889" y="2854301"/>
+              <a:off x="5715580" y="2771174"/>
               <a:ext cx="370605" cy="337781"/>
             </a:xfrm>
             <a:prstGeom prst="roundRect">
@@ -19465,7 +19455,7 @@
           </p:nvCxnSpPr>
           <p:spPr>
             <a:xfrm flipH="1" flipV="1">
-              <a:off x="3778439" y="3199397"/>
+              <a:off x="3522130" y="3116270"/>
               <a:ext cx="2198" cy="283858"/>
             </a:xfrm>
             <a:prstGeom prst="straightConnector1">
@@ -19505,7 +19495,7 @@
           </p:nvCxnSpPr>
           <p:spPr>
             <a:xfrm flipH="1" flipV="1">
-              <a:off x="4709527" y="3199397"/>
+              <a:off x="4453218" y="3116270"/>
               <a:ext cx="3608" cy="289091"/>
             </a:xfrm>
             <a:prstGeom prst="straightConnector1">
@@ -19545,7 +19535,7 @@
           </p:nvCxnSpPr>
           <p:spPr>
             <a:xfrm flipV="1">
-              <a:off x="6154385" y="3192082"/>
+              <a:off x="5898076" y="3108955"/>
               <a:ext cx="2807" cy="277181"/>
             </a:xfrm>
             <a:prstGeom prst="straightConnector1">
@@ -19584,7 +19574,7 @@
           </p:nvCxnSpPr>
           <p:spPr>
             <a:xfrm>
-              <a:off x="2106592" y="3023192"/>
+              <a:off x="1850283" y="2940065"/>
               <a:ext cx="490332" cy="0"/>
             </a:xfrm>
             <a:prstGeom prst="straightConnector1">
@@ -19617,14 +19607,14 @@
           <p:nvCxnSpPr>
             <p:cNvPr id="106" name="Straight Arrow Connector 105"/>
             <p:cNvCxnSpPr>
-              <a:stCxn id="104" idx="4"/>
-              <a:endCxn id="77" idx="0"/>
+              <a:stCxn id="77" idx="0"/>
+              <a:endCxn id="104" idx="4"/>
             </p:cNvCxnSpPr>
             <p:nvPr/>
           </p:nvCxnSpPr>
           <p:spPr>
-            <a:xfrm flipH="1">
-              <a:off x="2782227" y="2613176"/>
+            <a:xfrm flipV="1">
+              <a:off x="2525918" y="2530049"/>
               <a:ext cx="18144" cy="241125"/>
             </a:xfrm>
             <a:prstGeom prst="straightConnector1">
@@ -19657,15 +19647,15 @@
           <p:nvCxnSpPr>
             <p:cNvPr id="109" name="Straight Arrow Connector 108"/>
             <p:cNvCxnSpPr>
-              <a:stCxn id="107" idx="4"/>
-              <a:endCxn id="78" idx="0"/>
+              <a:stCxn id="78" idx="0"/>
+              <a:endCxn id="123" idx="2"/>
             </p:cNvCxnSpPr>
             <p:nvPr/>
           </p:nvCxnSpPr>
           <p:spPr>
-            <a:xfrm>
-              <a:off x="3770668" y="2630843"/>
-              <a:ext cx="7771" cy="230773"/>
+            <a:xfrm flipH="1" flipV="1">
+              <a:off x="3521681" y="2538671"/>
+              <a:ext cx="449" cy="239818"/>
             </a:xfrm>
             <a:prstGeom prst="straightConnector1">
               <a:avLst/>
@@ -19697,14 +19687,14 @@
           <p:nvCxnSpPr>
             <p:cNvPr id="112" name="Straight Arrow Connector 111"/>
             <p:cNvCxnSpPr>
-              <a:stCxn id="110" idx="4"/>
-              <a:endCxn id="79" idx="0"/>
+              <a:stCxn id="79" idx="0"/>
+              <a:endCxn id="110" idx="4"/>
             </p:cNvCxnSpPr>
             <p:nvPr/>
           </p:nvCxnSpPr>
           <p:spPr>
-            <a:xfrm flipH="1">
-              <a:off x="4709527" y="2641486"/>
+            <a:xfrm flipV="1">
+              <a:off x="4453218" y="2558359"/>
               <a:ext cx="20803" cy="220130"/>
             </a:xfrm>
             <a:prstGeom prst="straightConnector1">
@@ -19737,14 +19727,14 @@
           <p:nvCxnSpPr>
             <p:cNvPr id="115" name="Straight Arrow Connector 114"/>
             <p:cNvCxnSpPr>
-              <a:stCxn id="113" idx="4"/>
-              <a:endCxn id="80" idx="0"/>
+              <a:stCxn id="80" idx="0"/>
+              <a:endCxn id="113" idx="4"/>
             </p:cNvCxnSpPr>
             <p:nvPr/>
           </p:nvCxnSpPr>
           <p:spPr>
-            <a:xfrm flipH="1">
-              <a:off x="6157192" y="2610099"/>
+            <a:xfrm flipV="1">
+              <a:off x="5900883" y="2526972"/>
               <a:ext cx="13329" cy="244202"/>
             </a:xfrm>
             <a:prstGeom prst="straightConnector1">
@@ -19781,7 +19771,7 @@
           </p:nvGrpSpPr>
           <p:grpSpPr>
             <a:xfrm>
-              <a:off x="2603385" y="3448533"/>
+              <a:off x="2347076" y="3365406"/>
               <a:ext cx="394079" cy="329614"/>
               <a:chOff x="2904327" y="3703176"/>
               <a:chExt cx="394079" cy="329614"/>
@@ -19938,7 +19928,7 @@
           </p:nvGrpSpPr>
           <p:grpSpPr>
             <a:xfrm>
-              <a:off x="3587587" y="3471184"/>
+              <a:off x="3331278" y="3388057"/>
               <a:ext cx="390088" cy="306962"/>
               <a:chOff x="3888529" y="3725827"/>
               <a:chExt cx="390088" cy="306962"/>
@@ -20095,7 +20085,7 @@
           </p:nvGrpSpPr>
           <p:grpSpPr>
             <a:xfrm>
-              <a:off x="4548775" y="3455258"/>
+              <a:off x="4292466" y="3372131"/>
               <a:ext cx="394079" cy="328121"/>
               <a:chOff x="4846109" y="3674170"/>
               <a:chExt cx="394079" cy="328121"/>
@@ -20252,7 +20242,7 @@
           </p:nvGrpSpPr>
           <p:grpSpPr>
             <a:xfrm>
-              <a:off x="5969010" y="3432026"/>
+              <a:off x="5712701" y="3348899"/>
               <a:ext cx="370750" cy="332128"/>
               <a:chOff x="6237424" y="3670163"/>
               <a:chExt cx="370750" cy="332128"/>
@@ -20409,7 +20399,7 @@
           </p:nvGrpSpPr>
           <p:grpSpPr>
             <a:xfrm>
-              <a:off x="2587327" y="2278847"/>
+              <a:off x="2331018" y="2195720"/>
               <a:ext cx="489375" cy="334329"/>
               <a:chOff x="2820273" y="2556954"/>
               <a:chExt cx="489375" cy="334329"/>
@@ -20566,7 +20556,7 @@
           </p:nvGrpSpPr>
           <p:grpSpPr>
             <a:xfrm>
-              <a:off x="3535773" y="2322683"/>
+              <a:off x="3279464" y="2239556"/>
               <a:ext cx="484433" cy="308160"/>
               <a:chOff x="3803156" y="2565741"/>
               <a:chExt cx="484433" cy="308160"/>
@@ -20723,7 +20713,7 @@
           </p:nvGrpSpPr>
           <p:grpSpPr>
             <a:xfrm>
-              <a:off x="4501128" y="2317379"/>
+              <a:off x="4244819" y="2234252"/>
               <a:ext cx="489375" cy="324107"/>
               <a:chOff x="4744505" y="2549582"/>
               <a:chExt cx="489375" cy="324107"/>
@@ -20880,7 +20870,7 @@
           </p:nvGrpSpPr>
           <p:grpSpPr>
             <a:xfrm>
-              <a:off x="5949151" y="2275386"/>
+              <a:off x="5692842" y="2192259"/>
               <a:ext cx="460480" cy="334713"/>
               <a:chOff x="6216763" y="2530518"/>
               <a:chExt cx="460480" cy="334713"/>
@@ -21037,7 +21027,7 @@
           </p:nvSpPr>
           <p:spPr>
             <a:xfrm>
-              <a:off x="2436208" y="1925064"/>
+              <a:off x="2179899" y="1841937"/>
               <a:ext cx="4196520" cy="271945"/>
             </a:xfrm>
             <a:prstGeom prst="roundRect">
@@ -21081,7 +21071,7 @@
           </p:nvSpPr>
           <p:spPr>
             <a:xfrm>
-              <a:off x="2421947" y="1588383"/>
+              <a:off x="2165638" y="1505256"/>
               <a:ext cx="4196520" cy="276059"/>
             </a:xfrm>
             <a:prstGeom prst="roundRect">
@@ -21125,7 +21115,7 @@
           </p:nvGrpSpPr>
           <p:grpSpPr>
             <a:xfrm>
-              <a:off x="2704312" y="1376198"/>
+              <a:off x="2448003" y="1293071"/>
               <a:ext cx="3339697" cy="223429"/>
               <a:chOff x="3172691" y="4099173"/>
               <a:chExt cx="3425154" cy="313500"/>
@@ -21399,13 +21389,7 @@
               <a:rPr lang="en-US" b="1" smtClean="0">
                 <a:latin typeface="Montserrat" panose="020B0604020202020204" charset="0"/>
               </a:rPr>
-              <a:t>BiLSTM </a:t>
-            </a:r>
-            <a:r>
-              <a:rPr lang="en-US" b="1" smtClean="0">
-                <a:latin typeface="Montserrat" panose="020B0604020202020204" charset="0"/>
-              </a:rPr>
-              <a:t>Model</a:t>
+              <a:t>BiLSTM Model</a:t>
             </a:r>
             <a:endParaRPr lang="en-US" b="1"/>
           </a:p>
@@ -21413,7 +21397,7 @@
       </p:sp>
       <p:grpSp>
         <p:nvGrpSpPr>
-          <p:cNvPr id="3" name="Group 2"/>
+          <p:cNvPr id="44" name="Group 43"/>
           <p:cNvGrpSpPr/>
           <p:nvPr/>
         </p:nvGrpSpPr>
@@ -21455,3287 +21439,3272 @@
             </a:p>
           </p:txBody>
         </p:sp>
+        <p:sp>
+          <p:nvSpPr>
+            <p:cNvPr id="9" name="Rounded Rectangle 8"/>
+            <p:cNvSpPr/>
+            <p:nvPr/>
+          </p:nvSpPr>
+          <p:spPr>
+            <a:xfrm>
+              <a:off x="2380542" y="4255023"/>
+              <a:ext cx="4196520" cy="305780"/>
+            </a:xfrm>
+            <a:prstGeom prst="roundRect">
+              <a:avLst/>
+            </a:prstGeom>
+          </p:spPr>
+          <p:style>
+            <a:lnRef idx="2">
+              <a:schemeClr val="accent3">
+                <a:shade val="50000"/>
+              </a:schemeClr>
+            </a:lnRef>
+            <a:fillRef idx="1">
+              <a:schemeClr val="accent3"/>
+            </a:fillRef>
+            <a:effectRef idx="0">
+              <a:schemeClr val="accent3"/>
+            </a:effectRef>
+            <a:fontRef idx="minor">
+              <a:schemeClr val="lt1"/>
+            </a:fontRef>
+          </p:style>
+          <p:txBody>
+            <a:bodyPr rtlCol="0" anchor="ctr"/>
+            <a:lstStyle/>
+            <a:p>
+              <a:pPr algn="ctr"/>
+              <a:r>
+                <a:rPr lang="en-US" sz="1200" b="1" smtClean="0"/>
+                <a:t>Embedding</a:t>
+              </a:r>
+              <a:endParaRPr lang="en-US" sz="1200" b="1"/>
+            </a:p>
+          </p:txBody>
+        </p:sp>
+        <p:sp>
+          <p:nvSpPr>
+            <p:cNvPr id="26" name="Rounded Rectangle 25"/>
+            <p:cNvSpPr/>
+            <p:nvPr/>
+          </p:nvSpPr>
+          <p:spPr>
+            <a:xfrm>
+              <a:off x="2380542" y="4624315"/>
+              <a:ext cx="4196520" cy="276059"/>
+            </a:xfrm>
+            <a:prstGeom prst="roundRect">
+              <a:avLst/>
+            </a:prstGeom>
+          </p:spPr>
+          <p:style>
+            <a:lnRef idx="2">
+              <a:schemeClr val="accent2">
+                <a:shade val="50000"/>
+              </a:schemeClr>
+            </a:lnRef>
+            <a:fillRef idx="1">
+              <a:schemeClr val="accent2"/>
+            </a:fillRef>
+            <a:effectRef idx="0">
+              <a:schemeClr val="accent2"/>
+            </a:effectRef>
+            <a:fontRef idx="minor">
+              <a:schemeClr val="lt1"/>
+            </a:fontRef>
+          </p:style>
+          <p:txBody>
+            <a:bodyPr rtlCol="0" anchor="ctr"/>
+            <a:lstStyle/>
+            <a:p>
+              <a:pPr algn="ctr"/>
+              <a:r>
+                <a:rPr lang="en-US" sz="1200" b="1" smtClean="0"/>
+                <a:t>Input words</a:t>
+              </a:r>
+              <a:endParaRPr lang="en-US" sz="1200" b="1"/>
+            </a:p>
+          </p:txBody>
+        </p:sp>
         <p:grpSp>
           <p:nvGrpSpPr>
-            <p:cNvPr id="2" name="Group 1"/>
+            <p:cNvPr id="7" name="Group 6"/>
             <p:cNvGrpSpPr/>
             <p:nvPr/>
           </p:nvGrpSpPr>
           <p:grpSpPr>
             <a:xfrm>
-              <a:off x="1557911" y="1206266"/>
-              <a:ext cx="5244979" cy="3694108"/>
-              <a:chOff x="1904275" y="1270724"/>
-              <a:chExt cx="5244979" cy="3694108"/>
+              <a:off x="2736737" y="3960482"/>
+              <a:ext cx="3339697" cy="304676"/>
+              <a:chOff x="3172691" y="4099173"/>
+              <a:chExt cx="3425154" cy="313500"/>
             </a:xfrm>
           </p:grpSpPr>
-          <p:sp>
-            <p:nvSpPr>
-              <p:cNvPr id="9" name="Rounded Rectangle 8"/>
-              <p:cNvSpPr/>
+          <p:cxnSp>
+            <p:nvCxnSpPr>
+              <p:cNvPr id="11" name="Straight Arrow Connector 10"/>
+              <p:cNvCxnSpPr/>
               <p:nvPr/>
-            </p:nvSpPr>
+            </p:nvCxnSpPr>
             <p:spPr>
-              <a:xfrm>
-                <a:off x="2726906" y="4319481"/>
-                <a:ext cx="4196520" cy="305780"/>
+              <a:xfrm flipV="1">
+                <a:off x="3172691" y="4135584"/>
+                <a:ext cx="0" cy="277089"/>
               </a:xfrm>
-              <a:prstGeom prst="roundRect">
+              <a:prstGeom prst="straightConnector1">
                 <a:avLst/>
               </a:prstGeom>
+              <a:ln>
+                <a:tailEnd type="triangle"/>
+              </a:ln>
             </p:spPr>
             <p:style>
               <a:lnRef idx="2">
-                <a:schemeClr val="accent3">
-                  <a:shade val="50000"/>
-                </a:schemeClr>
+                <a:schemeClr val="accent4"/>
               </a:lnRef>
               <a:fillRef idx="1">
-                <a:schemeClr val="accent3"/>
-              </a:fillRef>
-              <a:effectRef idx="0">
-                <a:schemeClr val="accent3"/>
-              </a:effectRef>
-              <a:fontRef idx="minor">
                 <a:schemeClr val="lt1"/>
-              </a:fontRef>
-            </p:style>
-            <p:txBody>
-              <a:bodyPr rtlCol="0" anchor="ctr"/>
-              <a:lstStyle/>
-              <a:p>
-                <a:pPr algn="ctr"/>
-                <a:r>
-                  <a:rPr lang="en-US" sz="1200" b="1" smtClean="0"/>
-                  <a:t>Embedding</a:t>
-                </a:r>
-                <a:endParaRPr lang="en-US" sz="1200" b="1"/>
-              </a:p>
-            </p:txBody>
-          </p:sp>
-          <p:sp>
-            <p:nvSpPr>
-              <p:cNvPr id="26" name="Rounded Rectangle 25"/>
-              <p:cNvSpPr/>
-              <p:nvPr/>
-            </p:nvSpPr>
-            <p:spPr>
-              <a:xfrm>
-                <a:off x="2726906" y="4688773"/>
-                <a:ext cx="4196520" cy="276059"/>
-              </a:xfrm>
-              <a:prstGeom prst="roundRect">
-                <a:avLst/>
-              </a:prstGeom>
-            </p:spPr>
-            <p:style>
-              <a:lnRef idx="2">
-                <a:schemeClr val="accent2">
-                  <a:shade val="50000"/>
-                </a:schemeClr>
-              </a:lnRef>
-              <a:fillRef idx="1">
-                <a:schemeClr val="accent2"/>
-              </a:fillRef>
-              <a:effectRef idx="0">
-                <a:schemeClr val="accent2"/>
-              </a:effectRef>
-              <a:fontRef idx="minor">
-                <a:schemeClr val="lt1"/>
-              </a:fontRef>
-            </p:style>
-            <p:txBody>
-              <a:bodyPr rtlCol="0" anchor="ctr"/>
-              <a:lstStyle/>
-              <a:p>
-                <a:pPr algn="ctr"/>
-                <a:r>
-                  <a:rPr lang="en-US" sz="1200" b="1" smtClean="0"/>
-                  <a:t>Input words</a:t>
-                </a:r>
-                <a:endParaRPr lang="en-US" sz="1200" b="1"/>
-              </a:p>
-            </p:txBody>
-          </p:sp>
-          <p:grpSp>
-            <p:nvGrpSpPr>
-              <p:cNvPr id="7" name="Group 6"/>
-              <p:cNvGrpSpPr/>
-              <p:nvPr/>
-            </p:nvGrpSpPr>
-            <p:grpSpPr>
-              <a:xfrm>
-                <a:off x="3083101" y="4024940"/>
-                <a:ext cx="3339697" cy="304676"/>
-                <a:chOff x="3172691" y="4099173"/>
-                <a:chExt cx="3425154" cy="313500"/>
-              </a:xfrm>
-            </p:grpSpPr>
-            <p:cxnSp>
-              <p:nvCxnSpPr>
-                <p:cNvPr id="11" name="Straight Arrow Connector 10"/>
-                <p:cNvCxnSpPr/>
-                <p:nvPr/>
-              </p:nvCxnSpPr>
-              <p:spPr>
-                <a:xfrm flipV="1">
-                  <a:off x="3172691" y="4135584"/>
-                  <a:ext cx="0" cy="277089"/>
-                </a:xfrm>
-                <a:prstGeom prst="straightConnector1">
-                  <a:avLst/>
-                </a:prstGeom>
-                <a:ln>
-                  <a:tailEnd type="triangle"/>
-                </a:ln>
-              </p:spPr>
-              <p:style>
-                <a:lnRef idx="2">
-                  <a:schemeClr val="accent4"/>
-                </a:lnRef>
-                <a:fillRef idx="1">
-                  <a:schemeClr val="lt1"/>
-                </a:fillRef>
-                <a:effectRef idx="0">
-                  <a:schemeClr val="accent4"/>
-                </a:effectRef>
-                <a:fontRef idx="minor">
-                  <a:schemeClr val="dk1"/>
-                </a:fontRef>
-              </p:style>
-            </p:cxnSp>
-            <p:cxnSp>
-              <p:nvCxnSpPr>
-                <p:cNvPr id="15" name="Straight Arrow Connector 14"/>
-                <p:cNvCxnSpPr/>
-                <p:nvPr/>
-              </p:nvCxnSpPr>
-              <p:spPr>
-                <a:xfrm flipV="1">
-                  <a:off x="4194463" y="4128657"/>
-                  <a:ext cx="0" cy="277089"/>
-                </a:xfrm>
-                <a:prstGeom prst="straightConnector1">
-                  <a:avLst/>
-                </a:prstGeom>
-                <a:ln>
-                  <a:tailEnd type="triangle"/>
-                </a:ln>
-              </p:spPr>
-              <p:style>
-                <a:lnRef idx="2">
-                  <a:schemeClr val="accent4"/>
-                </a:lnRef>
-                <a:fillRef idx="1">
-                  <a:schemeClr val="lt1"/>
-                </a:fillRef>
-                <a:effectRef idx="0">
-                  <a:schemeClr val="accent4"/>
-                </a:effectRef>
-                <a:fontRef idx="minor">
-                  <a:schemeClr val="dk1"/>
-                </a:fontRef>
-              </p:style>
-            </p:cxnSp>
-            <p:cxnSp>
-              <p:nvCxnSpPr>
-                <p:cNvPr id="16" name="Straight Arrow Connector 15"/>
-                <p:cNvCxnSpPr/>
-                <p:nvPr/>
-              </p:nvCxnSpPr>
-              <p:spPr>
-                <a:xfrm flipV="1">
-                  <a:off x="5149376" y="4099173"/>
-                  <a:ext cx="0" cy="277089"/>
-                </a:xfrm>
-                <a:prstGeom prst="straightConnector1">
-                  <a:avLst/>
-                </a:prstGeom>
-                <a:ln>
-                  <a:tailEnd type="triangle"/>
-                </a:ln>
-              </p:spPr>
-              <p:style>
-                <a:lnRef idx="2">
-                  <a:schemeClr val="accent4"/>
-                </a:lnRef>
-                <a:fillRef idx="1">
-                  <a:schemeClr val="lt1"/>
-                </a:fillRef>
-                <a:effectRef idx="0">
-                  <a:schemeClr val="accent4"/>
-                </a:effectRef>
-                <a:fontRef idx="minor">
-                  <a:schemeClr val="dk1"/>
-                </a:fontRef>
-              </p:style>
-            </p:cxnSp>
-            <p:cxnSp>
-              <p:nvCxnSpPr>
-                <p:cNvPr id="17" name="Straight Arrow Connector 16"/>
-                <p:cNvCxnSpPr/>
-                <p:nvPr/>
-              </p:nvCxnSpPr>
-              <p:spPr>
-                <a:xfrm flipV="1">
-                  <a:off x="6597845" y="4106464"/>
-                  <a:ext cx="0" cy="277089"/>
-                </a:xfrm>
-                <a:prstGeom prst="straightConnector1">
-                  <a:avLst/>
-                </a:prstGeom>
-                <a:ln>
-                  <a:tailEnd type="triangle"/>
-                </a:ln>
-              </p:spPr>
-              <p:style>
-                <a:lnRef idx="2">
-                  <a:schemeClr val="accent4"/>
-                </a:lnRef>
-                <a:fillRef idx="1">
-                  <a:schemeClr val="lt1"/>
-                </a:fillRef>
-                <a:effectRef idx="0">
-                  <a:schemeClr val="accent4"/>
-                </a:effectRef>
-                <a:fontRef idx="minor">
-                  <a:schemeClr val="dk1"/>
-                </a:fontRef>
-              </p:style>
-            </p:cxnSp>
-          </p:grpSp>
-          <p:sp>
-            <p:nvSpPr>
-              <p:cNvPr id="8" name="Right Brace 7"/>
-              <p:cNvSpPr/>
-              <p:nvPr/>
-            </p:nvSpPr>
-            <p:spPr>
-              <a:xfrm>
-                <a:off x="7010839" y="2159774"/>
-                <a:ext cx="138415" cy="1809503"/>
-              </a:xfrm>
-              <a:prstGeom prst="rightBrace">
-                <a:avLst/>
-              </a:prstGeom>
-              <a:ln w="38100"/>
-            </p:spPr>
-            <p:style>
-              <a:lnRef idx="1">
-                <a:schemeClr val="accent4"/>
-              </a:lnRef>
-              <a:fillRef idx="0">
-                <a:schemeClr val="accent4"/>
               </a:fillRef>
               <a:effectRef idx="0">
                 <a:schemeClr val="accent4"/>
               </a:effectRef>
               <a:fontRef idx="minor">
-                <a:schemeClr val="tx1"/>
-              </a:fontRef>
-            </p:style>
-            <p:txBody>
-              <a:bodyPr rtlCol="0" anchor="ctr"/>
-              <a:lstStyle/>
-              <a:p>
-                <a:pPr algn="ctr"/>
-                <a:endParaRPr lang="en-US"/>
-              </a:p>
-            </p:txBody>
-          </p:sp>
-          <p:cxnSp>
-            <p:nvCxnSpPr>
-              <p:cNvPr id="29" name="Straight Arrow Connector 28"/>
-              <p:cNvCxnSpPr>
-                <a:stCxn id="108" idx="0"/>
-                <a:endCxn id="58" idx="2"/>
-              </p:cNvCxnSpPr>
-              <p:nvPr/>
-            </p:nvCxnSpPr>
-            <p:spPr>
-              <a:xfrm flipH="1" flipV="1">
-                <a:off x="3083169" y="3446725"/>
-                <a:ext cx="1614" cy="291174"/>
-              </a:xfrm>
-              <a:prstGeom prst="straightConnector1">
-                <a:avLst/>
-              </a:prstGeom>
-              <a:ln w="19050">
-                <a:solidFill>
-                  <a:schemeClr val="tx1"/>
-                </a:solidFill>
-                <a:headEnd type="none" w="med" len="med"/>
-                <a:tailEnd type="arrow" w="med" len="med"/>
-              </a:ln>
-            </p:spPr>
-            <p:style>
-              <a:lnRef idx="1">
-                <a:schemeClr val="accent1"/>
-              </a:lnRef>
-              <a:fillRef idx="0">
-                <a:schemeClr val="accent1"/>
-              </a:fillRef>
-              <a:effectRef idx="0">
-                <a:schemeClr val="accent1"/>
-              </a:effectRef>
-              <a:fontRef idx="minor">
-                <a:schemeClr val="tx1"/>
+                <a:schemeClr val="dk1"/>
               </a:fontRef>
             </p:style>
           </p:cxnSp>
           <p:cxnSp>
             <p:nvCxnSpPr>
-              <p:cNvPr id="34" name="Straight Arrow Connector 33"/>
-              <p:cNvCxnSpPr>
-                <a:stCxn id="58" idx="3"/>
-                <a:endCxn id="60" idx="1"/>
-              </p:cNvCxnSpPr>
+              <p:cNvPr id="15" name="Straight Arrow Connector 14"/>
+              <p:cNvCxnSpPr/>
               <p:nvPr/>
             </p:nvCxnSpPr>
             <p:spPr>
-              <a:xfrm>
-                <a:off x="3268471" y="3277835"/>
-                <a:ext cx="625607" cy="7315"/>
+              <a:xfrm flipV="1">
+                <a:off x="4194463" y="4128657"/>
+                <a:ext cx="0" cy="277089"/>
               </a:xfrm>
               <a:prstGeom prst="straightConnector1">
                 <a:avLst/>
               </a:prstGeom>
-              <a:ln w="19050">
-                <a:solidFill>
-                  <a:schemeClr val="tx1"/>
-                </a:solidFill>
-                <a:headEnd type="none" w="med" len="med"/>
-                <a:tailEnd type="arrow" w="med" len="med"/>
+              <a:ln>
+                <a:tailEnd type="triangle"/>
               </a:ln>
             </p:spPr>
             <p:style>
-              <a:lnRef idx="1">
-                <a:schemeClr val="accent1"/>
+              <a:lnRef idx="2">
+                <a:schemeClr val="accent4"/>
               </a:lnRef>
-              <a:fillRef idx="0">
-                <a:schemeClr val="accent1"/>
+              <a:fillRef idx="1">
+                <a:schemeClr val="lt1"/>
               </a:fillRef>
               <a:effectRef idx="0">
-                <a:schemeClr val="accent1"/>
+                <a:schemeClr val="accent4"/>
               </a:effectRef>
               <a:fontRef idx="minor">
-                <a:schemeClr val="tx1"/>
+                <a:schemeClr val="dk1"/>
               </a:fontRef>
             </p:style>
           </p:cxnSp>
           <p:cxnSp>
             <p:nvCxnSpPr>
-              <p:cNvPr id="41" name="Straight Arrow Connector 40"/>
-              <p:cNvCxnSpPr>
-                <a:stCxn id="60" idx="3"/>
-                <a:endCxn id="61" idx="1"/>
-              </p:cNvCxnSpPr>
+              <p:cNvPr id="16" name="Straight Arrow Connector 15"/>
+              <p:cNvCxnSpPr/>
               <p:nvPr/>
             </p:nvCxnSpPr>
             <p:spPr>
-              <a:xfrm>
-                <a:off x="4264683" y="3285150"/>
-                <a:ext cx="560483" cy="0"/>
+              <a:xfrm flipV="1">
+                <a:off x="5149376" y="4099173"/>
+                <a:ext cx="0" cy="277089"/>
               </a:xfrm>
               <a:prstGeom prst="straightConnector1">
                 <a:avLst/>
               </a:prstGeom>
-              <a:ln w="19050">
-                <a:solidFill>
-                  <a:schemeClr val="tx1"/>
-                </a:solidFill>
-                <a:headEnd type="none" w="med" len="med"/>
-                <a:tailEnd type="arrow" w="med" len="med"/>
+              <a:ln>
+                <a:tailEnd type="triangle"/>
               </a:ln>
             </p:spPr>
             <p:style>
-              <a:lnRef idx="1">
-                <a:schemeClr val="accent1"/>
+              <a:lnRef idx="2">
+                <a:schemeClr val="accent4"/>
               </a:lnRef>
-              <a:fillRef idx="0">
-                <a:schemeClr val="accent1"/>
+              <a:fillRef idx="1">
+                <a:schemeClr val="lt1"/>
               </a:fillRef>
               <a:effectRef idx="0">
-                <a:schemeClr val="accent1"/>
+                <a:schemeClr val="accent4"/>
               </a:effectRef>
               <a:fontRef idx="minor">
-                <a:schemeClr val="tx1"/>
+                <a:schemeClr val="dk1"/>
               </a:fontRef>
             </p:style>
           </p:cxnSp>
           <p:cxnSp>
             <p:nvCxnSpPr>
-              <p:cNvPr id="48" name="Straight Arrow Connector 47"/>
-              <p:cNvCxnSpPr>
-                <a:stCxn id="61" idx="3"/>
-                <a:endCxn id="57" idx="1"/>
-              </p:cNvCxnSpPr>
+              <p:cNvPr id="17" name="Straight Arrow Connector 16"/>
+              <p:cNvCxnSpPr/>
               <p:nvPr/>
             </p:nvCxnSpPr>
             <p:spPr>
               <a:xfrm flipV="1">
-                <a:off x="5195771" y="3278885"/>
-                <a:ext cx="300319" cy="6265"/>
+                <a:off x="6597845" y="4106464"/>
+                <a:ext cx="0" cy="277089"/>
               </a:xfrm>
               <a:prstGeom prst="straightConnector1">
                 <a:avLst/>
               </a:prstGeom>
-              <a:ln w="19050">
-                <a:solidFill>
-                  <a:schemeClr val="tx1"/>
-                </a:solidFill>
-                <a:headEnd type="none" w="med" len="med"/>
-                <a:tailEnd type="arrow" w="med" len="med"/>
+              <a:ln>
+                <a:tailEnd type="triangle"/>
               </a:ln>
             </p:spPr>
             <p:style>
-              <a:lnRef idx="1">
-                <a:schemeClr val="accent1"/>
+              <a:lnRef idx="2">
+                <a:schemeClr val="accent4"/>
               </a:lnRef>
-              <a:fillRef idx="0">
-                <a:schemeClr val="accent1"/>
+              <a:fillRef idx="1">
+                <a:schemeClr val="lt1"/>
               </a:fillRef>
               <a:effectRef idx="0">
-                <a:schemeClr val="accent1"/>
+                <a:schemeClr val="accent4"/>
               </a:effectRef>
               <a:fontRef idx="minor">
+                <a:schemeClr val="dk1"/>
+              </a:fontRef>
+            </p:style>
+          </p:cxnSp>
+        </p:grpSp>
+        <p:sp>
+          <p:nvSpPr>
+            <p:cNvPr id="8" name="Right Brace 7"/>
+            <p:cNvSpPr/>
+            <p:nvPr/>
+          </p:nvSpPr>
+          <p:spPr>
+            <a:xfrm>
+              <a:off x="6664475" y="2095316"/>
+              <a:ext cx="138415" cy="1809503"/>
+            </a:xfrm>
+            <a:prstGeom prst="rightBrace">
+              <a:avLst/>
+            </a:prstGeom>
+            <a:ln w="38100"/>
+          </p:spPr>
+          <p:style>
+            <a:lnRef idx="1">
+              <a:schemeClr val="accent4"/>
+            </a:lnRef>
+            <a:fillRef idx="0">
+              <a:schemeClr val="accent4"/>
+            </a:fillRef>
+            <a:effectRef idx="0">
+              <a:schemeClr val="accent4"/>
+            </a:effectRef>
+            <a:fontRef idx="minor">
+              <a:schemeClr val="tx1"/>
+            </a:fontRef>
+          </p:style>
+          <p:txBody>
+            <a:bodyPr rtlCol="0" anchor="ctr"/>
+            <a:lstStyle/>
+            <a:p>
+              <a:pPr algn="ctr"/>
+              <a:endParaRPr lang="en-US"/>
+            </a:p>
+          </p:txBody>
+        </p:sp>
+        <p:cxnSp>
+          <p:nvCxnSpPr>
+            <p:cNvPr id="29" name="Straight Arrow Connector 28"/>
+            <p:cNvCxnSpPr>
+              <a:stCxn id="108" idx="0"/>
+              <a:endCxn id="58" idx="2"/>
+            </p:cNvCxnSpPr>
+            <p:nvPr/>
+          </p:nvCxnSpPr>
+          <p:spPr>
+            <a:xfrm flipH="1" flipV="1">
+              <a:off x="2736805" y="3382267"/>
+              <a:ext cx="1614" cy="291174"/>
+            </a:xfrm>
+            <a:prstGeom prst="straightConnector1">
+              <a:avLst/>
+            </a:prstGeom>
+            <a:ln w="19050">
+              <a:solidFill>
                 <a:schemeClr val="tx1"/>
+              </a:solidFill>
+              <a:headEnd type="none" w="med" len="med"/>
+              <a:tailEnd type="arrow" w="med" len="med"/>
+            </a:ln>
+          </p:spPr>
+          <p:style>
+            <a:lnRef idx="1">
+              <a:schemeClr val="accent1"/>
+            </a:lnRef>
+            <a:fillRef idx="0">
+              <a:schemeClr val="accent1"/>
+            </a:fillRef>
+            <a:effectRef idx="0">
+              <a:schemeClr val="accent1"/>
+            </a:effectRef>
+            <a:fontRef idx="minor">
+              <a:schemeClr val="tx1"/>
+            </a:fontRef>
+          </p:style>
+        </p:cxnSp>
+        <p:cxnSp>
+          <p:nvCxnSpPr>
+            <p:cNvPr id="34" name="Straight Arrow Connector 33"/>
+            <p:cNvCxnSpPr>
+              <a:stCxn id="58" idx="3"/>
+              <a:endCxn id="60" idx="1"/>
+            </p:cNvCxnSpPr>
+            <p:nvPr/>
+          </p:nvCxnSpPr>
+          <p:spPr>
+            <a:xfrm>
+              <a:off x="2922107" y="3213377"/>
+              <a:ext cx="625607" cy="7315"/>
+            </a:xfrm>
+            <a:prstGeom prst="straightConnector1">
+              <a:avLst/>
+            </a:prstGeom>
+            <a:ln w="19050">
+              <a:solidFill>
+                <a:schemeClr val="tx1"/>
+              </a:solidFill>
+              <a:headEnd type="none" w="med" len="med"/>
+              <a:tailEnd type="arrow" w="med" len="med"/>
+            </a:ln>
+          </p:spPr>
+          <p:style>
+            <a:lnRef idx="1">
+              <a:schemeClr val="accent1"/>
+            </a:lnRef>
+            <a:fillRef idx="0">
+              <a:schemeClr val="accent1"/>
+            </a:fillRef>
+            <a:effectRef idx="0">
+              <a:schemeClr val="accent1"/>
+            </a:effectRef>
+            <a:fontRef idx="minor">
+              <a:schemeClr val="tx1"/>
+            </a:fontRef>
+          </p:style>
+        </p:cxnSp>
+        <p:cxnSp>
+          <p:nvCxnSpPr>
+            <p:cNvPr id="41" name="Straight Arrow Connector 40"/>
+            <p:cNvCxnSpPr>
+              <a:stCxn id="60" idx="3"/>
+              <a:endCxn id="61" idx="1"/>
+            </p:cNvCxnSpPr>
+            <p:nvPr/>
+          </p:nvCxnSpPr>
+          <p:spPr>
+            <a:xfrm>
+              <a:off x="3918319" y="3220692"/>
+              <a:ext cx="560483" cy="0"/>
+            </a:xfrm>
+            <a:prstGeom prst="straightConnector1">
+              <a:avLst/>
+            </a:prstGeom>
+            <a:ln w="19050">
+              <a:solidFill>
+                <a:schemeClr val="tx1"/>
+              </a:solidFill>
+              <a:headEnd type="none" w="med" len="med"/>
+              <a:tailEnd type="arrow" w="med" len="med"/>
+            </a:ln>
+          </p:spPr>
+          <p:style>
+            <a:lnRef idx="1">
+              <a:schemeClr val="accent1"/>
+            </a:lnRef>
+            <a:fillRef idx="0">
+              <a:schemeClr val="accent1"/>
+            </a:fillRef>
+            <a:effectRef idx="0">
+              <a:schemeClr val="accent1"/>
+            </a:effectRef>
+            <a:fontRef idx="minor">
+              <a:schemeClr val="tx1"/>
+            </a:fontRef>
+          </p:style>
+        </p:cxnSp>
+        <p:cxnSp>
+          <p:nvCxnSpPr>
+            <p:cNvPr id="48" name="Straight Arrow Connector 47"/>
+            <p:cNvCxnSpPr>
+              <a:stCxn id="61" idx="3"/>
+              <a:endCxn id="57" idx="1"/>
+            </p:cNvCxnSpPr>
+            <p:nvPr/>
+          </p:nvCxnSpPr>
+          <p:spPr>
+            <a:xfrm flipV="1">
+              <a:off x="4849407" y="3214427"/>
+              <a:ext cx="300319" cy="6265"/>
+            </a:xfrm>
+            <a:prstGeom prst="straightConnector1">
+              <a:avLst/>
+            </a:prstGeom>
+            <a:ln w="19050">
+              <a:solidFill>
+                <a:schemeClr val="tx1"/>
+              </a:solidFill>
+              <a:headEnd type="none" w="med" len="med"/>
+              <a:tailEnd type="arrow" w="med" len="med"/>
+            </a:ln>
+          </p:spPr>
+          <p:style>
+            <a:lnRef idx="1">
+              <a:schemeClr val="accent1"/>
+            </a:lnRef>
+            <a:fillRef idx="0">
+              <a:schemeClr val="accent1"/>
+            </a:fillRef>
+            <a:effectRef idx="0">
+              <a:schemeClr val="accent1"/>
+            </a:effectRef>
+            <a:fontRef idx="minor">
+              <a:schemeClr val="tx1"/>
+            </a:fontRef>
+          </p:style>
+        </p:cxnSp>
+        <p:cxnSp>
+          <p:nvCxnSpPr>
+            <p:cNvPr id="49" name="Straight Arrow Connector 48"/>
+            <p:cNvCxnSpPr>
+              <a:stCxn id="57" idx="3"/>
+              <a:endCxn id="62" idx="1"/>
+            </p:cNvCxnSpPr>
+            <p:nvPr/>
+          </p:nvCxnSpPr>
+          <p:spPr>
+            <a:xfrm flipV="1">
+              <a:off x="5503041" y="3213377"/>
+              <a:ext cx="423426" cy="1050"/>
+            </a:xfrm>
+            <a:prstGeom prst="straightConnector1">
+              <a:avLst/>
+            </a:prstGeom>
+            <a:ln w="19050">
+              <a:solidFill>
+                <a:schemeClr val="tx1"/>
+              </a:solidFill>
+              <a:headEnd type="none" w="med" len="med"/>
+              <a:tailEnd type="arrow" w="med" len="med"/>
+            </a:ln>
+          </p:spPr>
+          <p:style>
+            <a:lnRef idx="1">
+              <a:schemeClr val="accent1"/>
+            </a:lnRef>
+            <a:fillRef idx="0">
+              <a:schemeClr val="accent1"/>
+            </a:fillRef>
+            <a:effectRef idx="0">
+              <a:schemeClr val="accent1"/>
+            </a:effectRef>
+            <a:fontRef idx="minor">
+              <a:schemeClr val="tx1"/>
+            </a:fontRef>
+          </p:style>
+        </p:cxnSp>
+        <p:cxnSp>
+          <p:nvCxnSpPr>
+            <p:cNvPr id="56" name="Straight Arrow Connector 55"/>
+            <p:cNvCxnSpPr>
+              <a:stCxn id="62" idx="3"/>
+            </p:cNvCxnSpPr>
+            <p:nvPr/>
+          </p:nvCxnSpPr>
+          <p:spPr>
+            <a:xfrm>
+              <a:off x="6297072" y="3213377"/>
+              <a:ext cx="321791" cy="1073"/>
+            </a:xfrm>
+            <a:prstGeom prst="straightConnector1">
+              <a:avLst/>
+            </a:prstGeom>
+            <a:ln w="19050">
+              <a:solidFill>
+                <a:schemeClr val="tx1"/>
+              </a:solidFill>
+              <a:headEnd type="none" w="med" len="med"/>
+              <a:tailEnd type="arrow" w="med" len="med"/>
+            </a:ln>
+          </p:spPr>
+          <p:style>
+            <a:lnRef idx="1">
+              <a:schemeClr val="accent1"/>
+            </a:lnRef>
+            <a:fillRef idx="0">
+              <a:schemeClr val="accent1"/>
+            </a:fillRef>
+            <a:effectRef idx="0">
+              <a:schemeClr val="accent1"/>
+            </a:effectRef>
+            <a:fontRef idx="minor">
+              <a:schemeClr val="tx1"/>
+            </a:fontRef>
+          </p:style>
+        </p:cxnSp>
+        <mc:AlternateContent xmlns:mc="http://schemas.openxmlformats.org/markup-compatibility/2006">
+          <mc:Choice xmlns:a14="http://schemas.microsoft.com/office/drawing/2010/main" Requires="a14">
+            <p:sp>
+              <p:nvSpPr>
+                <p:cNvPr id="57" name="Rectangle 56"/>
+                <p:cNvSpPr/>
+                <p:nvPr/>
+              </p:nvSpPr>
+              <p:spPr>
+                <a:xfrm>
+                  <a:off x="5149727" y="3064869"/>
+                  <a:ext cx="353314" cy="299115"/>
+                </a:xfrm>
+                <a:prstGeom prst="rect">
+                  <a:avLst/>
+                </a:prstGeom>
+                <a:ln>
+                  <a:noFill/>
+                  <a:headEnd type="none" w="med" len="med"/>
+                  <a:tailEnd type="arrow" w="med" len="med"/>
+                </a:ln>
+              </p:spPr>
+              <p:txBody>
+                <a:bodyPr wrap="none">
+                  <a:spAutoFit/>
+                </a:bodyPr>
+                <a:lstStyle/>
+                <a:p>
+                  <a:pPr/>
+                  <a14:m>
+                    <m:oMathPara xmlns:m="http://schemas.openxmlformats.org/officeDocument/2006/math">
+                      <m:oMathParaPr>
+                        <m:jc m:val="centerGroup"/>
+                      </m:oMathParaPr>
+                      <m:oMath xmlns:m="http://schemas.openxmlformats.org/officeDocument/2006/math">
+                        <m:r>
+                          <a:rPr lang="en-US" b="0" i="1" smtClean="0">
+                            <a:latin typeface="Cambria Math" panose="02040503050406030204" pitchFamily="18" charset="0"/>
+                          </a:rPr>
+                          <m:t>…</m:t>
+                        </m:r>
+                      </m:oMath>
+                    </m:oMathPara>
+                  </a14:m>
+                  <a:endParaRPr lang="en-US" dirty="0"/>
+                </a:p>
+              </p:txBody>
+            </p:sp>
+          </mc:Choice>
+          <mc:Fallback>
+            <p:sp>
+              <p:nvSpPr>
+                <p:cNvPr id="57" name="Rectangle 56"/>
+                <p:cNvSpPr>
+                  <a:spLocks noRot="1" noChangeAspect="1" noMove="1" noResize="1" noEditPoints="1" noAdjustHandles="1" noChangeArrowheads="1" noChangeShapeType="1" noTextEdit="1"/>
+                </p:cNvSpPr>
+                <p:nvPr/>
+              </p:nvSpPr>
+              <p:spPr>
+                <a:xfrm>
+                  <a:off x="5149727" y="3064869"/>
+                  <a:ext cx="353314" cy="299115"/>
+                </a:xfrm>
+                <a:prstGeom prst="rect">
+                  <a:avLst/>
+                </a:prstGeom>
+                <a:blipFill>
+                  <a:blip r:embed="rId3"/>
+                  <a:stretch>
+                    <a:fillRect/>
+                  </a:stretch>
+                </a:blipFill>
+                <a:ln>
+                  <a:noFill/>
+                  <a:headEnd type="none" w="med" len="med"/>
+                  <a:tailEnd type="arrow" w="med" len="med"/>
+                </a:ln>
+              </p:spPr>
+              <p:txBody>
+                <a:bodyPr/>
+                <a:lstStyle/>
+                <a:p>
+                  <a:r>
+                    <a:rPr lang="en-US">
+                      <a:noFill/>
+                    </a:rPr>
+                    <a:t> </a:t>
+                  </a:r>
+                </a:p>
+              </p:txBody>
+            </p:sp>
+          </mc:Fallback>
+        </mc:AlternateContent>
+        <p:sp>
+          <p:nvSpPr>
+            <p:cNvPr id="58" name="Rounded Rectangle 57"/>
+            <p:cNvSpPr/>
+            <p:nvPr/>
+          </p:nvSpPr>
+          <p:spPr>
+            <a:xfrm>
+              <a:off x="2551502" y="3044486"/>
+              <a:ext cx="370605" cy="337781"/>
+            </a:xfrm>
+            <a:prstGeom prst="roundRect">
+              <a:avLst/>
+            </a:prstGeom>
+          </p:spPr>
+          <p:style>
+            <a:lnRef idx="2">
+              <a:schemeClr val="accent3">
+                <a:shade val="50000"/>
+              </a:schemeClr>
+            </a:lnRef>
+            <a:fillRef idx="1">
+              <a:schemeClr val="accent3"/>
+            </a:fillRef>
+            <a:effectRef idx="0">
+              <a:schemeClr val="accent3"/>
+            </a:effectRef>
+            <a:fontRef idx="minor">
+              <a:schemeClr val="lt1"/>
+            </a:fontRef>
+          </p:style>
+          <p:txBody>
+            <a:bodyPr rtlCol="0" anchor="ctr"/>
+            <a:lstStyle/>
+            <a:p>
+              <a:pPr algn="ctr"/>
+              <a:endParaRPr lang="en-US" sz="1200" b="1"/>
+            </a:p>
+          </p:txBody>
+        </p:sp>
+        <p:sp>
+          <p:nvSpPr>
+            <p:cNvPr id="60" name="Rounded Rectangle 59"/>
+            <p:cNvSpPr/>
+            <p:nvPr/>
+          </p:nvSpPr>
+          <p:spPr>
+            <a:xfrm>
+              <a:off x="3547714" y="3051801"/>
+              <a:ext cx="370605" cy="337781"/>
+            </a:xfrm>
+            <a:prstGeom prst="roundRect">
+              <a:avLst/>
+            </a:prstGeom>
+          </p:spPr>
+          <p:style>
+            <a:lnRef idx="2">
+              <a:schemeClr val="accent3">
+                <a:shade val="50000"/>
+              </a:schemeClr>
+            </a:lnRef>
+            <a:fillRef idx="1">
+              <a:schemeClr val="accent3"/>
+            </a:fillRef>
+            <a:effectRef idx="0">
+              <a:schemeClr val="accent3"/>
+            </a:effectRef>
+            <a:fontRef idx="minor">
+              <a:schemeClr val="lt1"/>
+            </a:fontRef>
+          </p:style>
+          <p:txBody>
+            <a:bodyPr rtlCol="0" anchor="ctr"/>
+            <a:lstStyle/>
+            <a:p>
+              <a:pPr algn="ctr"/>
+              <a:endParaRPr lang="en-US" sz="1200" b="1"/>
+            </a:p>
+          </p:txBody>
+        </p:sp>
+        <p:sp>
+          <p:nvSpPr>
+            <p:cNvPr id="61" name="Rounded Rectangle 60"/>
+            <p:cNvSpPr/>
+            <p:nvPr/>
+          </p:nvSpPr>
+          <p:spPr>
+            <a:xfrm>
+              <a:off x="4478802" y="3051801"/>
+              <a:ext cx="370605" cy="337781"/>
+            </a:xfrm>
+            <a:prstGeom prst="roundRect">
+              <a:avLst/>
+            </a:prstGeom>
+          </p:spPr>
+          <p:style>
+            <a:lnRef idx="2">
+              <a:schemeClr val="accent3">
+                <a:shade val="50000"/>
+              </a:schemeClr>
+            </a:lnRef>
+            <a:fillRef idx="1">
+              <a:schemeClr val="accent3"/>
+            </a:fillRef>
+            <a:effectRef idx="0">
+              <a:schemeClr val="accent3"/>
+            </a:effectRef>
+            <a:fontRef idx="minor">
+              <a:schemeClr val="lt1"/>
+            </a:fontRef>
+          </p:style>
+          <p:txBody>
+            <a:bodyPr rtlCol="0" anchor="ctr"/>
+            <a:lstStyle/>
+            <a:p>
+              <a:pPr algn="ctr"/>
+              <a:endParaRPr lang="en-US" sz="1200" b="1"/>
+            </a:p>
+          </p:txBody>
+        </p:sp>
+        <p:sp>
+          <p:nvSpPr>
+            <p:cNvPr id="62" name="Rounded Rectangle 61"/>
+            <p:cNvSpPr/>
+            <p:nvPr/>
+          </p:nvSpPr>
+          <p:spPr>
+            <a:xfrm>
+              <a:off x="5926467" y="3044486"/>
+              <a:ext cx="370605" cy="337781"/>
+            </a:xfrm>
+            <a:prstGeom prst="roundRect">
+              <a:avLst/>
+            </a:prstGeom>
+          </p:spPr>
+          <p:style>
+            <a:lnRef idx="2">
+              <a:schemeClr val="accent3">
+                <a:shade val="50000"/>
+              </a:schemeClr>
+            </a:lnRef>
+            <a:fillRef idx="1">
+              <a:schemeClr val="accent3"/>
+            </a:fillRef>
+            <a:effectRef idx="0">
+              <a:schemeClr val="accent3"/>
+            </a:effectRef>
+            <a:fontRef idx="minor">
+              <a:schemeClr val="lt1"/>
+            </a:fontRef>
+          </p:style>
+          <p:txBody>
+            <a:bodyPr rtlCol="0" anchor="ctr"/>
+            <a:lstStyle/>
+            <a:p>
+              <a:pPr algn="ctr"/>
+              <a:endParaRPr lang="en-US" sz="1200" b="1"/>
+            </a:p>
+          </p:txBody>
+        </p:sp>
+        <mc:AlternateContent xmlns:mc="http://schemas.openxmlformats.org/markup-compatibility/2006">
+          <mc:Choice xmlns:a14="http://schemas.microsoft.com/office/drawing/2010/main" Requires="a14">
+            <p:sp>
+              <p:nvSpPr>
+                <p:cNvPr id="72" name="Rectangle 71"/>
+                <p:cNvSpPr/>
+                <p:nvPr/>
+              </p:nvSpPr>
+              <p:spPr>
+                <a:xfrm>
+                  <a:off x="4789560" y="2699188"/>
+                  <a:ext cx="353314" cy="299115"/>
+                </a:xfrm>
+                <a:prstGeom prst="rect">
+                  <a:avLst/>
+                </a:prstGeom>
+                <a:ln>
+                  <a:noFill/>
+                  <a:headEnd type="none" w="med" len="med"/>
+                  <a:tailEnd type="arrow" w="med" len="med"/>
+                </a:ln>
+              </p:spPr>
+              <p:txBody>
+                <a:bodyPr wrap="none">
+                  <a:spAutoFit/>
+                </a:bodyPr>
+                <a:lstStyle/>
+                <a:p>
+                  <a:pPr/>
+                  <a14:m>
+                    <m:oMathPara xmlns:m="http://schemas.openxmlformats.org/officeDocument/2006/math">
+                      <m:oMathParaPr>
+                        <m:jc m:val="centerGroup"/>
+                      </m:oMathParaPr>
+                      <m:oMath xmlns:m="http://schemas.openxmlformats.org/officeDocument/2006/math">
+                        <m:r>
+                          <a:rPr lang="en-US" b="0" i="1" smtClean="0">
+                            <a:latin typeface="Cambria Math" panose="02040503050406030204" pitchFamily="18" charset="0"/>
+                          </a:rPr>
+                          <m:t>…</m:t>
+                        </m:r>
+                      </m:oMath>
+                    </m:oMathPara>
+                  </a14:m>
+                  <a:endParaRPr lang="en-US" dirty="0"/>
+                </a:p>
+              </p:txBody>
+            </p:sp>
+          </mc:Choice>
+          <mc:Fallback>
+            <p:sp>
+              <p:nvSpPr>
+                <p:cNvPr id="72" name="Rectangle 71"/>
+                <p:cNvSpPr>
+                  <a:spLocks noRot="1" noChangeAspect="1" noMove="1" noResize="1" noEditPoints="1" noAdjustHandles="1" noChangeArrowheads="1" noChangeShapeType="1" noTextEdit="1"/>
+                </p:cNvSpPr>
+                <p:nvPr/>
+              </p:nvSpPr>
+              <p:spPr>
+                <a:xfrm>
+                  <a:off x="4789560" y="2699188"/>
+                  <a:ext cx="353314" cy="299115"/>
+                </a:xfrm>
+                <a:prstGeom prst="rect">
+                  <a:avLst/>
+                </a:prstGeom>
+                <a:blipFill>
+                  <a:blip r:embed="rId3"/>
+                  <a:stretch>
+                    <a:fillRect/>
+                  </a:stretch>
+                </a:blipFill>
+                <a:ln>
+                  <a:noFill/>
+                  <a:headEnd type="none" w="med" len="med"/>
+                  <a:tailEnd type="arrow" w="med" len="med"/>
+                </a:ln>
+              </p:spPr>
+              <p:txBody>
+                <a:bodyPr/>
+                <a:lstStyle/>
+                <a:p>
+                  <a:r>
+                    <a:rPr lang="en-US">
+                      <a:noFill/>
+                    </a:rPr>
+                    <a:t> </a:t>
+                  </a:r>
+                </a:p>
+              </p:txBody>
+            </p:sp>
+          </mc:Fallback>
+        </mc:AlternateContent>
+        <p:sp>
+          <p:nvSpPr>
+            <p:cNvPr id="73" name="Rounded Rectangle 72"/>
+            <p:cNvSpPr/>
+            <p:nvPr/>
+          </p:nvSpPr>
+          <p:spPr>
+            <a:xfrm>
+              <a:off x="1965546" y="2671940"/>
+              <a:ext cx="370605" cy="337781"/>
+            </a:xfrm>
+            <a:prstGeom prst="roundRect">
+              <a:avLst/>
+            </a:prstGeom>
+          </p:spPr>
+          <p:style>
+            <a:lnRef idx="2">
+              <a:schemeClr val="accent3">
+                <a:shade val="50000"/>
+              </a:schemeClr>
+            </a:lnRef>
+            <a:fillRef idx="1">
+              <a:schemeClr val="accent3"/>
+            </a:fillRef>
+            <a:effectRef idx="0">
+              <a:schemeClr val="accent3"/>
+            </a:effectRef>
+            <a:fontRef idx="minor">
+              <a:schemeClr val="lt1"/>
+            </a:fontRef>
+          </p:style>
+          <p:txBody>
+            <a:bodyPr rtlCol="0" anchor="ctr"/>
+            <a:lstStyle/>
+            <a:p>
+              <a:pPr algn="ctr"/>
+              <a:endParaRPr lang="en-US" sz="1200" b="1"/>
+            </a:p>
+          </p:txBody>
+        </p:sp>
+        <p:sp>
+          <p:nvSpPr>
+            <p:cNvPr id="74" name="Rounded Rectangle 73"/>
+            <p:cNvSpPr/>
+            <p:nvPr/>
+          </p:nvSpPr>
+          <p:spPr>
+            <a:xfrm>
+              <a:off x="2982914" y="2671940"/>
+              <a:ext cx="370605" cy="337781"/>
+            </a:xfrm>
+            <a:prstGeom prst="roundRect">
+              <a:avLst/>
+            </a:prstGeom>
+          </p:spPr>
+          <p:style>
+            <a:lnRef idx="2">
+              <a:schemeClr val="accent3">
+                <a:shade val="50000"/>
+              </a:schemeClr>
+            </a:lnRef>
+            <a:fillRef idx="1">
+              <a:schemeClr val="accent3"/>
+            </a:fillRef>
+            <a:effectRef idx="0">
+              <a:schemeClr val="accent3"/>
+            </a:effectRef>
+            <a:fontRef idx="minor">
+              <a:schemeClr val="lt1"/>
+            </a:fontRef>
+          </p:style>
+          <p:txBody>
+            <a:bodyPr rtlCol="0" anchor="ctr"/>
+            <a:lstStyle/>
+            <a:p>
+              <a:pPr algn="ctr"/>
+              <a:endParaRPr lang="en-US" sz="1200" b="1"/>
+            </a:p>
+          </p:txBody>
+        </p:sp>
+        <p:sp>
+          <p:nvSpPr>
+            <p:cNvPr id="75" name="Rounded Rectangle 74"/>
+            <p:cNvSpPr/>
+            <p:nvPr/>
+          </p:nvSpPr>
+          <p:spPr>
+            <a:xfrm>
+              <a:off x="3929761" y="2673622"/>
+              <a:ext cx="370605" cy="337781"/>
+            </a:xfrm>
+            <a:prstGeom prst="roundRect">
+              <a:avLst/>
+            </a:prstGeom>
+          </p:spPr>
+          <p:style>
+            <a:lnRef idx="2">
+              <a:schemeClr val="accent3">
+                <a:shade val="50000"/>
+              </a:schemeClr>
+            </a:lnRef>
+            <a:fillRef idx="1">
+              <a:schemeClr val="accent3"/>
+            </a:fillRef>
+            <a:effectRef idx="0">
+              <a:schemeClr val="accent3"/>
+            </a:effectRef>
+            <a:fontRef idx="minor">
+              <a:schemeClr val="lt1"/>
+            </a:fontRef>
+          </p:style>
+          <p:txBody>
+            <a:bodyPr rtlCol="0" anchor="ctr"/>
+            <a:lstStyle/>
+            <a:p>
+              <a:pPr algn="ctr"/>
+              <a:endParaRPr lang="en-US" sz="1200" b="1"/>
+            </a:p>
+          </p:txBody>
+        </p:sp>
+        <p:sp>
+          <p:nvSpPr>
+            <p:cNvPr id="76" name="Rounded Rectangle 75"/>
+            <p:cNvSpPr/>
+            <p:nvPr/>
+          </p:nvSpPr>
+          <p:spPr>
+            <a:xfrm>
+              <a:off x="5379233" y="2671941"/>
+              <a:ext cx="370605" cy="337781"/>
+            </a:xfrm>
+            <a:prstGeom prst="roundRect">
+              <a:avLst/>
+            </a:prstGeom>
+          </p:spPr>
+          <p:style>
+            <a:lnRef idx="2">
+              <a:schemeClr val="accent3">
+                <a:shade val="50000"/>
+              </a:schemeClr>
+            </a:lnRef>
+            <a:fillRef idx="1">
+              <a:schemeClr val="accent3"/>
+            </a:fillRef>
+            <a:effectRef idx="0">
+              <a:schemeClr val="accent3"/>
+            </a:effectRef>
+            <a:fontRef idx="minor">
+              <a:schemeClr val="lt1"/>
+            </a:fontRef>
+          </p:style>
+          <p:txBody>
+            <a:bodyPr rtlCol="0" anchor="ctr"/>
+            <a:lstStyle/>
+            <a:p>
+              <a:pPr algn="ctr"/>
+              <a:endParaRPr lang="en-US" sz="1200" b="1"/>
+            </a:p>
+          </p:txBody>
+        </p:sp>
+        <p:cxnSp>
+          <p:nvCxnSpPr>
+            <p:cNvPr id="80" name="Straight Arrow Connector 79"/>
+            <p:cNvCxnSpPr>
+              <a:stCxn id="108" idx="0"/>
+              <a:endCxn id="73" idx="2"/>
+            </p:cNvCxnSpPr>
+            <p:nvPr/>
+          </p:nvCxnSpPr>
+          <p:spPr>
+            <a:xfrm flipH="1" flipV="1">
+              <a:off x="2150849" y="3009721"/>
+              <a:ext cx="587570" cy="663720"/>
+            </a:xfrm>
+            <a:prstGeom prst="straightConnector1">
+              <a:avLst/>
+            </a:prstGeom>
+            <a:ln w="19050">
+              <a:solidFill>
+                <a:schemeClr val="tx1"/>
+              </a:solidFill>
+              <a:headEnd type="none" w="med" len="med"/>
+              <a:tailEnd type="arrow" w="med" len="med"/>
+            </a:ln>
+          </p:spPr>
+          <p:style>
+            <a:lnRef idx="1">
+              <a:schemeClr val="accent1"/>
+            </a:lnRef>
+            <a:fillRef idx="0">
+              <a:schemeClr val="accent1"/>
+            </a:fillRef>
+            <a:effectRef idx="0">
+              <a:schemeClr val="accent1"/>
+            </a:effectRef>
+            <a:fontRef idx="minor">
+              <a:schemeClr val="tx1"/>
+            </a:fontRef>
+          </p:style>
+        </p:cxnSp>
+        <p:cxnSp>
+          <p:nvCxnSpPr>
+            <p:cNvPr id="84" name="Straight Arrow Connector 83"/>
+            <p:cNvCxnSpPr>
+              <a:stCxn id="74" idx="1"/>
+              <a:endCxn id="73" idx="3"/>
+            </p:cNvCxnSpPr>
+            <p:nvPr/>
+          </p:nvCxnSpPr>
+          <p:spPr>
+            <a:xfrm flipH="1">
+              <a:off x="2336151" y="2840831"/>
+              <a:ext cx="646763" cy="0"/>
+            </a:xfrm>
+            <a:prstGeom prst="straightConnector1">
+              <a:avLst/>
+            </a:prstGeom>
+            <a:ln w="19050">
+              <a:solidFill>
+                <a:schemeClr val="tx1"/>
+              </a:solidFill>
+              <a:headEnd type="none" w="med" len="med"/>
+              <a:tailEnd type="arrow" w="med" len="med"/>
+            </a:ln>
+          </p:spPr>
+          <p:style>
+            <a:lnRef idx="1">
+              <a:schemeClr val="accent1"/>
+            </a:lnRef>
+            <a:fillRef idx="0">
+              <a:schemeClr val="accent1"/>
+            </a:fillRef>
+            <a:effectRef idx="0">
+              <a:schemeClr val="accent1"/>
+            </a:effectRef>
+            <a:fontRef idx="minor">
+              <a:schemeClr val="tx1"/>
+            </a:fontRef>
+          </p:style>
+        </p:cxnSp>
+        <p:cxnSp>
+          <p:nvCxnSpPr>
+            <p:cNvPr id="89" name="Straight Arrow Connector 88"/>
+            <p:cNvCxnSpPr>
+              <a:stCxn id="75" idx="1"/>
+              <a:endCxn id="74" idx="3"/>
+            </p:cNvCxnSpPr>
+            <p:nvPr/>
+          </p:nvCxnSpPr>
+          <p:spPr>
+            <a:xfrm flipH="1" flipV="1">
+              <a:off x="3353519" y="2840831"/>
+              <a:ext cx="576242" cy="1682"/>
+            </a:xfrm>
+            <a:prstGeom prst="straightConnector1">
+              <a:avLst/>
+            </a:prstGeom>
+            <a:ln w="19050">
+              <a:solidFill>
+                <a:schemeClr val="tx1"/>
+              </a:solidFill>
+              <a:headEnd type="none" w="med" len="med"/>
+              <a:tailEnd type="arrow" w="med" len="med"/>
+            </a:ln>
+          </p:spPr>
+          <p:style>
+            <a:lnRef idx="1">
+              <a:schemeClr val="accent1"/>
+            </a:lnRef>
+            <a:fillRef idx="0">
+              <a:schemeClr val="accent1"/>
+            </a:fillRef>
+            <a:effectRef idx="0">
+              <a:schemeClr val="accent1"/>
+            </a:effectRef>
+            <a:fontRef idx="minor">
+              <a:schemeClr val="tx1"/>
+            </a:fontRef>
+          </p:style>
+        </p:cxnSp>
+        <p:cxnSp>
+          <p:nvCxnSpPr>
+            <p:cNvPr id="92" name="Straight Arrow Connector 91"/>
+            <p:cNvCxnSpPr>
+              <a:stCxn id="72" idx="1"/>
+              <a:endCxn id="75" idx="3"/>
+            </p:cNvCxnSpPr>
+            <p:nvPr/>
+          </p:nvCxnSpPr>
+          <p:spPr>
+            <a:xfrm flipH="1" flipV="1">
+              <a:off x="4300366" y="2842513"/>
+              <a:ext cx="489194" cy="6233"/>
+            </a:xfrm>
+            <a:prstGeom prst="straightConnector1">
+              <a:avLst/>
+            </a:prstGeom>
+            <a:ln w="19050">
+              <a:solidFill>
+                <a:schemeClr val="tx1"/>
+              </a:solidFill>
+              <a:headEnd type="none" w="med" len="med"/>
+              <a:tailEnd type="arrow" w="med" len="med"/>
+            </a:ln>
+          </p:spPr>
+          <p:style>
+            <a:lnRef idx="1">
+              <a:schemeClr val="accent1"/>
+            </a:lnRef>
+            <a:fillRef idx="0">
+              <a:schemeClr val="accent1"/>
+            </a:fillRef>
+            <a:effectRef idx="0">
+              <a:schemeClr val="accent1"/>
+            </a:effectRef>
+            <a:fontRef idx="minor">
+              <a:schemeClr val="tx1"/>
+            </a:fontRef>
+          </p:style>
+        </p:cxnSp>
+        <p:cxnSp>
+          <p:nvCxnSpPr>
+            <p:cNvPr id="94" name="Straight Arrow Connector 93"/>
+            <p:cNvCxnSpPr>
+              <a:stCxn id="76" idx="1"/>
+              <a:endCxn id="72" idx="3"/>
+            </p:cNvCxnSpPr>
+            <p:nvPr/>
+          </p:nvCxnSpPr>
+          <p:spPr>
+            <a:xfrm flipH="1">
+              <a:off x="5142874" y="2840832"/>
+              <a:ext cx="236359" cy="7914"/>
+            </a:xfrm>
+            <a:prstGeom prst="straightConnector1">
+              <a:avLst/>
+            </a:prstGeom>
+            <a:ln w="19050">
+              <a:solidFill>
+                <a:schemeClr val="tx1"/>
+              </a:solidFill>
+              <a:headEnd type="none" w="med" len="med"/>
+              <a:tailEnd type="arrow" w="med" len="med"/>
+            </a:ln>
+          </p:spPr>
+          <p:style>
+            <a:lnRef idx="1">
+              <a:schemeClr val="accent1"/>
+            </a:lnRef>
+            <a:fillRef idx="0">
+              <a:schemeClr val="accent1"/>
+            </a:fillRef>
+            <a:effectRef idx="0">
+              <a:schemeClr val="accent1"/>
+            </a:effectRef>
+            <a:fontRef idx="minor">
+              <a:schemeClr val="tx1"/>
+            </a:fontRef>
+          </p:style>
+        </p:cxnSp>
+        <p:cxnSp>
+          <p:nvCxnSpPr>
+            <p:cNvPr id="100" name="Straight Arrow Connector 99"/>
+            <p:cNvCxnSpPr>
+              <a:endCxn id="76" idx="3"/>
+            </p:cNvCxnSpPr>
+            <p:nvPr/>
+          </p:nvCxnSpPr>
+          <p:spPr>
+            <a:xfrm flipH="1">
+              <a:off x="5749838" y="2834974"/>
+              <a:ext cx="754331" cy="5857"/>
+            </a:xfrm>
+            <a:prstGeom prst="straightConnector1">
+              <a:avLst/>
+            </a:prstGeom>
+            <a:ln w="19050">
+              <a:solidFill>
+                <a:schemeClr val="tx1"/>
+              </a:solidFill>
+              <a:headEnd type="none" w="med" len="med"/>
+              <a:tailEnd type="arrow" w="med" len="med"/>
+            </a:ln>
+          </p:spPr>
+          <p:style>
+            <a:lnRef idx="1">
+              <a:schemeClr val="accent1"/>
+            </a:lnRef>
+            <a:fillRef idx="0">
+              <a:schemeClr val="accent1"/>
+            </a:fillRef>
+            <a:effectRef idx="0">
+              <a:schemeClr val="accent1"/>
+            </a:effectRef>
+            <a:fontRef idx="minor">
+              <a:schemeClr val="tx1"/>
+            </a:fontRef>
+          </p:style>
+        </p:cxnSp>
+        <p:cxnSp>
+          <p:nvCxnSpPr>
+            <p:cNvPr id="101" name="Straight Arrow Connector 100"/>
+            <p:cNvCxnSpPr>
+              <a:stCxn id="73" idx="1"/>
+            </p:cNvCxnSpPr>
+            <p:nvPr/>
+          </p:nvCxnSpPr>
+          <p:spPr>
+            <a:xfrm flipH="1">
+              <a:off x="1557911" y="2840831"/>
+              <a:ext cx="407635" cy="1951"/>
+            </a:xfrm>
+            <a:prstGeom prst="straightConnector1">
+              <a:avLst/>
+            </a:prstGeom>
+            <a:ln w="19050">
+              <a:solidFill>
+                <a:schemeClr val="tx1"/>
+              </a:solidFill>
+              <a:headEnd type="none" w="med" len="med"/>
+              <a:tailEnd type="arrow" w="med" len="med"/>
+            </a:ln>
+          </p:spPr>
+          <p:style>
+            <a:lnRef idx="1">
+              <a:schemeClr val="accent1"/>
+            </a:lnRef>
+            <a:fillRef idx="0">
+              <a:schemeClr val="accent1"/>
+            </a:fillRef>
+            <a:effectRef idx="0">
+              <a:schemeClr val="accent1"/>
+            </a:effectRef>
+            <a:fontRef idx="minor">
+              <a:schemeClr val="tx1"/>
+            </a:fontRef>
+          </p:style>
+        </p:cxnSp>
+        <p:sp>
+          <p:nvSpPr>
+            <p:cNvPr id="108" name="Oval 107"/>
+            <p:cNvSpPr/>
+            <p:nvPr/>
+          </p:nvSpPr>
+          <p:spPr>
+            <a:xfrm>
+              <a:off x="2579110" y="3673441"/>
+              <a:ext cx="318617" cy="294891"/>
+            </a:xfrm>
+            <a:prstGeom prst="ellipse">
+              <a:avLst/>
+            </a:prstGeom>
+          </p:spPr>
+          <p:style>
+            <a:lnRef idx="2">
+              <a:schemeClr val="accent1">
+                <a:shade val="50000"/>
+              </a:schemeClr>
+            </a:lnRef>
+            <a:fillRef idx="1">
+              <a:schemeClr val="accent1"/>
+            </a:fillRef>
+            <a:effectRef idx="0">
+              <a:schemeClr val="accent1"/>
+            </a:effectRef>
+            <a:fontRef idx="minor">
+              <a:schemeClr val="lt1"/>
+            </a:fontRef>
+          </p:style>
+          <p:txBody>
+            <a:bodyPr rtlCol="0" anchor="ctr"/>
+            <a:lstStyle/>
+            <a:p>
+              <a:pPr algn="ctr"/>
+              <a:endParaRPr lang="en-US"/>
+            </a:p>
+          </p:txBody>
+        </p:sp>
+        <p:cxnSp>
+          <p:nvCxnSpPr>
+            <p:cNvPr id="116" name="Straight Arrow Connector 115"/>
+            <p:cNvCxnSpPr>
+              <a:stCxn id="118" idx="0"/>
+              <a:endCxn id="60" idx="2"/>
+            </p:cNvCxnSpPr>
+            <p:nvPr/>
+          </p:nvCxnSpPr>
+          <p:spPr>
+            <a:xfrm flipH="1" flipV="1">
+              <a:off x="3733017" y="3389582"/>
+              <a:ext cx="2198" cy="283858"/>
+            </a:xfrm>
+            <a:prstGeom prst="straightConnector1">
+              <a:avLst/>
+            </a:prstGeom>
+            <a:ln w="19050">
+              <a:solidFill>
+                <a:schemeClr val="tx1"/>
+              </a:solidFill>
+              <a:headEnd type="none" w="med" len="med"/>
+              <a:tailEnd type="arrow" w="med" len="med"/>
+            </a:ln>
+          </p:spPr>
+          <p:style>
+            <a:lnRef idx="1">
+              <a:schemeClr val="accent1"/>
+            </a:lnRef>
+            <a:fillRef idx="0">
+              <a:schemeClr val="accent1"/>
+            </a:fillRef>
+            <a:effectRef idx="0">
+              <a:schemeClr val="accent1"/>
+            </a:effectRef>
+            <a:fontRef idx="minor">
+              <a:schemeClr val="tx1"/>
+            </a:fontRef>
+          </p:style>
+        </p:cxnSp>
+        <p:cxnSp>
+          <p:nvCxnSpPr>
+            <p:cNvPr id="117" name="Straight Arrow Connector 116"/>
+            <p:cNvCxnSpPr>
+              <a:stCxn id="118" idx="0"/>
+              <a:endCxn id="74" idx="2"/>
+            </p:cNvCxnSpPr>
+            <p:nvPr/>
+          </p:nvCxnSpPr>
+          <p:spPr>
+            <a:xfrm flipH="1" flipV="1">
+              <a:off x="3168217" y="3009721"/>
+              <a:ext cx="566998" cy="663719"/>
+            </a:xfrm>
+            <a:prstGeom prst="straightConnector1">
+              <a:avLst/>
+            </a:prstGeom>
+            <a:ln w="19050">
+              <a:solidFill>
+                <a:schemeClr val="tx1"/>
+              </a:solidFill>
+              <a:headEnd type="none" w="med" len="med"/>
+              <a:tailEnd type="arrow" w="med" len="med"/>
+            </a:ln>
+          </p:spPr>
+          <p:style>
+            <a:lnRef idx="1">
+              <a:schemeClr val="accent1"/>
+            </a:lnRef>
+            <a:fillRef idx="0">
+              <a:schemeClr val="accent1"/>
+            </a:fillRef>
+            <a:effectRef idx="0">
+              <a:schemeClr val="accent1"/>
+            </a:effectRef>
+            <a:fontRef idx="minor">
+              <a:schemeClr val="tx1"/>
+            </a:fontRef>
+          </p:style>
+        </p:cxnSp>
+        <p:sp>
+          <p:nvSpPr>
+            <p:cNvPr id="118" name="Oval 117"/>
+            <p:cNvSpPr/>
+            <p:nvPr/>
+          </p:nvSpPr>
+          <p:spPr>
+            <a:xfrm>
+              <a:off x="3575906" y="3673440"/>
+              <a:ext cx="318617" cy="294891"/>
+            </a:xfrm>
+            <a:prstGeom prst="ellipse">
+              <a:avLst/>
+            </a:prstGeom>
+          </p:spPr>
+          <p:style>
+            <a:lnRef idx="2">
+              <a:schemeClr val="accent1">
+                <a:shade val="50000"/>
+              </a:schemeClr>
+            </a:lnRef>
+            <a:fillRef idx="1">
+              <a:schemeClr val="accent1"/>
+            </a:fillRef>
+            <a:effectRef idx="0">
+              <a:schemeClr val="accent1"/>
+            </a:effectRef>
+            <a:fontRef idx="minor">
+              <a:schemeClr val="lt1"/>
+            </a:fontRef>
+          </p:style>
+          <p:txBody>
+            <a:bodyPr rtlCol="0" anchor="ctr"/>
+            <a:lstStyle/>
+            <a:p>
+              <a:pPr algn="ctr"/>
+              <a:endParaRPr lang="en-US"/>
+            </a:p>
+          </p:txBody>
+        </p:sp>
+        <p:cxnSp>
+          <p:nvCxnSpPr>
+            <p:cNvPr id="123" name="Straight Arrow Connector 122"/>
+            <p:cNvCxnSpPr>
+              <a:stCxn id="125" idx="0"/>
+              <a:endCxn id="61" idx="2"/>
+            </p:cNvCxnSpPr>
+            <p:nvPr/>
+          </p:nvCxnSpPr>
+          <p:spPr>
+            <a:xfrm flipV="1">
+              <a:off x="4664105" y="3389582"/>
+              <a:ext cx="0" cy="253360"/>
+            </a:xfrm>
+            <a:prstGeom prst="straightConnector1">
+              <a:avLst/>
+            </a:prstGeom>
+            <a:ln w="19050">
+              <a:solidFill>
+                <a:schemeClr val="tx1"/>
+              </a:solidFill>
+              <a:headEnd type="none" w="med" len="med"/>
+              <a:tailEnd type="arrow" w="med" len="med"/>
+            </a:ln>
+          </p:spPr>
+          <p:style>
+            <a:lnRef idx="1">
+              <a:schemeClr val="accent1"/>
+            </a:lnRef>
+            <a:fillRef idx="0">
+              <a:schemeClr val="accent1"/>
+            </a:fillRef>
+            <a:effectRef idx="0">
+              <a:schemeClr val="accent1"/>
+            </a:effectRef>
+            <a:fontRef idx="minor">
+              <a:schemeClr val="tx1"/>
+            </a:fontRef>
+          </p:style>
+        </p:cxnSp>
+        <p:cxnSp>
+          <p:nvCxnSpPr>
+            <p:cNvPr id="124" name="Straight Arrow Connector 123"/>
+            <p:cNvCxnSpPr>
+              <a:stCxn id="125" idx="0"/>
+              <a:endCxn id="75" idx="2"/>
+            </p:cNvCxnSpPr>
+            <p:nvPr/>
+          </p:nvCxnSpPr>
+          <p:spPr>
+            <a:xfrm flipH="1" flipV="1">
+              <a:off x="4115064" y="3011403"/>
+              <a:ext cx="549041" cy="631539"/>
+            </a:xfrm>
+            <a:prstGeom prst="straightConnector1">
+              <a:avLst/>
+            </a:prstGeom>
+            <a:ln w="19050">
+              <a:solidFill>
+                <a:schemeClr val="tx1"/>
+              </a:solidFill>
+              <a:headEnd type="none" w="med" len="med"/>
+              <a:tailEnd type="arrow" w="med" len="med"/>
+            </a:ln>
+          </p:spPr>
+          <p:style>
+            <a:lnRef idx="1">
+              <a:schemeClr val="accent1"/>
+            </a:lnRef>
+            <a:fillRef idx="0">
+              <a:schemeClr val="accent1"/>
+            </a:fillRef>
+            <a:effectRef idx="0">
+              <a:schemeClr val="accent1"/>
+            </a:effectRef>
+            <a:fontRef idx="minor">
+              <a:schemeClr val="tx1"/>
+            </a:fontRef>
+          </p:style>
+        </p:cxnSp>
+        <p:sp>
+          <p:nvSpPr>
+            <p:cNvPr id="125" name="Oval 124"/>
+            <p:cNvSpPr/>
+            <p:nvPr/>
+          </p:nvSpPr>
+          <p:spPr>
+            <a:xfrm>
+              <a:off x="4504796" y="3642942"/>
+              <a:ext cx="318617" cy="294891"/>
+            </a:xfrm>
+            <a:prstGeom prst="ellipse">
+              <a:avLst/>
+            </a:prstGeom>
+          </p:spPr>
+          <p:style>
+            <a:lnRef idx="2">
+              <a:schemeClr val="accent1">
+                <a:shade val="50000"/>
+              </a:schemeClr>
+            </a:lnRef>
+            <a:fillRef idx="1">
+              <a:schemeClr val="accent1"/>
+            </a:fillRef>
+            <a:effectRef idx="0">
+              <a:schemeClr val="accent1"/>
+            </a:effectRef>
+            <a:fontRef idx="minor">
+              <a:schemeClr val="lt1"/>
+            </a:fontRef>
+          </p:style>
+          <p:txBody>
+            <a:bodyPr rtlCol="0" anchor="ctr"/>
+            <a:lstStyle/>
+            <a:p>
+              <a:pPr algn="ctr"/>
+              <a:endParaRPr lang="en-US"/>
+            </a:p>
+          </p:txBody>
+        </p:sp>
+        <p:cxnSp>
+          <p:nvCxnSpPr>
+            <p:cNvPr id="126" name="Straight Arrow Connector 125"/>
+            <p:cNvCxnSpPr>
+              <a:stCxn id="128" idx="0"/>
+              <a:endCxn id="62" idx="2"/>
+            </p:cNvCxnSpPr>
+            <p:nvPr/>
+          </p:nvCxnSpPr>
+          <p:spPr>
+            <a:xfrm flipV="1">
+              <a:off x="6076435" y="3382267"/>
+              <a:ext cx="35335" cy="260675"/>
+            </a:xfrm>
+            <a:prstGeom prst="straightConnector1">
+              <a:avLst/>
+            </a:prstGeom>
+            <a:ln w="19050">
+              <a:solidFill>
+                <a:schemeClr val="tx1"/>
+              </a:solidFill>
+              <a:headEnd type="none" w="med" len="med"/>
+              <a:tailEnd type="arrow" w="med" len="med"/>
+            </a:ln>
+          </p:spPr>
+          <p:style>
+            <a:lnRef idx="1">
+              <a:schemeClr val="accent1"/>
+            </a:lnRef>
+            <a:fillRef idx="0">
+              <a:schemeClr val="accent1"/>
+            </a:fillRef>
+            <a:effectRef idx="0">
+              <a:schemeClr val="accent1"/>
+            </a:effectRef>
+            <a:fontRef idx="minor">
+              <a:schemeClr val="tx1"/>
+            </a:fontRef>
+          </p:style>
+        </p:cxnSp>
+        <p:cxnSp>
+          <p:nvCxnSpPr>
+            <p:cNvPr id="127" name="Straight Arrow Connector 126"/>
+            <p:cNvCxnSpPr>
+              <a:stCxn id="128" idx="0"/>
+              <a:endCxn id="76" idx="2"/>
+            </p:cNvCxnSpPr>
+            <p:nvPr/>
+          </p:nvCxnSpPr>
+          <p:spPr>
+            <a:xfrm flipH="1" flipV="1">
+              <a:off x="5564536" y="3009722"/>
+              <a:ext cx="511899" cy="633220"/>
+            </a:xfrm>
+            <a:prstGeom prst="straightConnector1">
+              <a:avLst/>
+            </a:prstGeom>
+            <a:ln w="19050">
+              <a:solidFill>
+                <a:schemeClr val="tx1"/>
+              </a:solidFill>
+              <a:headEnd type="none" w="med" len="med"/>
+              <a:tailEnd type="arrow" w="med" len="med"/>
+            </a:ln>
+          </p:spPr>
+          <p:style>
+            <a:lnRef idx="1">
+              <a:schemeClr val="accent1"/>
+            </a:lnRef>
+            <a:fillRef idx="0">
+              <a:schemeClr val="accent1"/>
+            </a:fillRef>
+            <a:effectRef idx="0">
+              <a:schemeClr val="accent1"/>
+            </a:effectRef>
+            <a:fontRef idx="minor">
+              <a:schemeClr val="tx1"/>
+            </a:fontRef>
+          </p:style>
+        </p:cxnSp>
+        <p:sp>
+          <p:nvSpPr>
+            <p:cNvPr id="128" name="Oval 127"/>
+            <p:cNvSpPr/>
+            <p:nvPr/>
+          </p:nvSpPr>
+          <p:spPr>
+            <a:xfrm>
+              <a:off x="5917126" y="3642942"/>
+              <a:ext cx="318617" cy="294891"/>
+            </a:xfrm>
+            <a:prstGeom prst="ellipse">
+              <a:avLst/>
+            </a:prstGeom>
+          </p:spPr>
+          <p:style>
+            <a:lnRef idx="2">
+              <a:schemeClr val="accent1">
+                <a:shade val="50000"/>
+              </a:schemeClr>
+            </a:lnRef>
+            <a:fillRef idx="1">
+              <a:schemeClr val="accent1"/>
+            </a:fillRef>
+            <a:effectRef idx="0">
+              <a:schemeClr val="accent1"/>
+            </a:effectRef>
+            <a:fontRef idx="minor">
+              <a:schemeClr val="lt1"/>
+            </a:fontRef>
+          </p:style>
+          <p:txBody>
+            <a:bodyPr rtlCol="0" anchor="ctr"/>
+            <a:lstStyle/>
+            <a:p>
+              <a:pPr algn="ctr"/>
+              <a:endParaRPr lang="en-US"/>
+            </a:p>
+          </p:txBody>
+        </p:sp>
+        <p:cxnSp>
+          <p:nvCxnSpPr>
+            <p:cNvPr id="200" name="Straight Arrow Connector 199"/>
+            <p:cNvCxnSpPr>
+              <a:endCxn id="58" idx="1"/>
+            </p:cNvCxnSpPr>
+            <p:nvPr/>
+          </p:nvCxnSpPr>
+          <p:spPr>
+            <a:xfrm>
+              <a:off x="1574426" y="3213375"/>
+              <a:ext cx="977076" cy="2"/>
+            </a:xfrm>
+            <a:prstGeom prst="straightConnector1">
+              <a:avLst/>
+            </a:prstGeom>
+            <a:ln w="19050">
+              <a:solidFill>
+                <a:schemeClr val="tx1"/>
+              </a:solidFill>
+              <a:headEnd type="none" w="med" len="med"/>
+              <a:tailEnd type="arrow" w="med" len="med"/>
+            </a:ln>
+          </p:spPr>
+          <p:style>
+            <a:lnRef idx="1">
+              <a:schemeClr val="accent1"/>
+            </a:lnRef>
+            <a:fillRef idx="0">
+              <a:schemeClr val="accent1"/>
+            </a:fillRef>
+            <a:effectRef idx="0">
+              <a:schemeClr val="accent1"/>
+            </a:effectRef>
+            <a:fontRef idx="minor">
+              <a:schemeClr val="tx1"/>
+            </a:fontRef>
+          </p:style>
+        </p:cxnSp>
+        <p:sp>
+          <p:nvSpPr>
+            <p:cNvPr id="203" name="Oval 202"/>
+            <p:cNvSpPr/>
+            <p:nvPr/>
+          </p:nvSpPr>
+          <p:spPr>
+            <a:xfrm>
+              <a:off x="2016772" y="2125967"/>
+              <a:ext cx="318617" cy="294891"/>
+            </a:xfrm>
+            <a:prstGeom prst="ellipse">
+              <a:avLst/>
+            </a:prstGeom>
+          </p:spPr>
+          <p:style>
+            <a:lnRef idx="2">
+              <a:schemeClr val="accent1">
+                <a:shade val="50000"/>
+              </a:schemeClr>
+            </a:lnRef>
+            <a:fillRef idx="1">
+              <a:schemeClr val="accent1"/>
+            </a:fillRef>
+            <a:effectRef idx="0">
+              <a:schemeClr val="accent1"/>
+            </a:effectRef>
+            <a:fontRef idx="minor">
+              <a:schemeClr val="lt1"/>
+            </a:fontRef>
+          </p:style>
+          <p:txBody>
+            <a:bodyPr rtlCol="0" anchor="ctr"/>
+            <a:lstStyle/>
+            <a:p>
+              <a:pPr algn="ctr"/>
+              <a:endParaRPr lang="en-US"/>
+            </a:p>
+          </p:txBody>
+        </p:sp>
+        <p:cxnSp>
+          <p:nvCxnSpPr>
+            <p:cNvPr id="204" name="Straight Arrow Connector 203"/>
+            <p:cNvCxnSpPr>
+              <a:stCxn id="73" idx="0"/>
+              <a:endCxn id="203" idx="4"/>
+            </p:cNvCxnSpPr>
+            <p:nvPr/>
+          </p:nvCxnSpPr>
+          <p:spPr>
+            <a:xfrm flipV="1">
+              <a:off x="2150849" y="2420858"/>
+              <a:ext cx="25232" cy="251082"/>
+            </a:xfrm>
+            <a:prstGeom prst="straightConnector1">
+              <a:avLst/>
+            </a:prstGeom>
+            <a:ln w="19050">
+              <a:solidFill>
+                <a:schemeClr val="tx1"/>
+              </a:solidFill>
+              <a:headEnd type="none" w="med" len="med"/>
+              <a:tailEnd type="arrow" w="med" len="med"/>
+            </a:ln>
+          </p:spPr>
+          <p:style>
+            <a:lnRef idx="1">
+              <a:schemeClr val="accent1"/>
+            </a:lnRef>
+            <a:fillRef idx="0">
+              <a:schemeClr val="accent1"/>
+            </a:fillRef>
+            <a:effectRef idx="0">
+              <a:schemeClr val="accent1"/>
+            </a:effectRef>
+            <a:fontRef idx="minor">
+              <a:schemeClr val="tx1"/>
+            </a:fontRef>
+          </p:style>
+        </p:cxnSp>
+        <p:cxnSp>
+          <p:nvCxnSpPr>
+            <p:cNvPr id="207" name="Straight Arrow Connector 206"/>
+            <p:cNvCxnSpPr>
+              <a:stCxn id="58" idx="0"/>
+              <a:endCxn id="203" idx="4"/>
+            </p:cNvCxnSpPr>
+            <p:nvPr/>
+          </p:nvCxnSpPr>
+          <p:spPr>
+            <a:xfrm flipH="1" flipV="1">
+              <a:off x="2176081" y="2420858"/>
+              <a:ext cx="560724" cy="623628"/>
+            </a:xfrm>
+            <a:prstGeom prst="straightConnector1">
+              <a:avLst/>
+            </a:prstGeom>
+            <a:ln w="19050">
+              <a:solidFill>
+                <a:schemeClr val="tx1"/>
+              </a:solidFill>
+              <a:headEnd type="none" w="med" len="med"/>
+              <a:tailEnd type="arrow" w="med" len="med"/>
+            </a:ln>
+          </p:spPr>
+          <p:style>
+            <a:lnRef idx="1">
+              <a:schemeClr val="accent1"/>
+            </a:lnRef>
+            <a:fillRef idx="0">
+              <a:schemeClr val="accent1"/>
+            </a:fillRef>
+            <a:effectRef idx="0">
+              <a:schemeClr val="accent1"/>
+            </a:effectRef>
+            <a:fontRef idx="minor">
+              <a:schemeClr val="tx1"/>
+            </a:fontRef>
+          </p:style>
+        </p:cxnSp>
+        <p:sp>
+          <p:nvSpPr>
+            <p:cNvPr id="212" name="Oval 211"/>
+            <p:cNvSpPr/>
+            <p:nvPr/>
+          </p:nvSpPr>
+          <p:spPr>
+            <a:xfrm>
+              <a:off x="3021506" y="2108585"/>
+              <a:ext cx="318617" cy="294891"/>
+            </a:xfrm>
+            <a:prstGeom prst="ellipse">
+              <a:avLst/>
+            </a:prstGeom>
+          </p:spPr>
+          <p:style>
+            <a:lnRef idx="2">
+              <a:schemeClr val="accent1">
+                <a:shade val="50000"/>
+              </a:schemeClr>
+            </a:lnRef>
+            <a:fillRef idx="1">
+              <a:schemeClr val="accent1"/>
+            </a:fillRef>
+            <a:effectRef idx="0">
+              <a:schemeClr val="accent1"/>
+            </a:effectRef>
+            <a:fontRef idx="minor">
+              <a:schemeClr val="lt1"/>
+            </a:fontRef>
+          </p:style>
+          <p:txBody>
+            <a:bodyPr rtlCol="0" anchor="ctr"/>
+            <a:lstStyle/>
+            <a:p>
+              <a:pPr algn="ctr"/>
+              <a:endParaRPr lang="en-US"/>
+            </a:p>
+          </p:txBody>
+        </p:sp>
+        <p:cxnSp>
+          <p:nvCxnSpPr>
+            <p:cNvPr id="213" name="Straight Arrow Connector 212"/>
+            <p:cNvCxnSpPr>
+              <a:stCxn id="74" idx="0"/>
+              <a:endCxn id="212" idx="4"/>
+            </p:cNvCxnSpPr>
+            <p:nvPr/>
+          </p:nvCxnSpPr>
+          <p:spPr>
+            <a:xfrm flipV="1">
+              <a:off x="3168217" y="2403476"/>
+              <a:ext cx="12598" cy="268464"/>
+            </a:xfrm>
+            <a:prstGeom prst="straightConnector1">
+              <a:avLst/>
+            </a:prstGeom>
+            <a:ln w="19050">
+              <a:solidFill>
+                <a:schemeClr val="tx1"/>
+              </a:solidFill>
+              <a:headEnd type="none" w="med" len="med"/>
+              <a:tailEnd type="arrow" w="med" len="med"/>
+            </a:ln>
+          </p:spPr>
+          <p:style>
+            <a:lnRef idx="1">
+              <a:schemeClr val="accent1"/>
+            </a:lnRef>
+            <a:fillRef idx="0">
+              <a:schemeClr val="accent1"/>
+            </a:fillRef>
+            <a:effectRef idx="0">
+              <a:schemeClr val="accent1"/>
+            </a:effectRef>
+            <a:fontRef idx="minor">
+              <a:schemeClr val="tx1"/>
+            </a:fontRef>
+          </p:style>
+        </p:cxnSp>
+        <p:cxnSp>
+          <p:nvCxnSpPr>
+            <p:cNvPr id="214" name="Straight Arrow Connector 213"/>
+            <p:cNvCxnSpPr>
+              <a:stCxn id="60" idx="0"/>
+              <a:endCxn id="244" idx="2"/>
+            </p:cNvCxnSpPr>
+            <p:nvPr/>
+          </p:nvCxnSpPr>
+          <p:spPr>
+            <a:xfrm flipH="1" flipV="1">
+              <a:off x="3188137" y="2394431"/>
+              <a:ext cx="544880" cy="657370"/>
+            </a:xfrm>
+            <a:prstGeom prst="straightConnector1">
+              <a:avLst/>
+            </a:prstGeom>
+            <a:ln w="19050">
+              <a:solidFill>
+                <a:schemeClr val="tx1"/>
+              </a:solidFill>
+              <a:headEnd type="none" w="med" len="med"/>
+              <a:tailEnd type="arrow" w="med" len="med"/>
+            </a:ln>
+          </p:spPr>
+          <p:style>
+            <a:lnRef idx="1">
+              <a:schemeClr val="accent1"/>
+            </a:lnRef>
+            <a:fillRef idx="0">
+              <a:schemeClr val="accent1"/>
+            </a:fillRef>
+            <a:effectRef idx="0">
+              <a:schemeClr val="accent1"/>
+            </a:effectRef>
+            <a:fontRef idx="minor">
+              <a:schemeClr val="tx1"/>
+            </a:fontRef>
+          </p:style>
+        </p:cxnSp>
+        <p:sp>
+          <p:nvSpPr>
+            <p:cNvPr id="215" name="Oval 214"/>
+            <p:cNvSpPr/>
+            <p:nvPr/>
+          </p:nvSpPr>
+          <p:spPr>
+            <a:xfrm>
+              <a:off x="3957162" y="2108373"/>
+              <a:ext cx="318617" cy="294891"/>
+            </a:xfrm>
+            <a:prstGeom prst="ellipse">
+              <a:avLst/>
+            </a:prstGeom>
+          </p:spPr>
+          <p:style>
+            <a:lnRef idx="2">
+              <a:schemeClr val="accent1">
+                <a:shade val="50000"/>
+              </a:schemeClr>
+            </a:lnRef>
+            <a:fillRef idx="1">
+              <a:schemeClr val="accent1"/>
+            </a:fillRef>
+            <a:effectRef idx="0">
+              <a:schemeClr val="accent1"/>
+            </a:effectRef>
+            <a:fontRef idx="minor">
+              <a:schemeClr val="lt1"/>
+            </a:fontRef>
+          </p:style>
+          <p:txBody>
+            <a:bodyPr rtlCol="0" anchor="ctr"/>
+            <a:lstStyle/>
+            <a:p>
+              <a:pPr algn="ctr"/>
+              <a:endParaRPr lang="en-US"/>
+            </a:p>
+          </p:txBody>
+        </p:sp>
+        <p:cxnSp>
+          <p:nvCxnSpPr>
+            <p:cNvPr id="216" name="Straight Arrow Connector 215"/>
+            <p:cNvCxnSpPr>
+              <a:stCxn id="75" idx="0"/>
+              <a:endCxn id="215" idx="4"/>
+            </p:cNvCxnSpPr>
+            <p:nvPr/>
+          </p:nvCxnSpPr>
+          <p:spPr>
+            <a:xfrm flipV="1">
+              <a:off x="4115064" y="2403264"/>
+              <a:ext cx="1407" cy="270358"/>
+            </a:xfrm>
+            <a:prstGeom prst="straightConnector1">
+              <a:avLst/>
+            </a:prstGeom>
+            <a:ln w="19050">
+              <a:solidFill>
+                <a:schemeClr val="tx1"/>
+              </a:solidFill>
+              <a:headEnd type="none" w="med" len="med"/>
+              <a:tailEnd type="arrow" w="med" len="med"/>
+            </a:ln>
+          </p:spPr>
+          <p:style>
+            <a:lnRef idx="1">
+              <a:schemeClr val="accent1"/>
+            </a:lnRef>
+            <a:fillRef idx="0">
+              <a:schemeClr val="accent1"/>
+            </a:fillRef>
+            <a:effectRef idx="0">
+              <a:schemeClr val="accent1"/>
+            </a:effectRef>
+            <a:fontRef idx="minor">
+              <a:schemeClr val="tx1"/>
+            </a:fontRef>
+          </p:style>
+        </p:cxnSp>
+        <p:cxnSp>
+          <p:nvCxnSpPr>
+            <p:cNvPr id="217" name="Straight Arrow Connector 216"/>
+            <p:cNvCxnSpPr>
+              <a:stCxn id="61" idx="0"/>
+              <a:endCxn id="215" idx="4"/>
+            </p:cNvCxnSpPr>
+            <p:nvPr/>
+          </p:nvCxnSpPr>
+          <p:spPr>
+            <a:xfrm flipH="1" flipV="1">
+              <a:off x="4116471" y="2403264"/>
+              <a:ext cx="547634" cy="648537"/>
+            </a:xfrm>
+            <a:prstGeom prst="straightConnector1">
+              <a:avLst/>
+            </a:prstGeom>
+            <a:ln w="19050">
+              <a:solidFill>
+                <a:schemeClr val="tx1"/>
+              </a:solidFill>
+              <a:headEnd type="none" w="med" len="med"/>
+              <a:tailEnd type="arrow" w="med" len="med"/>
+            </a:ln>
+          </p:spPr>
+          <p:style>
+            <a:lnRef idx="1">
+              <a:schemeClr val="accent1"/>
+            </a:lnRef>
+            <a:fillRef idx="0">
+              <a:schemeClr val="accent1"/>
+            </a:fillRef>
+            <a:effectRef idx="0">
+              <a:schemeClr val="accent1"/>
+            </a:effectRef>
+            <a:fontRef idx="minor">
+              <a:schemeClr val="tx1"/>
+            </a:fontRef>
+          </p:style>
+        </p:cxnSp>
+        <p:sp>
+          <p:nvSpPr>
+            <p:cNvPr id="218" name="Oval 217"/>
+            <p:cNvSpPr/>
+            <p:nvPr/>
+          </p:nvSpPr>
+          <p:spPr>
+            <a:xfrm>
+              <a:off x="5421588" y="2099915"/>
+              <a:ext cx="318617" cy="294891"/>
+            </a:xfrm>
+            <a:prstGeom prst="ellipse">
+              <a:avLst/>
+            </a:prstGeom>
+          </p:spPr>
+          <p:style>
+            <a:lnRef idx="2">
+              <a:schemeClr val="accent1">
+                <a:shade val="50000"/>
+              </a:schemeClr>
+            </a:lnRef>
+            <a:fillRef idx="1">
+              <a:schemeClr val="accent1"/>
+            </a:fillRef>
+            <a:effectRef idx="0">
+              <a:schemeClr val="accent1"/>
+            </a:effectRef>
+            <a:fontRef idx="minor">
+              <a:schemeClr val="lt1"/>
+            </a:fontRef>
+          </p:style>
+          <p:txBody>
+            <a:bodyPr rtlCol="0" anchor="ctr"/>
+            <a:lstStyle/>
+            <a:p>
+              <a:pPr algn="ctr"/>
+              <a:endParaRPr lang="en-US"/>
+            </a:p>
+          </p:txBody>
+        </p:sp>
+        <p:cxnSp>
+          <p:nvCxnSpPr>
+            <p:cNvPr id="219" name="Straight Arrow Connector 218"/>
+            <p:cNvCxnSpPr>
+              <a:stCxn id="76" idx="0"/>
+              <a:endCxn id="246" idx="2"/>
+            </p:cNvCxnSpPr>
+            <p:nvPr/>
+          </p:nvCxnSpPr>
+          <p:spPr>
+            <a:xfrm flipV="1">
+              <a:off x="5564536" y="2359208"/>
+              <a:ext cx="25231" cy="312733"/>
+            </a:xfrm>
+            <a:prstGeom prst="straightConnector1">
+              <a:avLst/>
+            </a:prstGeom>
+            <a:ln w="19050">
+              <a:solidFill>
+                <a:schemeClr val="tx1"/>
+              </a:solidFill>
+              <a:headEnd type="none" w="med" len="med"/>
+              <a:tailEnd type="arrow" w="med" len="med"/>
+            </a:ln>
+          </p:spPr>
+          <p:style>
+            <a:lnRef idx="1">
+              <a:schemeClr val="accent1"/>
+            </a:lnRef>
+            <a:fillRef idx="0">
+              <a:schemeClr val="accent1"/>
+            </a:fillRef>
+            <a:effectRef idx="0">
+              <a:schemeClr val="accent1"/>
+            </a:effectRef>
+            <a:fontRef idx="minor">
+              <a:schemeClr val="tx1"/>
+            </a:fontRef>
+          </p:style>
+        </p:cxnSp>
+        <p:cxnSp>
+          <p:nvCxnSpPr>
+            <p:cNvPr id="220" name="Straight Arrow Connector 219"/>
+            <p:cNvCxnSpPr>
+              <a:stCxn id="62" idx="0"/>
+              <a:endCxn id="246" idx="2"/>
+            </p:cNvCxnSpPr>
+            <p:nvPr/>
+          </p:nvCxnSpPr>
+          <p:spPr>
+            <a:xfrm flipH="1" flipV="1">
+              <a:off x="5589767" y="2359208"/>
+              <a:ext cx="522003" cy="685278"/>
+            </a:xfrm>
+            <a:prstGeom prst="straightConnector1">
+              <a:avLst/>
+            </a:prstGeom>
+            <a:ln w="19050">
+              <a:solidFill>
+                <a:schemeClr val="tx1"/>
+              </a:solidFill>
+              <a:headEnd type="none" w="med" len="med"/>
+              <a:tailEnd type="arrow" w="med" len="med"/>
+            </a:ln>
+          </p:spPr>
+          <p:style>
+            <a:lnRef idx="1">
+              <a:schemeClr val="accent1"/>
+            </a:lnRef>
+            <a:fillRef idx="0">
+              <a:schemeClr val="accent1"/>
+            </a:fillRef>
+            <a:effectRef idx="0">
+              <a:schemeClr val="accent1"/>
+            </a:effectRef>
+            <a:fontRef idx="minor">
+              <a:schemeClr val="tx1"/>
+            </a:fontRef>
+          </p:style>
+        </p:cxnSp>
+        <mc:AlternateContent xmlns:mc="http://schemas.openxmlformats.org/markup-compatibility/2006">
+          <mc:Choice xmlns:a14="http://schemas.microsoft.com/office/drawing/2010/main" Requires="a14">
+            <p:sp>
+              <p:nvSpPr>
+                <p:cNvPr id="228" name="Rectangle 227"/>
+                <p:cNvSpPr/>
+                <p:nvPr/>
+              </p:nvSpPr>
+              <p:spPr>
+                <a:xfrm>
+                  <a:off x="2557963" y="3638718"/>
+                  <a:ext cx="394079" cy="299115"/>
+                </a:xfrm>
+                <a:prstGeom prst="rect">
+                  <a:avLst/>
+                </a:prstGeom>
+              </p:spPr>
+              <p:txBody>
+                <a:bodyPr wrap="none">
+                  <a:spAutoFit/>
+                </a:bodyPr>
+                <a:lstStyle/>
+                <a:p>
+                  <a:pPr/>
+                  <a14:m>
+                    <m:oMathPara xmlns:m="http://schemas.openxmlformats.org/officeDocument/2006/math">
+                      <m:oMathParaPr>
+                        <m:jc m:val="centerGroup"/>
+                      </m:oMathParaPr>
+                      <m:oMath xmlns:m="http://schemas.openxmlformats.org/officeDocument/2006/math">
+                        <m:sSub>
+                          <m:sSubPr>
+                            <m:ctrlPr>
+                              <a:rPr lang="en-US" i="1" smtClean="0">
+                                <a:latin typeface="Cambria Math" panose="02040503050406030204" pitchFamily="18" charset="0"/>
+                              </a:rPr>
+                            </m:ctrlPr>
+                          </m:sSubPr>
+                          <m:e>
+                            <m:r>
+                              <a:rPr lang="en-US" i="1">
+                                <a:latin typeface="Cambria Math"/>
+                              </a:rPr>
+                              <m:t>𝑥</m:t>
+                            </m:r>
+                          </m:e>
+                          <m:sub>
+                            <m:r>
+                              <a:rPr lang="en-US" b="0" i="1" smtClean="0">
+                                <a:latin typeface="Cambria Math"/>
+                              </a:rPr>
+                              <m:t>0</m:t>
+                            </m:r>
+                          </m:sub>
+                        </m:sSub>
+                      </m:oMath>
+                    </m:oMathPara>
+                  </a14:m>
+                  <a:endParaRPr lang="en-US" dirty="0"/>
+                </a:p>
+              </p:txBody>
+            </p:sp>
+          </mc:Choice>
+          <mc:Fallback>
+            <p:sp>
+              <p:nvSpPr>
+                <p:cNvPr id="228" name="Rectangle 227"/>
+                <p:cNvSpPr>
+                  <a:spLocks noRot="1" noChangeAspect="1" noMove="1" noResize="1" noEditPoints="1" noAdjustHandles="1" noChangeArrowheads="1" noChangeShapeType="1" noTextEdit="1"/>
+                </p:cNvSpPr>
+                <p:nvPr/>
+              </p:nvSpPr>
+              <p:spPr>
+                <a:xfrm>
+                  <a:off x="2557963" y="3638718"/>
+                  <a:ext cx="394079" cy="299115"/>
+                </a:xfrm>
+                <a:prstGeom prst="rect">
+                  <a:avLst/>
+                </a:prstGeom>
+                <a:blipFill>
+                  <a:blip r:embed="rId4"/>
+                  <a:stretch>
+                    <a:fillRect/>
+                  </a:stretch>
+                </a:blipFill>
+              </p:spPr>
+              <p:txBody>
+                <a:bodyPr/>
+                <a:lstStyle/>
+                <a:p>
+                  <a:r>
+                    <a:rPr lang="en-US">
+                      <a:noFill/>
+                    </a:rPr>
+                    <a:t> </a:t>
+                  </a:r>
+                </a:p>
+              </p:txBody>
+            </p:sp>
+          </mc:Fallback>
+        </mc:AlternateContent>
+        <mc:AlternateContent xmlns:mc="http://schemas.openxmlformats.org/markup-compatibility/2006">
+          <mc:Choice xmlns:a14="http://schemas.microsoft.com/office/drawing/2010/main" Requires="a14">
+            <p:sp>
+              <p:nvSpPr>
+                <p:cNvPr id="240" name="Rectangle 239"/>
+                <p:cNvSpPr/>
+                <p:nvPr/>
+              </p:nvSpPr>
+              <p:spPr>
+                <a:xfrm>
+                  <a:off x="3542165" y="3661369"/>
+                  <a:ext cx="390088" cy="299115"/>
+                </a:xfrm>
+                <a:prstGeom prst="rect">
+                  <a:avLst/>
+                </a:prstGeom>
+              </p:spPr>
+              <p:txBody>
+                <a:bodyPr wrap="none">
+                  <a:spAutoFit/>
+                </a:bodyPr>
+                <a:lstStyle/>
+                <a:p>
+                  <a:pPr/>
+                  <a14:m>
+                    <m:oMathPara xmlns:m="http://schemas.openxmlformats.org/officeDocument/2006/math">
+                      <m:oMathParaPr>
+                        <m:jc m:val="centerGroup"/>
+                      </m:oMathParaPr>
+                      <m:oMath xmlns:m="http://schemas.openxmlformats.org/officeDocument/2006/math">
+                        <m:sSub>
+                          <m:sSubPr>
+                            <m:ctrlPr>
+                              <a:rPr lang="en-US" i="1" smtClean="0">
+                                <a:latin typeface="Cambria Math" panose="02040503050406030204" pitchFamily="18" charset="0"/>
+                              </a:rPr>
+                            </m:ctrlPr>
+                          </m:sSubPr>
+                          <m:e>
+                            <m:r>
+                              <a:rPr lang="en-US" i="1">
+                                <a:latin typeface="Cambria Math"/>
+                              </a:rPr>
+                              <m:t>𝑥</m:t>
+                            </m:r>
+                          </m:e>
+                          <m:sub>
+                            <m:r>
+                              <a:rPr lang="en-US" b="0" i="1" smtClean="0">
+                                <a:latin typeface="Cambria Math"/>
+                              </a:rPr>
+                              <m:t>1</m:t>
+                            </m:r>
+                          </m:sub>
+                        </m:sSub>
+                      </m:oMath>
+                    </m:oMathPara>
+                  </a14:m>
+                  <a:endParaRPr lang="en-US" dirty="0"/>
+                </a:p>
+              </p:txBody>
+            </p:sp>
+          </mc:Choice>
+          <mc:Fallback>
+            <p:sp>
+              <p:nvSpPr>
+                <p:cNvPr id="240" name="Rectangle 239"/>
+                <p:cNvSpPr>
+                  <a:spLocks noRot="1" noChangeAspect="1" noMove="1" noResize="1" noEditPoints="1" noAdjustHandles="1" noChangeArrowheads="1" noChangeShapeType="1" noTextEdit="1"/>
+                </p:cNvSpPr>
+                <p:nvPr/>
+              </p:nvSpPr>
+              <p:spPr>
+                <a:xfrm>
+                  <a:off x="3542165" y="3661369"/>
+                  <a:ext cx="390088" cy="299115"/>
+                </a:xfrm>
+                <a:prstGeom prst="rect">
+                  <a:avLst/>
+                </a:prstGeom>
+                <a:blipFill>
+                  <a:blip r:embed="rId5"/>
+                  <a:stretch>
+                    <a:fillRect/>
+                  </a:stretch>
+                </a:blipFill>
+              </p:spPr>
+              <p:txBody>
+                <a:bodyPr/>
+                <a:lstStyle/>
+                <a:p>
+                  <a:r>
+                    <a:rPr lang="en-US">
+                      <a:noFill/>
+                    </a:rPr>
+                    <a:t> </a:t>
+                  </a:r>
+                </a:p>
+              </p:txBody>
+            </p:sp>
+          </mc:Fallback>
+        </mc:AlternateContent>
+        <mc:AlternateContent xmlns:mc="http://schemas.openxmlformats.org/markup-compatibility/2006">
+          <mc:Choice xmlns:a14="http://schemas.microsoft.com/office/drawing/2010/main" Requires="a14">
+            <p:sp>
+              <p:nvSpPr>
+                <p:cNvPr id="241" name="Rectangle 240"/>
+                <p:cNvSpPr/>
+                <p:nvPr/>
+              </p:nvSpPr>
+              <p:spPr>
+                <a:xfrm>
+                  <a:off x="4499745" y="3609712"/>
+                  <a:ext cx="394079" cy="299115"/>
+                </a:xfrm>
+                <a:prstGeom prst="rect">
+                  <a:avLst/>
+                </a:prstGeom>
+              </p:spPr>
+              <p:txBody>
+                <a:bodyPr wrap="none">
+                  <a:spAutoFit/>
+                </a:bodyPr>
+                <a:lstStyle/>
+                <a:p>
+                  <a:pPr/>
+                  <a14:m>
+                    <m:oMathPara xmlns:m="http://schemas.openxmlformats.org/officeDocument/2006/math">
+                      <m:oMathParaPr>
+                        <m:jc m:val="centerGroup"/>
+                      </m:oMathParaPr>
+                      <m:oMath xmlns:m="http://schemas.openxmlformats.org/officeDocument/2006/math">
+                        <m:sSub>
+                          <m:sSubPr>
+                            <m:ctrlPr>
+                              <a:rPr lang="en-US" i="1" smtClean="0">
+                                <a:latin typeface="Cambria Math" panose="02040503050406030204" pitchFamily="18" charset="0"/>
+                              </a:rPr>
+                            </m:ctrlPr>
+                          </m:sSubPr>
+                          <m:e>
+                            <m:r>
+                              <a:rPr lang="en-US" i="1">
+                                <a:latin typeface="Cambria Math"/>
+                              </a:rPr>
+                              <m:t>𝑥</m:t>
+                            </m:r>
+                          </m:e>
+                          <m:sub>
+                            <m:r>
+                              <a:rPr lang="en-US" b="0" i="1" smtClean="0">
+                                <a:latin typeface="Cambria Math"/>
+                              </a:rPr>
+                              <m:t>2</m:t>
+                            </m:r>
+                          </m:sub>
+                        </m:sSub>
+                      </m:oMath>
+                    </m:oMathPara>
+                  </a14:m>
+                  <a:endParaRPr lang="en-US" dirty="0"/>
+                </a:p>
+              </p:txBody>
+            </p:sp>
+          </mc:Choice>
+          <mc:Fallback>
+            <p:sp>
+              <p:nvSpPr>
+                <p:cNvPr id="241" name="Rectangle 240"/>
+                <p:cNvSpPr>
+                  <a:spLocks noRot="1" noChangeAspect="1" noMove="1" noResize="1" noEditPoints="1" noAdjustHandles="1" noChangeArrowheads="1" noChangeShapeType="1" noTextEdit="1"/>
+                </p:cNvSpPr>
+                <p:nvPr/>
+              </p:nvSpPr>
+              <p:spPr>
+                <a:xfrm>
+                  <a:off x="4499745" y="3609712"/>
+                  <a:ext cx="394079" cy="299115"/>
+                </a:xfrm>
+                <a:prstGeom prst="rect">
+                  <a:avLst/>
+                </a:prstGeom>
+                <a:blipFill>
+                  <a:blip r:embed="rId6"/>
+                  <a:stretch>
+                    <a:fillRect/>
+                  </a:stretch>
+                </a:blipFill>
+              </p:spPr>
+              <p:txBody>
+                <a:bodyPr/>
+                <a:lstStyle/>
+                <a:p>
+                  <a:r>
+                    <a:rPr lang="en-US">
+                      <a:noFill/>
+                    </a:rPr>
+                    <a:t> </a:t>
+                  </a:r>
+                </a:p>
+              </p:txBody>
+            </p:sp>
+          </mc:Fallback>
+        </mc:AlternateContent>
+        <mc:AlternateContent xmlns:mc="http://schemas.openxmlformats.org/markup-compatibility/2006">
+          <mc:Choice xmlns:a14="http://schemas.microsoft.com/office/drawing/2010/main" Requires="a14">
+            <p:sp>
+              <p:nvSpPr>
+                <p:cNvPr id="242" name="Rectangle 241"/>
+                <p:cNvSpPr/>
+                <p:nvPr/>
+              </p:nvSpPr>
+              <p:spPr>
+                <a:xfrm>
+                  <a:off x="5891060" y="3605705"/>
+                  <a:ext cx="370750" cy="299115"/>
+                </a:xfrm>
+                <a:prstGeom prst="rect">
+                  <a:avLst/>
+                </a:prstGeom>
+              </p:spPr>
+              <p:txBody>
+                <a:bodyPr wrap="none">
+                  <a:spAutoFit/>
+                </a:bodyPr>
+                <a:lstStyle/>
+                <a:p>
+                  <a:pPr/>
+                  <a14:m>
+                    <m:oMathPara xmlns:m="http://schemas.openxmlformats.org/officeDocument/2006/math">
+                      <m:oMathParaPr>
+                        <m:jc m:val="centerGroup"/>
+                      </m:oMathParaPr>
+                      <m:oMath xmlns:m="http://schemas.openxmlformats.org/officeDocument/2006/math">
+                        <m:sSub>
+                          <m:sSubPr>
+                            <m:ctrlPr>
+                              <a:rPr lang="en-US" i="1" smtClean="0">
+                                <a:latin typeface="Cambria Math" panose="02040503050406030204" pitchFamily="18" charset="0"/>
+                              </a:rPr>
+                            </m:ctrlPr>
+                          </m:sSubPr>
+                          <m:e>
+                            <m:r>
+                              <a:rPr lang="en-US" i="1">
+                                <a:latin typeface="Cambria Math"/>
+                              </a:rPr>
+                              <m:t>𝑥</m:t>
+                            </m:r>
+                          </m:e>
+                          <m:sub>
+                            <m:r>
+                              <a:rPr lang="en-US" b="0" i="1" smtClean="0">
+                                <a:latin typeface="Cambria Math" panose="02040503050406030204" pitchFamily="18" charset="0"/>
+                              </a:rPr>
+                              <m:t>𝑖</m:t>
+                            </m:r>
+                          </m:sub>
+                        </m:sSub>
+                      </m:oMath>
+                    </m:oMathPara>
+                  </a14:m>
+                  <a:endParaRPr lang="en-US" dirty="0"/>
+                </a:p>
+              </p:txBody>
+            </p:sp>
+          </mc:Choice>
+          <mc:Fallback>
+            <p:sp>
+              <p:nvSpPr>
+                <p:cNvPr id="242" name="Rectangle 241"/>
+                <p:cNvSpPr>
+                  <a:spLocks noRot="1" noChangeAspect="1" noMove="1" noResize="1" noEditPoints="1" noAdjustHandles="1" noChangeArrowheads="1" noChangeShapeType="1" noTextEdit="1"/>
+                </p:cNvSpPr>
+                <p:nvPr/>
+              </p:nvSpPr>
+              <p:spPr>
+                <a:xfrm>
+                  <a:off x="5891060" y="3605705"/>
+                  <a:ext cx="370750" cy="299115"/>
+                </a:xfrm>
+                <a:prstGeom prst="rect">
+                  <a:avLst/>
+                </a:prstGeom>
+                <a:blipFill>
+                  <a:blip r:embed="rId7"/>
+                  <a:stretch>
+                    <a:fillRect/>
+                  </a:stretch>
+                </a:blipFill>
+              </p:spPr>
+              <p:txBody>
+                <a:bodyPr/>
+                <a:lstStyle/>
+                <a:p>
+                  <a:r>
+                    <a:rPr lang="en-US">
+                      <a:noFill/>
+                    </a:rPr>
+                    <a:t> </a:t>
+                  </a:r>
+                </a:p>
+              </p:txBody>
+            </p:sp>
+          </mc:Fallback>
+        </mc:AlternateContent>
+        <mc:AlternateContent xmlns:mc="http://schemas.openxmlformats.org/markup-compatibility/2006">
+          <mc:Choice xmlns:a14="http://schemas.microsoft.com/office/drawing/2010/main" Requires="a14">
+            <p:sp>
+              <p:nvSpPr>
+                <p:cNvPr id="243" name="Rectangle 242"/>
+                <p:cNvSpPr/>
+                <p:nvPr/>
+              </p:nvSpPr>
+              <p:spPr>
+                <a:xfrm>
+                  <a:off x="1963037" y="2086529"/>
+                  <a:ext cx="489375" cy="299115"/>
+                </a:xfrm>
+                <a:prstGeom prst="rect">
+                  <a:avLst/>
+                </a:prstGeom>
+              </p:spPr>
+              <p:txBody>
+                <a:bodyPr wrap="none">
+                  <a:spAutoFit/>
+                </a:bodyPr>
+                <a:lstStyle/>
+                <a:p>
+                  <a:pPr/>
+                  <a14:m>
+                    <m:oMathPara xmlns:m="http://schemas.openxmlformats.org/officeDocument/2006/math">
+                      <m:oMathParaPr>
+                        <m:jc m:val="centerGroup"/>
+                      </m:oMathParaPr>
+                      <m:oMath xmlns:m="http://schemas.openxmlformats.org/officeDocument/2006/math">
+                        <m:sSub>
+                          <m:sSubPr>
+                            <m:ctrlPr>
+                              <a:rPr lang="en-US" i="1" smtClean="0">
+                                <a:latin typeface="Cambria Math" panose="02040503050406030204" pitchFamily="18" charset="0"/>
+                              </a:rPr>
+                            </m:ctrlPr>
+                          </m:sSubPr>
+                          <m:e>
+                            <m:r>
+                              <a:rPr lang="en-US" b="0" i="1" smtClean="0">
+                                <a:latin typeface="Cambria Math"/>
+                              </a:rPr>
+                              <m:t>𝑦</m:t>
+                            </m:r>
+                          </m:e>
+                          <m:sub>
+                            <m:r>
+                              <a:rPr lang="en-US" b="0" i="1" smtClean="0">
+                                <a:latin typeface="Cambria Math"/>
+                              </a:rPr>
+                              <m:t>0</m:t>
+                            </m:r>
+                          </m:sub>
+                        </m:sSub>
+                      </m:oMath>
+                    </m:oMathPara>
+                  </a14:m>
+                  <a:endParaRPr lang="en-US" dirty="0"/>
+                </a:p>
+              </p:txBody>
+            </p:sp>
+          </mc:Choice>
+          <mc:Fallback>
+            <p:sp>
+              <p:nvSpPr>
+                <p:cNvPr id="243" name="Rectangle 242"/>
+                <p:cNvSpPr>
+                  <a:spLocks noRot="1" noChangeAspect="1" noMove="1" noResize="1" noEditPoints="1" noAdjustHandles="1" noChangeArrowheads="1" noChangeShapeType="1" noTextEdit="1"/>
+                </p:cNvSpPr>
+                <p:nvPr/>
+              </p:nvSpPr>
+              <p:spPr>
+                <a:xfrm>
+                  <a:off x="1963037" y="2086529"/>
+                  <a:ext cx="489375" cy="299115"/>
+                </a:xfrm>
+                <a:prstGeom prst="rect">
+                  <a:avLst/>
+                </a:prstGeom>
+                <a:blipFill>
+                  <a:blip r:embed="rId8"/>
+                  <a:stretch>
+                    <a:fillRect b="-6122"/>
+                  </a:stretch>
+                </a:blipFill>
+              </p:spPr>
+              <p:txBody>
+                <a:bodyPr/>
+                <a:lstStyle/>
+                <a:p>
+                  <a:r>
+                    <a:rPr lang="en-US">
+                      <a:noFill/>
+                    </a:rPr>
+                    <a:t> </a:t>
+                  </a:r>
+                </a:p>
+              </p:txBody>
+            </p:sp>
+          </mc:Fallback>
+        </mc:AlternateContent>
+        <mc:AlternateContent xmlns:mc="http://schemas.openxmlformats.org/markup-compatibility/2006">
+          <mc:Choice xmlns:a14="http://schemas.microsoft.com/office/drawing/2010/main" Requires="a14">
+            <p:sp>
+              <p:nvSpPr>
+                <p:cNvPr id="244" name="Rectangle 243"/>
+                <p:cNvSpPr/>
+                <p:nvPr/>
+              </p:nvSpPr>
+              <p:spPr>
+                <a:xfrm>
+                  <a:off x="2945920" y="2095316"/>
+                  <a:ext cx="484433" cy="299115"/>
+                </a:xfrm>
+                <a:prstGeom prst="rect">
+                  <a:avLst/>
+                </a:prstGeom>
+              </p:spPr>
+              <p:txBody>
+                <a:bodyPr wrap="none">
+                  <a:spAutoFit/>
+                </a:bodyPr>
+                <a:lstStyle/>
+                <a:p>
+                  <a:pPr/>
+                  <a14:m>
+                    <m:oMathPara xmlns:m="http://schemas.openxmlformats.org/officeDocument/2006/math">
+                      <m:oMathParaPr>
+                        <m:jc m:val="centerGroup"/>
+                      </m:oMathParaPr>
+                      <m:oMath xmlns:m="http://schemas.openxmlformats.org/officeDocument/2006/math">
+                        <m:sSub>
+                          <m:sSubPr>
+                            <m:ctrlPr>
+                              <a:rPr lang="en-US" i="1" smtClean="0">
+                                <a:latin typeface="Cambria Math" panose="02040503050406030204" pitchFamily="18" charset="0"/>
+                              </a:rPr>
+                            </m:ctrlPr>
+                          </m:sSubPr>
+                          <m:e>
+                            <m:r>
+                              <a:rPr lang="en-US" b="0" i="1" smtClean="0">
+                                <a:latin typeface="Cambria Math"/>
+                              </a:rPr>
+                              <m:t>𝑦</m:t>
+                            </m:r>
+                          </m:e>
+                          <m:sub>
+                            <m:r>
+                              <a:rPr lang="en-US" b="0" i="1" smtClean="0">
+                                <a:latin typeface="Cambria Math"/>
+                              </a:rPr>
+                              <m:t>1</m:t>
+                            </m:r>
+                          </m:sub>
+                        </m:sSub>
+                      </m:oMath>
+                    </m:oMathPara>
+                  </a14:m>
+                  <a:endParaRPr lang="en-US" dirty="0"/>
+                </a:p>
+              </p:txBody>
+            </p:sp>
+          </mc:Choice>
+          <mc:Fallback>
+            <p:sp>
+              <p:nvSpPr>
+                <p:cNvPr id="244" name="Rectangle 243"/>
+                <p:cNvSpPr>
+                  <a:spLocks noRot="1" noChangeAspect="1" noMove="1" noResize="1" noEditPoints="1" noAdjustHandles="1" noChangeArrowheads="1" noChangeShapeType="1" noTextEdit="1"/>
+                </p:cNvSpPr>
+                <p:nvPr/>
+              </p:nvSpPr>
+              <p:spPr>
+                <a:xfrm>
+                  <a:off x="2945920" y="2095316"/>
+                  <a:ext cx="484433" cy="299115"/>
+                </a:xfrm>
+                <a:prstGeom prst="rect">
+                  <a:avLst/>
+                </a:prstGeom>
+                <a:blipFill>
+                  <a:blip r:embed="rId9"/>
+                  <a:stretch>
+                    <a:fillRect b="-6122"/>
+                  </a:stretch>
+                </a:blipFill>
+              </p:spPr>
+              <p:txBody>
+                <a:bodyPr/>
+                <a:lstStyle/>
+                <a:p>
+                  <a:r>
+                    <a:rPr lang="en-US">
+                      <a:noFill/>
+                    </a:rPr>
+                    <a:t> </a:t>
+                  </a:r>
+                </a:p>
+              </p:txBody>
+            </p:sp>
+          </mc:Fallback>
+        </mc:AlternateContent>
+        <mc:AlternateContent xmlns:mc="http://schemas.openxmlformats.org/markup-compatibility/2006">
+          <mc:Choice xmlns:a14="http://schemas.microsoft.com/office/drawing/2010/main" Requires="a14">
+            <p:sp>
+              <p:nvSpPr>
+                <p:cNvPr id="245" name="Rectangle 244"/>
+                <p:cNvSpPr/>
+                <p:nvPr/>
+              </p:nvSpPr>
+              <p:spPr>
+                <a:xfrm>
+                  <a:off x="3887269" y="2079157"/>
+                  <a:ext cx="489375" cy="299115"/>
+                </a:xfrm>
+                <a:prstGeom prst="rect">
+                  <a:avLst/>
+                </a:prstGeom>
+              </p:spPr>
+              <p:txBody>
+                <a:bodyPr wrap="none">
+                  <a:spAutoFit/>
+                </a:bodyPr>
+                <a:lstStyle/>
+                <a:p>
+                  <a:pPr/>
+                  <a14:m>
+                    <m:oMathPara xmlns:m="http://schemas.openxmlformats.org/officeDocument/2006/math">
+                      <m:oMathParaPr>
+                        <m:jc m:val="centerGroup"/>
+                      </m:oMathParaPr>
+                      <m:oMath xmlns:m="http://schemas.openxmlformats.org/officeDocument/2006/math">
+                        <m:sSub>
+                          <m:sSubPr>
+                            <m:ctrlPr>
+                              <a:rPr lang="en-US" i="1" smtClean="0">
+                                <a:latin typeface="Cambria Math" panose="02040503050406030204" pitchFamily="18" charset="0"/>
+                              </a:rPr>
+                            </m:ctrlPr>
+                          </m:sSubPr>
+                          <m:e>
+                            <m:r>
+                              <a:rPr lang="en-US" b="0" i="1" smtClean="0">
+                                <a:latin typeface="Cambria Math"/>
+                              </a:rPr>
+                              <m:t>𝑦</m:t>
+                            </m:r>
+                          </m:e>
+                          <m:sub>
+                            <m:r>
+                              <a:rPr lang="en-US" b="0" i="1" smtClean="0">
+                                <a:latin typeface="Cambria Math"/>
+                              </a:rPr>
+                              <m:t>2</m:t>
+                            </m:r>
+                          </m:sub>
+                        </m:sSub>
+                      </m:oMath>
+                    </m:oMathPara>
+                  </a14:m>
+                  <a:endParaRPr lang="en-US" dirty="0"/>
+                </a:p>
+              </p:txBody>
+            </p:sp>
+          </mc:Choice>
+          <mc:Fallback>
+            <p:sp>
+              <p:nvSpPr>
+                <p:cNvPr id="245" name="Rectangle 244"/>
+                <p:cNvSpPr>
+                  <a:spLocks noRot="1" noChangeAspect="1" noMove="1" noResize="1" noEditPoints="1" noAdjustHandles="1" noChangeArrowheads="1" noChangeShapeType="1" noTextEdit="1"/>
+                </p:cNvSpPr>
+                <p:nvPr/>
+              </p:nvSpPr>
+              <p:spPr>
+                <a:xfrm>
+                  <a:off x="3887269" y="2079157"/>
+                  <a:ext cx="489375" cy="299115"/>
+                </a:xfrm>
+                <a:prstGeom prst="rect">
+                  <a:avLst/>
+                </a:prstGeom>
+                <a:blipFill>
+                  <a:blip r:embed="rId10"/>
+                  <a:stretch>
+                    <a:fillRect b="-6122"/>
+                  </a:stretch>
+                </a:blipFill>
+              </p:spPr>
+              <p:txBody>
+                <a:bodyPr/>
+                <a:lstStyle/>
+                <a:p>
+                  <a:r>
+                    <a:rPr lang="en-US">
+                      <a:noFill/>
+                    </a:rPr>
+                    <a:t> </a:t>
+                  </a:r>
+                </a:p>
+              </p:txBody>
+            </p:sp>
+          </mc:Fallback>
+        </mc:AlternateContent>
+        <mc:AlternateContent xmlns:mc="http://schemas.openxmlformats.org/markup-compatibility/2006">
+          <mc:Choice xmlns:a14="http://schemas.microsoft.com/office/drawing/2010/main" Requires="a14">
+            <p:sp>
+              <p:nvSpPr>
+                <p:cNvPr id="246" name="Rectangle 245"/>
+                <p:cNvSpPr/>
+                <p:nvPr/>
+              </p:nvSpPr>
+              <p:spPr>
+                <a:xfrm>
+                  <a:off x="5359527" y="2060093"/>
+                  <a:ext cx="460480" cy="299115"/>
+                </a:xfrm>
+                <a:prstGeom prst="rect">
+                  <a:avLst/>
+                </a:prstGeom>
+              </p:spPr>
+              <p:txBody>
+                <a:bodyPr wrap="none">
+                  <a:spAutoFit/>
+                </a:bodyPr>
+                <a:lstStyle/>
+                <a:p>
+                  <a:pPr/>
+                  <a14:m>
+                    <m:oMathPara xmlns:m="http://schemas.openxmlformats.org/officeDocument/2006/math">
+                      <m:oMathParaPr>
+                        <m:jc m:val="centerGroup"/>
+                      </m:oMathParaPr>
+                      <m:oMath xmlns:m="http://schemas.openxmlformats.org/officeDocument/2006/math">
+                        <m:sSub>
+                          <m:sSubPr>
+                            <m:ctrlPr>
+                              <a:rPr lang="en-US" i="1" smtClean="0">
+                                <a:latin typeface="Cambria Math" panose="02040503050406030204" pitchFamily="18" charset="0"/>
+                              </a:rPr>
+                            </m:ctrlPr>
+                          </m:sSubPr>
+                          <m:e>
+                            <m:r>
+                              <a:rPr lang="en-US" b="0" i="1" smtClean="0">
+                                <a:latin typeface="Cambria Math"/>
+                              </a:rPr>
+                              <m:t>𝑦</m:t>
+                            </m:r>
+                          </m:e>
+                          <m:sub>
+                            <m:r>
+                              <a:rPr lang="en-US" b="0" i="1" smtClean="0">
+                                <a:latin typeface="Cambria Math" panose="02040503050406030204" pitchFamily="18" charset="0"/>
+                              </a:rPr>
+                              <m:t>𝑖</m:t>
+                            </m:r>
+                          </m:sub>
+                        </m:sSub>
+                      </m:oMath>
+                    </m:oMathPara>
+                  </a14:m>
+                  <a:endParaRPr lang="en-US" dirty="0"/>
+                </a:p>
+              </p:txBody>
+            </p:sp>
+          </mc:Choice>
+          <mc:Fallback>
+            <p:sp>
+              <p:nvSpPr>
+                <p:cNvPr id="246" name="Rectangle 245"/>
+                <p:cNvSpPr>
+                  <a:spLocks noRot="1" noChangeAspect="1" noMove="1" noResize="1" noEditPoints="1" noAdjustHandles="1" noChangeArrowheads="1" noChangeShapeType="1" noTextEdit="1"/>
+                </p:cNvSpPr>
+                <p:nvPr/>
+              </p:nvSpPr>
+              <p:spPr>
+                <a:xfrm>
+                  <a:off x="5359527" y="2060093"/>
+                  <a:ext cx="460480" cy="299115"/>
+                </a:xfrm>
+                <a:prstGeom prst="rect">
+                  <a:avLst/>
+                </a:prstGeom>
+                <a:blipFill>
+                  <a:blip r:embed="rId11"/>
+                  <a:stretch>
+                    <a:fillRect b="-6122"/>
+                  </a:stretch>
+                </a:blipFill>
+              </p:spPr>
+              <p:txBody>
+                <a:bodyPr/>
+                <a:lstStyle/>
+                <a:p>
+                  <a:r>
+                    <a:rPr lang="en-US">
+                      <a:noFill/>
+                    </a:rPr>
+                    <a:t> </a:t>
+                  </a:r>
+                </a:p>
+              </p:txBody>
+            </p:sp>
+          </mc:Fallback>
+        </mc:AlternateContent>
+        <p:sp>
+          <p:nvSpPr>
+            <p:cNvPr id="267" name="Rounded Rectangle 266"/>
+            <p:cNvSpPr/>
+            <p:nvPr/>
+          </p:nvSpPr>
+          <p:spPr>
+            <a:xfrm>
+              <a:off x="1873163" y="1755132"/>
+              <a:ext cx="4196520" cy="271945"/>
+            </a:xfrm>
+            <a:prstGeom prst="roundRect">
+              <a:avLst/>
+            </a:prstGeom>
+          </p:spPr>
+          <p:style>
+            <a:lnRef idx="2">
+              <a:schemeClr val="accent3">
+                <a:shade val="50000"/>
+              </a:schemeClr>
+            </a:lnRef>
+            <a:fillRef idx="1">
+              <a:schemeClr val="accent3"/>
+            </a:fillRef>
+            <a:effectRef idx="0">
+              <a:schemeClr val="accent3"/>
+            </a:effectRef>
+            <a:fontRef idx="minor">
+              <a:schemeClr val="lt1"/>
+            </a:fontRef>
+          </p:style>
+          <p:txBody>
+            <a:bodyPr rtlCol="0" anchor="ctr"/>
+            <a:lstStyle/>
+            <a:p>
+              <a:pPr algn="ctr"/>
+              <a:r>
+                <a:rPr lang="en-US" sz="1200" b="1" smtClean="0"/>
+                <a:t>Linear</a:t>
+              </a:r>
+              <a:endParaRPr lang="en-US" sz="1200" b="1"/>
+            </a:p>
+          </p:txBody>
+        </p:sp>
+        <p:sp>
+          <p:nvSpPr>
+            <p:cNvPr id="268" name="Rounded Rectangle 267"/>
+            <p:cNvSpPr/>
+            <p:nvPr/>
+          </p:nvSpPr>
+          <p:spPr>
+            <a:xfrm>
+              <a:off x="1858902" y="1418451"/>
+              <a:ext cx="4196520" cy="276059"/>
+            </a:xfrm>
+            <a:prstGeom prst="roundRect">
+              <a:avLst/>
+            </a:prstGeom>
+          </p:spPr>
+          <p:style>
+            <a:lnRef idx="2">
+              <a:schemeClr val="accent2">
+                <a:shade val="50000"/>
+              </a:schemeClr>
+            </a:lnRef>
+            <a:fillRef idx="1">
+              <a:schemeClr val="accent2"/>
+            </a:fillRef>
+            <a:effectRef idx="0">
+              <a:schemeClr val="accent2"/>
+            </a:effectRef>
+            <a:fontRef idx="minor">
+              <a:schemeClr val="lt1"/>
+            </a:fontRef>
+          </p:style>
+          <p:txBody>
+            <a:bodyPr rtlCol="0" anchor="ctr"/>
+            <a:lstStyle/>
+            <a:p>
+              <a:pPr algn="ctr"/>
+              <a:r>
+                <a:rPr lang="en-US" sz="1200" b="1" smtClean="0"/>
+                <a:t>Output words</a:t>
+              </a:r>
+              <a:endParaRPr lang="en-US" sz="1200" b="1"/>
+            </a:p>
+          </p:txBody>
+        </p:sp>
+        <p:grpSp>
+          <p:nvGrpSpPr>
+            <p:cNvPr id="285" name="Group 284"/>
+            <p:cNvGrpSpPr/>
+            <p:nvPr/>
+          </p:nvGrpSpPr>
+          <p:grpSpPr>
+            <a:xfrm>
+              <a:off x="2141267" y="1206266"/>
+              <a:ext cx="3339697" cy="223429"/>
+              <a:chOff x="3172691" y="4099173"/>
+              <a:chExt cx="3425154" cy="313500"/>
+            </a:xfrm>
+          </p:grpSpPr>
+          <p:cxnSp>
+            <p:nvCxnSpPr>
+              <p:cNvPr id="286" name="Straight Arrow Connector 285"/>
+              <p:cNvCxnSpPr/>
+              <p:nvPr/>
+            </p:nvCxnSpPr>
+            <p:spPr>
+              <a:xfrm flipV="1">
+                <a:off x="3172691" y="4135584"/>
+                <a:ext cx="0" cy="277089"/>
+              </a:xfrm>
+              <a:prstGeom prst="straightConnector1">
+                <a:avLst/>
+              </a:prstGeom>
+              <a:ln>
+                <a:tailEnd type="triangle"/>
+              </a:ln>
+            </p:spPr>
+            <p:style>
+              <a:lnRef idx="2">
+                <a:schemeClr val="accent4"/>
+              </a:lnRef>
+              <a:fillRef idx="1">
+                <a:schemeClr val="lt1"/>
+              </a:fillRef>
+              <a:effectRef idx="0">
+                <a:schemeClr val="accent4"/>
+              </a:effectRef>
+              <a:fontRef idx="minor">
+                <a:schemeClr val="dk1"/>
               </a:fontRef>
             </p:style>
           </p:cxnSp>
           <p:cxnSp>
             <p:nvCxnSpPr>
-              <p:cNvPr id="49" name="Straight Arrow Connector 48"/>
-              <p:cNvCxnSpPr>
-                <a:stCxn id="57" idx="3"/>
-                <a:endCxn id="62" idx="1"/>
-              </p:cNvCxnSpPr>
+              <p:cNvPr id="287" name="Straight Arrow Connector 286"/>
+              <p:cNvCxnSpPr/>
               <p:nvPr/>
             </p:nvCxnSpPr>
             <p:spPr>
               <a:xfrm flipV="1">
-                <a:off x="5849405" y="3277835"/>
-                <a:ext cx="423426" cy="1050"/>
+                <a:off x="4194463" y="4128657"/>
+                <a:ext cx="0" cy="277089"/>
               </a:xfrm>
               <a:prstGeom prst="straightConnector1">
                 <a:avLst/>
               </a:prstGeom>
-              <a:ln w="19050">
-                <a:solidFill>
-                  <a:schemeClr val="tx1"/>
-                </a:solidFill>
-                <a:headEnd type="none" w="med" len="med"/>
-                <a:tailEnd type="arrow" w="med" len="med"/>
+              <a:ln>
+                <a:tailEnd type="triangle"/>
               </a:ln>
             </p:spPr>
             <p:style>
-              <a:lnRef idx="1">
-                <a:schemeClr val="accent1"/>
+              <a:lnRef idx="2">
+                <a:schemeClr val="accent4"/>
               </a:lnRef>
-              <a:fillRef idx="0">
-                <a:schemeClr val="accent1"/>
+              <a:fillRef idx="1">
+                <a:schemeClr val="lt1"/>
               </a:fillRef>
               <a:effectRef idx="0">
-                <a:schemeClr val="accent1"/>
+                <a:schemeClr val="accent4"/>
               </a:effectRef>
               <a:fontRef idx="minor">
-                <a:schemeClr val="tx1"/>
+                <a:schemeClr val="dk1"/>
               </a:fontRef>
             </p:style>
           </p:cxnSp>
           <p:cxnSp>
             <p:nvCxnSpPr>
-              <p:cNvPr id="56" name="Straight Arrow Connector 55"/>
-              <p:cNvCxnSpPr>
-                <a:stCxn id="62" idx="3"/>
-              </p:cNvCxnSpPr>
+              <p:cNvPr id="288" name="Straight Arrow Connector 287"/>
+              <p:cNvCxnSpPr/>
               <p:nvPr/>
             </p:nvCxnSpPr>
             <p:spPr>
-              <a:xfrm>
-                <a:off x="6643436" y="3277835"/>
-                <a:ext cx="321791" cy="1073"/>
+              <a:xfrm flipV="1">
+                <a:off x="5149376" y="4099173"/>
+                <a:ext cx="0" cy="277089"/>
               </a:xfrm>
               <a:prstGeom prst="straightConnector1">
                 <a:avLst/>
               </a:prstGeom>
-              <a:ln w="19050">
-                <a:solidFill>
-                  <a:schemeClr val="tx1"/>
-                </a:solidFill>
-                <a:headEnd type="none" w="med" len="med"/>
-                <a:tailEnd type="arrow" w="med" len="med"/>
+              <a:ln>
+                <a:tailEnd type="triangle"/>
               </a:ln>
             </p:spPr>
             <p:style>
-              <a:lnRef idx="1">
-                <a:schemeClr val="accent1"/>
+              <a:lnRef idx="2">
+                <a:schemeClr val="accent4"/>
               </a:lnRef>
-              <a:fillRef idx="0">
-                <a:schemeClr val="accent1"/>
+              <a:fillRef idx="1">
+                <a:schemeClr val="lt1"/>
               </a:fillRef>
               <a:effectRef idx="0">
-                <a:schemeClr val="accent1"/>
+                <a:schemeClr val="accent4"/>
               </a:effectRef>
               <a:fontRef idx="minor">
-                <a:schemeClr val="tx1"/>
-              </a:fontRef>
-            </p:style>
-          </p:cxnSp>
-          <mc:AlternateContent xmlns:mc="http://schemas.openxmlformats.org/markup-compatibility/2006">
-            <mc:Choice xmlns:a14="http://schemas.microsoft.com/office/drawing/2010/main" Requires="a14">
-              <p:sp>
-                <p:nvSpPr>
-                  <p:cNvPr id="57" name="Rectangle 56"/>
-                  <p:cNvSpPr/>
-                  <p:nvPr/>
-                </p:nvSpPr>
-                <p:spPr>
-                  <a:xfrm>
-                    <a:off x="5496091" y="3129327"/>
-                    <a:ext cx="353314" cy="299115"/>
-                  </a:xfrm>
-                  <a:prstGeom prst="rect">
-                    <a:avLst/>
-                  </a:prstGeom>
-                  <a:ln>
-                    <a:noFill/>
-                    <a:headEnd type="none" w="med" len="med"/>
-                    <a:tailEnd type="arrow" w="med" len="med"/>
-                  </a:ln>
-                </p:spPr>
-                <p:txBody>
-                  <a:bodyPr wrap="none">
-                    <a:spAutoFit/>
-                  </a:bodyPr>
-                  <a:lstStyle/>
-                  <a:p>
-                    <a:pPr/>
-                    <a14:m>
-                      <m:oMathPara xmlns:m="http://schemas.openxmlformats.org/officeDocument/2006/math">
-                        <m:oMathParaPr>
-                          <m:jc m:val="centerGroup"/>
-                        </m:oMathParaPr>
-                        <m:oMath xmlns:m="http://schemas.openxmlformats.org/officeDocument/2006/math">
-                          <m:r>
-                            <a:rPr lang="en-US" b="0" i="1" smtClean="0">
-                              <a:latin typeface="Cambria Math" panose="02040503050406030204" pitchFamily="18" charset="0"/>
-                            </a:rPr>
-                            <m:t>…</m:t>
-                          </m:r>
-                        </m:oMath>
-                      </m:oMathPara>
-                    </a14:m>
-                    <a:endParaRPr lang="en-US" dirty="0"/>
-                  </a:p>
-                </p:txBody>
-              </p:sp>
-            </mc:Choice>
-            <mc:Fallback>
-              <p:sp>
-                <p:nvSpPr>
-                  <p:cNvPr id="57" name="Rectangle 56"/>
-                  <p:cNvSpPr>
-                    <a:spLocks noRot="1" noChangeAspect="1" noMove="1" noResize="1" noEditPoints="1" noAdjustHandles="1" noChangeArrowheads="1" noChangeShapeType="1" noTextEdit="1"/>
-                  </p:cNvSpPr>
-                  <p:nvPr/>
-                </p:nvSpPr>
-                <p:spPr>
-                  <a:xfrm>
-                    <a:off x="5496091" y="3129327"/>
-                    <a:ext cx="353314" cy="299115"/>
-                  </a:xfrm>
-                  <a:prstGeom prst="rect">
-                    <a:avLst/>
-                  </a:prstGeom>
-                  <a:blipFill>
-                    <a:blip r:embed="rId3"/>
-                    <a:stretch>
-                      <a:fillRect/>
-                    </a:stretch>
-                  </a:blipFill>
-                  <a:ln>
-                    <a:noFill/>
-                    <a:headEnd type="none" w="med" len="med"/>
-                    <a:tailEnd type="arrow" w="med" len="med"/>
-                  </a:ln>
-                </p:spPr>
-                <p:txBody>
-                  <a:bodyPr/>
-                  <a:lstStyle/>
-                  <a:p>
-                    <a:r>
-                      <a:rPr lang="en-US">
-                        <a:noFill/>
-                      </a:rPr>
-                      <a:t> </a:t>
-                    </a:r>
-                  </a:p>
-                </p:txBody>
-              </p:sp>
-            </mc:Fallback>
-          </mc:AlternateContent>
-          <p:sp>
-            <p:nvSpPr>
-              <p:cNvPr id="58" name="Rounded Rectangle 57"/>
-              <p:cNvSpPr/>
-              <p:nvPr/>
-            </p:nvSpPr>
-            <p:spPr>
-              <a:xfrm>
-                <a:off x="2897866" y="3108944"/>
-                <a:ext cx="370605" cy="337781"/>
-              </a:xfrm>
-              <a:prstGeom prst="roundRect">
-                <a:avLst/>
-              </a:prstGeom>
-            </p:spPr>
-            <p:style>
-              <a:lnRef idx="2">
-                <a:schemeClr val="accent3">
-                  <a:shade val="50000"/>
-                </a:schemeClr>
-              </a:lnRef>
-              <a:fillRef idx="1">
-                <a:schemeClr val="accent3"/>
-              </a:fillRef>
-              <a:effectRef idx="0">
-                <a:schemeClr val="accent3"/>
-              </a:effectRef>
-              <a:fontRef idx="minor">
-                <a:schemeClr val="lt1"/>
-              </a:fontRef>
-            </p:style>
-            <p:txBody>
-              <a:bodyPr rtlCol="0" anchor="ctr"/>
-              <a:lstStyle/>
-              <a:p>
-                <a:pPr algn="ctr"/>
-                <a:endParaRPr lang="en-US" sz="1200" b="1"/>
-              </a:p>
-            </p:txBody>
-          </p:sp>
-          <p:sp>
-            <p:nvSpPr>
-              <p:cNvPr id="60" name="Rounded Rectangle 59"/>
-              <p:cNvSpPr/>
-              <p:nvPr/>
-            </p:nvSpPr>
-            <p:spPr>
-              <a:xfrm>
-                <a:off x="3894078" y="3116259"/>
-                <a:ext cx="370605" cy="337781"/>
-              </a:xfrm>
-              <a:prstGeom prst="roundRect">
-                <a:avLst/>
-              </a:prstGeom>
-            </p:spPr>
-            <p:style>
-              <a:lnRef idx="2">
-                <a:schemeClr val="accent3">
-                  <a:shade val="50000"/>
-                </a:schemeClr>
-              </a:lnRef>
-              <a:fillRef idx="1">
-                <a:schemeClr val="accent3"/>
-              </a:fillRef>
-              <a:effectRef idx="0">
-                <a:schemeClr val="accent3"/>
-              </a:effectRef>
-              <a:fontRef idx="minor">
-                <a:schemeClr val="lt1"/>
-              </a:fontRef>
-            </p:style>
-            <p:txBody>
-              <a:bodyPr rtlCol="0" anchor="ctr"/>
-              <a:lstStyle/>
-              <a:p>
-                <a:pPr algn="ctr"/>
-                <a:endParaRPr lang="en-US" sz="1200" b="1"/>
-              </a:p>
-            </p:txBody>
-          </p:sp>
-          <p:sp>
-            <p:nvSpPr>
-              <p:cNvPr id="61" name="Rounded Rectangle 60"/>
-              <p:cNvSpPr/>
-              <p:nvPr/>
-            </p:nvSpPr>
-            <p:spPr>
-              <a:xfrm>
-                <a:off x="4825166" y="3116259"/>
-                <a:ext cx="370605" cy="337781"/>
-              </a:xfrm>
-              <a:prstGeom prst="roundRect">
-                <a:avLst/>
-              </a:prstGeom>
-            </p:spPr>
-            <p:style>
-              <a:lnRef idx="2">
-                <a:schemeClr val="accent3">
-                  <a:shade val="50000"/>
-                </a:schemeClr>
-              </a:lnRef>
-              <a:fillRef idx="1">
-                <a:schemeClr val="accent3"/>
-              </a:fillRef>
-              <a:effectRef idx="0">
-                <a:schemeClr val="accent3"/>
-              </a:effectRef>
-              <a:fontRef idx="minor">
-                <a:schemeClr val="lt1"/>
-              </a:fontRef>
-            </p:style>
-            <p:txBody>
-              <a:bodyPr rtlCol="0" anchor="ctr"/>
-              <a:lstStyle/>
-              <a:p>
-                <a:pPr algn="ctr"/>
-                <a:endParaRPr lang="en-US" sz="1200" b="1"/>
-              </a:p>
-            </p:txBody>
-          </p:sp>
-          <p:sp>
-            <p:nvSpPr>
-              <p:cNvPr id="62" name="Rounded Rectangle 61"/>
-              <p:cNvSpPr/>
-              <p:nvPr/>
-            </p:nvSpPr>
-            <p:spPr>
-              <a:xfrm>
-                <a:off x="6272831" y="3108944"/>
-                <a:ext cx="370605" cy="337781"/>
-              </a:xfrm>
-              <a:prstGeom prst="roundRect">
-                <a:avLst/>
-              </a:prstGeom>
-            </p:spPr>
-            <p:style>
-              <a:lnRef idx="2">
-                <a:schemeClr val="accent3">
-                  <a:shade val="50000"/>
-                </a:schemeClr>
-              </a:lnRef>
-              <a:fillRef idx="1">
-                <a:schemeClr val="accent3"/>
-              </a:fillRef>
-              <a:effectRef idx="0">
-                <a:schemeClr val="accent3"/>
-              </a:effectRef>
-              <a:fontRef idx="minor">
-                <a:schemeClr val="lt1"/>
-              </a:fontRef>
-            </p:style>
-            <p:txBody>
-              <a:bodyPr rtlCol="0" anchor="ctr"/>
-              <a:lstStyle/>
-              <a:p>
-                <a:pPr algn="ctr"/>
-                <a:endParaRPr lang="en-US" sz="1200" b="1"/>
-              </a:p>
-            </p:txBody>
-          </p:sp>
-          <mc:AlternateContent xmlns:mc="http://schemas.openxmlformats.org/markup-compatibility/2006">
-            <mc:Choice xmlns:a14="http://schemas.microsoft.com/office/drawing/2010/main" Requires="a14">
-              <p:sp>
-                <p:nvSpPr>
-                  <p:cNvPr id="72" name="Rectangle 71"/>
-                  <p:cNvSpPr/>
-                  <p:nvPr/>
-                </p:nvSpPr>
-                <p:spPr>
-                  <a:xfrm>
-                    <a:off x="5135924" y="2763646"/>
-                    <a:ext cx="353314" cy="299115"/>
-                  </a:xfrm>
-                  <a:prstGeom prst="rect">
-                    <a:avLst/>
-                  </a:prstGeom>
-                  <a:ln>
-                    <a:noFill/>
-                    <a:headEnd type="none" w="med" len="med"/>
-                    <a:tailEnd type="arrow" w="med" len="med"/>
-                  </a:ln>
-                </p:spPr>
-                <p:txBody>
-                  <a:bodyPr wrap="none">
-                    <a:spAutoFit/>
-                  </a:bodyPr>
-                  <a:lstStyle/>
-                  <a:p>
-                    <a:pPr/>
-                    <a14:m>
-                      <m:oMathPara xmlns:m="http://schemas.openxmlformats.org/officeDocument/2006/math">
-                        <m:oMathParaPr>
-                          <m:jc m:val="centerGroup"/>
-                        </m:oMathParaPr>
-                        <m:oMath xmlns:m="http://schemas.openxmlformats.org/officeDocument/2006/math">
-                          <m:r>
-                            <a:rPr lang="en-US" b="0" i="1" smtClean="0">
-                              <a:latin typeface="Cambria Math" panose="02040503050406030204" pitchFamily="18" charset="0"/>
-                            </a:rPr>
-                            <m:t>…</m:t>
-                          </m:r>
-                        </m:oMath>
-                      </m:oMathPara>
-                    </a14:m>
-                    <a:endParaRPr lang="en-US" dirty="0"/>
-                  </a:p>
-                </p:txBody>
-              </p:sp>
-            </mc:Choice>
-            <mc:Fallback>
-              <p:sp>
-                <p:nvSpPr>
-                  <p:cNvPr id="72" name="Rectangle 71"/>
-                  <p:cNvSpPr>
-                    <a:spLocks noRot="1" noChangeAspect="1" noMove="1" noResize="1" noEditPoints="1" noAdjustHandles="1" noChangeArrowheads="1" noChangeShapeType="1" noTextEdit="1"/>
-                  </p:cNvSpPr>
-                  <p:nvPr/>
-                </p:nvSpPr>
-                <p:spPr>
-                  <a:xfrm>
-                    <a:off x="5135924" y="2763646"/>
-                    <a:ext cx="353314" cy="299115"/>
-                  </a:xfrm>
-                  <a:prstGeom prst="rect">
-                    <a:avLst/>
-                  </a:prstGeom>
-                  <a:blipFill>
-                    <a:blip r:embed="rId3"/>
-                    <a:stretch>
-                      <a:fillRect/>
-                    </a:stretch>
-                  </a:blipFill>
-                  <a:ln>
-                    <a:noFill/>
-                    <a:headEnd type="none" w="med" len="med"/>
-                    <a:tailEnd type="arrow" w="med" len="med"/>
-                  </a:ln>
-                </p:spPr>
-                <p:txBody>
-                  <a:bodyPr/>
-                  <a:lstStyle/>
-                  <a:p>
-                    <a:r>
-                      <a:rPr lang="en-US">
-                        <a:noFill/>
-                      </a:rPr>
-                      <a:t> </a:t>
-                    </a:r>
-                  </a:p>
-                </p:txBody>
-              </p:sp>
-            </mc:Fallback>
-          </mc:AlternateContent>
-          <p:sp>
-            <p:nvSpPr>
-              <p:cNvPr id="73" name="Rounded Rectangle 72"/>
-              <p:cNvSpPr/>
-              <p:nvPr/>
-            </p:nvSpPr>
-            <p:spPr>
-              <a:xfrm>
-                <a:off x="2311910" y="2736398"/>
-                <a:ext cx="370605" cy="337781"/>
-              </a:xfrm>
-              <a:prstGeom prst="roundRect">
-                <a:avLst/>
-              </a:prstGeom>
-            </p:spPr>
-            <p:style>
-              <a:lnRef idx="2">
-                <a:schemeClr val="accent3">
-                  <a:shade val="50000"/>
-                </a:schemeClr>
-              </a:lnRef>
-              <a:fillRef idx="1">
-                <a:schemeClr val="accent3"/>
-              </a:fillRef>
-              <a:effectRef idx="0">
-                <a:schemeClr val="accent3"/>
-              </a:effectRef>
-              <a:fontRef idx="minor">
-                <a:schemeClr val="lt1"/>
-              </a:fontRef>
-            </p:style>
-            <p:txBody>
-              <a:bodyPr rtlCol="0" anchor="ctr"/>
-              <a:lstStyle/>
-              <a:p>
-                <a:pPr algn="ctr"/>
-                <a:endParaRPr lang="en-US" sz="1200" b="1"/>
-              </a:p>
-            </p:txBody>
-          </p:sp>
-          <p:sp>
-            <p:nvSpPr>
-              <p:cNvPr id="74" name="Rounded Rectangle 73"/>
-              <p:cNvSpPr/>
-              <p:nvPr/>
-            </p:nvSpPr>
-            <p:spPr>
-              <a:xfrm>
-                <a:off x="3329278" y="2736398"/>
-                <a:ext cx="370605" cy="337781"/>
-              </a:xfrm>
-              <a:prstGeom prst="roundRect">
-                <a:avLst/>
-              </a:prstGeom>
-            </p:spPr>
-            <p:style>
-              <a:lnRef idx="2">
-                <a:schemeClr val="accent3">
-                  <a:shade val="50000"/>
-                </a:schemeClr>
-              </a:lnRef>
-              <a:fillRef idx="1">
-                <a:schemeClr val="accent3"/>
-              </a:fillRef>
-              <a:effectRef idx="0">
-                <a:schemeClr val="accent3"/>
-              </a:effectRef>
-              <a:fontRef idx="minor">
-                <a:schemeClr val="lt1"/>
-              </a:fontRef>
-            </p:style>
-            <p:txBody>
-              <a:bodyPr rtlCol="0" anchor="ctr"/>
-              <a:lstStyle/>
-              <a:p>
-                <a:pPr algn="ctr"/>
-                <a:endParaRPr lang="en-US" sz="1200" b="1"/>
-              </a:p>
-            </p:txBody>
-          </p:sp>
-          <p:sp>
-            <p:nvSpPr>
-              <p:cNvPr id="75" name="Rounded Rectangle 74"/>
-              <p:cNvSpPr/>
-              <p:nvPr/>
-            </p:nvSpPr>
-            <p:spPr>
-              <a:xfrm>
-                <a:off x="4276125" y="2738080"/>
-                <a:ext cx="370605" cy="337781"/>
-              </a:xfrm>
-              <a:prstGeom prst="roundRect">
-                <a:avLst/>
-              </a:prstGeom>
-            </p:spPr>
-            <p:style>
-              <a:lnRef idx="2">
-                <a:schemeClr val="accent3">
-                  <a:shade val="50000"/>
-                </a:schemeClr>
-              </a:lnRef>
-              <a:fillRef idx="1">
-                <a:schemeClr val="accent3"/>
-              </a:fillRef>
-              <a:effectRef idx="0">
-                <a:schemeClr val="accent3"/>
-              </a:effectRef>
-              <a:fontRef idx="minor">
-                <a:schemeClr val="lt1"/>
-              </a:fontRef>
-            </p:style>
-            <p:txBody>
-              <a:bodyPr rtlCol="0" anchor="ctr"/>
-              <a:lstStyle/>
-              <a:p>
-                <a:pPr algn="ctr"/>
-                <a:endParaRPr lang="en-US" sz="1200" b="1"/>
-              </a:p>
-            </p:txBody>
-          </p:sp>
-          <p:sp>
-            <p:nvSpPr>
-              <p:cNvPr id="76" name="Rounded Rectangle 75"/>
-              <p:cNvSpPr/>
-              <p:nvPr/>
-            </p:nvSpPr>
-            <p:spPr>
-              <a:xfrm>
-                <a:off x="5725597" y="2736399"/>
-                <a:ext cx="370605" cy="337781"/>
-              </a:xfrm>
-              <a:prstGeom prst="roundRect">
-                <a:avLst/>
-              </a:prstGeom>
-            </p:spPr>
-            <p:style>
-              <a:lnRef idx="2">
-                <a:schemeClr val="accent3">
-                  <a:shade val="50000"/>
-                </a:schemeClr>
-              </a:lnRef>
-              <a:fillRef idx="1">
-                <a:schemeClr val="accent3"/>
-              </a:fillRef>
-              <a:effectRef idx="0">
-                <a:schemeClr val="accent3"/>
-              </a:effectRef>
-              <a:fontRef idx="minor">
-                <a:schemeClr val="lt1"/>
-              </a:fontRef>
-            </p:style>
-            <p:txBody>
-              <a:bodyPr rtlCol="0" anchor="ctr"/>
-              <a:lstStyle/>
-              <a:p>
-                <a:pPr algn="ctr"/>
-                <a:endParaRPr lang="en-US" sz="1200" b="1"/>
-              </a:p>
-            </p:txBody>
-          </p:sp>
-          <p:cxnSp>
-            <p:nvCxnSpPr>
-              <p:cNvPr id="80" name="Straight Arrow Connector 79"/>
-              <p:cNvCxnSpPr>
-                <a:stCxn id="108" idx="0"/>
-                <a:endCxn id="73" idx="2"/>
-              </p:cNvCxnSpPr>
-              <p:nvPr/>
-            </p:nvCxnSpPr>
-            <p:spPr>
-              <a:xfrm flipH="1" flipV="1">
-                <a:off x="2497213" y="3074179"/>
-                <a:ext cx="587570" cy="663720"/>
-              </a:xfrm>
-              <a:prstGeom prst="straightConnector1">
-                <a:avLst/>
-              </a:prstGeom>
-              <a:ln w="19050">
-                <a:solidFill>
-                  <a:schemeClr val="tx1"/>
-                </a:solidFill>
-                <a:headEnd type="none" w="med" len="med"/>
-                <a:tailEnd type="arrow" w="med" len="med"/>
-              </a:ln>
-            </p:spPr>
-            <p:style>
-              <a:lnRef idx="1">
-                <a:schemeClr val="accent1"/>
-              </a:lnRef>
-              <a:fillRef idx="0">
-                <a:schemeClr val="accent1"/>
-              </a:fillRef>
-              <a:effectRef idx="0">
-                <a:schemeClr val="accent1"/>
-              </a:effectRef>
-              <a:fontRef idx="minor">
-                <a:schemeClr val="tx1"/>
+                <a:schemeClr val="dk1"/>
               </a:fontRef>
             </p:style>
           </p:cxnSp>
           <p:cxnSp>
             <p:nvCxnSpPr>
-              <p:cNvPr id="84" name="Straight Arrow Connector 83"/>
-              <p:cNvCxnSpPr>
-                <a:stCxn id="74" idx="1"/>
-                <a:endCxn id="73" idx="3"/>
-              </p:cNvCxnSpPr>
+              <p:cNvPr id="289" name="Straight Arrow Connector 288"/>
+              <p:cNvCxnSpPr/>
               <p:nvPr/>
             </p:nvCxnSpPr>
             <p:spPr>
-              <a:xfrm flipH="1">
-                <a:off x="2682515" y="2905289"/>
-                <a:ext cx="646763" cy="0"/>
+              <a:xfrm flipV="1">
+                <a:off x="6597845" y="4106464"/>
+                <a:ext cx="0" cy="277089"/>
               </a:xfrm>
               <a:prstGeom prst="straightConnector1">
                 <a:avLst/>
               </a:prstGeom>
-              <a:ln w="19050">
-                <a:solidFill>
-                  <a:schemeClr val="tx1"/>
-                </a:solidFill>
-                <a:headEnd type="none" w="med" len="med"/>
-                <a:tailEnd type="arrow" w="med" len="med"/>
+              <a:ln>
+                <a:tailEnd type="triangle"/>
               </a:ln>
             </p:spPr>
             <p:style>
-              <a:lnRef idx="1">
-                <a:schemeClr val="accent1"/>
+              <a:lnRef idx="2">
+                <a:schemeClr val="accent4"/>
               </a:lnRef>
-              <a:fillRef idx="0">
-                <a:schemeClr val="accent1"/>
+              <a:fillRef idx="1">
+                <a:schemeClr val="lt1"/>
               </a:fillRef>
               <a:effectRef idx="0">
-                <a:schemeClr val="accent1"/>
+                <a:schemeClr val="accent4"/>
               </a:effectRef>
               <a:fontRef idx="minor">
-                <a:schemeClr val="tx1"/>
+                <a:schemeClr val="dk1"/>
               </a:fontRef>
             </p:style>
           </p:cxnSp>
-          <p:cxnSp>
-            <p:nvCxnSpPr>
-              <p:cNvPr id="89" name="Straight Arrow Connector 88"/>
-              <p:cNvCxnSpPr>
-                <a:stCxn id="75" idx="1"/>
-                <a:endCxn id="74" idx="3"/>
-              </p:cNvCxnSpPr>
-              <p:nvPr/>
-            </p:nvCxnSpPr>
-            <p:spPr>
-              <a:xfrm flipH="1" flipV="1">
-                <a:off x="3699883" y="2905289"/>
-                <a:ext cx="576242" cy="1682"/>
-              </a:xfrm>
-              <a:prstGeom prst="straightConnector1">
-                <a:avLst/>
-              </a:prstGeom>
-              <a:ln w="19050">
-                <a:solidFill>
-                  <a:schemeClr val="tx1"/>
-                </a:solidFill>
-                <a:headEnd type="none" w="med" len="med"/>
-                <a:tailEnd type="arrow" w="med" len="med"/>
-              </a:ln>
-            </p:spPr>
-            <p:style>
-              <a:lnRef idx="1">
-                <a:schemeClr val="accent1"/>
-              </a:lnRef>
-              <a:fillRef idx="0">
-                <a:schemeClr val="accent1"/>
-              </a:fillRef>
-              <a:effectRef idx="0">
-                <a:schemeClr val="accent1"/>
-              </a:effectRef>
-              <a:fontRef idx="minor">
-                <a:schemeClr val="tx1"/>
-              </a:fontRef>
-            </p:style>
-          </p:cxnSp>
-          <p:cxnSp>
-            <p:nvCxnSpPr>
-              <p:cNvPr id="92" name="Straight Arrow Connector 91"/>
-              <p:cNvCxnSpPr>
-                <a:stCxn id="72" idx="1"/>
-                <a:endCxn id="75" idx="3"/>
-              </p:cNvCxnSpPr>
-              <p:nvPr/>
-            </p:nvCxnSpPr>
-            <p:spPr>
-              <a:xfrm flipH="1" flipV="1">
-                <a:off x="4646730" y="2906971"/>
-                <a:ext cx="489194" cy="6233"/>
-              </a:xfrm>
-              <a:prstGeom prst="straightConnector1">
-                <a:avLst/>
-              </a:prstGeom>
-              <a:ln w="19050">
-                <a:solidFill>
-                  <a:schemeClr val="tx1"/>
-                </a:solidFill>
-                <a:headEnd type="none" w="med" len="med"/>
-                <a:tailEnd type="arrow" w="med" len="med"/>
-              </a:ln>
-            </p:spPr>
-            <p:style>
-              <a:lnRef idx="1">
-                <a:schemeClr val="accent1"/>
-              </a:lnRef>
-              <a:fillRef idx="0">
-                <a:schemeClr val="accent1"/>
-              </a:fillRef>
-              <a:effectRef idx="0">
-                <a:schemeClr val="accent1"/>
-              </a:effectRef>
-              <a:fontRef idx="minor">
-                <a:schemeClr val="tx1"/>
-              </a:fontRef>
-            </p:style>
-          </p:cxnSp>
-          <p:cxnSp>
-            <p:nvCxnSpPr>
-              <p:cNvPr id="94" name="Straight Arrow Connector 93"/>
-              <p:cNvCxnSpPr>
-                <a:stCxn id="76" idx="1"/>
-                <a:endCxn id="72" idx="3"/>
-              </p:cNvCxnSpPr>
-              <p:nvPr/>
-            </p:nvCxnSpPr>
-            <p:spPr>
-              <a:xfrm flipH="1">
-                <a:off x="5489238" y="2905290"/>
-                <a:ext cx="236359" cy="7914"/>
-              </a:xfrm>
-              <a:prstGeom prst="straightConnector1">
-                <a:avLst/>
-              </a:prstGeom>
-              <a:ln w="19050">
-                <a:solidFill>
-                  <a:schemeClr val="tx1"/>
-                </a:solidFill>
-                <a:headEnd type="none" w="med" len="med"/>
-                <a:tailEnd type="arrow" w="med" len="med"/>
-              </a:ln>
-            </p:spPr>
-            <p:style>
-              <a:lnRef idx="1">
-                <a:schemeClr val="accent1"/>
-              </a:lnRef>
-              <a:fillRef idx="0">
-                <a:schemeClr val="accent1"/>
-              </a:fillRef>
-              <a:effectRef idx="0">
-                <a:schemeClr val="accent1"/>
-              </a:effectRef>
-              <a:fontRef idx="minor">
-                <a:schemeClr val="tx1"/>
-              </a:fontRef>
-            </p:style>
-          </p:cxnSp>
-          <p:cxnSp>
-            <p:nvCxnSpPr>
-              <p:cNvPr id="100" name="Straight Arrow Connector 99"/>
-              <p:cNvCxnSpPr>
-                <a:endCxn id="76" idx="3"/>
-              </p:cNvCxnSpPr>
-              <p:nvPr/>
-            </p:nvCxnSpPr>
-            <p:spPr>
-              <a:xfrm flipH="1">
-                <a:off x="6096202" y="2899432"/>
-                <a:ext cx="754331" cy="5857"/>
-              </a:xfrm>
-              <a:prstGeom prst="straightConnector1">
-                <a:avLst/>
-              </a:prstGeom>
-              <a:ln w="19050">
-                <a:solidFill>
-                  <a:schemeClr val="tx1"/>
-                </a:solidFill>
-                <a:headEnd type="none" w="med" len="med"/>
-                <a:tailEnd type="arrow" w="med" len="med"/>
-              </a:ln>
-            </p:spPr>
-            <p:style>
-              <a:lnRef idx="1">
-                <a:schemeClr val="accent1"/>
-              </a:lnRef>
-              <a:fillRef idx="0">
-                <a:schemeClr val="accent1"/>
-              </a:fillRef>
-              <a:effectRef idx="0">
-                <a:schemeClr val="accent1"/>
-              </a:effectRef>
-              <a:fontRef idx="minor">
-                <a:schemeClr val="tx1"/>
-              </a:fontRef>
-            </p:style>
-          </p:cxnSp>
-          <p:cxnSp>
-            <p:nvCxnSpPr>
-              <p:cNvPr id="101" name="Straight Arrow Connector 100"/>
-              <p:cNvCxnSpPr>
-                <a:stCxn id="73" idx="1"/>
-              </p:cNvCxnSpPr>
-              <p:nvPr/>
-            </p:nvCxnSpPr>
-            <p:spPr>
-              <a:xfrm flipH="1">
-                <a:off x="1904275" y="2905289"/>
-                <a:ext cx="407635" cy="1951"/>
-              </a:xfrm>
-              <a:prstGeom prst="straightConnector1">
-                <a:avLst/>
-              </a:prstGeom>
-              <a:ln w="19050">
-                <a:solidFill>
-                  <a:schemeClr val="tx1"/>
-                </a:solidFill>
-                <a:headEnd type="none" w="med" len="med"/>
-                <a:tailEnd type="arrow" w="med" len="med"/>
-              </a:ln>
-            </p:spPr>
-            <p:style>
-              <a:lnRef idx="1">
-                <a:schemeClr val="accent1"/>
-              </a:lnRef>
-              <a:fillRef idx="0">
-                <a:schemeClr val="accent1"/>
-              </a:fillRef>
-              <a:effectRef idx="0">
-                <a:schemeClr val="accent1"/>
-              </a:effectRef>
-              <a:fontRef idx="minor">
-                <a:schemeClr val="tx1"/>
-              </a:fontRef>
-            </p:style>
-          </p:cxnSp>
-          <p:sp>
-            <p:nvSpPr>
-              <p:cNvPr id="108" name="Oval 107"/>
-              <p:cNvSpPr/>
-              <p:nvPr/>
-            </p:nvSpPr>
-            <p:spPr>
-              <a:xfrm>
-                <a:off x="2925474" y="3737899"/>
-                <a:ext cx="318617" cy="294891"/>
-              </a:xfrm>
-              <a:prstGeom prst="ellipse">
-                <a:avLst/>
-              </a:prstGeom>
-            </p:spPr>
-            <p:style>
-              <a:lnRef idx="2">
-                <a:schemeClr val="accent1">
-                  <a:shade val="50000"/>
-                </a:schemeClr>
-              </a:lnRef>
-              <a:fillRef idx="1">
-                <a:schemeClr val="accent1"/>
-              </a:fillRef>
-              <a:effectRef idx="0">
-                <a:schemeClr val="accent1"/>
-              </a:effectRef>
-              <a:fontRef idx="minor">
-                <a:schemeClr val="lt1"/>
-              </a:fontRef>
-            </p:style>
-            <p:txBody>
-              <a:bodyPr rtlCol="0" anchor="ctr"/>
-              <a:lstStyle/>
-              <a:p>
-                <a:pPr algn="ctr"/>
-                <a:endParaRPr lang="en-US"/>
-              </a:p>
-            </p:txBody>
-          </p:sp>
-          <p:cxnSp>
-            <p:nvCxnSpPr>
-              <p:cNvPr id="116" name="Straight Arrow Connector 115"/>
-              <p:cNvCxnSpPr>
-                <a:stCxn id="118" idx="0"/>
-                <a:endCxn id="60" idx="2"/>
-              </p:cNvCxnSpPr>
-              <p:nvPr/>
-            </p:nvCxnSpPr>
-            <p:spPr>
-              <a:xfrm flipH="1" flipV="1">
-                <a:off x="4079381" y="3454040"/>
-                <a:ext cx="2198" cy="283858"/>
-              </a:xfrm>
-              <a:prstGeom prst="straightConnector1">
-                <a:avLst/>
-              </a:prstGeom>
-              <a:ln w="19050">
-                <a:solidFill>
-                  <a:schemeClr val="tx1"/>
-                </a:solidFill>
-                <a:headEnd type="none" w="med" len="med"/>
-                <a:tailEnd type="arrow" w="med" len="med"/>
-              </a:ln>
-            </p:spPr>
-            <p:style>
-              <a:lnRef idx="1">
-                <a:schemeClr val="accent1"/>
-              </a:lnRef>
-              <a:fillRef idx="0">
-                <a:schemeClr val="accent1"/>
-              </a:fillRef>
-              <a:effectRef idx="0">
-                <a:schemeClr val="accent1"/>
-              </a:effectRef>
-              <a:fontRef idx="minor">
-                <a:schemeClr val="tx1"/>
-              </a:fontRef>
-            </p:style>
-          </p:cxnSp>
-          <p:cxnSp>
-            <p:nvCxnSpPr>
-              <p:cNvPr id="117" name="Straight Arrow Connector 116"/>
-              <p:cNvCxnSpPr>
-                <a:stCxn id="118" idx="0"/>
-                <a:endCxn id="74" idx="2"/>
-              </p:cNvCxnSpPr>
-              <p:nvPr/>
-            </p:nvCxnSpPr>
-            <p:spPr>
-              <a:xfrm flipH="1" flipV="1">
-                <a:off x="3514581" y="3074179"/>
-                <a:ext cx="566998" cy="663719"/>
-              </a:xfrm>
-              <a:prstGeom prst="straightConnector1">
-                <a:avLst/>
-              </a:prstGeom>
-              <a:ln w="19050">
-                <a:solidFill>
-                  <a:schemeClr val="tx1"/>
-                </a:solidFill>
-                <a:headEnd type="none" w="med" len="med"/>
-                <a:tailEnd type="arrow" w="med" len="med"/>
-              </a:ln>
-            </p:spPr>
-            <p:style>
-              <a:lnRef idx="1">
-                <a:schemeClr val="accent1"/>
-              </a:lnRef>
-              <a:fillRef idx="0">
-                <a:schemeClr val="accent1"/>
-              </a:fillRef>
-              <a:effectRef idx="0">
-                <a:schemeClr val="accent1"/>
-              </a:effectRef>
-              <a:fontRef idx="minor">
-                <a:schemeClr val="tx1"/>
-              </a:fontRef>
-            </p:style>
-          </p:cxnSp>
-          <p:sp>
-            <p:nvSpPr>
-              <p:cNvPr id="118" name="Oval 117"/>
-              <p:cNvSpPr/>
-              <p:nvPr/>
-            </p:nvSpPr>
-            <p:spPr>
-              <a:xfrm>
-                <a:off x="3922270" y="3737898"/>
-                <a:ext cx="318617" cy="294891"/>
-              </a:xfrm>
-              <a:prstGeom prst="ellipse">
-                <a:avLst/>
-              </a:prstGeom>
-            </p:spPr>
-            <p:style>
-              <a:lnRef idx="2">
-                <a:schemeClr val="accent1">
-                  <a:shade val="50000"/>
-                </a:schemeClr>
-              </a:lnRef>
-              <a:fillRef idx="1">
-                <a:schemeClr val="accent1"/>
-              </a:fillRef>
-              <a:effectRef idx="0">
-                <a:schemeClr val="accent1"/>
-              </a:effectRef>
-              <a:fontRef idx="minor">
-                <a:schemeClr val="lt1"/>
-              </a:fontRef>
-            </p:style>
-            <p:txBody>
-              <a:bodyPr rtlCol="0" anchor="ctr"/>
-              <a:lstStyle/>
-              <a:p>
-                <a:pPr algn="ctr"/>
-                <a:endParaRPr lang="en-US"/>
-              </a:p>
-            </p:txBody>
-          </p:sp>
-          <p:cxnSp>
-            <p:nvCxnSpPr>
-              <p:cNvPr id="123" name="Straight Arrow Connector 122"/>
-              <p:cNvCxnSpPr>
-                <a:stCxn id="125" idx="0"/>
-                <a:endCxn id="61" idx="2"/>
-              </p:cNvCxnSpPr>
-              <p:nvPr/>
-            </p:nvCxnSpPr>
-            <p:spPr>
-              <a:xfrm flipV="1">
-                <a:off x="5010469" y="3454040"/>
-                <a:ext cx="0" cy="253360"/>
-              </a:xfrm>
-              <a:prstGeom prst="straightConnector1">
-                <a:avLst/>
-              </a:prstGeom>
-              <a:ln w="19050">
-                <a:solidFill>
-                  <a:schemeClr val="tx1"/>
-                </a:solidFill>
-                <a:headEnd type="none" w="med" len="med"/>
-                <a:tailEnd type="arrow" w="med" len="med"/>
-              </a:ln>
-            </p:spPr>
-            <p:style>
-              <a:lnRef idx="1">
-                <a:schemeClr val="accent1"/>
-              </a:lnRef>
-              <a:fillRef idx="0">
-                <a:schemeClr val="accent1"/>
-              </a:fillRef>
-              <a:effectRef idx="0">
-                <a:schemeClr val="accent1"/>
-              </a:effectRef>
-              <a:fontRef idx="minor">
-                <a:schemeClr val="tx1"/>
-              </a:fontRef>
-            </p:style>
-          </p:cxnSp>
-          <p:cxnSp>
-            <p:nvCxnSpPr>
-              <p:cNvPr id="124" name="Straight Arrow Connector 123"/>
-              <p:cNvCxnSpPr>
-                <a:stCxn id="125" idx="0"/>
-                <a:endCxn id="75" idx="2"/>
-              </p:cNvCxnSpPr>
-              <p:nvPr/>
-            </p:nvCxnSpPr>
-            <p:spPr>
-              <a:xfrm flipH="1" flipV="1">
-                <a:off x="4461428" y="3075861"/>
-                <a:ext cx="549041" cy="631539"/>
-              </a:xfrm>
-              <a:prstGeom prst="straightConnector1">
-                <a:avLst/>
-              </a:prstGeom>
-              <a:ln w="19050">
-                <a:solidFill>
-                  <a:schemeClr val="tx1"/>
-                </a:solidFill>
-                <a:headEnd type="none" w="med" len="med"/>
-                <a:tailEnd type="arrow" w="med" len="med"/>
-              </a:ln>
-            </p:spPr>
-            <p:style>
-              <a:lnRef idx="1">
-                <a:schemeClr val="accent1"/>
-              </a:lnRef>
-              <a:fillRef idx="0">
-                <a:schemeClr val="accent1"/>
-              </a:fillRef>
-              <a:effectRef idx="0">
-                <a:schemeClr val="accent1"/>
-              </a:effectRef>
-              <a:fontRef idx="minor">
-                <a:schemeClr val="tx1"/>
-              </a:fontRef>
-            </p:style>
-          </p:cxnSp>
-          <p:sp>
-            <p:nvSpPr>
-              <p:cNvPr id="125" name="Oval 124"/>
-              <p:cNvSpPr/>
-              <p:nvPr/>
-            </p:nvSpPr>
-            <p:spPr>
-              <a:xfrm>
-                <a:off x="4851160" y="3707400"/>
-                <a:ext cx="318617" cy="294891"/>
-              </a:xfrm>
-              <a:prstGeom prst="ellipse">
-                <a:avLst/>
-              </a:prstGeom>
-            </p:spPr>
-            <p:style>
-              <a:lnRef idx="2">
-                <a:schemeClr val="accent1">
-                  <a:shade val="50000"/>
-                </a:schemeClr>
-              </a:lnRef>
-              <a:fillRef idx="1">
-                <a:schemeClr val="accent1"/>
-              </a:fillRef>
-              <a:effectRef idx="0">
-                <a:schemeClr val="accent1"/>
-              </a:effectRef>
-              <a:fontRef idx="minor">
-                <a:schemeClr val="lt1"/>
-              </a:fontRef>
-            </p:style>
-            <p:txBody>
-              <a:bodyPr rtlCol="0" anchor="ctr"/>
-              <a:lstStyle/>
-              <a:p>
-                <a:pPr algn="ctr"/>
-                <a:endParaRPr lang="en-US"/>
-              </a:p>
-            </p:txBody>
-          </p:sp>
-          <p:cxnSp>
-            <p:nvCxnSpPr>
-              <p:cNvPr id="126" name="Straight Arrow Connector 125"/>
-              <p:cNvCxnSpPr>
-                <a:stCxn id="128" idx="0"/>
-                <a:endCxn id="62" idx="2"/>
-              </p:cNvCxnSpPr>
-              <p:nvPr/>
-            </p:nvCxnSpPr>
-            <p:spPr>
-              <a:xfrm flipV="1">
-                <a:off x="6422799" y="3446725"/>
-                <a:ext cx="35335" cy="260675"/>
-              </a:xfrm>
-              <a:prstGeom prst="straightConnector1">
-                <a:avLst/>
-              </a:prstGeom>
-              <a:ln w="19050">
-                <a:solidFill>
-                  <a:schemeClr val="tx1"/>
-                </a:solidFill>
-                <a:headEnd type="none" w="med" len="med"/>
-                <a:tailEnd type="arrow" w="med" len="med"/>
-              </a:ln>
-            </p:spPr>
-            <p:style>
-              <a:lnRef idx="1">
-                <a:schemeClr val="accent1"/>
-              </a:lnRef>
-              <a:fillRef idx="0">
-                <a:schemeClr val="accent1"/>
-              </a:fillRef>
-              <a:effectRef idx="0">
-                <a:schemeClr val="accent1"/>
-              </a:effectRef>
-              <a:fontRef idx="minor">
-                <a:schemeClr val="tx1"/>
-              </a:fontRef>
-            </p:style>
-          </p:cxnSp>
-          <p:cxnSp>
-            <p:nvCxnSpPr>
-              <p:cNvPr id="127" name="Straight Arrow Connector 126"/>
-              <p:cNvCxnSpPr>
-                <a:stCxn id="128" idx="0"/>
-                <a:endCxn id="76" idx="2"/>
-              </p:cNvCxnSpPr>
-              <p:nvPr/>
-            </p:nvCxnSpPr>
-            <p:spPr>
-              <a:xfrm flipH="1" flipV="1">
-                <a:off x="5910900" y="3074180"/>
-                <a:ext cx="511899" cy="633220"/>
-              </a:xfrm>
-              <a:prstGeom prst="straightConnector1">
-                <a:avLst/>
-              </a:prstGeom>
-              <a:ln w="19050">
-                <a:solidFill>
-                  <a:schemeClr val="tx1"/>
-                </a:solidFill>
-                <a:headEnd type="none" w="med" len="med"/>
-                <a:tailEnd type="arrow" w="med" len="med"/>
-              </a:ln>
-            </p:spPr>
-            <p:style>
-              <a:lnRef idx="1">
-                <a:schemeClr val="accent1"/>
-              </a:lnRef>
-              <a:fillRef idx="0">
-                <a:schemeClr val="accent1"/>
-              </a:fillRef>
-              <a:effectRef idx="0">
-                <a:schemeClr val="accent1"/>
-              </a:effectRef>
-              <a:fontRef idx="minor">
-                <a:schemeClr val="tx1"/>
-              </a:fontRef>
-            </p:style>
-          </p:cxnSp>
-          <p:sp>
-            <p:nvSpPr>
-              <p:cNvPr id="128" name="Oval 127"/>
-              <p:cNvSpPr/>
-              <p:nvPr/>
-            </p:nvSpPr>
-            <p:spPr>
-              <a:xfrm>
-                <a:off x="6263490" y="3707400"/>
-                <a:ext cx="318617" cy="294891"/>
-              </a:xfrm>
-              <a:prstGeom prst="ellipse">
-                <a:avLst/>
-              </a:prstGeom>
-            </p:spPr>
-            <p:style>
-              <a:lnRef idx="2">
-                <a:schemeClr val="accent1">
-                  <a:shade val="50000"/>
-                </a:schemeClr>
-              </a:lnRef>
-              <a:fillRef idx="1">
-                <a:schemeClr val="accent1"/>
-              </a:fillRef>
-              <a:effectRef idx="0">
-                <a:schemeClr val="accent1"/>
-              </a:effectRef>
-              <a:fontRef idx="minor">
-                <a:schemeClr val="lt1"/>
-              </a:fontRef>
-            </p:style>
-            <p:txBody>
-              <a:bodyPr rtlCol="0" anchor="ctr"/>
-              <a:lstStyle/>
-              <a:p>
-                <a:pPr algn="ctr"/>
-                <a:endParaRPr lang="en-US"/>
-              </a:p>
-            </p:txBody>
-          </p:sp>
-          <p:cxnSp>
-            <p:nvCxnSpPr>
-              <p:cNvPr id="200" name="Straight Arrow Connector 199"/>
-              <p:cNvCxnSpPr>
-                <a:endCxn id="58" idx="1"/>
-              </p:cNvCxnSpPr>
-              <p:nvPr/>
-            </p:nvCxnSpPr>
-            <p:spPr>
-              <a:xfrm>
-                <a:off x="1920790" y="3277833"/>
-                <a:ext cx="977076" cy="2"/>
-              </a:xfrm>
-              <a:prstGeom prst="straightConnector1">
-                <a:avLst/>
-              </a:prstGeom>
-              <a:ln w="19050">
-                <a:solidFill>
-                  <a:schemeClr val="tx1"/>
-                </a:solidFill>
-                <a:headEnd type="none" w="med" len="med"/>
-                <a:tailEnd type="arrow" w="med" len="med"/>
-              </a:ln>
-            </p:spPr>
-            <p:style>
-              <a:lnRef idx="1">
-                <a:schemeClr val="accent1"/>
-              </a:lnRef>
-              <a:fillRef idx="0">
-                <a:schemeClr val="accent1"/>
-              </a:fillRef>
-              <a:effectRef idx="0">
-                <a:schemeClr val="accent1"/>
-              </a:effectRef>
-              <a:fontRef idx="minor">
-                <a:schemeClr val="tx1"/>
-              </a:fontRef>
-            </p:style>
-          </p:cxnSp>
-          <p:sp>
-            <p:nvSpPr>
-              <p:cNvPr id="203" name="Oval 202"/>
-              <p:cNvSpPr/>
-              <p:nvPr/>
-            </p:nvSpPr>
-            <p:spPr>
-              <a:xfrm>
-                <a:off x="2363136" y="2190425"/>
-                <a:ext cx="318617" cy="294891"/>
-              </a:xfrm>
-              <a:prstGeom prst="ellipse">
-                <a:avLst/>
-              </a:prstGeom>
-            </p:spPr>
-            <p:style>
-              <a:lnRef idx="2">
-                <a:schemeClr val="accent1">
-                  <a:shade val="50000"/>
-                </a:schemeClr>
-              </a:lnRef>
-              <a:fillRef idx="1">
-                <a:schemeClr val="accent1"/>
-              </a:fillRef>
-              <a:effectRef idx="0">
-                <a:schemeClr val="accent1"/>
-              </a:effectRef>
-              <a:fontRef idx="minor">
-                <a:schemeClr val="lt1"/>
-              </a:fontRef>
-            </p:style>
-            <p:txBody>
-              <a:bodyPr rtlCol="0" anchor="ctr"/>
-              <a:lstStyle/>
-              <a:p>
-                <a:pPr algn="ctr"/>
-                <a:endParaRPr lang="en-US"/>
-              </a:p>
-            </p:txBody>
-          </p:sp>
-          <p:cxnSp>
-            <p:nvCxnSpPr>
-              <p:cNvPr id="204" name="Straight Arrow Connector 203"/>
-              <p:cNvCxnSpPr>
-                <a:stCxn id="203" idx="4"/>
-                <a:endCxn id="73" idx="0"/>
-              </p:cNvCxnSpPr>
-              <p:nvPr/>
-            </p:nvCxnSpPr>
-            <p:spPr>
-              <a:xfrm flipH="1">
-                <a:off x="2497213" y="2485316"/>
-                <a:ext cx="25232" cy="251082"/>
-              </a:xfrm>
-              <a:prstGeom prst="straightConnector1">
-                <a:avLst/>
-              </a:prstGeom>
-              <a:ln w="19050">
-                <a:solidFill>
-                  <a:schemeClr val="tx1"/>
-                </a:solidFill>
-                <a:headEnd type="none" w="med" len="med"/>
-                <a:tailEnd type="arrow" w="med" len="med"/>
-              </a:ln>
-            </p:spPr>
-            <p:style>
-              <a:lnRef idx="1">
-                <a:schemeClr val="accent1"/>
-              </a:lnRef>
-              <a:fillRef idx="0">
-                <a:schemeClr val="accent1"/>
-              </a:fillRef>
-              <a:effectRef idx="0">
-                <a:schemeClr val="accent1"/>
-              </a:effectRef>
-              <a:fontRef idx="minor">
-                <a:schemeClr val="tx1"/>
-              </a:fontRef>
-            </p:style>
-          </p:cxnSp>
-          <p:cxnSp>
-            <p:nvCxnSpPr>
-              <p:cNvPr id="207" name="Straight Arrow Connector 206"/>
-              <p:cNvCxnSpPr>
-                <a:stCxn id="203" idx="4"/>
-                <a:endCxn id="58" idx="0"/>
-              </p:cNvCxnSpPr>
-              <p:nvPr/>
-            </p:nvCxnSpPr>
-            <p:spPr>
-              <a:xfrm>
-                <a:off x="2522445" y="2485316"/>
-                <a:ext cx="560724" cy="623628"/>
-              </a:xfrm>
-              <a:prstGeom prst="straightConnector1">
-                <a:avLst/>
-              </a:prstGeom>
-              <a:ln w="19050">
-                <a:solidFill>
-                  <a:schemeClr val="tx1"/>
-                </a:solidFill>
-                <a:headEnd type="none" w="med" len="med"/>
-                <a:tailEnd type="arrow" w="med" len="med"/>
-              </a:ln>
-            </p:spPr>
-            <p:style>
-              <a:lnRef idx="1">
-                <a:schemeClr val="accent1"/>
-              </a:lnRef>
-              <a:fillRef idx="0">
-                <a:schemeClr val="accent1"/>
-              </a:fillRef>
-              <a:effectRef idx="0">
-                <a:schemeClr val="accent1"/>
-              </a:effectRef>
-              <a:fontRef idx="minor">
-                <a:schemeClr val="tx1"/>
-              </a:fontRef>
-            </p:style>
-          </p:cxnSp>
-          <p:sp>
-            <p:nvSpPr>
-              <p:cNvPr id="212" name="Oval 211"/>
-              <p:cNvSpPr/>
-              <p:nvPr/>
-            </p:nvSpPr>
-            <p:spPr>
-              <a:xfrm>
-                <a:off x="3367870" y="2173043"/>
-                <a:ext cx="318617" cy="294891"/>
-              </a:xfrm>
-              <a:prstGeom prst="ellipse">
-                <a:avLst/>
-              </a:prstGeom>
-            </p:spPr>
-            <p:style>
-              <a:lnRef idx="2">
-                <a:schemeClr val="accent1">
-                  <a:shade val="50000"/>
-                </a:schemeClr>
-              </a:lnRef>
-              <a:fillRef idx="1">
-                <a:schemeClr val="accent1"/>
-              </a:fillRef>
-              <a:effectRef idx="0">
-                <a:schemeClr val="accent1"/>
-              </a:effectRef>
-              <a:fontRef idx="minor">
-                <a:schemeClr val="lt1"/>
-              </a:fontRef>
-            </p:style>
-            <p:txBody>
-              <a:bodyPr rtlCol="0" anchor="ctr"/>
-              <a:lstStyle/>
-              <a:p>
-                <a:pPr algn="ctr"/>
-                <a:endParaRPr lang="en-US"/>
-              </a:p>
-            </p:txBody>
-          </p:sp>
-          <p:cxnSp>
-            <p:nvCxnSpPr>
-              <p:cNvPr id="213" name="Straight Arrow Connector 212"/>
-              <p:cNvCxnSpPr>
-                <a:stCxn id="212" idx="4"/>
-                <a:endCxn id="74" idx="0"/>
-              </p:cNvCxnSpPr>
-              <p:nvPr/>
-            </p:nvCxnSpPr>
-            <p:spPr>
-              <a:xfrm flipH="1">
-                <a:off x="3514581" y="2467934"/>
-                <a:ext cx="12598" cy="268464"/>
-              </a:xfrm>
-              <a:prstGeom prst="straightConnector1">
-                <a:avLst/>
-              </a:prstGeom>
-              <a:ln w="19050">
-                <a:solidFill>
-                  <a:schemeClr val="tx1"/>
-                </a:solidFill>
-                <a:headEnd type="none" w="med" len="med"/>
-                <a:tailEnd type="arrow" w="med" len="med"/>
-              </a:ln>
-            </p:spPr>
-            <p:style>
-              <a:lnRef idx="1">
-                <a:schemeClr val="accent1"/>
-              </a:lnRef>
-              <a:fillRef idx="0">
-                <a:schemeClr val="accent1"/>
-              </a:fillRef>
-              <a:effectRef idx="0">
-                <a:schemeClr val="accent1"/>
-              </a:effectRef>
-              <a:fontRef idx="minor">
-                <a:schemeClr val="tx1"/>
-              </a:fontRef>
-            </p:style>
-          </p:cxnSp>
-          <p:cxnSp>
-            <p:nvCxnSpPr>
-              <p:cNvPr id="214" name="Straight Arrow Connector 213"/>
-              <p:cNvCxnSpPr>
-                <a:stCxn id="212" idx="4"/>
-                <a:endCxn id="60" idx="0"/>
-              </p:cNvCxnSpPr>
-              <p:nvPr/>
-            </p:nvCxnSpPr>
-            <p:spPr>
-              <a:xfrm>
-                <a:off x="3527179" y="2467934"/>
-                <a:ext cx="552202" cy="648325"/>
-              </a:xfrm>
-              <a:prstGeom prst="straightConnector1">
-                <a:avLst/>
-              </a:prstGeom>
-              <a:ln w="19050">
-                <a:solidFill>
-                  <a:schemeClr val="tx1"/>
-                </a:solidFill>
-                <a:headEnd type="none" w="med" len="med"/>
-                <a:tailEnd type="arrow" w="med" len="med"/>
-              </a:ln>
-            </p:spPr>
-            <p:style>
-              <a:lnRef idx="1">
-                <a:schemeClr val="accent1"/>
-              </a:lnRef>
-              <a:fillRef idx="0">
-                <a:schemeClr val="accent1"/>
-              </a:fillRef>
-              <a:effectRef idx="0">
-                <a:schemeClr val="accent1"/>
-              </a:effectRef>
-              <a:fontRef idx="minor">
-                <a:schemeClr val="tx1"/>
-              </a:fontRef>
-            </p:style>
-          </p:cxnSp>
-          <p:sp>
-            <p:nvSpPr>
-              <p:cNvPr id="215" name="Oval 214"/>
-              <p:cNvSpPr/>
-              <p:nvPr/>
-            </p:nvSpPr>
-            <p:spPr>
-              <a:xfrm>
-                <a:off x="4303526" y="2172831"/>
-                <a:ext cx="318617" cy="294891"/>
-              </a:xfrm>
-              <a:prstGeom prst="ellipse">
-                <a:avLst/>
-              </a:prstGeom>
-            </p:spPr>
-            <p:style>
-              <a:lnRef idx="2">
-                <a:schemeClr val="accent1">
-                  <a:shade val="50000"/>
-                </a:schemeClr>
-              </a:lnRef>
-              <a:fillRef idx="1">
-                <a:schemeClr val="accent1"/>
-              </a:fillRef>
-              <a:effectRef idx="0">
-                <a:schemeClr val="accent1"/>
-              </a:effectRef>
-              <a:fontRef idx="minor">
-                <a:schemeClr val="lt1"/>
-              </a:fontRef>
-            </p:style>
-            <p:txBody>
-              <a:bodyPr rtlCol="0" anchor="ctr"/>
-              <a:lstStyle/>
-              <a:p>
-                <a:pPr algn="ctr"/>
-                <a:endParaRPr lang="en-US"/>
-              </a:p>
-            </p:txBody>
-          </p:sp>
-          <p:cxnSp>
-            <p:nvCxnSpPr>
-              <p:cNvPr id="216" name="Straight Arrow Connector 215"/>
-              <p:cNvCxnSpPr>
-                <a:stCxn id="215" idx="4"/>
-                <a:endCxn id="75" idx="0"/>
-              </p:cNvCxnSpPr>
-              <p:nvPr/>
-            </p:nvCxnSpPr>
-            <p:spPr>
-              <a:xfrm flipH="1">
-                <a:off x="4461428" y="2467722"/>
-                <a:ext cx="1407" cy="270358"/>
-              </a:xfrm>
-              <a:prstGeom prst="straightConnector1">
-                <a:avLst/>
-              </a:prstGeom>
-              <a:ln w="19050">
-                <a:solidFill>
-                  <a:schemeClr val="tx1"/>
-                </a:solidFill>
-                <a:headEnd type="none" w="med" len="med"/>
-                <a:tailEnd type="arrow" w="med" len="med"/>
-              </a:ln>
-            </p:spPr>
-            <p:style>
-              <a:lnRef idx="1">
-                <a:schemeClr val="accent1"/>
-              </a:lnRef>
-              <a:fillRef idx="0">
-                <a:schemeClr val="accent1"/>
-              </a:fillRef>
-              <a:effectRef idx="0">
-                <a:schemeClr val="accent1"/>
-              </a:effectRef>
-              <a:fontRef idx="minor">
-                <a:schemeClr val="tx1"/>
-              </a:fontRef>
-            </p:style>
-          </p:cxnSp>
-          <p:cxnSp>
-            <p:nvCxnSpPr>
-              <p:cNvPr id="217" name="Straight Arrow Connector 216"/>
-              <p:cNvCxnSpPr>
-                <a:stCxn id="215" idx="4"/>
-                <a:endCxn id="61" idx="0"/>
-              </p:cNvCxnSpPr>
-              <p:nvPr/>
-            </p:nvCxnSpPr>
-            <p:spPr>
-              <a:xfrm>
-                <a:off x="4462835" y="2467722"/>
-                <a:ext cx="547634" cy="648537"/>
-              </a:xfrm>
-              <a:prstGeom prst="straightConnector1">
-                <a:avLst/>
-              </a:prstGeom>
-              <a:ln w="19050">
-                <a:solidFill>
-                  <a:schemeClr val="tx1"/>
-                </a:solidFill>
-                <a:headEnd type="none" w="med" len="med"/>
-                <a:tailEnd type="arrow" w="med" len="med"/>
-              </a:ln>
-            </p:spPr>
-            <p:style>
-              <a:lnRef idx="1">
-                <a:schemeClr val="accent1"/>
-              </a:lnRef>
-              <a:fillRef idx="0">
-                <a:schemeClr val="accent1"/>
-              </a:fillRef>
-              <a:effectRef idx="0">
-                <a:schemeClr val="accent1"/>
-              </a:effectRef>
-              <a:fontRef idx="minor">
-                <a:schemeClr val="tx1"/>
-              </a:fontRef>
-            </p:style>
-          </p:cxnSp>
-          <p:sp>
-            <p:nvSpPr>
-              <p:cNvPr id="218" name="Oval 217"/>
-              <p:cNvSpPr/>
-              <p:nvPr/>
-            </p:nvSpPr>
-            <p:spPr>
-              <a:xfrm>
-                <a:off x="5767952" y="2164373"/>
-                <a:ext cx="318617" cy="294891"/>
-              </a:xfrm>
-              <a:prstGeom prst="ellipse">
-                <a:avLst/>
-              </a:prstGeom>
-            </p:spPr>
-            <p:style>
-              <a:lnRef idx="2">
-                <a:schemeClr val="accent1">
-                  <a:shade val="50000"/>
-                </a:schemeClr>
-              </a:lnRef>
-              <a:fillRef idx="1">
-                <a:schemeClr val="accent1"/>
-              </a:fillRef>
-              <a:effectRef idx="0">
-                <a:schemeClr val="accent1"/>
-              </a:effectRef>
-              <a:fontRef idx="minor">
-                <a:schemeClr val="lt1"/>
-              </a:fontRef>
-            </p:style>
-            <p:txBody>
-              <a:bodyPr rtlCol="0" anchor="ctr"/>
-              <a:lstStyle/>
-              <a:p>
-                <a:pPr algn="ctr"/>
-                <a:endParaRPr lang="en-US"/>
-              </a:p>
-            </p:txBody>
-          </p:sp>
-          <p:cxnSp>
-            <p:nvCxnSpPr>
-              <p:cNvPr id="219" name="Straight Arrow Connector 218"/>
-              <p:cNvCxnSpPr>
-                <a:stCxn id="218" idx="4"/>
-                <a:endCxn id="76" idx="0"/>
-              </p:cNvCxnSpPr>
-              <p:nvPr/>
-            </p:nvCxnSpPr>
-            <p:spPr>
-              <a:xfrm flipH="1">
-                <a:off x="5910900" y="2459264"/>
-                <a:ext cx="16361" cy="277135"/>
-              </a:xfrm>
-              <a:prstGeom prst="straightConnector1">
-                <a:avLst/>
-              </a:prstGeom>
-              <a:ln w="19050">
-                <a:solidFill>
-                  <a:schemeClr val="tx1"/>
-                </a:solidFill>
-                <a:headEnd type="none" w="med" len="med"/>
-                <a:tailEnd type="arrow" w="med" len="med"/>
-              </a:ln>
-            </p:spPr>
-            <p:style>
-              <a:lnRef idx="1">
-                <a:schemeClr val="accent1"/>
-              </a:lnRef>
-              <a:fillRef idx="0">
-                <a:schemeClr val="accent1"/>
-              </a:fillRef>
-              <a:effectRef idx="0">
-                <a:schemeClr val="accent1"/>
-              </a:effectRef>
-              <a:fontRef idx="minor">
-                <a:schemeClr val="tx1"/>
-              </a:fontRef>
-            </p:style>
-          </p:cxnSp>
-          <p:cxnSp>
-            <p:nvCxnSpPr>
-              <p:cNvPr id="220" name="Straight Arrow Connector 219"/>
-              <p:cNvCxnSpPr>
-                <a:stCxn id="218" idx="4"/>
-                <a:endCxn id="62" idx="0"/>
-              </p:cNvCxnSpPr>
-              <p:nvPr/>
-            </p:nvCxnSpPr>
-            <p:spPr>
-              <a:xfrm>
-                <a:off x="5927261" y="2459264"/>
-                <a:ext cx="530873" cy="649680"/>
-              </a:xfrm>
-              <a:prstGeom prst="straightConnector1">
-                <a:avLst/>
-              </a:prstGeom>
-              <a:ln w="19050">
-                <a:solidFill>
-                  <a:schemeClr val="tx1"/>
-                </a:solidFill>
-                <a:headEnd type="none" w="med" len="med"/>
-                <a:tailEnd type="arrow" w="med" len="med"/>
-              </a:ln>
-            </p:spPr>
-            <p:style>
-              <a:lnRef idx="1">
-                <a:schemeClr val="accent1"/>
-              </a:lnRef>
-              <a:fillRef idx="0">
-                <a:schemeClr val="accent1"/>
-              </a:fillRef>
-              <a:effectRef idx="0">
-                <a:schemeClr val="accent1"/>
-              </a:effectRef>
-              <a:fontRef idx="minor">
-                <a:schemeClr val="tx1"/>
-              </a:fontRef>
-            </p:style>
-          </p:cxnSp>
-          <mc:AlternateContent xmlns:mc="http://schemas.openxmlformats.org/markup-compatibility/2006">
-            <mc:Choice xmlns:a14="http://schemas.microsoft.com/office/drawing/2010/main" Requires="a14">
-              <p:sp>
-                <p:nvSpPr>
-                  <p:cNvPr id="228" name="Rectangle 227"/>
-                  <p:cNvSpPr/>
-                  <p:nvPr/>
-                </p:nvSpPr>
-                <p:spPr>
-                  <a:xfrm>
-                    <a:off x="2904327" y="3703176"/>
-                    <a:ext cx="394079" cy="299115"/>
-                  </a:xfrm>
-                  <a:prstGeom prst="rect">
-                    <a:avLst/>
-                  </a:prstGeom>
-                </p:spPr>
-                <p:txBody>
-                  <a:bodyPr wrap="none">
-                    <a:spAutoFit/>
-                  </a:bodyPr>
-                  <a:lstStyle/>
-                  <a:p>
-                    <a:pPr/>
-                    <a14:m>
-                      <m:oMathPara xmlns:m="http://schemas.openxmlformats.org/officeDocument/2006/math">
-                        <m:oMathParaPr>
-                          <m:jc m:val="centerGroup"/>
-                        </m:oMathParaPr>
-                        <m:oMath xmlns:m="http://schemas.openxmlformats.org/officeDocument/2006/math">
-                          <m:sSub>
-                            <m:sSubPr>
-                              <m:ctrlPr>
-                                <a:rPr lang="en-US" i="1" smtClean="0">
-                                  <a:latin typeface="Cambria Math" panose="02040503050406030204" pitchFamily="18" charset="0"/>
-                                </a:rPr>
-                              </m:ctrlPr>
-                            </m:sSubPr>
-                            <m:e>
-                              <m:r>
-                                <a:rPr lang="en-US" i="1">
-                                  <a:latin typeface="Cambria Math"/>
-                                </a:rPr>
-                                <m:t>𝑥</m:t>
-                              </m:r>
-                            </m:e>
-                            <m:sub>
-                              <m:r>
-                                <a:rPr lang="en-US" b="0" i="1" smtClean="0">
-                                  <a:latin typeface="Cambria Math"/>
-                                </a:rPr>
-                                <m:t>0</m:t>
-                              </m:r>
-                            </m:sub>
-                          </m:sSub>
-                        </m:oMath>
-                      </m:oMathPara>
-                    </a14:m>
-                    <a:endParaRPr lang="en-US" dirty="0"/>
-                  </a:p>
-                </p:txBody>
-              </p:sp>
-            </mc:Choice>
-            <mc:Fallback>
-              <p:sp>
-                <p:nvSpPr>
-                  <p:cNvPr id="228" name="Rectangle 227"/>
-                  <p:cNvSpPr>
-                    <a:spLocks noRot="1" noChangeAspect="1" noMove="1" noResize="1" noEditPoints="1" noAdjustHandles="1" noChangeArrowheads="1" noChangeShapeType="1" noTextEdit="1"/>
-                  </p:cNvSpPr>
-                  <p:nvPr/>
-                </p:nvSpPr>
-                <p:spPr>
-                  <a:xfrm>
-                    <a:off x="2904327" y="3703176"/>
-                    <a:ext cx="394079" cy="299115"/>
-                  </a:xfrm>
-                  <a:prstGeom prst="rect">
-                    <a:avLst/>
-                  </a:prstGeom>
-                  <a:blipFill>
-                    <a:blip r:embed="rId4"/>
-                    <a:stretch>
-                      <a:fillRect/>
-                    </a:stretch>
-                  </a:blipFill>
-                </p:spPr>
-                <p:txBody>
-                  <a:bodyPr/>
-                  <a:lstStyle/>
-                  <a:p>
-                    <a:r>
-                      <a:rPr lang="en-US">
-                        <a:noFill/>
-                      </a:rPr>
-                      <a:t> </a:t>
-                    </a:r>
-                  </a:p>
-                </p:txBody>
-              </p:sp>
-            </mc:Fallback>
-          </mc:AlternateContent>
-          <mc:AlternateContent xmlns:mc="http://schemas.openxmlformats.org/markup-compatibility/2006">
-            <mc:Choice xmlns:a14="http://schemas.microsoft.com/office/drawing/2010/main" Requires="a14">
-              <p:sp>
-                <p:nvSpPr>
-                  <p:cNvPr id="240" name="Rectangle 239"/>
-                  <p:cNvSpPr/>
-                  <p:nvPr/>
-                </p:nvSpPr>
-                <p:spPr>
-                  <a:xfrm>
-                    <a:off x="3888529" y="3725827"/>
-                    <a:ext cx="390088" cy="299115"/>
-                  </a:xfrm>
-                  <a:prstGeom prst="rect">
-                    <a:avLst/>
-                  </a:prstGeom>
-                </p:spPr>
-                <p:txBody>
-                  <a:bodyPr wrap="none">
-                    <a:spAutoFit/>
-                  </a:bodyPr>
-                  <a:lstStyle/>
-                  <a:p>
-                    <a:pPr/>
-                    <a14:m>
-                      <m:oMathPara xmlns:m="http://schemas.openxmlformats.org/officeDocument/2006/math">
-                        <m:oMathParaPr>
-                          <m:jc m:val="centerGroup"/>
-                        </m:oMathParaPr>
-                        <m:oMath xmlns:m="http://schemas.openxmlformats.org/officeDocument/2006/math">
-                          <m:sSub>
-                            <m:sSubPr>
-                              <m:ctrlPr>
-                                <a:rPr lang="en-US" i="1" smtClean="0">
-                                  <a:latin typeface="Cambria Math" panose="02040503050406030204" pitchFamily="18" charset="0"/>
-                                </a:rPr>
-                              </m:ctrlPr>
-                            </m:sSubPr>
-                            <m:e>
-                              <m:r>
-                                <a:rPr lang="en-US" i="1">
-                                  <a:latin typeface="Cambria Math"/>
-                                </a:rPr>
-                                <m:t>𝑥</m:t>
-                              </m:r>
-                            </m:e>
-                            <m:sub>
-                              <m:r>
-                                <a:rPr lang="en-US" b="0" i="1" smtClean="0">
-                                  <a:latin typeface="Cambria Math"/>
-                                </a:rPr>
-                                <m:t>1</m:t>
-                              </m:r>
-                            </m:sub>
-                          </m:sSub>
-                        </m:oMath>
-                      </m:oMathPara>
-                    </a14:m>
-                    <a:endParaRPr lang="en-US" dirty="0"/>
-                  </a:p>
-                </p:txBody>
-              </p:sp>
-            </mc:Choice>
-            <mc:Fallback>
-              <p:sp>
-                <p:nvSpPr>
-                  <p:cNvPr id="240" name="Rectangle 239"/>
-                  <p:cNvSpPr>
-                    <a:spLocks noRot="1" noChangeAspect="1" noMove="1" noResize="1" noEditPoints="1" noAdjustHandles="1" noChangeArrowheads="1" noChangeShapeType="1" noTextEdit="1"/>
-                  </p:cNvSpPr>
-                  <p:nvPr/>
-                </p:nvSpPr>
-                <p:spPr>
-                  <a:xfrm>
-                    <a:off x="3888529" y="3725827"/>
-                    <a:ext cx="390088" cy="299115"/>
-                  </a:xfrm>
-                  <a:prstGeom prst="rect">
-                    <a:avLst/>
-                  </a:prstGeom>
-                  <a:blipFill>
-                    <a:blip r:embed="rId5"/>
-                    <a:stretch>
-                      <a:fillRect/>
-                    </a:stretch>
-                  </a:blipFill>
-                </p:spPr>
-                <p:txBody>
-                  <a:bodyPr/>
-                  <a:lstStyle/>
-                  <a:p>
-                    <a:r>
-                      <a:rPr lang="en-US">
-                        <a:noFill/>
-                      </a:rPr>
-                      <a:t> </a:t>
-                    </a:r>
-                  </a:p>
-                </p:txBody>
-              </p:sp>
-            </mc:Fallback>
-          </mc:AlternateContent>
-          <mc:AlternateContent xmlns:mc="http://schemas.openxmlformats.org/markup-compatibility/2006">
-            <mc:Choice xmlns:a14="http://schemas.microsoft.com/office/drawing/2010/main" Requires="a14">
-              <p:sp>
-                <p:nvSpPr>
-                  <p:cNvPr id="241" name="Rectangle 240"/>
-                  <p:cNvSpPr/>
-                  <p:nvPr/>
-                </p:nvSpPr>
-                <p:spPr>
-                  <a:xfrm>
-                    <a:off x="4846109" y="3674170"/>
-                    <a:ext cx="394079" cy="299115"/>
-                  </a:xfrm>
-                  <a:prstGeom prst="rect">
-                    <a:avLst/>
-                  </a:prstGeom>
-                </p:spPr>
-                <p:txBody>
-                  <a:bodyPr wrap="none">
-                    <a:spAutoFit/>
-                  </a:bodyPr>
-                  <a:lstStyle/>
-                  <a:p>
-                    <a:pPr/>
-                    <a14:m>
-                      <m:oMathPara xmlns:m="http://schemas.openxmlformats.org/officeDocument/2006/math">
-                        <m:oMathParaPr>
-                          <m:jc m:val="centerGroup"/>
-                        </m:oMathParaPr>
-                        <m:oMath xmlns:m="http://schemas.openxmlformats.org/officeDocument/2006/math">
-                          <m:sSub>
-                            <m:sSubPr>
-                              <m:ctrlPr>
-                                <a:rPr lang="en-US" i="1" smtClean="0">
-                                  <a:latin typeface="Cambria Math" panose="02040503050406030204" pitchFamily="18" charset="0"/>
-                                </a:rPr>
-                              </m:ctrlPr>
-                            </m:sSubPr>
-                            <m:e>
-                              <m:r>
-                                <a:rPr lang="en-US" i="1">
-                                  <a:latin typeface="Cambria Math"/>
-                                </a:rPr>
-                                <m:t>𝑥</m:t>
-                              </m:r>
-                            </m:e>
-                            <m:sub>
-                              <m:r>
-                                <a:rPr lang="en-US" b="0" i="1" smtClean="0">
-                                  <a:latin typeface="Cambria Math"/>
-                                </a:rPr>
-                                <m:t>2</m:t>
-                              </m:r>
-                            </m:sub>
-                          </m:sSub>
-                        </m:oMath>
-                      </m:oMathPara>
-                    </a14:m>
-                    <a:endParaRPr lang="en-US" dirty="0"/>
-                  </a:p>
-                </p:txBody>
-              </p:sp>
-            </mc:Choice>
-            <mc:Fallback>
-              <p:sp>
-                <p:nvSpPr>
-                  <p:cNvPr id="241" name="Rectangle 240"/>
-                  <p:cNvSpPr>
-                    <a:spLocks noRot="1" noChangeAspect="1" noMove="1" noResize="1" noEditPoints="1" noAdjustHandles="1" noChangeArrowheads="1" noChangeShapeType="1" noTextEdit="1"/>
-                  </p:cNvSpPr>
-                  <p:nvPr/>
-                </p:nvSpPr>
-                <p:spPr>
-                  <a:xfrm>
-                    <a:off x="4846109" y="3674170"/>
-                    <a:ext cx="394079" cy="299115"/>
-                  </a:xfrm>
-                  <a:prstGeom prst="rect">
-                    <a:avLst/>
-                  </a:prstGeom>
-                  <a:blipFill>
-                    <a:blip r:embed="rId6"/>
-                    <a:stretch>
-                      <a:fillRect/>
-                    </a:stretch>
-                  </a:blipFill>
-                </p:spPr>
-                <p:txBody>
-                  <a:bodyPr/>
-                  <a:lstStyle/>
-                  <a:p>
-                    <a:r>
-                      <a:rPr lang="en-US">
-                        <a:noFill/>
-                      </a:rPr>
-                      <a:t> </a:t>
-                    </a:r>
-                  </a:p>
-                </p:txBody>
-              </p:sp>
-            </mc:Fallback>
-          </mc:AlternateContent>
-          <mc:AlternateContent xmlns:mc="http://schemas.openxmlformats.org/markup-compatibility/2006">
-            <mc:Choice xmlns:a14="http://schemas.microsoft.com/office/drawing/2010/main" Requires="a14">
-              <p:sp>
-                <p:nvSpPr>
-                  <p:cNvPr id="242" name="Rectangle 241"/>
-                  <p:cNvSpPr/>
-                  <p:nvPr/>
-                </p:nvSpPr>
-                <p:spPr>
-                  <a:xfrm>
-                    <a:off x="6237424" y="3670163"/>
-                    <a:ext cx="370750" cy="299115"/>
-                  </a:xfrm>
-                  <a:prstGeom prst="rect">
-                    <a:avLst/>
-                  </a:prstGeom>
-                </p:spPr>
-                <p:txBody>
-                  <a:bodyPr wrap="none">
-                    <a:spAutoFit/>
-                  </a:bodyPr>
-                  <a:lstStyle/>
-                  <a:p>
-                    <a:pPr/>
-                    <a14:m>
-                      <m:oMathPara xmlns:m="http://schemas.openxmlformats.org/officeDocument/2006/math">
-                        <m:oMathParaPr>
-                          <m:jc m:val="centerGroup"/>
-                        </m:oMathParaPr>
-                        <m:oMath xmlns:m="http://schemas.openxmlformats.org/officeDocument/2006/math">
-                          <m:sSub>
-                            <m:sSubPr>
-                              <m:ctrlPr>
-                                <a:rPr lang="en-US" i="1" smtClean="0">
-                                  <a:latin typeface="Cambria Math" panose="02040503050406030204" pitchFamily="18" charset="0"/>
-                                </a:rPr>
-                              </m:ctrlPr>
-                            </m:sSubPr>
-                            <m:e>
-                              <m:r>
-                                <a:rPr lang="en-US" i="1">
-                                  <a:latin typeface="Cambria Math"/>
-                                </a:rPr>
-                                <m:t>𝑥</m:t>
-                              </m:r>
-                            </m:e>
-                            <m:sub>
-                              <m:r>
-                                <a:rPr lang="en-US" b="0" i="1" smtClean="0">
-                                  <a:latin typeface="Cambria Math" panose="02040503050406030204" pitchFamily="18" charset="0"/>
-                                </a:rPr>
-                                <m:t>𝑖</m:t>
-                              </m:r>
-                            </m:sub>
-                          </m:sSub>
-                        </m:oMath>
-                      </m:oMathPara>
-                    </a14:m>
-                    <a:endParaRPr lang="en-US" dirty="0"/>
-                  </a:p>
-                </p:txBody>
-              </p:sp>
-            </mc:Choice>
-            <mc:Fallback>
-              <p:sp>
-                <p:nvSpPr>
-                  <p:cNvPr id="242" name="Rectangle 241"/>
-                  <p:cNvSpPr>
-                    <a:spLocks noRot="1" noChangeAspect="1" noMove="1" noResize="1" noEditPoints="1" noAdjustHandles="1" noChangeArrowheads="1" noChangeShapeType="1" noTextEdit="1"/>
-                  </p:cNvSpPr>
-                  <p:nvPr/>
-                </p:nvSpPr>
-                <p:spPr>
-                  <a:xfrm>
-                    <a:off x="6237424" y="3670163"/>
-                    <a:ext cx="370750" cy="299115"/>
-                  </a:xfrm>
-                  <a:prstGeom prst="rect">
-                    <a:avLst/>
-                  </a:prstGeom>
-                  <a:blipFill>
-                    <a:blip r:embed="rId7"/>
-                    <a:stretch>
-                      <a:fillRect/>
-                    </a:stretch>
-                  </a:blipFill>
-                </p:spPr>
-                <p:txBody>
-                  <a:bodyPr/>
-                  <a:lstStyle/>
-                  <a:p>
-                    <a:r>
-                      <a:rPr lang="en-US">
-                        <a:noFill/>
-                      </a:rPr>
-                      <a:t> </a:t>
-                    </a:r>
-                  </a:p>
-                </p:txBody>
-              </p:sp>
-            </mc:Fallback>
-          </mc:AlternateContent>
-          <mc:AlternateContent xmlns:mc="http://schemas.openxmlformats.org/markup-compatibility/2006">
-            <mc:Choice xmlns:a14="http://schemas.microsoft.com/office/drawing/2010/main" Requires="a14">
-              <p:sp>
-                <p:nvSpPr>
-                  <p:cNvPr id="243" name="Rectangle 242"/>
-                  <p:cNvSpPr/>
-                  <p:nvPr/>
-                </p:nvSpPr>
-                <p:spPr>
-                  <a:xfrm>
-                    <a:off x="2309401" y="2150987"/>
-                    <a:ext cx="489375" cy="299115"/>
-                  </a:xfrm>
-                  <a:prstGeom prst="rect">
-                    <a:avLst/>
-                  </a:prstGeom>
-                </p:spPr>
-                <p:txBody>
-                  <a:bodyPr wrap="none">
-                    <a:spAutoFit/>
-                  </a:bodyPr>
-                  <a:lstStyle/>
-                  <a:p>
-                    <a:pPr/>
-                    <a14:m>
-                      <m:oMathPara xmlns:m="http://schemas.openxmlformats.org/officeDocument/2006/math">
-                        <m:oMathParaPr>
-                          <m:jc m:val="centerGroup"/>
-                        </m:oMathParaPr>
-                        <m:oMath xmlns:m="http://schemas.openxmlformats.org/officeDocument/2006/math">
-                          <m:sSub>
-                            <m:sSubPr>
-                              <m:ctrlPr>
-                                <a:rPr lang="en-US" i="1" smtClean="0">
-                                  <a:latin typeface="Cambria Math" panose="02040503050406030204" pitchFamily="18" charset="0"/>
-                                </a:rPr>
-                              </m:ctrlPr>
-                            </m:sSubPr>
-                            <m:e>
-                              <m:r>
-                                <a:rPr lang="en-US" b="0" i="1" smtClean="0">
-                                  <a:latin typeface="Cambria Math"/>
-                                </a:rPr>
-                                <m:t>𝑦</m:t>
-                              </m:r>
-                            </m:e>
-                            <m:sub>
-                              <m:r>
-                                <a:rPr lang="en-US" b="0" i="1" smtClean="0">
-                                  <a:latin typeface="Cambria Math"/>
-                                </a:rPr>
-                                <m:t>0</m:t>
-                              </m:r>
-                            </m:sub>
-                          </m:sSub>
-                        </m:oMath>
-                      </m:oMathPara>
-                    </a14:m>
-                    <a:endParaRPr lang="en-US" dirty="0"/>
-                  </a:p>
-                </p:txBody>
-              </p:sp>
-            </mc:Choice>
-            <mc:Fallback>
-              <p:sp>
-                <p:nvSpPr>
-                  <p:cNvPr id="243" name="Rectangle 242"/>
-                  <p:cNvSpPr>
-                    <a:spLocks noRot="1" noChangeAspect="1" noMove="1" noResize="1" noEditPoints="1" noAdjustHandles="1" noChangeArrowheads="1" noChangeShapeType="1" noTextEdit="1"/>
-                  </p:cNvSpPr>
-                  <p:nvPr/>
-                </p:nvSpPr>
-                <p:spPr>
-                  <a:xfrm>
-                    <a:off x="2309401" y="2150987"/>
-                    <a:ext cx="489375" cy="299115"/>
-                  </a:xfrm>
-                  <a:prstGeom prst="rect">
-                    <a:avLst/>
-                  </a:prstGeom>
-                  <a:blipFill>
-                    <a:blip r:embed="rId8"/>
-                    <a:stretch>
-                      <a:fillRect b="-6122"/>
-                    </a:stretch>
-                  </a:blipFill>
-                </p:spPr>
-                <p:txBody>
-                  <a:bodyPr/>
-                  <a:lstStyle/>
-                  <a:p>
-                    <a:r>
-                      <a:rPr lang="en-US">
-                        <a:noFill/>
-                      </a:rPr>
-                      <a:t> </a:t>
-                    </a:r>
-                  </a:p>
-                </p:txBody>
-              </p:sp>
-            </mc:Fallback>
-          </mc:AlternateContent>
-          <mc:AlternateContent xmlns:mc="http://schemas.openxmlformats.org/markup-compatibility/2006">
-            <mc:Choice xmlns:a14="http://schemas.microsoft.com/office/drawing/2010/main" Requires="a14">
-              <p:sp>
-                <p:nvSpPr>
-                  <p:cNvPr id="244" name="Rectangle 243"/>
-                  <p:cNvSpPr/>
-                  <p:nvPr/>
-                </p:nvSpPr>
-                <p:spPr>
-                  <a:xfrm>
-                    <a:off x="3292284" y="2159774"/>
-                    <a:ext cx="484433" cy="299115"/>
-                  </a:xfrm>
-                  <a:prstGeom prst="rect">
-                    <a:avLst/>
-                  </a:prstGeom>
-                </p:spPr>
-                <p:txBody>
-                  <a:bodyPr wrap="none">
-                    <a:spAutoFit/>
-                  </a:bodyPr>
-                  <a:lstStyle/>
-                  <a:p>
-                    <a:pPr/>
-                    <a14:m>
-                      <m:oMathPara xmlns:m="http://schemas.openxmlformats.org/officeDocument/2006/math">
-                        <m:oMathParaPr>
-                          <m:jc m:val="centerGroup"/>
-                        </m:oMathParaPr>
-                        <m:oMath xmlns:m="http://schemas.openxmlformats.org/officeDocument/2006/math">
-                          <m:sSub>
-                            <m:sSubPr>
-                              <m:ctrlPr>
-                                <a:rPr lang="en-US" i="1" smtClean="0">
-                                  <a:latin typeface="Cambria Math" panose="02040503050406030204" pitchFamily="18" charset="0"/>
-                                </a:rPr>
-                              </m:ctrlPr>
-                            </m:sSubPr>
-                            <m:e>
-                              <m:r>
-                                <a:rPr lang="en-US" b="0" i="1" smtClean="0">
-                                  <a:latin typeface="Cambria Math"/>
-                                </a:rPr>
-                                <m:t>𝑦</m:t>
-                              </m:r>
-                            </m:e>
-                            <m:sub>
-                              <m:r>
-                                <a:rPr lang="en-US" b="0" i="1" smtClean="0">
-                                  <a:latin typeface="Cambria Math"/>
-                                </a:rPr>
-                                <m:t>1</m:t>
-                              </m:r>
-                            </m:sub>
-                          </m:sSub>
-                        </m:oMath>
-                      </m:oMathPara>
-                    </a14:m>
-                    <a:endParaRPr lang="en-US" dirty="0"/>
-                  </a:p>
-                </p:txBody>
-              </p:sp>
-            </mc:Choice>
-            <mc:Fallback>
-              <p:sp>
-                <p:nvSpPr>
-                  <p:cNvPr id="244" name="Rectangle 243"/>
-                  <p:cNvSpPr>
-                    <a:spLocks noRot="1" noChangeAspect="1" noMove="1" noResize="1" noEditPoints="1" noAdjustHandles="1" noChangeArrowheads="1" noChangeShapeType="1" noTextEdit="1"/>
-                  </p:cNvSpPr>
-                  <p:nvPr/>
-                </p:nvSpPr>
-                <p:spPr>
-                  <a:xfrm>
-                    <a:off x="3292284" y="2159774"/>
-                    <a:ext cx="484433" cy="299115"/>
-                  </a:xfrm>
-                  <a:prstGeom prst="rect">
-                    <a:avLst/>
-                  </a:prstGeom>
-                  <a:blipFill>
-                    <a:blip r:embed="rId9"/>
-                    <a:stretch>
-                      <a:fillRect b="-6122"/>
-                    </a:stretch>
-                  </a:blipFill>
-                </p:spPr>
-                <p:txBody>
-                  <a:bodyPr/>
-                  <a:lstStyle/>
-                  <a:p>
-                    <a:r>
-                      <a:rPr lang="en-US">
-                        <a:noFill/>
-                      </a:rPr>
-                      <a:t> </a:t>
-                    </a:r>
-                  </a:p>
-                </p:txBody>
-              </p:sp>
-            </mc:Fallback>
-          </mc:AlternateContent>
-          <mc:AlternateContent xmlns:mc="http://schemas.openxmlformats.org/markup-compatibility/2006">
-            <mc:Choice xmlns:a14="http://schemas.microsoft.com/office/drawing/2010/main" Requires="a14">
-              <p:sp>
-                <p:nvSpPr>
-                  <p:cNvPr id="245" name="Rectangle 244"/>
-                  <p:cNvSpPr/>
-                  <p:nvPr/>
-                </p:nvSpPr>
-                <p:spPr>
-                  <a:xfrm>
-                    <a:off x="4233633" y="2143615"/>
-                    <a:ext cx="489375" cy="299115"/>
-                  </a:xfrm>
-                  <a:prstGeom prst="rect">
-                    <a:avLst/>
-                  </a:prstGeom>
-                </p:spPr>
-                <p:txBody>
-                  <a:bodyPr wrap="none">
-                    <a:spAutoFit/>
-                  </a:bodyPr>
-                  <a:lstStyle/>
-                  <a:p>
-                    <a:pPr/>
-                    <a14:m>
-                      <m:oMathPara xmlns:m="http://schemas.openxmlformats.org/officeDocument/2006/math">
-                        <m:oMathParaPr>
-                          <m:jc m:val="centerGroup"/>
-                        </m:oMathParaPr>
-                        <m:oMath xmlns:m="http://schemas.openxmlformats.org/officeDocument/2006/math">
-                          <m:sSub>
-                            <m:sSubPr>
-                              <m:ctrlPr>
-                                <a:rPr lang="en-US" i="1" smtClean="0">
-                                  <a:latin typeface="Cambria Math" panose="02040503050406030204" pitchFamily="18" charset="0"/>
-                                </a:rPr>
-                              </m:ctrlPr>
-                            </m:sSubPr>
-                            <m:e>
-                              <m:r>
-                                <a:rPr lang="en-US" b="0" i="1" smtClean="0">
-                                  <a:latin typeface="Cambria Math"/>
-                                </a:rPr>
-                                <m:t>𝑦</m:t>
-                              </m:r>
-                            </m:e>
-                            <m:sub>
-                              <m:r>
-                                <a:rPr lang="en-US" b="0" i="1" smtClean="0">
-                                  <a:latin typeface="Cambria Math"/>
-                                </a:rPr>
-                                <m:t>2</m:t>
-                              </m:r>
-                            </m:sub>
-                          </m:sSub>
-                        </m:oMath>
-                      </m:oMathPara>
-                    </a14:m>
-                    <a:endParaRPr lang="en-US" dirty="0"/>
-                  </a:p>
-                </p:txBody>
-              </p:sp>
-            </mc:Choice>
-            <mc:Fallback>
-              <p:sp>
-                <p:nvSpPr>
-                  <p:cNvPr id="245" name="Rectangle 244"/>
-                  <p:cNvSpPr>
-                    <a:spLocks noRot="1" noChangeAspect="1" noMove="1" noResize="1" noEditPoints="1" noAdjustHandles="1" noChangeArrowheads="1" noChangeShapeType="1" noTextEdit="1"/>
-                  </p:cNvSpPr>
-                  <p:nvPr/>
-                </p:nvSpPr>
-                <p:spPr>
-                  <a:xfrm>
-                    <a:off x="4233633" y="2143615"/>
-                    <a:ext cx="489375" cy="299115"/>
-                  </a:xfrm>
-                  <a:prstGeom prst="rect">
-                    <a:avLst/>
-                  </a:prstGeom>
-                  <a:blipFill>
-                    <a:blip r:embed="rId10"/>
-                    <a:stretch>
-                      <a:fillRect b="-6122"/>
-                    </a:stretch>
-                  </a:blipFill>
-                </p:spPr>
-                <p:txBody>
-                  <a:bodyPr/>
-                  <a:lstStyle/>
-                  <a:p>
-                    <a:r>
-                      <a:rPr lang="en-US">
-                        <a:noFill/>
-                      </a:rPr>
-                      <a:t> </a:t>
-                    </a:r>
-                  </a:p>
-                </p:txBody>
-              </p:sp>
-            </mc:Fallback>
-          </mc:AlternateContent>
-          <mc:AlternateContent xmlns:mc="http://schemas.openxmlformats.org/markup-compatibility/2006">
-            <mc:Choice xmlns:a14="http://schemas.microsoft.com/office/drawing/2010/main" Requires="a14">
-              <p:sp>
-                <p:nvSpPr>
-                  <p:cNvPr id="246" name="Rectangle 245"/>
-                  <p:cNvSpPr/>
-                  <p:nvPr/>
-                </p:nvSpPr>
-                <p:spPr>
-                  <a:xfrm>
-                    <a:off x="5705891" y="2124551"/>
-                    <a:ext cx="460480" cy="299115"/>
-                  </a:xfrm>
-                  <a:prstGeom prst="rect">
-                    <a:avLst/>
-                  </a:prstGeom>
-                </p:spPr>
-                <p:txBody>
-                  <a:bodyPr wrap="none">
-                    <a:spAutoFit/>
-                  </a:bodyPr>
-                  <a:lstStyle/>
-                  <a:p>
-                    <a:pPr/>
-                    <a14:m>
-                      <m:oMathPara xmlns:m="http://schemas.openxmlformats.org/officeDocument/2006/math">
-                        <m:oMathParaPr>
-                          <m:jc m:val="centerGroup"/>
-                        </m:oMathParaPr>
-                        <m:oMath xmlns:m="http://schemas.openxmlformats.org/officeDocument/2006/math">
-                          <m:sSub>
-                            <m:sSubPr>
-                              <m:ctrlPr>
-                                <a:rPr lang="en-US" i="1" smtClean="0">
-                                  <a:latin typeface="Cambria Math" panose="02040503050406030204" pitchFamily="18" charset="0"/>
-                                </a:rPr>
-                              </m:ctrlPr>
-                            </m:sSubPr>
-                            <m:e>
-                              <m:r>
-                                <a:rPr lang="en-US" b="0" i="1" smtClean="0">
-                                  <a:latin typeface="Cambria Math"/>
-                                </a:rPr>
-                                <m:t>𝑦</m:t>
-                              </m:r>
-                            </m:e>
-                            <m:sub>
-                              <m:r>
-                                <a:rPr lang="en-US" b="0" i="1" smtClean="0">
-                                  <a:latin typeface="Cambria Math" panose="02040503050406030204" pitchFamily="18" charset="0"/>
-                                </a:rPr>
-                                <m:t>𝑖</m:t>
-                              </m:r>
-                            </m:sub>
-                          </m:sSub>
-                        </m:oMath>
-                      </m:oMathPara>
-                    </a14:m>
-                    <a:endParaRPr lang="en-US" dirty="0"/>
-                  </a:p>
-                </p:txBody>
-              </p:sp>
-            </mc:Choice>
-            <mc:Fallback>
-              <p:sp>
-                <p:nvSpPr>
-                  <p:cNvPr id="246" name="Rectangle 245"/>
-                  <p:cNvSpPr>
-                    <a:spLocks noRot="1" noChangeAspect="1" noMove="1" noResize="1" noEditPoints="1" noAdjustHandles="1" noChangeArrowheads="1" noChangeShapeType="1" noTextEdit="1"/>
-                  </p:cNvSpPr>
-                  <p:nvPr/>
-                </p:nvSpPr>
-                <p:spPr>
-                  <a:xfrm>
-                    <a:off x="5705891" y="2124551"/>
-                    <a:ext cx="460480" cy="299115"/>
-                  </a:xfrm>
-                  <a:prstGeom prst="rect">
-                    <a:avLst/>
-                  </a:prstGeom>
-                  <a:blipFill>
-                    <a:blip r:embed="rId11"/>
-                    <a:stretch>
-                      <a:fillRect b="-6122"/>
-                    </a:stretch>
-                  </a:blipFill>
-                </p:spPr>
-                <p:txBody>
-                  <a:bodyPr/>
-                  <a:lstStyle/>
-                  <a:p>
-                    <a:r>
-                      <a:rPr lang="en-US">
-                        <a:noFill/>
-                      </a:rPr>
-                      <a:t> </a:t>
-                    </a:r>
-                  </a:p>
-                </p:txBody>
-              </p:sp>
-            </mc:Fallback>
-          </mc:AlternateContent>
-          <p:sp>
-            <p:nvSpPr>
-              <p:cNvPr id="267" name="Rounded Rectangle 266"/>
-              <p:cNvSpPr/>
-              <p:nvPr/>
-            </p:nvSpPr>
-            <p:spPr>
-              <a:xfrm>
-                <a:off x="2219527" y="1819590"/>
-                <a:ext cx="4196520" cy="271945"/>
-              </a:xfrm>
-              <a:prstGeom prst="roundRect">
-                <a:avLst/>
-              </a:prstGeom>
-            </p:spPr>
-            <p:style>
-              <a:lnRef idx="2">
-                <a:schemeClr val="accent3">
-                  <a:shade val="50000"/>
-                </a:schemeClr>
-              </a:lnRef>
-              <a:fillRef idx="1">
-                <a:schemeClr val="accent3"/>
-              </a:fillRef>
-              <a:effectRef idx="0">
-                <a:schemeClr val="accent3"/>
-              </a:effectRef>
-              <a:fontRef idx="minor">
-                <a:schemeClr val="lt1"/>
-              </a:fontRef>
-            </p:style>
-            <p:txBody>
-              <a:bodyPr rtlCol="0" anchor="ctr"/>
-              <a:lstStyle/>
-              <a:p>
-                <a:pPr algn="ctr"/>
-                <a:r>
-                  <a:rPr lang="en-US" sz="1200" b="1" smtClean="0"/>
-                  <a:t>Linear</a:t>
-                </a:r>
-                <a:endParaRPr lang="en-US" sz="1200" b="1"/>
-              </a:p>
-            </p:txBody>
-          </p:sp>
-          <p:sp>
-            <p:nvSpPr>
-              <p:cNvPr id="268" name="Rounded Rectangle 267"/>
-              <p:cNvSpPr/>
-              <p:nvPr/>
-            </p:nvSpPr>
-            <p:spPr>
-              <a:xfrm>
-                <a:off x="2205266" y="1482909"/>
-                <a:ext cx="4196520" cy="276059"/>
-              </a:xfrm>
-              <a:prstGeom prst="roundRect">
-                <a:avLst/>
-              </a:prstGeom>
-            </p:spPr>
-            <p:style>
-              <a:lnRef idx="2">
-                <a:schemeClr val="accent2">
-                  <a:shade val="50000"/>
-                </a:schemeClr>
-              </a:lnRef>
-              <a:fillRef idx="1">
-                <a:schemeClr val="accent2"/>
-              </a:fillRef>
-              <a:effectRef idx="0">
-                <a:schemeClr val="accent2"/>
-              </a:effectRef>
-              <a:fontRef idx="minor">
-                <a:schemeClr val="lt1"/>
-              </a:fontRef>
-            </p:style>
-            <p:txBody>
-              <a:bodyPr rtlCol="0" anchor="ctr"/>
-              <a:lstStyle/>
-              <a:p>
-                <a:pPr algn="ctr"/>
-                <a:r>
-                  <a:rPr lang="en-US" sz="1200" b="1" smtClean="0"/>
-                  <a:t>Output words</a:t>
-                </a:r>
-                <a:endParaRPr lang="en-US" sz="1200" b="1"/>
-              </a:p>
-            </p:txBody>
-          </p:sp>
-          <p:grpSp>
-            <p:nvGrpSpPr>
-              <p:cNvPr id="285" name="Group 284"/>
-              <p:cNvGrpSpPr/>
-              <p:nvPr/>
-            </p:nvGrpSpPr>
-            <p:grpSpPr>
-              <a:xfrm>
-                <a:off x="2487631" y="1270724"/>
-                <a:ext cx="3339697" cy="223429"/>
-                <a:chOff x="3172691" y="4099173"/>
-                <a:chExt cx="3425154" cy="313500"/>
-              </a:xfrm>
-            </p:grpSpPr>
-            <p:cxnSp>
-              <p:nvCxnSpPr>
-                <p:cNvPr id="286" name="Straight Arrow Connector 285"/>
-                <p:cNvCxnSpPr/>
-                <p:nvPr/>
-              </p:nvCxnSpPr>
-              <p:spPr>
-                <a:xfrm flipV="1">
-                  <a:off x="3172691" y="4135584"/>
-                  <a:ext cx="0" cy="277089"/>
-                </a:xfrm>
-                <a:prstGeom prst="straightConnector1">
-                  <a:avLst/>
-                </a:prstGeom>
-                <a:ln>
-                  <a:tailEnd type="triangle"/>
-                </a:ln>
-              </p:spPr>
-              <p:style>
-                <a:lnRef idx="2">
-                  <a:schemeClr val="accent4"/>
-                </a:lnRef>
-                <a:fillRef idx="1">
-                  <a:schemeClr val="lt1"/>
-                </a:fillRef>
-                <a:effectRef idx="0">
-                  <a:schemeClr val="accent4"/>
-                </a:effectRef>
-                <a:fontRef idx="minor">
-                  <a:schemeClr val="dk1"/>
-                </a:fontRef>
-              </p:style>
-            </p:cxnSp>
-            <p:cxnSp>
-              <p:nvCxnSpPr>
-                <p:cNvPr id="287" name="Straight Arrow Connector 286"/>
-                <p:cNvCxnSpPr/>
-                <p:nvPr/>
-              </p:nvCxnSpPr>
-              <p:spPr>
-                <a:xfrm flipV="1">
-                  <a:off x="4194463" y="4128657"/>
-                  <a:ext cx="0" cy="277089"/>
-                </a:xfrm>
-                <a:prstGeom prst="straightConnector1">
-                  <a:avLst/>
-                </a:prstGeom>
-                <a:ln>
-                  <a:tailEnd type="triangle"/>
-                </a:ln>
-              </p:spPr>
-              <p:style>
-                <a:lnRef idx="2">
-                  <a:schemeClr val="accent4"/>
-                </a:lnRef>
-                <a:fillRef idx="1">
-                  <a:schemeClr val="lt1"/>
-                </a:fillRef>
-                <a:effectRef idx="0">
-                  <a:schemeClr val="accent4"/>
-                </a:effectRef>
-                <a:fontRef idx="minor">
-                  <a:schemeClr val="dk1"/>
-                </a:fontRef>
-              </p:style>
-            </p:cxnSp>
-            <p:cxnSp>
-              <p:nvCxnSpPr>
-                <p:cNvPr id="288" name="Straight Arrow Connector 287"/>
-                <p:cNvCxnSpPr/>
-                <p:nvPr/>
-              </p:nvCxnSpPr>
-              <p:spPr>
-                <a:xfrm flipV="1">
-                  <a:off x="5149376" y="4099173"/>
-                  <a:ext cx="0" cy="277089"/>
-                </a:xfrm>
-                <a:prstGeom prst="straightConnector1">
-                  <a:avLst/>
-                </a:prstGeom>
-                <a:ln>
-                  <a:tailEnd type="triangle"/>
-                </a:ln>
-              </p:spPr>
-              <p:style>
-                <a:lnRef idx="2">
-                  <a:schemeClr val="accent4"/>
-                </a:lnRef>
-                <a:fillRef idx="1">
-                  <a:schemeClr val="lt1"/>
-                </a:fillRef>
-                <a:effectRef idx="0">
-                  <a:schemeClr val="accent4"/>
-                </a:effectRef>
-                <a:fontRef idx="minor">
-                  <a:schemeClr val="dk1"/>
-                </a:fontRef>
-              </p:style>
-            </p:cxnSp>
-            <p:cxnSp>
-              <p:nvCxnSpPr>
-                <p:cNvPr id="289" name="Straight Arrow Connector 288"/>
-                <p:cNvCxnSpPr/>
-                <p:nvPr/>
-              </p:nvCxnSpPr>
-              <p:spPr>
-                <a:xfrm flipV="1">
-                  <a:off x="6597845" y="4106464"/>
-                  <a:ext cx="0" cy="277089"/>
-                </a:xfrm>
-                <a:prstGeom prst="straightConnector1">
-                  <a:avLst/>
-                </a:prstGeom>
-                <a:ln>
-                  <a:tailEnd type="triangle"/>
-                </a:ln>
-              </p:spPr>
-              <p:style>
-                <a:lnRef idx="2">
-                  <a:schemeClr val="accent4"/>
-                </a:lnRef>
-                <a:fillRef idx="1">
-                  <a:schemeClr val="lt1"/>
-                </a:fillRef>
-                <a:effectRef idx="0">
-                  <a:schemeClr val="accent4"/>
-                </a:effectRef>
-                <a:fontRef idx="minor">
-                  <a:schemeClr val="dk1"/>
-                </a:fontRef>
-              </p:style>
-            </p:cxnSp>
-          </p:grpSp>
         </p:grpSp>
       </p:grpSp>
     </p:spTree>
@@ -24872,13 +24841,7 @@
               <a:rPr lang="en-US" b="1" smtClean="0">
                 <a:latin typeface="Montserrat" panose="020B0604020202020204" charset="0"/>
               </a:rPr>
-              <a:t>Transformer </a:t>
-            </a:r>
-            <a:r>
-              <a:rPr lang="en-US" b="1" smtClean="0">
-                <a:latin typeface="Montserrat" panose="020B0604020202020204" charset="0"/>
-              </a:rPr>
-              <a:t>Model</a:t>
+              <a:t>Transformer Model</a:t>
             </a:r>
             <a:endParaRPr lang="en-US" b="1"/>
           </a:p>
@@ -24939,11 +24902,7 @@
           <a:p>
             <a:r>
               <a:rPr lang="en-US"/>
-              <a:t>Hình ảnh từ cuốn Dive into Deep</a:t>
-            </a:r>
-            <a:r>
-              <a:rPr lang="en-US"/>
-              <a:t> </a:t>
+              <a:t>Hình ảnh từ cuốn Dive into Deep </a:t>
             </a:r>
             <a:r>
               <a:rPr lang="en-US" smtClean="0"/>
@@ -25102,13 +25061,7 @@
               <a:rPr lang="en-US" b="1" smtClean="0">
                 <a:latin typeface="Montserrat" panose="020B0604020202020204" charset="0"/>
               </a:rPr>
-              <a:t>Transformer </a:t>
-            </a:r>
-            <a:r>
-              <a:rPr lang="en-US" b="1" smtClean="0">
-                <a:latin typeface="Montserrat" panose="020B0604020202020204" charset="0"/>
-              </a:rPr>
-              <a:t>Model</a:t>
+              <a:t>Transformer Model</a:t>
             </a:r>
             <a:endParaRPr lang="en-US" b="1"/>
           </a:p>
@@ -25141,9 +25094,6 @@
               </a:rPr>
               <a:t>Transformer Encoder + Linear in our project</a:t>
             </a:r>
-            <a:endParaRPr lang="en-US" b="1" smtClean="0">
-              <a:latin typeface="Montserrat" panose="020B0604020202020204" charset="0"/>
-            </a:endParaRPr>
           </a:p>
         </p:txBody>
       </p:sp>
@@ -25652,13 +25602,7 @@
               <a:rPr lang="en-US" b="1" smtClean="0">
                 <a:latin typeface="Montserrat" panose="020B0604020202020204" charset="0"/>
               </a:rPr>
-              <a:t>Evolved Transformer </a:t>
-            </a:r>
-            <a:r>
-              <a:rPr lang="en-US" b="1" smtClean="0">
-                <a:latin typeface="Montserrat" panose="020B0604020202020204" charset="0"/>
-              </a:rPr>
-              <a:t>Model</a:t>
+              <a:t>Evolved Transformer Model</a:t>
             </a:r>
             <a:endParaRPr lang="en-US" b="1"/>
           </a:p>
@@ -25692,9 +25636,6 @@
               </a:rPr>
               <a:t>Transformer Encoder + Linear in our project</a:t>
             </a:r>
-            <a:endParaRPr lang="en-US" b="1" smtClean="0">
-              <a:latin typeface="Montserrat" panose="020B0604020202020204" charset="0"/>
-            </a:endParaRPr>
           </a:p>
         </p:txBody>
       </p:sp>
@@ -28063,11 +28004,7 @@
           <a:p>
             <a:r>
               <a:rPr lang="en-US" b="1" smtClean="0"/>
-              <a:t>VAD </a:t>
-            </a:r>
-            <a:r>
-              <a:rPr lang="en-US" b="1" smtClean="0"/>
-              <a:t>Platform: </a:t>
+              <a:t>VAD Platform: </a:t>
             </a:r>
             <a:endParaRPr lang="en-US" b="1"/>
           </a:p>
